--- a/ThreeRings.pptx
+++ b/ThreeRings.pptx
@@ -112,6 +112,11 @@
       </a:defRPr>
     </a:lvl9pPr>
   </p:defaultTextStyle>
+  <p:extLst>
+    <p:ext uri="{EFAFB233-063F-42B5-8137-9DF3F51BA10A}">
+      <p15:sldGuideLst xmlns:p15="http://schemas.microsoft.com/office/powerpoint/2012/main"/>
+    </p:ext>
+  </p:extLst>
 </p:presentation>
 </file>
 
@@ -262,7 +267,7 @@
           <a:p>
             <a:fld id="{CCC18866-C919-4534-B6B5-FAE0959FF7A2}" type="datetimeFigureOut">
               <a:rPr kumimoji="1" lang="ja-JP" altLang="en-US" smtClean="0"/>
-              <a:t>2024/7/2</a:t>
+              <a:t>2024/7/4</a:t>
             </a:fld>
             <a:endParaRPr kumimoji="1" lang="ja-JP" altLang="en-US"/>
           </a:p>
@@ -492,7 +497,7 @@
           <a:p>
             <a:fld id="{CCC18866-C919-4534-B6B5-FAE0959FF7A2}" type="datetimeFigureOut">
               <a:rPr kumimoji="1" lang="ja-JP" altLang="en-US" smtClean="0"/>
-              <a:t>2024/7/2</a:t>
+              <a:t>2024/7/4</a:t>
             </a:fld>
             <a:endParaRPr kumimoji="1" lang="ja-JP" altLang="en-US"/>
           </a:p>
@@ -732,7 +737,7 @@
           <a:p>
             <a:fld id="{CCC18866-C919-4534-B6B5-FAE0959FF7A2}" type="datetimeFigureOut">
               <a:rPr kumimoji="1" lang="ja-JP" altLang="en-US" smtClean="0"/>
-              <a:t>2024/7/2</a:t>
+              <a:t>2024/7/4</a:t>
             </a:fld>
             <a:endParaRPr kumimoji="1" lang="ja-JP" altLang="en-US"/>
           </a:p>
@@ -962,7 +967,7 @@
           <a:p>
             <a:fld id="{CCC18866-C919-4534-B6B5-FAE0959FF7A2}" type="datetimeFigureOut">
               <a:rPr kumimoji="1" lang="ja-JP" altLang="en-US" smtClean="0"/>
-              <a:t>2024/7/2</a:t>
+              <a:t>2024/7/4</a:t>
             </a:fld>
             <a:endParaRPr kumimoji="1" lang="ja-JP" altLang="en-US"/>
           </a:p>
@@ -1237,7 +1242,7 @@
           <a:p>
             <a:fld id="{CCC18866-C919-4534-B6B5-FAE0959FF7A2}" type="datetimeFigureOut">
               <a:rPr kumimoji="1" lang="ja-JP" altLang="en-US" smtClean="0"/>
-              <a:t>2024/7/2</a:t>
+              <a:t>2024/7/4</a:t>
             </a:fld>
             <a:endParaRPr kumimoji="1" lang="ja-JP" altLang="en-US"/>
           </a:p>
@@ -1566,7 +1571,7 @@
           <a:p>
             <a:fld id="{CCC18866-C919-4534-B6B5-FAE0959FF7A2}" type="datetimeFigureOut">
               <a:rPr kumimoji="1" lang="ja-JP" altLang="en-US" smtClean="0"/>
-              <a:t>2024/7/2</a:t>
+              <a:t>2024/7/4</a:t>
             </a:fld>
             <a:endParaRPr kumimoji="1" lang="ja-JP" altLang="en-US"/>
           </a:p>
@@ -2042,7 +2047,7 @@
           <a:p>
             <a:fld id="{CCC18866-C919-4534-B6B5-FAE0959FF7A2}" type="datetimeFigureOut">
               <a:rPr kumimoji="1" lang="ja-JP" altLang="en-US" smtClean="0"/>
-              <a:t>2024/7/2</a:t>
+              <a:t>2024/7/4</a:t>
             </a:fld>
             <a:endParaRPr kumimoji="1" lang="ja-JP" altLang="en-US"/>
           </a:p>
@@ -2183,7 +2188,7 @@
           <a:p>
             <a:fld id="{CCC18866-C919-4534-B6B5-FAE0959FF7A2}" type="datetimeFigureOut">
               <a:rPr kumimoji="1" lang="ja-JP" altLang="en-US" smtClean="0"/>
-              <a:t>2024/7/2</a:t>
+              <a:t>2024/7/4</a:t>
             </a:fld>
             <a:endParaRPr kumimoji="1" lang="ja-JP" altLang="en-US"/>
           </a:p>
@@ -2296,7 +2301,7 @@
           <a:p>
             <a:fld id="{CCC18866-C919-4534-B6B5-FAE0959FF7A2}" type="datetimeFigureOut">
               <a:rPr kumimoji="1" lang="ja-JP" altLang="en-US" smtClean="0"/>
-              <a:t>2024/7/2</a:t>
+              <a:t>2024/7/4</a:t>
             </a:fld>
             <a:endParaRPr kumimoji="1" lang="ja-JP" altLang="en-US"/>
           </a:p>
@@ -2639,7 +2644,7 @@
           <a:p>
             <a:fld id="{CCC18866-C919-4534-B6B5-FAE0959FF7A2}" type="datetimeFigureOut">
               <a:rPr kumimoji="1" lang="ja-JP" altLang="en-US" smtClean="0"/>
-              <a:t>2024/7/2</a:t>
+              <a:t>2024/7/4</a:t>
             </a:fld>
             <a:endParaRPr kumimoji="1" lang="ja-JP" altLang="en-US"/>
           </a:p>
@@ -2927,7 +2932,7 @@
           <a:p>
             <a:fld id="{CCC18866-C919-4534-B6B5-FAE0959FF7A2}" type="datetimeFigureOut">
               <a:rPr kumimoji="1" lang="ja-JP" altLang="en-US" smtClean="0"/>
-              <a:t>2024/7/2</a:t>
+              <a:t>2024/7/4</a:t>
             </a:fld>
             <a:endParaRPr kumimoji="1" lang="ja-JP" altLang="en-US"/>
           </a:p>
@@ -3200,7 +3205,7 @@
           <a:p>
             <a:fld id="{CCC18866-C919-4534-B6B5-FAE0959FF7A2}" type="datetimeFigureOut">
               <a:rPr kumimoji="1" lang="ja-JP" altLang="en-US" smtClean="0"/>
-              <a:t>2024/7/2</a:t>
+              <a:t>2024/7/4</a:t>
             </a:fld>
             <a:endParaRPr kumimoji="1" lang="ja-JP" altLang="en-US"/>
           </a:p>
@@ -3662,7 +3667,12 @@
             <p:ph type="subTitle" idx="1"/>
           </p:nvPr>
         </p:nvSpPr>
-        <p:spPr/>
+        <p:spPr>
+          <a:xfrm>
+            <a:off x="1524000" y="4079875"/>
+            <a:ext cx="9144000" cy="1655762"/>
+          </a:xfrm>
+        </p:spPr>
         <p:txBody>
           <a:bodyPr>
             <a:normAutofit fontScale="70000" lnSpcReduction="20000"/>
@@ -3676,34 +3686,38 @@
             <a:br>
               <a:rPr kumimoji="1" lang="en-US" altLang="ja-JP" dirty="0"/>
             </a:br>
-            <a:r>
-              <a:rPr kumimoji="1" lang="ja-JP" altLang="en-US" dirty="0"/>
-              <a:t>メンバー：鹿島</a:t>
-            </a:r>
-            <a:endParaRPr kumimoji="1" lang="en-US" altLang="ja-JP" dirty="0"/>
-          </a:p>
-          <a:p>
-            <a:r>
-              <a:rPr kumimoji="1" lang="ja-JP" altLang="en-US" dirty="0"/>
-              <a:t>メンバー：赤嶺</a:t>
-            </a:r>
             <a:br>
               <a:rPr kumimoji="1" lang="en-US" altLang="ja-JP" dirty="0"/>
             </a:br>
             <a:r>
               <a:rPr kumimoji="1" lang="ja-JP" altLang="en-US" dirty="0"/>
-              <a:t>以上</a:t>
+              <a:t>メンバー：鹿島</a:t>
             </a:r>
             <a:endParaRPr kumimoji="1" lang="en-US" altLang="ja-JP" dirty="0"/>
           </a:p>
           <a:p>
+            <a:r>
+              <a:rPr kumimoji="1" lang="ja-JP" altLang="en-US" dirty="0"/>
+              <a:t>メンバー：赤嶺</a:t>
+            </a:r>
+            <a:endParaRPr kumimoji="1" lang="en-US" altLang="ja-JP" dirty="0"/>
+          </a:p>
+          <a:p>
             <a:endParaRPr lang="en-US" altLang="ja-JP" dirty="0"/>
           </a:p>
           <a:p>
-            <a:r>
-              <a:rPr kumimoji="1" lang="ja-JP" altLang="en-US" dirty="0"/>
+            <a:pPr algn="r"/>
+            <a:r>
+              <a:rPr lang="ja-JP" altLang="en-US" dirty="0"/>
               <a:t>チーム名：三十台男性</a:t>
             </a:r>
+            <a:endParaRPr lang="en-US" altLang="ja-JP" dirty="0"/>
+          </a:p>
+          <a:p>
+            <a:endParaRPr kumimoji="1" lang="en-US" altLang="ja-JP" dirty="0"/>
+          </a:p>
+          <a:p>
+            <a:endParaRPr lang="en-US" altLang="ja-JP" dirty="0"/>
           </a:p>
         </p:txBody>
       </p:sp>

--- a/ThreeRings.pptx
+++ b/ThreeRings.pptx
@@ -2,27 +2,29 @@
 <file path=ppt/presentation.xml><?xml version="1.0" encoding="utf-8"?>
 <p:presentation xmlns:a="http://schemas.openxmlformats.org/drawingml/2006/main" xmlns:r="http://schemas.openxmlformats.org/officeDocument/2006/relationships" xmlns:p="http://schemas.openxmlformats.org/presentationml/2006/main" saveSubsetFonts="1">
   <p:sldMasterIdLst>
-    <p:sldMasterId id="2147483648" r:id="rId1"/>
+    <p:sldMasterId id="2147483660" r:id="rId1"/>
   </p:sldMasterIdLst>
   <p:sldIdLst>
     <p:sldId id="256" r:id="rId2"/>
     <p:sldId id="257" r:id="rId3"/>
-    <p:sldId id="258" r:id="rId4"/>
-    <p:sldId id="259" r:id="rId5"/>
-    <p:sldId id="260" r:id="rId6"/>
-    <p:sldId id="261" r:id="rId7"/>
-    <p:sldId id="263" r:id="rId8"/>
-    <p:sldId id="264" r:id="rId9"/>
-    <p:sldId id="262" r:id="rId10"/>
+    <p:sldId id="266" r:id="rId4"/>
+    <p:sldId id="258" r:id="rId5"/>
+    <p:sldId id="259" r:id="rId6"/>
+    <p:sldId id="267" r:id="rId7"/>
+    <p:sldId id="260" r:id="rId8"/>
+    <p:sldId id="261" r:id="rId9"/>
+    <p:sldId id="263" r:id="rId10"/>
+    <p:sldId id="264" r:id="rId11"/>
+    <p:sldId id="262" r:id="rId12"/>
   </p:sldIdLst>
   <p:sldSz cx="12192000" cy="6858000"/>
   <p:notesSz cx="6858000" cy="9144000"/>
   <p:defaultTextStyle>
     <a:defPPr>
-      <a:defRPr lang="ja-JP"/>
+      <a:defRPr lang="en-US"/>
     </a:defPPr>
-    <a:lvl1pPr marL="0" algn="l" defTabSz="914400" rtl="0" eaLnBrk="1" latinLnBrk="0" hangingPunct="1">
-      <a:defRPr kumimoji="1" sz="1800" kern="1200">
+    <a:lvl1pPr marL="0" algn="l" defTabSz="457200" rtl="0" eaLnBrk="1" latinLnBrk="0" hangingPunct="1">
+      <a:defRPr sz="1800" kern="1200">
         <a:solidFill>
           <a:schemeClr val="tx1"/>
         </a:solidFill>
@@ -31,8 +33,8 @@
         <a:cs typeface="+mn-cs"/>
       </a:defRPr>
     </a:lvl1pPr>
-    <a:lvl2pPr marL="457200" algn="l" defTabSz="914400" rtl="0" eaLnBrk="1" latinLnBrk="0" hangingPunct="1">
-      <a:defRPr kumimoji="1" sz="1800" kern="1200">
+    <a:lvl2pPr marL="457200" algn="l" defTabSz="457200" rtl="0" eaLnBrk="1" latinLnBrk="0" hangingPunct="1">
+      <a:defRPr sz="1800" kern="1200">
         <a:solidFill>
           <a:schemeClr val="tx1"/>
         </a:solidFill>
@@ -41,8 +43,8 @@
         <a:cs typeface="+mn-cs"/>
       </a:defRPr>
     </a:lvl2pPr>
-    <a:lvl3pPr marL="914400" algn="l" defTabSz="914400" rtl="0" eaLnBrk="1" latinLnBrk="0" hangingPunct="1">
-      <a:defRPr kumimoji="1" sz="1800" kern="1200">
+    <a:lvl3pPr marL="914400" algn="l" defTabSz="457200" rtl="0" eaLnBrk="1" latinLnBrk="0" hangingPunct="1">
+      <a:defRPr sz="1800" kern="1200">
         <a:solidFill>
           <a:schemeClr val="tx1"/>
         </a:solidFill>
@@ -51,8 +53,8 @@
         <a:cs typeface="+mn-cs"/>
       </a:defRPr>
     </a:lvl3pPr>
-    <a:lvl4pPr marL="1371600" algn="l" defTabSz="914400" rtl="0" eaLnBrk="1" latinLnBrk="0" hangingPunct="1">
-      <a:defRPr kumimoji="1" sz="1800" kern="1200">
+    <a:lvl4pPr marL="1371600" algn="l" defTabSz="457200" rtl="0" eaLnBrk="1" latinLnBrk="0" hangingPunct="1">
+      <a:defRPr sz="1800" kern="1200">
         <a:solidFill>
           <a:schemeClr val="tx1"/>
         </a:solidFill>
@@ -61,8 +63,8 @@
         <a:cs typeface="+mn-cs"/>
       </a:defRPr>
     </a:lvl4pPr>
-    <a:lvl5pPr marL="1828800" algn="l" defTabSz="914400" rtl="0" eaLnBrk="1" latinLnBrk="0" hangingPunct="1">
-      <a:defRPr kumimoji="1" sz="1800" kern="1200">
+    <a:lvl5pPr marL="1828800" algn="l" defTabSz="457200" rtl="0" eaLnBrk="1" latinLnBrk="0" hangingPunct="1">
+      <a:defRPr sz="1800" kern="1200">
         <a:solidFill>
           <a:schemeClr val="tx1"/>
         </a:solidFill>
@@ -71,8 +73,8 @@
         <a:cs typeface="+mn-cs"/>
       </a:defRPr>
     </a:lvl5pPr>
-    <a:lvl6pPr marL="2286000" algn="l" defTabSz="914400" rtl="0" eaLnBrk="1" latinLnBrk="0" hangingPunct="1">
-      <a:defRPr kumimoji="1" sz="1800" kern="1200">
+    <a:lvl6pPr marL="2286000" algn="l" defTabSz="457200" rtl="0" eaLnBrk="1" latinLnBrk="0" hangingPunct="1">
+      <a:defRPr sz="1800" kern="1200">
         <a:solidFill>
           <a:schemeClr val="tx1"/>
         </a:solidFill>
@@ -81,8 +83,8 @@
         <a:cs typeface="+mn-cs"/>
       </a:defRPr>
     </a:lvl6pPr>
-    <a:lvl7pPr marL="2743200" algn="l" defTabSz="914400" rtl="0" eaLnBrk="1" latinLnBrk="0" hangingPunct="1">
-      <a:defRPr kumimoji="1" sz="1800" kern="1200">
+    <a:lvl7pPr marL="2743200" algn="l" defTabSz="457200" rtl="0" eaLnBrk="1" latinLnBrk="0" hangingPunct="1">
+      <a:defRPr sz="1800" kern="1200">
         <a:solidFill>
           <a:schemeClr val="tx1"/>
         </a:solidFill>
@@ -91,8 +93,8 @@
         <a:cs typeface="+mn-cs"/>
       </a:defRPr>
     </a:lvl7pPr>
-    <a:lvl8pPr marL="3200400" algn="l" defTabSz="914400" rtl="0" eaLnBrk="1" latinLnBrk="0" hangingPunct="1">
-      <a:defRPr kumimoji="1" sz="1800" kern="1200">
+    <a:lvl8pPr marL="3200400" algn="l" defTabSz="457200" rtl="0" eaLnBrk="1" latinLnBrk="0" hangingPunct="1">
+      <a:defRPr sz="1800" kern="1200">
         <a:solidFill>
           <a:schemeClr val="tx1"/>
         </a:solidFill>
@@ -101,8 +103,8 @@
         <a:cs typeface="+mn-cs"/>
       </a:defRPr>
     </a:lvl8pPr>
-    <a:lvl9pPr marL="3657600" algn="l" defTabSz="914400" rtl="0" eaLnBrk="1" latinLnBrk="0" hangingPunct="1">
-      <a:defRPr kumimoji="1" sz="1800" kern="1200">
+    <a:lvl9pPr marL="3657600" algn="l" defTabSz="457200" rtl="0" eaLnBrk="1" latinLnBrk="0" hangingPunct="1">
+      <a:defRPr sz="1800" kern="1200">
         <a:solidFill>
           <a:schemeClr val="tx1"/>
         </a:solidFill>
@@ -139,13 +141,7 @@
       </p:grpSpPr>
       <p:sp>
         <p:nvSpPr>
-          <p:cNvPr id="2" name="タイトル 1">
-            <a:extLst>
-              <a:ext uri="{FF2B5EF4-FFF2-40B4-BE49-F238E27FC236}">
-                <a16:creationId xmlns:a16="http://schemas.microsoft.com/office/drawing/2014/main" id="{4F2DCDB2-4271-4CD8-8136-A6B71D4CDF29}"/>
-              </a:ext>
-            </a:extLst>
-          </p:cNvPr>
+          <p:cNvPr id="2" name="Title 1"/>
           <p:cNvSpPr>
             <a:spLocks noGrp="1"/>
           </p:cNvSpPr>
@@ -155,34 +151,31 @@
         </p:nvSpPr>
         <p:spPr>
           <a:xfrm>
-            <a:off x="1524000" y="1122363"/>
-            <a:ext cx="9144000" cy="2387600"/>
+            <a:off x="2417779" y="802298"/>
+            <a:ext cx="8637073" cy="2541431"/>
           </a:xfrm>
         </p:spPr>
         <p:txBody>
-          <a:bodyPr anchor="b"/>
+          <a:bodyPr bIns="0" anchor="b">
+            <a:normAutofit/>
+          </a:bodyPr>
           <a:lstStyle>
-            <a:lvl1pPr algn="ctr">
-              <a:defRPr sz="6000"/>
+            <a:lvl1pPr algn="l">
+              <a:defRPr sz="6600"/>
             </a:lvl1pPr>
           </a:lstStyle>
           <a:p>
             <a:r>
-              <a:rPr kumimoji="1" lang="ja-JP" altLang="en-US"/>
+              <a:rPr lang="ja-JP" altLang="en-US"/>
               <a:t>マスター タイトルの書式設定</a:t>
             </a:r>
-          </a:p>
-        </p:txBody>
-      </p:sp>
-      <p:sp>
-        <p:nvSpPr>
-          <p:cNvPr id="3" name="字幕 2">
-            <a:extLst>
-              <a:ext uri="{FF2B5EF4-FFF2-40B4-BE49-F238E27FC236}">
-                <a16:creationId xmlns:a16="http://schemas.microsoft.com/office/drawing/2014/main" id="{6C3F0EDA-A6E6-4B5A-827D-B25A9D07FF92}"/>
-              </a:ext>
-            </a:extLst>
-          </p:cNvPr>
+            <a:endParaRPr lang="en-US" dirty="0"/>
+          </a:p>
+        </p:txBody>
+      </p:sp>
+      <p:sp>
+        <p:nvSpPr>
+          <p:cNvPr id="3" name="Subtitle 2"/>
           <p:cNvSpPr>
             <a:spLocks noGrp="1"/>
           </p:cNvSpPr>
@@ -192,20 +185,26 @@
         </p:nvSpPr>
         <p:spPr>
           <a:xfrm>
-            <a:off x="1524000" y="3602038"/>
-            <a:ext cx="9144000" cy="1655762"/>
+            <a:off x="2417780" y="3531204"/>
+            <a:ext cx="8637072" cy="977621"/>
           </a:xfrm>
         </p:spPr>
         <p:txBody>
-          <a:bodyPr/>
+          <a:bodyPr tIns="91440" bIns="91440">
+            <a:normAutofit/>
+          </a:bodyPr>
           <a:lstStyle>
-            <a:lvl1pPr marL="0" indent="0" algn="ctr">
-              <a:buNone/>
-              <a:defRPr sz="2400"/>
+            <a:lvl1pPr marL="0" indent="0" algn="l">
+              <a:buNone/>
+              <a:defRPr sz="1800" b="0" cap="all" baseline="0">
+                <a:solidFill>
+                  <a:schemeClr val="tx1"/>
+                </a:solidFill>
+              </a:defRPr>
             </a:lvl1pPr>
             <a:lvl2pPr marL="457200" indent="0" algn="ctr">
               <a:buNone/>
-              <a:defRPr sz="2000"/>
+              <a:defRPr sz="1800"/>
             </a:lvl2pPr>
             <a:lvl3pPr marL="914400" indent="0" algn="ctr">
               <a:buNone/>
@@ -238,21 +237,16 @@
           </a:lstStyle>
           <a:p>
             <a:r>
-              <a:rPr kumimoji="1" lang="ja-JP" altLang="en-US"/>
+              <a:rPr lang="ja-JP" altLang="en-US"/>
               <a:t>マスター サブタイトルの書式設定</a:t>
             </a:r>
-          </a:p>
-        </p:txBody>
-      </p:sp>
-      <p:sp>
-        <p:nvSpPr>
-          <p:cNvPr id="4" name="日付プレースホルダー 3">
-            <a:extLst>
-              <a:ext uri="{FF2B5EF4-FFF2-40B4-BE49-F238E27FC236}">
-                <a16:creationId xmlns:a16="http://schemas.microsoft.com/office/drawing/2014/main" id="{321175CC-4EA4-4184-A006-0ED847CB9CED}"/>
-              </a:ext>
-            </a:extLst>
-          </p:cNvPr>
+            <a:endParaRPr lang="en-US" dirty="0"/>
+          </a:p>
+        </p:txBody>
+      </p:sp>
+      <p:sp>
+        <p:nvSpPr>
+          <p:cNvPr id="4" name="Date Placeholder 3"/>
           <p:cNvSpPr>
             <a:spLocks noGrp="1"/>
           </p:cNvSpPr>
@@ -267,7 +261,7 @@
           <a:p>
             <a:fld id="{CCC18866-C919-4534-B6B5-FAE0959FF7A2}" type="datetimeFigureOut">
               <a:rPr kumimoji="1" lang="ja-JP" altLang="en-US" smtClean="0"/>
-              <a:t>2024/7/4</a:t>
+              <a:t>2024/7/5</a:t>
             </a:fld>
             <a:endParaRPr kumimoji="1" lang="ja-JP" altLang="en-US"/>
           </a:p>
@@ -275,13 +269,7 @@
       </p:sp>
       <p:sp>
         <p:nvSpPr>
-          <p:cNvPr id="5" name="フッター プレースホルダー 4">
-            <a:extLst>
-              <a:ext uri="{FF2B5EF4-FFF2-40B4-BE49-F238E27FC236}">
-                <a16:creationId xmlns:a16="http://schemas.microsoft.com/office/drawing/2014/main" id="{1CA37108-51F2-4A42-AEAC-03F0358FCE59}"/>
-              </a:ext>
-            </a:extLst>
-          </p:cNvPr>
+          <p:cNvPr id="5" name="Footer Placeholder 4"/>
           <p:cNvSpPr>
             <a:spLocks noGrp="1"/>
           </p:cNvSpPr>
@@ -289,7 +277,12 @@
             <p:ph type="ftr" sz="quarter" idx="11"/>
           </p:nvPr>
         </p:nvSpPr>
-        <p:spPr/>
+        <p:spPr>
+          <a:xfrm>
+            <a:off x="2416500" y="329307"/>
+            <a:ext cx="4973915" cy="309201"/>
+          </a:xfrm>
+        </p:spPr>
         <p:txBody>
           <a:bodyPr/>
           <a:lstStyle/>
@@ -300,13 +293,7 @@
       </p:sp>
       <p:sp>
         <p:nvSpPr>
-          <p:cNvPr id="6" name="スライド番号プレースホルダー 5">
-            <a:extLst>
-              <a:ext uri="{FF2B5EF4-FFF2-40B4-BE49-F238E27FC236}">
-                <a16:creationId xmlns:a16="http://schemas.microsoft.com/office/drawing/2014/main" id="{24947929-CD61-4E02-AC9C-DF486EDEF57C}"/>
-              </a:ext>
-            </a:extLst>
-          </p:cNvPr>
+          <p:cNvPr id="6" name="Slide Number Placeholder 5"/>
           <p:cNvSpPr>
             <a:spLocks noGrp="1"/>
           </p:cNvSpPr>
@@ -314,7 +301,12 @@
             <p:ph type="sldNum" sz="quarter" idx="12"/>
           </p:nvPr>
         </p:nvSpPr>
-        <p:spPr/>
+        <p:spPr>
+          <a:xfrm>
+            <a:off x="1437664" y="798973"/>
+            <a:ext cx="811019" cy="503578"/>
+          </a:xfrm>
+        </p:spPr>
         <p:txBody>
           <a:bodyPr/>
           <a:lstStyle/>
@@ -327,10 +319,41 @@
           </a:p>
         </p:txBody>
       </p:sp>
+      <p:cxnSp>
+        <p:nvCxnSpPr>
+          <p:cNvPr id="15" name="Straight Connector 14"/>
+          <p:cNvCxnSpPr/>
+          <p:nvPr/>
+        </p:nvCxnSpPr>
+        <p:spPr>
+          <a:xfrm>
+            <a:off x="2417780" y="3528542"/>
+            <a:ext cx="8637072" cy="0"/>
+          </a:xfrm>
+          <a:prstGeom prst="line">
+            <a:avLst/>
+          </a:prstGeom>
+          <a:ln w="31750"/>
+        </p:spPr>
+        <p:style>
+          <a:lnRef idx="3">
+            <a:schemeClr val="accent1"/>
+          </a:lnRef>
+          <a:fillRef idx="0">
+            <a:schemeClr val="accent1"/>
+          </a:fillRef>
+          <a:effectRef idx="2">
+            <a:schemeClr val="accent1"/>
+          </a:effectRef>
+          <a:fontRef idx="minor">
+            <a:schemeClr val="tx1"/>
+          </a:fontRef>
+        </p:style>
+      </p:cxnSp>
     </p:spTree>
     <p:extLst>
       <p:ext uri="{BB962C8B-B14F-4D97-AF65-F5344CB8AC3E}">
-        <p14:creationId xmlns:p14="http://schemas.microsoft.com/office/powerpoint/2010/main" val="301589286"/>
+        <p14:creationId xmlns:p14="http://schemas.microsoft.com/office/powerpoint/2010/main" val="3263997268"/>
       </p:ext>
     </p:extLst>
   </p:cSld>
@@ -359,13 +382,7 @@
       </p:grpSpPr>
       <p:sp>
         <p:nvSpPr>
-          <p:cNvPr id="2" name="タイトル 1">
-            <a:extLst>
-              <a:ext uri="{FF2B5EF4-FFF2-40B4-BE49-F238E27FC236}">
-                <a16:creationId xmlns:a16="http://schemas.microsoft.com/office/drawing/2014/main" id="{8A748FF6-4AF9-4735-A0FC-5C097E6A50CC}"/>
-              </a:ext>
-            </a:extLst>
-          </p:cNvPr>
+          <p:cNvPr id="2" name="Title 1"/>
           <p:cNvSpPr>
             <a:spLocks noGrp="1"/>
           </p:cNvSpPr>
@@ -379,21 +396,16 @@
           <a:lstStyle/>
           <a:p>
             <a:r>
-              <a:rPr kumimoji="1" lang="ja-JP" altLang="en-US"/>
+              <a:rPr lang="ja-JP" altLang="en-US"/>
               <a:t>マスター タイトルの書式設定</a:t>
             </a:r>
-          </a:p>
-        </p:txBody>
-      </p:sp>
-      <p:sp>
-        <p:nvSpPr>
-          <p:cNvPr id="3" name="縦書きテキスト プレースホルダー 2">
-            <a:extLst>
-              <a:ext uri="{FF2B5EF4-FFF2-40B4-BE49-F238E27FC236}">
-                <a16:creationId xmlns:a16="http://schemas.microsoft.com/office/drawing/2014/main" id="{8CE60507-D3E1-4A8C-800A-B950E93FE0E1}"/>
-              </a:ext>
-            </a:extLst>
-          </p:cNvPr>
+            <a:endParaRPr lang="en-US" dirty="0"/>
+          </a:p>
+        </p:txBody>
+      </p:sp>
+      <p:sp>
+        <p:nvSpPr>
+          <p:cNvPr id="3" name="Vertical Text Placeholder 2"/>
           <p:cNvSpPr>
             <a:spLocks noGrp="1"/>
           </p:cNvSpPr>
@@ -408,81 +420,76 @@
           <a:p>
             <a:pPr lvl="0"/>
             <a:r>
-              <a:rPr kumimoji="1" lang="ja-JP" altLang="en-US"/>
+              <a:rPr lang="ja-JP" altLang="en-US"/>
               <a:t>マスター テキストの書式設定</a:t>
             </a:r>
           </a:p>
           <a:p>
             <a:pPr lvl="1"/>
             <a:r>
-              <a:rPr kumimoji="1" lang="ja-JP" altLang="en-US"/>
+              <a:rPr lang="ja-JP" altLang="en-US"/>
               <a:t>第 </a:t>
             </a:r>
             <a:r>
-              <a:rPr kumimoji="1" lang="en-US" altLang="ja-JP"/>
+              <a:rPr lang="en-US" altLang="ja-JP"/>
               <a:t>2 </a:t>
             </a:r>
             <a:r>
-              <a:rPr kumimoji="1" lang="ja-JP" altLang="en-US"/>
+              <a:rPr lang="ja-JP" altLang="en-US"/>
               <a:t>レベル</a:t>
             </a:r>
           </a:p>
           <a:p>
             <a:pPr lvl="2"/>
             <a:r>
-              <a:rPr kumimoji="1" lang="ja-JP" altLang="en-US"/>
+              <a:rPr lang="ja-JP" altLang="en-US"/>
               <a:t>第 </a:t>
             </a:r>
             <a:r>
-              <a:rPr kumimoji="1" lang="en-US" altLang="ja-JP"/>
+              <a:rPr lang="en-US" altLang="ja-JP"/>
               <a:t>3 </a:t>
             </a:r>
             <a:r>
-              <a:rPr kumimoji="1" lang="ja-JP" altLang="en-US"/>
+              <a:rPr lang="ja-JP" altLang="en-US"/>
               <a:t>レベル</a:t>
             </a:r>
           </a:p>
           <a:p>
             <a:pPr lvl="3"/>
             <a:r>
-              <a:rPr kumimoji="1" lang="ja-JP" altLang="en-US"/>
+              <a:rPr lang="ja-JP" altLang="en-US"/>
               <a:t>第 </a:t>
             </a:r>
             <a:r>
-              <a:rPr kumimoji="1" lang="en-US" altLang="ja-JP"/>
+              <a:rPr lang="en-US" altLang="ja-JP"/>
               <a:t>4 </a:t>
             </a:r>
             <a:r>
-              <a:rPr kumimoji="1" lang="ja-JP" altLang="en-US"/>
+              <a:rPr lang="ja-JP" altLang="en-US"/>
               <a:t>レベル</a:t>
             </a:r>
           </a:p>
           <a:p>
             <a:pPr lvl="4"/>
             <a:r>
-              <a:rPr kumimoji="1" lang="ja-JP" altLang="en-US"/>
+              <a:rPr lang="ja-JP" altLang="en-US"/>
               <a:t>第 </a:t>
             </a:r>
             <a:r>
-              <a:rPr kumimoji="1" lang="en-US" altLang="ja-JP"/>
+              <a:rPr lang="en-US" altLang="ja-JP"/>
               <a:t>5 </a:t>
             </a:r>
             <a:r>
-              <a:rPr kumimoji="1" lang="ja-JP" altLang="en-US"/>
+              <a:rPr lang="ja-JP" altLang="en-US"/>
               <a:t>レベル</a:t>
             </a:r>
-          </a:p>
-        </p:txBody>
-      </p:sp>
-      <p:sp>
-        <p:nvSpPr>
-          <p:cNvPr id="4" name="日付プレースホルダー 3">
-            <a:extLst>
-              <a:ext uri="{FF2B5EF4-FFF2-40B4-BE49-F238E27FC236}">
-                <a16:creationId xmlns:a16="http://schemas.microsoft.com/office/drawing/2014/main" id="{BEBF63D0-8BF8-4BF8-9C30-C30DECC30163}"/>
-              </a:ext>
-            </a:extLst>
-          </p:cNvPr>
+            <a:endParaRPr lang="en-US" dirty="0"/>
+          </a:p>
+        </p:txBody>
+      </p:sp>
+      <p:sp>
+        <p:nvSpPr>
+          <p:cNvPr id="4" name="Date Placeholder 3"/>
           <p:cNvSpPr>
             <a:spLocks noGrp="1"/>
           </p:cNvSpPr>
@@ -497,7 +504,7 @@
           <a:p>
             <a:fld id="{CCC18866-C919-4534-B6B5-FAE0959FF7A2}" type="datetimeFigureOut">
               <a:rPr kumimoji="1" lang="ja-JP" altLang="en-US" smtClean="0"/>
-              <a:t>2024/7/4</a:t>
+              <a:t>2024/7/5</a:t>
             </a:fld>
             <a:endParaRPr kumimoji="1" lang="ja-JP" altLang="en-US"/>
           </a:p>
@@ -505,13 +512,7 @@
       </p:sp>
       <p:sp>
         <p:nvSpPr>
-          <p:cNvPr id="5" name="フッター プレースホルダー 4">
-            <a:extLst>
-              <a:ext uri="{FF2B5EF4-FFF2-40B4-BE49-F238E27FC236}">
-                <a16:creationId xmlns:a16="http://schemas.microsoft.com/office/drawing/2014/main" id="{D43E4376-1A6C-4416-94AA-15238D8920AF}"/>
-              </a:ext>
-            </a:extLst>
-          </p:cNvPr>
+          <p:cNvPr id="5" name="Footer Placeholder 4"/>
           <p:cNvSpPr>
             <a:spLocks noGrp="1"/>
           </p:cNvSpPr>
@@ -530,13 +531,7 @@
       </p:sp>
       <p:sp>
         <p:nvSpPr>
-          <p:cNvPr id="6" name="スライド番号プレースホルダー 5">
-            <a:extLst>
-              <a:ext uri="{FF2B5EF4-FFF2-40B4-BE49-F238E27FC236}">
-                <a16:creationId xmlns:a16="http://schemas.microsoft.com/office/drawing/2014/main" id="{35B4626E-62EC-4C9C-BFDC-DE486CB34894}"/>
-              </a:ext>
-            </a:extLst>
-          </p:cNvPr>
+          <p:cNvPr id="6" name="Slide Number Placeholder 5"/>
           <p:cNvSpPr>
             <a:spLocks noGrp="1"/>
           </p:cNvSpPr>
@@ -557,10 +552,41 @@
           </a:p>
         </p:txBody>
       </p:sp>
+      <p:cxnSp>
+        <p:nvCxnSpPr>
+          <p:cNvPr id="26" name="Straight Connector 25"/>
+          <p:cNvCxnSpPr/>
+          <p:nvPr/>
+        </p:nvCxnSpPr>
+        <p:spPr>
+          <a:xfrm>
+            <a:off x="1453896" y="1847088"/>
+            <a:ext cx="9607522" cy="0"/>
+          </a:xfrm>
+          <a:prstGeom prst="line">
+            <a:avLst/>
+          </a:prstGeom>
+          <a:ln w="31750"/>
+        </p:spPr>
+        <p:style>
+          <a:lnRef idx="3">
+            <a:schemeClr val="accent1"/>
+          </a:lnRef>
+          <a:fillRef idx="0">
+            <a:schemeClr val="accent1"/>
+          </a:fillRef>
+          <a:effectRef idx="2">
+            <a:schemeClr val="accent1"/>
+          </a:effectRef>
+          <a:fontRef idx="minor">
+            <a:schemeClr val="tx1"/>
+          </a:fontRef>
+        </p:style>
+      </p:cxnSp>
     </p:spTree>
     <p:extLst>
       <p:ext uri="{BB962C8B-B14F-4D97-AF65-F5344CB8AC3E}">
-        <p14:creationId xmlns:p14="http://schemas.microsoft.com/office/powerpoint/2010/main" val="1690278734"/>
+        <p14:creationId xmlns:p14="http://schemas.microsoft.com/office/powerpoint/2010/main" val="51249257"/>
       </p:ext>
     </p:extLst>
   </p:cSld>
@@ -589,13 +615,7 @@
       </p:grpSpPr>
       <p:sp>
         <p:nvSpPr>
-          <p:cNvPr id="2" name="縦書きタイトル 1">
-            <a:extLst>
-              <a:ext uri="{FF2B5EF4-FFF2-40B4-BE49-F238E27FC236}">
-                <a16:creationId xmlns:a16="http://schemas.microsoft.com/office/drawing/2014/main" id="{1D1F7F86-964C-46DE-9DA5-446D73CD994A}"/>
-              </a:ext>
-            </a:extLst>
-          </p:cNvPr>
+          <p:cNvPr id="2" name="Vertical Title 1"/>
           <p:cNvSpPr>
             <a:spLocks noGrp="1"/>
           </p:cNvSpPr>
@@ -605,30 +625,29 @@
         </p:nvSpPr>
         <p:spPr>
           <a:xfrm>
-            <a:off x="8724900" y="365125"/>
-            <a:ext cx="2628900" cy="5811838"/>
+            <a:off x="9439111" y="798973"/>
+            <a:ext cx="1615742" cy="4659889"/>
           </a:xfrm>
         </p:spPr>
         <p:txBody>
           <a:bodyPr vert="eaVert"/>
-          <a:lstStyle/>
-          <a:p>
-            <a:r>
-              <a:rPr kumimoji="1" lang="ja-JP" altLang="en-US"/>
+          <a:lstStyle>
+            <a:lvl1pPr algn="l">
+              <a:defRPr/>
+            </a:lvl1pPr>
+          </a:lstStyle>
+          <a:p>
+            <a:r>
+              <a:rPr lang="ja-JP" altLang="en-US"/>
               <a:t>マスター タイトルの書式設定</a:t>
             </a:r>
-          </a:p>
-        </p:txBody>
-      </p:sp>
-      <p:sp>
-        <p:nvSpPr>
-          <p:cNvPr id="3" name="縦書きテキスト プレースホルダー 2">
-            <a:extLst>
-              <a:ext uri="{FF2B5EF4-FFF2-40B4-BE49-F238E27FC236}">
-                <a16:creationId xmlns:a16="http://schemas.microsoft.com/office/drawing/2014/main" id="{89633660-1D84-4E61-90C0-BD8E38D35AA6}"/>
-              </a:ext>
-            </a:extLst>
-          </p:cNvPr>
+            <a:endParaRPr lang="en-US" dirty="0"/>
+          </a:p>
+        </p:txBody>
+      </p:sp>
+      <p:sp>
+        <p:nvSpPr>
+          <p:cNvPr id="3" name="Vertical Text Placeholder 2"/>
           <p:cNvSpPr>
             <a:spLocks noGrp="1"/>
           </p:cNvSpPr>
@@ -638,8 +657,8 @@
         </p:nvSpPr>
         <p:spPr>
           <a:xfrm>
-            <a:off x="838200" y="365125"/>
-            <a:ext cx="7734300" cy="5811838"/>
+            <a:off x="1444672" y="798973"/>
+            <a:ext cx="7828830" cy="4659889"/>
           </a:xfrm>
         </p:spPr>
         <p:txBody>
@@ -648,81 +667,76 @@
           <a:p>
             <a:pPr lvl="0"/>
             <a:r>
-              <a:rPr kumimoji="1" lang="ja-JP" altLang="en-US"/>
+              <a:rPr lang="ja-JP" altLang="en-US"/>
               <a:t>マスター テキストの書式設定</a:t>
             </a:r>
           </a:p>
           <a:p>
             <a:pPr lvl="1"/>
             <a:r>
-              <a:rPr kumimoji="1" lang="ja-JP" altLang="en-US"/>
+              <a:rPr lang="ja-JP" altLang="en-US"/>
               <a:t>第 </a:t>
             </a:r>
             <a:r>
-              <a:rPr kumimoji="1" lang="en-US" altLang="ja-JP"/>
+              <a:rPr lang="en-US" altLang="ja-JP"/>
               <a:t>2 </a:t>
             </a:r>
             <a:r>
-              <a:rPr kumimoji="1" lang="ja-JP" altLang="en-US"/>
+              <a:rPr lang="ja-JP" altLang="en-US"/>
               <a:t>レベル</a:t>
             </a:r>
           </a:p>
           <a:p>
             <a:pPr lvl="2"/>
             <a:r>
-              <a:rPr kumimoji="1" lang="ja-JP" altLang="en-US"/>
+              <a:rPr lang="ja-JP" altLang="en-US"/>
               <a:t>第 </a:t>
             </a:r>
             <a:r>
-              <a:rPr kumimoji="1" lang="en-US" altLang="ja-JP"/>
+              <a:rPr lang="en-US" altLang="ja-JP"/>
               <a:t>3 </a:t>
             </a:r>
             <a:r>
-              <a:rPr kumimoji="1" lang="ja-JP" altLang="en-US"/>
+              <a:rPr lang="ja-JP" altLang="en-US"/>
               <a:t>レベル</a:t>
             </a:r>
           </a:p>
           <a:p>
             <a:pPr lvl="3"/>
             <a:r>
-              <a:rPr kumimoji="1" lang="ja-JP" altLang="en-US"/>
+              <a:rPr lang="ja-JP" altLang="en-US"/>
               <a:t>第 </a:t>
             </a:r>
             <a:r>
-              <a:rPr kumimoji="1" lang="en-US" altLang="ja-JP"/>
+              <a:rPr lang="en-US" altLang="ja-JP"/>
               <a:t>4 </a:t>
             </a:r>
             <a:r>
-              <a:rPr kumimoji="1" lang="ja-JP" altLang="en-US"/>
+              <a:rPr lang="ja-JP" altLang="en-US"/>
               <a:t>レベル</a:t>
             </a:r>
           </a:p>
           <a:p>
             <a:pPr lvl="4"/>
             <a:r>
-              <a:rPr kumimoji="1" lang="ja-JP" altLang="en-US"/>
+              <a:rPr lang="ja-JP" altLang="en-US"/>
               <a:t>第 </a:t>
             </a:r>
             <a:r>
-              <a:rPr kumimoji="1" lang="en-US" altLang="ja-JP"/>
+              <a:rPr lang="en-US" altLang="ja-JP"/>
               <a:t>5 </a:t>
             </a:r>
             <a:r>
-              <a:rPr kumimoji="1" lang="ja-JP" altLang="en-US"/>
+              <a:rPr lang="ja-JP" altLang="en-US"/>
               <a:t>レベル</a:t>
             </a:r>
-          </a:p>
-        </p:txBody>
-      </p:sp>
-      <p:sp>
-        <p:nvSpPr>
-          <p:cNvPr id="4" name="日付プレースホルダー 3">
-            <a:extLst>
-              <a:ext uri="{FF2B5EF4-FFF2-40B4-BE49-F238E27FC236}">
-                <a16:creationId xmlns:a16="http://schemas.microsoft.com/office/drawing/2014/main" id="{4CD9C38A-2835-4B88-8CDF-25B4D1FE3520}"/>
-              </a:ext>
-            </a:extLst>
-          </p:cNvPr>
+            <a:endParaRPr lang="en-US" dirty="0"/>
+          </a:p>
+        </p:txBody>
+      </p:sp>
+      <p:sp>
+        <p:nvSpPr>
+          <p:cNvPr id="4" name="Date Placeholder 3"/>
           <p:cNvSpPr>
             <a:spLocks noGrp="1"/>
           </p:cNvSpPr>
@@ -737,7 +751,7 @@
           <a:p>
             <a:fld id="{CCC18866-C919-4534-B6B5-FAE0959FF7A2}" type="datetimeFigureOut">
               <a:rPr kumimoji="1" lang="ja-JP" altLang="en-US" smtClean="0"/>
-              <a:t>2024/7/4</a:t>
+              <a:t>2024/7/5</a:t>
             </a:fld>
             <a:endParaRPr kumimoji="1" lang="ja-JP" altLang="en-US"/>
           </a:p>
@@ -745,13 +759,7 @@
       </p:sp>
       <p:sp>
         <p:nvSpPr>
-          <p:cNvPr id="5" name="フッター プレースホルダー 4">
-            <a:extLst>
-              <a:ext uri="{FF2B5EF4-FFF2-40B4-BE49-F238E27FC236}">
-                <a16:creationId xmlns:a16="http://schemas.microsoft.com/office/drawing/2014/main" id="{274A5FE5-E5A5-4813-A5BD-BAB8A2366440}"/>
-              </a:ext>
-            </a:extLst>
-          </p:cNvPr>
+          <p:cNvPr id="5" name="Footer Placeholder 4"/>
           <p:cNvSpPr>
             <a:spLocks noGrp="1"/>
           </p:cNvSpPr>
@@ -770,13 +778,7 @@
       </p:sp>
       <p:sp>
         <p:nvSpPr>
-          <p:cNvPr id="6" name="スライド番号プレースホルダー 5">
-            <a:extLst>
-              <a:ext uri="{FF2B5EF4-FFF2-40B4-BE49-F238E27FC236}">
-                <a16:creationId xmlns:a16="http://schemas.microsoft.com/office/drawing/2014/main" id="{41454B5B-906D-4BF0-8F44-17238A1F517C}"/>
-              </a:ext>
-            </a:extLst>
-          </p:cNvPr>
+          <p:cNvPr id="6" name="Slide Number Placeholder 5"/>
           <p:cNvSpPr>
             <a:spLocks noGrp="1"/>
           </p:cNvSpPr>
@@ -797,10 +799,41 @@
           </a:p>
         </p:txBody>
       </p:sp>
+      <p:cxnSp>
+        <p:nvCxnSpPr>
+          <p:cNvPr id="15" name="Straight Connector 14"/>
+          <p:cNvCxnSpPr/>
+          <p:nvPr/>
+        </p:nvCxnSpPr>
+        <p:spPr>
+          <a:xfrm>
+            <a:off x="9439111" y="798973"/>
+            <a:ext cx="0" cy="4659889"/>
+          </a:xfrm>
+          <a:prstGeom prst="line">
+            <a:avLst/>
+          </a:prstGeom>
+          <a:ln w="31750"/>
+        </p:spPr>
+        <p:style>
+          <a:lnRef idx="3">
+            <a:schemeClr val="accent1"/>
+          </a:lnRef>
+          <a:fillRef idx="0">
+            <a:schemeClr val="accent1"/>
+          </a:fillRef>
+          <a:effectRef idx="2">
+            <a:schemeClr val="accent1"/>
+          </a:effectRef>
+          <a:fontRef idx="minor">
+            <a:schemeClr val="tx1"/>
+          </a:fontRef>
+        </p:style>
+      </p:cxnSp>
     </p:spTree>
     <p:extLst>
       <p:ext uri="{BB962C8B-B14F-4D97-AF65-F5344CB8AC3E}">
-        <p14:creationId xmlns:p14="http://schemas.microsoft.com/office/powerpoint/2010/main" val="3818618648"/>
+        <p14:creationId xmlns:p14="http://schemas.microsoft.com/office/powerpoint/2010/main" val="72195401"/>
       </p:ext>
     </p:extLst>
   </p:cSld>
@@ -829,13 +862,7 @@
       </p:grpSpPr>
       <p:sp>
         <p:nvSpPr>
-          <p:cNvPr id="2" name="タイトル 1">
-            <a:extLst>
-              <a:ext uri="{FF2B5EF4-FFF2-40B4-BE49-F238E27FC236}">
-                <a16:creationId xmlns:a16="http://schemas.microsoft.com/office/drawing/2014/main" id="{D253491C-FCD3-4D33-98E7-9DEDD05CCDCB}"/>
-              </a:ext>
-            </a:extLst>
-          </p:cNvPr>
+          <p:cNvPr id="2" name="Title 1"/>
           <p:cNvSpPr>
             <a:spLocks noGrp="1"/>
           </p:cNvSpPr>
@@ -849,21 +876,16 @@
           <a:lstStyle/>
           <a:p>
             <a:r>
-              <a:rPr kumimoji="1" lang="ja-JP" altLang="en-US"/>
+              <a:rPr lang="ja-JP" altLang="en-US"/>
               <a:t>マスター タイトルの書式設定</a:t>
             </a:r>
-          </a:p>
-        </p:txBody>
-      </p:sp>
-      <p:sp>
-        <p:nvSpPr>
-          <p:cNvPr id="3" name="コンテンツ プレースホルダー 2">
-            <a:extLst>
-              <a:ext uri="{FF2B5EF4-FFF2-40B4-BE49-F238E27FC236}">
-                <a16:creationId xmlns:a16="http://schemas.microsoft.com/office/drawing/2014/main" id="{F5DD65C4-2E50-4FF6-899A-43635A037BFE}"/>
-              </a:ext>
-            </a:extLst>
-          </p:cNvPr>
+            <a:endParaRPr lang="en-US" dirty="0"/>
+          </a:p>
+        </p:txBody>
+      </p:sp>
+      <p:sp>
+        <p:nvSpPr>
+          <p:cNvPr id="3" name="Content Placeholder 2"/>
           <p:cNvSpPr>
             <a:spLocks noGrp="1"/>
           </p:cNvSpPr>
@@ -873,86 +895,81 @@
         </p:nvSpPr>
         <p:spPr/>
         <p:txBody>
-          <a:bodyPr/>
+          <a:bodyPr anchor="t"/>
           <a:lstStyle/>
           <a:p>
             <a:pPr lvl="0"/>
             <a:r>
-              <a:rPr kumimoji="1" lang="ja-JP" altLang="en-US"/>
+              <a:rPr lang="ja-JP" altLang="en-US"/>
               <a:t>マスター テキストの書式設定</a:t>
             </a:r>
           </a:p>
           <a:p>
             <a:pPr lvl="1"/>
             <a:r>
-              <a:rPr kumimoji="1" lang="ja-JP" altLang="en-US"/>
+              <a:rPr lang="ja-JP" altLang="en-US"/>
               <a:t>第 </a:t>
             </a:r>
             <a:r>
-              <a:rPr kumimoji="1" lang="en-US" altLang="ja-JP"/>
+              <a:rPr lang="en-US" altLang="ja-JP"/>
               <a:t>2 </a:t>
             </a:r>
             <a:r>
-              <a:rPr kumimoji="1" lang="ja-JP" altLang="en-US"/>
+              <a:rPr lang="ja-JP" altLang="en-US"/>
               <a:t>レベル</a:t>
             </a:r>
           </a:p>
           <a:p>
             <a:pPr lvl="2"/>
             <a:r>
-              <a:rPr kumimoji="1" lang="ja-JP" altLang="en-US"/>
+              <a:rPr lang="ja-JP" altLang="en-US"/>
               <a:t>第 </a:t>
             </a:r>
             <a:r>
-              <a:rPr kumimoji="1" lang="en-US" altLang="ja-JP"/>
+              <a:rPr lang="en-US" altLang="ja-JP"/>
               <a:t>3 </a:t>
             </a:r>
             <a:r>
-              <a:rPr kumimoji="1" lang="ja-JP" altLang="en-US"/>
+              <a:rPr lang="ja-JP" altLang="en-US"/>
               <a:t>レベル</a:t>
             </a:r>
           </a:p>
           <a:p>
             <a:pPr lvl="3"/>
             <a:r>
-              <a:rPr kumimoji="1" lang="ja-JP" altLang="en-US"/>
+              <a:rPr lang="ja-JP" altLang="en-US"/>
               <a:t>第 </a:t>
             </a:r>
             <a:r>
-              <a:rPr kumimoji="1" lang="en-US" altLang="ja-JP"/>
+              <a:rPr lang="en-US" altLang="ja-JP"/>
               <a:t>4 </a:t>
             </a:r>
             <a:r>
-              <a:rPr kumimoji="1" lang="ja-JP" altLang="en-US"/>
+              <a:rPr lang="ja-JP" altLang="en-US"/>
               <a:t>レベル</a:t>
             </a:r>
           </a:p>
           <a:p>
             <a:pPr lvl="4"/>
             <a:r>
-              <a:rPr kumimoji="1" lang="ja-JP" altLang="en-US"/>
+              <a:rPr lang="ja-JP" altLang="en-US"/>
               <a:t>第 </a:t>
             </a:r>
             <a:r>
-              <a:rPr kumimoji="1" lang="en-US" altLang="ja-JP"/>
+              <a:rPr lang="en-US" altLang="ja-JP"/>
               <a:t>5 </a:t>
             </a:r>
             <a:r>
-              <a:rPr kumimoji="1" lang="ja-JP" altLang="en-US"/>
+              <a:rPr lang="ja-JP" altLang="en-US"/>
               <a:t>レベル</a:t>
             </a:r>
-          </a:p>
-        </p:txBody>
-      </p:sp>
-      <p:sp>
-        <p:nvSpPr>
-          <p:cNvPr id="4" name="日付プレースホルダー 3">
-            <a:extLst>
-              <a:ext uri="{FF2B5EF4-FFF2-40B4-BE49-F238E27FC236}">
-                <a16:creationId xmlns:a16="http://schemas.microsoft.com/office/drawing/2014/main" id="{577CD9D0-7811-4290-9C78-3C9323085C7E}"/>
-              </a:ext>
-            </a:extLst>
-          </p:cNvPr>
+            <a:endParaRPr lang="en-US" dirty="0"/>
+          </a:p>
+        </p:txBody>
+      </p:sp>
+      <p:sp>
+        <p:nvSpPr>
+          <p:cNvPr id="4" name="Date Placeholder 3"/>
           <p:cNvSpPr>
             <a:spLocks noGrp="1"/>
           </p:cNvSpPr>
@@ -967,7 +984,7 @@
           <a:p>
             <a:fld id="{CCC18866-C919-4534-B6B5-FAE0959FF7A2}" type="datetimeFigureOut">
               <a:rPr kumimoji="1" lang="ja-JP" altLang="en-US" smtClean="0"/>
-              <a:t>2024/7/4</a:t>
+              <a:t>2024/7/5</a:t>
             </a:fld>
             <a:endParaRPr kumimoji="1" lang="ja-JP" altLang="en-US"/>
           </a:p>
@@ -975,13 +992,7 @@
       </p:sp>
       <p:sp>
         <p:nvSpPr>
-          <p:cNvPr id="5" name="フッター プレースホルダー 4">
-            <a:extLst>
-              <a:ext uri="{FF2B5EF4-FFF2-40B4-BE49-F238E27FC236}">
-                <a16:creationId xmlns:a16="http://schemas.microsoft.com/office/drawing/2014/main" id="{FC0BEAFB-BF65-447D-8C27-4B026073A56F}"/>
-              </a:ext>
-            </a:extLst>
-          </p:cNvPr>
+          <p:cNvPr id="5" name="Footer Placeholder 4"/>
           <p:cNvSpPr>
             <a:spLocks noGrp="1"/>
           </p:cNvSpPr>
@@ -1000,13 +1011,7 @@
       </p:sp>
       <p:sp>
         <p:nvSpPr>
-          <p:cNvPr id="6" name="スライド番号プレースホルダー 5">
-            <a:extLst>
-              <a:ext uri="{FF2B5EF4-FFF2-40B4-BE49-F238E27FC236}">
-                <a16:creationId xmlns:a16="http://schemas.microsoft.com/office/drawing/2014/main" id="{39207531-2AE5-4A83-A8DF-8E3EBA780F94}"/>
-              </a:ext>
-            </a:extLst>
-          </p:cNvPr>
+          <p:cNvPr id="6" name="Slide Number Placeholder 5"/>
           <p:cNvSpPr>
             <a:spLocks noGrp="1"/>
           </p:cNvSpPr>
@@ -1027,10 +1032,41 @@
           </a:p>
         </p:txBody>
       </p:sp>
+      <p:cxnSp>
+        <p:nvCxnSpPr>
+          <p:cNvPr id="33" name="Straight Connector 32"/>
+          <p:cNvCxnSpPr/>
+          <p:nvPr/>
+        </p:nvCxnSpPr>
+        <p:spPr>
+          <a:xfrm>
+            <a:off x="1453896" y="1847088"/>
+            <a:ext cx="9607522" cy="0"/>
+          </a:xfrm>
+          <a:prstGeom prst="line">
+            <a:avLst/>
+          </a:prstGeom>
+          <a:ln w="31750"/>
+        </p:spPr>
+        <p:style>
+          <a:lnRef idx="3">
+            <a:schemeClr val="accent1"/>
+          </a:lnRef>
+          <a:fillRef idx="0">
+            <a:schemeClr val="accent1"/>
+          </a:fillRef>
+          <a:effectRef idx="2">
+            <a:schemeClr val="accent1"/>
+          </a:effectRef>
+          <a:fontRef idx="minor">
+            <a:schemeClr val="tx1"/>
+          </a:fontRef>
+        </p:style>
+      </p:cxnSp>
     </p:spTree>
     <p:extLst>
       <p:ext uri="{BB962C8B-B14F-4D97-AF65-F5344CB8AC3E}">
-        <p14:creationId xmlns:p14="http://schemas.microsoft.com/office/powerpoint/2010/main" val="3997324518"/>
+        <p14:creationId xmlns:p14="http://schemas.microsoft.com/office/powerpoint/2010/main" val="2808606995"/>
       </p:ext>
     </p:extLst>
   </p:cSld>
@@ -1059,13 +1095,7 @@
       </p:grpSpPr>
       <p:sp>
         <p:nvSpPr>
-          <p:cNvPr id="2" name="タイトル 1">
-            <a:extLst>
-              <a:ext uri="{FF2B5EF4-FFF2-40B4-BE49-F238E27FC236}">
-                <a16:creationId xmlns:a16="http://schemas.microsoft.com/office/drawing/2014/main" id="{7E065BB9-544B-41B6-BD04-67C30DB8E8CB}"/>
-              </a:ext>
-            </a:extLst>
-          </p:cNvPr>
+          <p:cNvPr id="2" name="Title 1"/>
           <p:cNvSpPr>
             <a:spLocks noGrp="1"/>
           </p:cNvSpPr>
@@ -1075,34 +1105,31 @@
         </p:nvSpPr>
         <p:spPr>
           <a:xfrm>
-            <a:off x="831850" y="1709738"/>
-            <a:ext cx="10515600" cy="2852737"/>
+            <a:off x="1454239" y="1756130"/>
+            <a:ext cx="8643154" cy="1887950"/>
           </a:xfrm>
         </p:spPr>
         <p:txBody>
-          <a:bodyPr anchor="b"/>
+          <a:bodyPr anchor="b">
+            <a:normAutofit/>
+          </a:bodyPr>
           <a:lstStyle>
-            <a:lvl1pPr>
-              <a:defRPr sz="6000"/>
+            <a:lvl1pPr algn="l">
+              <a:defRPr sz="3600"/>
             </a:lvl1pPr>
           </a:lstStyle>
           <a:p>
             <a:r>
-              <a:rPr kumimoji="1" lang="ja-JP" altLang="en-US"/>
+              <a:rPr lang="ja-JP" altLang="en-US"/>
               <a:t>マスター タイトルの書式設定</a:t>
             </a:r>
-          </a:p>
-        </p:txBody>
-      </p:sp>
-      <p:sp>
-        <p:nvSpPr>
-          <p:cNvPr id="3" name="テキスト プレースホルダー 2">
-            <a:extLst>
-              <a:ext uri="{FF2B5EF4-FFF2-40B4-BE49-F238E27FC236}">
-                <a16:creationId xmlns:a16="http://schemas.microsoft.com/office/drawing/2014/main" id="{AED4E751-C6C9-47A0-8AB0-7C1DF765A89C}"/>
-              </a:ext>
-            </a:extLst>
-          </p:cNvPr>
+            <a:endParaRPr lang="en-US" dirty="0"/>
+          </a:p>
+        </p:txBody>
+      </p:sp>
+      <p:sp>
+        <p:nvSpPr>
+          <p:cNvPr id="3" name="Text Placeholder 2"/>
           <p:cNvSpPr>
             <a:spLocks noGrp="1"/>
           </p:cNvSpPr>
@@ -1112,26 +1139,26 @@
         </p:nvSpPr>
         <p:spPr>
           <a:xfrm>
-            <a:off x="831850" y="4589463"/>
-            <a:ext cx="10515600" cy="1500187"/>
+            <a:off x="1454239" y="3806195"/>
+            <a:ext cx="8630446" cy="1012929"/>
           </a:xfrm>
         </p:spPr>
         <p:txBody>
-          <a:bodyPr/>
+          <a:bodyPr tIns="91440">
+            <a:normAutofit/>
+          </a:bodyPr>
           <a:lstStyle>
-            <a:lvl1pPr marL="0" indent="0">
-              <a:buNone/>
-              <a:defRPr sz="2400">
+            <a:lvl1pPr marL="0" indent="0" algn="l">
+              <a:buNone/>
+              <a:defRPr sz="1800">
                 <a:solidFill>
-                  <a:schemeClr val="tx1">
-                    <a:tint val="75000"/>
-                  </a:schemeClr>
+                  <a:schemeClr val="tx1"/>
                 </a:solidFill>
               </a:defRPr>
             </a:lvl1pPr>
             <a:lvl2pPr marL="457200" indent="0">
               <a:buNone/>
-              <a:defRPr sz="2000">
+              <a:defRPr sz="1800">
                 <a:solidFill>
                   <a:schemeClr val="tx1">
                     <a:tint val="75000"/>
@@ -1213,7 +1240,7 @@
           <a:p>
             <a:pPr lvl="0"/>
             <a:r>
-              <a:rPr kumimoji="1" lang="ja-JP" altLang="en-US"/>
+              <a:rPr lang="ja-JP" altLang="en-US"/>
               <a:t>マスター テキストの書式設定</a:t>
             </a:r>
           </a:p>
@@ -1221,13 +1248,7 @@
       </p:sp>
       <p:sp>
         <p:nvSpPr>
-          <p:cNvPr id="4" name="日付プレースホルダー 3">
-            <a:extLst>
-              <a:ext uri="{FF2B5EF4-FFF2-40B4-BE49-F238E27FC236}">
-                <a16:creationId xmlns:a16="http://schemas.microsoft.com/office/drawing/2014/main" id="{BD5085F8-3FEC-42AC-891E-A960124A6270}"/>
-              </a:ext>
-            </a:extLst>
-          </p:cNvPr>
+          <p:cNvPr id="4" name="Date Placeholder 3"/>
           <p:cNvSpPr>
             <a:spLocks noGrp="1"/>
           </p:cNvSpPr>
@@ -1242,7 +1263,7 @@
           <a:p>
             <a:fld id="{CCC18866-C919-4534-B6B5-FAE0959FF7A2}" type="datetimeFigureOut">
               <a:rPr kumimoji="1" lang="ja-JP" altLang="en-US" smtClean="0"/>
-              <a:t>2024/7/4</a:t>
+              <a:t>2024/7/5</a:t>
             </a:fld>
             <a:endParaRPr kumimoji="1" lang="ja-JP" altLang="en-US"/>
           </a:p>
@@ -1250,13 +1271,7 @@
       </p:sp>
       <p:sp>
         <p:nvSpPr>
-          <p:cNvPr id="5" name="フッター プレースホルダー 4">
-            <a:extLst>
-              <a:ext uri="{FF2B5EF4-FFF2-40B4-BE49-F238E27FC236}">
-                <a16:creationId xmlns:a16="http://schemas.microsoft.com/office/drawing/2014/main" id="{002D7058-32FC-4773-BAF8-A4965AF3ED27}"/>
-              </a:ext>
-            </a:extLst>
-          </p:cNvPr>
+          <p:cNvPr id="5" name="Footer Placeholder 4"/>
           <p:cNvSpPr>
             <a:spLocks noGrp="1"/>
           </p:cNvSpPr>
@@ -1275,13 +1290,7 @@
       </p:sp>
       <p:sp>
         <p:nvSpPr>
-          <p:cNvPr id="6" name="スライド番号プレースホルダー 5">
-            <a:extLst>
-              <a:ext uri="{FF2B5EF4-FFF2-40B4-BE49-F238E27FC236}">
-                <a16:creationId xmlns:a16="http://schemas.microsoft.com/office/drawing/2014/main" id="{BB546430-7763-4D8E-9515-7AF07EA273FF}"/>
-              </a:ext>
-            </a:extLst>
-          </p:cNvPr>
+          <p:cNvPr id="6" name="Slide Number Placeholder 5"/>
           <p:cNvSpPr>
             <a:spLocks noGrp="1"/>
           </p:cNvSpPr>
@@ -1302,10 +1311,41 @@
           </a:p>
         </p:txBody>
       </p:sp>
+      <p:cxnSp>
+        <p:nvCxnSpPr>
+          <p:cNvPr id="15" name="Straight Connector 14"/>
+          <p:cNvCxnSpPr/>
+          <p:nvPr/>
+        </p:nvCxnSpPr>
+        <p:spPr>
+          <a:xfrm>
+            <a:off x="1454239" y="3804985"/>
+            <a:ext cx="8630446" cy="0"/>
+          </a:xfrm>
+          <a:prstGeom prst="line">
+            <a:avLst/>
+          </a:prstGeom>
+          <a:ln w="31750"/>
+        </p:spPr>
+        <p:style>
+          <a:lnRef idx="3">
+            <a:schemeClr val="accent1"/>
+          </a:lnRef>
+          <a:fillRef idx="0">
+            <a:schemeClr val="accent1"/>
+          </a:fillRef>
+          <a:effectRef idx="2">
+            <a:schemeClr val="accent1"/>
+          </a:effectRef>
+          <a:fontRef idx="minor">
+            <a:schemeClr val="tx1"/>
+          </a:fontRef>
+        </p:style>
+      </p:cxnSp>
     </p:spTree>
     <p:extLst>
       <p:ext uri="{BB962C8B-B14F-4D97-AF65-F5344CB8AC3E}">
-        <p14:creationId xmlns:p14="http://schemas.microsoft.com/office/powerpoint/2010/main" val="4044744944"/>
+        <p14:creationId xmlns:p14="http://schemas.microsoft.com/office/powerpoint/2010/main" val="3702383572"/>
       </p:ext>
     </p:extLst>
   </p:cSld>
@@ -1334,146 +1374,46 @@
       </p:grpSpPr>
       <p:sp>
         <p:nvSpPr>
-          <p:cNvPr id="2" name="タイトル 1">
-            <a:extLst>
-              <a:ext uri="{FF2B5EF4-FFF2-40B4-BE49-F238E27FC236}">
-                <a16:creationId xmlns:a16="http://schemas.microsoft.com/office/drawing/2014/main" id="{6C58075F-660C-489F-9C62-5926974851FE}"/>
-              </a:ext>
-            </a:extLst>
-          </p:cNvPr>
+          <p:cNvPr id="2" name="Title 1"/>
           <p:cNvSpPr>
             <a:spLocks noGrp="1"/>
           </p:cNvSpPr>
           <p:nvPr>
             <p:ph type="title"/>
-          </p:nvPr>
-        </p:nvSpPr>
-        <p:spPr/>
-        <p:txBody>
-          <a:bodyPr/>
-          <a:lstStyle/>
-          <a:p>
-            <a:r>
-              <a:rPr kumimoji="1" lang="ja-JP" altLang="en-US"/>
-              <a:t>マスター タイトルの書式設定</a:t>
-            </a:r>
-          </a:p>
-        </p:txBody>
-      </p:sp>
-      <p:sp>
-        <p:nvSpPr>
-          <p:cNvPr id="3" name="コンテンツ プレースホルダー 2">
-            <a:extLst>
-              <a:ext uri="{FF2B5EF4-FFF2-40B4-BE49-F238E27FC236}">
-                <a16:creationId xmlns:a16="http://schemas.microsoft.com/office/drawing/2014/main" id="{02317385-442A-4C81-85D7-E0171975C06E}"/>
-              </a:ext>
-            </a:extLst>
-          </p:cNvPr>
-          <p:cNvSpPr>
-            <a:spLocks noGrp="1"/>
-          </p:cNvSpPr>
-          <p:nvPr>
-            <p:ph sz="half" idx="1"/>
           </p:nvPr>
         </p:nvSpPr>
         <p:spPr>
           <a:xfrm>
-            <a:off x="838200" y="1825625"/>
-            <a:ext cx="5181600" cy="4351338"/>
+            <a:off x="1449217" y="804889"/>
+            <a:ext cx="9605635" cy="1059305"/>
           </a:xfrm>
         </p:spPr>
         <p:txBody>
           <a:bodyPr/>
           <a:lstStyle/>
           <a:p>
-            <a:pPr lvl="0"/>
-            <a:r>
-              <a:rPr kumimoji="1" lang="ja-JP" altLang="en-US"/>
-              <a:t>マスター テキストの書式設定</a:t>
-            </a:r>
-          </a:p>
-          <a:p>
-            <a:pPr lvl="1"/>
-            <a:r>
-              <a:rPr kumimoji="1" lang="ja-JP" altLang="en-US"/>
-              <a:t>第 </a:t>
-            </a:r>
-            <a:r>
-              <a:rPr kumimoji="1" lang="en-US" altLang="ja-JP"/>
-              <a:t>2 </a:t>
-            </a:r>
-            <a:r>
-              <a:rPr kumimoji="1" lang="ja-JP" altLang="en-US"/>
-              <a:t>レベル</a:t>
-            </a:r>
-          </a:p>
-          <a:p>
-            <a:pPr lvl="2"/>
-            <a:r>
-              <a:rPr kumimoji="1" lang="ja-JP" altLang="en-US"/>
-              <a:t>第 </a:t>
-            </a:r>
-            <a:r>
-              <a:rPr kumimoji="1" lang="en-US" altLang="ja-JP"/>
-              <a:t>3 </a:t>
-            </a:r>
-            <a:r>
-              <a:rPr kumimoji="1" lang="ja-JP" altLang="en-US"/>
-              <a:t>レベル</a:t>
-            </a:r>
-          </a:p>
-          <a:p>
-            <a:pPr lvl="3"/>
-            <a:r>
-              <a:rPr kumimoji="1" lang="ja-JP" altLang="en-US"/>
-              <a:t>第 </a:t>
-            </a:r>
-            <a:r>
-              <a:rPr kumimoji="1" lang="en-US" altLang="ja-JP"/>
-              <a:t>4 </a:t>
-            </a:r>
-            <a:r>
-              <a:rPr kumimoji="1" lang="ja-JP" altLang="en-US"/>
-              <a:t>レベル</a:t>
-            </a:r>
-          </a:p>
-          <a:p>
-            <a:pPr lvl="4"/>
-            <a:r>
-              <a:rPr kumimoji="1" lang="ja-JP" altLang="en-US"/>
-              <a:t>第 </a:t>
-            </a:r>
-            <a:r>
-              <a:rPr kumimoji="1" lang="en-US" altLang="ja-JP"/>
-              <a:t>5 </a:t>
-            </a:r>
-            <a:r>
-              <a:rPr kumimoji="1" lang="ja-JP" altLang="en-US"/>
-              <a:t>レベル</a:t>
-            </a:r>
-          </a:p>
-        </p:txBody>
-      </p:sp>
-      <p:sp>
-        <p:nvSpPr>
-          <p:cNvPr id="4" name="コンテンツ プレースホルダー 3">
-            <a:extLst>
-              <a:ext uri="{FF2B5EF4-FFF2-40B4-BE49-F238E27FC236}">
-                <a16:creationId xmlns:a16="http://schemas.microsoft.com/office/drawing/2014/main" id="{169E3B02-2B89-4468-A94F-6E232EC32780}"/>
-              </a:ext>
-            </a:extLst>
-          </p:cNvPr>
-          <p:cNvSpPr>
-            <a:spLocks noGrp="1"/>
-          </p:cNvSpPr>
-          <p:nvPr>
-            <p:ph sz="half" idx="2"/>
+            <a:r>
+              <a:rPr lang="ja-JP" altLang="en-US"/>
+              <a:t>マスター タイトルの書式設定</a:t>
+            </a:r>
+            <a:endParaRPr lang="en-US" dirty="0"/>
+          </a:p>
+        </p:txBody>
+      </p:sp>
+      <p:sp>
+        <p:nvSpPr>
+          <p:cNvPr id="3" name="Content Placeholder 2"/>
+          <p:cNvSpPr>
+            <a:spLocks noGrp="1"/>
+          </p:cNvSpPr>
+          <p:nvPr>
+            <p:ph sz="half" idx="1"/>
           </p:nvPr>
         </p:nvSpPr>
         <p:spPr>
           <a:xfrm>
-            <a:off x="6172200" y="1825625"/>
-            <a:ext cx="5181600" cy="4351338"/>
+            <a:off x="1447331" y="2010878"/>
+            <a:ext cx="4645152" cy="3448595"/>
           </a:xfrm>
         </p:spPr>
         <p:txBody>
@@ -1482,81 +1422,165 @@
           <a:p>
             <a:pPr lvl="0"/>
             <a:r>
-              <a:rPr kumimoji="1" lang="ja-JP" altLang="en-US"/>
+              <a:rPr lang="ja-JP" altLang="en-US"/>
               <a:t>マスター テキストの書式設定</a:t>
             </a:r>
           </a:p>
           <a:p>
             <a:pPr lvl="1"/>
             <a:r>
-              <a:rPr kumimoji="1" lang="ja-JP" altLang="en-US"/>
+              <a:rPr lang="ja-JP" altLang="en-US"/>
               <a:t>第 </a:t>
             </a:r>
             <a:r>
-              <a:rPr kumimoji="1" lang="en-US" altLang="ja-JP"/>
+              <a:rPr lang="en-US" altLang="ja-JP"/>
               <a:t>2 </a:t>
             </a:r>
             <a:r>
-              <a:rPr kumimoji="1" lang="ja-JP" altLang="en-US"/>
+              <a:rPr lang="ja-JP" altLang="en-US"/>
               <a:t>レベル</a:t>
             </a:r>
           </a:p>
           <a:p>
             <a:pPr lvl="2"/>
             <a:r>
-              <a:rPr kumimoji="1" lang="ja-JP" altLang="en-US"/>
+              <a:rPr lang="ja-JP" altLang="en-US"/>
               <a:t>第 </a:t>
             </a:r>
             <a:r>
-              <a:rPr kumimoji="1" lang="en-US" altLang="ja-JP"/>
+              <a:rPr lang="en-US" altLang="ja-JP"/>
               <a:t>3 </a:t>
             </a:r>
             <a:r>
-              <a:rPr kumimoji="1" lang="ja-JP" altLang="en-US"/>
+              <a:rPr lang="ja-JP" altLang="en-US"/>
               <a:t>レベル</a:t>
             </a:r>
           </a:p>
           <a:p>
             <a:pPr lvl="3"/>
             <a:r>
-              <a:rPr kumimoji="1" lang="ja-JP" altLang="en-US"/>
+              <a:rPr lang="ja-JP" altLang="en-US"/>
               <a:t>第 </a:t>
             </a:r>
             <a:r>
-              <a:rPr kumimoji="1" lang="en-US" altLang="ja-JP"/>
+              <a:rPr lang="en-US" altLang="ja-JP"/>
               <a:t>4 </a:t>
             </a:r>
             <a:r>
-              <a:rPr kumimoji="1" lang="ja-JP" altLang="en-US"/>
+              <a:rPr lang="ja-JP" altLang="en-US"/>
               <a:t>レベル</a:t>
             </a:r>
           </a:p>
           <a:p>
             <a:pPr lvl="4"/>
             <a:r>
-              <a:rPr kumimoji="1" lang="ja-JP" altLang="en-US"/>
+              <a:rPr lang="ja-JP" altLang="en-US"/>
               <a:t>第 </a:t>
             </a:r>
             <a:r>
-              <a:rPr kumimoji="1" lang="en-US" altLang="ja-JP"/>
+              <a:rPr lang="en-US" altLang="ja-JP"/>
               <a:t>5 </a:t>
             </a:r>
             <a:r>
-              <a:rPr kumimoji="1" lang="ja-JP" altLang="en-US"/>
+              <a:rPr lang="ja-JP" altLang="en-US"/>
               <a:t>レベル</a:t>
             </a:r>
-          </a:p>
-        </p:txBody>
-      </p:sp>
-      <p:sp>
-        <p:nvSpPr>
-          <p:cNvPr id="5" name="日付プレースホルダー 4">
-            <a:extLst>
-              <a:ext uri="{FF2B5EF4-FFF2-40B4-BE49-F238E27FC236}">
-                <a16:creationId xmlns:a16="http://schemas.microsoft.com/office/drawing/2014/main" id="{08154040-2FDB-4448-A7F2-2245A20F2A13}"/>
-              </a:ext>
-            </a:extLst>
-          </p:cNvPr>
+            <a:endParaRPr lang="en-US" dirty="0"/>
+          </a:p>
+        </p:txBody>
+      </p:sp>
+      <p:sp>
+        <p:nvSpPr>
+          <p:cNvPr id="4" name="Content Placeholder 3"/>
+          <p:cNvSpPr>
+            <a:spLocks noGrp="1"/>
+          </p:cNvSpPr>
+          <p:nvPr>
+            <p:ph sz="half" idx="2"/>
+          </p:nvPr>
+        </p:nvSpPr>
+        <p:spPr>
+          <a:xfrm>
+            <a:off x="6413771" y="2017343"/>
+            <a:ext cx="4645152" cy="3441520"/>
+          </a:xfrm>
+        </p:spPr>
+        <p:txBody>
+          <a:bodyPr/>
+          <a:lstStyle/>
+          <a:p>
+            <a:pPr lvl="0"/>
+            <a:r>
+              <a:rPr lang="ja-JP" altLang="en-US"/>
+              <a:t>マスター テキストの書式設定</a:t>
+            </a:r>
+          </a:p>
+          <a:p>
+            <a:pPr lvl="1"/>
+            <a:r>
+              <a:rPr lang="ja-JP" altLang="en-US"/>
+              <a:t>第 </a:t>
+            </a:r>
+            <a:r>
+              <a:rPr lang="en-US" altLang="ja-JP"/>
+              <a:t>2 </a:t>
+            </a:r>
+            <a:r>
+              <a:rPr lang="ja-JP" altLang="en-US"/>
+              <a:t>レベル</a:t>
+            </a:r>
+          </a:p>
+          <a:p>
+            <a:pPr lvl="2"/>
+            <a:r>
+              <a:rPr lang="ja-JP" altLang="en-US"/>
+              <a:t>第 </a:t>
+            </a:r>
+            <a:r>
+              <a:rPr lang="en-US" altLang="ja-JP"/>
+              <a:t>3 </a:t>
+            </a:r>
+            <a:r>
+              <a:rPr lang="ja-JP" altLang="en-US"/>
+              <a:t>レベル</a:t>
+            </a:r>
+          </a:p>
+          <a:p>
+            <a:pPr lvl="3"/>
+            <a:r>
+              <a:rPr lang="ja-JP" altLang="en-US"/>
+              <a:t>第 </a:t>
+            </a:r>
+            <a:r>
+              <a:rPr lang="en-US" altLang="ja-JP"/>
+              <a:t>4 </a:t>
+            </a:r>
+            <a:r>
+              <a:rPr lang="ja-JP" altLang="en-US"/>
+              <a:t>レベル</a:t>
+            </a:r>
+          </a:p>
+          <a:p>
+            <a:pPr lvl="4"/>
+            <a:r>
+              <a:rPr lang="ja-JP" altLang="en-US"/>
+              <a:t>第 </a:t>
+            </a:r>
+            <a:r>
+              <a:rPr lang="en-US" altLang="ja-JP"/>
+              <a:t>5 </a:t>
+            </a:r>
+            <a:r>
+              <a:rPr lang="ja-JP" altLang="en-US"/>
+              <a:t>レベル</a:t>
+            </a:r>
+            <a:endParaRPr lang="en-US" dirty="0"/>
+          </a:p>
+        </p:txBody>
+      </p:sp>
+      <p:sp>
+        <p:nvSpPr>
+          <p:cNvPr id="5" name="Date Placeholder 4"/>
           <p:cNvSpPr>
             <a:spLocks noGrp="1"/>
           </p:cNvSpPr>
@@ -1571,7 +1595,7 @@
           <a:p>
             <a:fld id="{CCC18866-C919-4534-B6B5-FAE0959FF7A2}" type="datetimeFigureOut">
               <a:rPr kumimoji="1" lang="ja-JP" altLang="en-US" smtClean="0"/>
-              <a:t>2024/7/4</a:t>
+              <a:t>2024/7/5</a:t>
             </a:fld>
             <a:endParaRPr kumimoji="1" lang="ja-JP" altLang="en-US"/>
           </a:p>
@@ -1579,13 +1603,7 @@
       </p:sp>
       <p:sp>
         <p:nvSpPr>
-          <p:cNvPr id="6" name="フッター プレースホルダー 5">
-            <a:extLst>
-              <a:ext uri="{FF2B5EF4-FFF2-40B4-BE49-F238E27FC236}">
-                <a16:creationId xmlns:a16="http://schemas.microsoft.com/office/drawing/2014/main" id="{F78BFAF9-8A8B-45ED-925A-23CAE1AC61DE}"/>
-              </a:ext>
-            </a:extLst>
-          </p:cNvPr>
+          <p:cNvPr id="6" name="Footer Placeholder 5"/>
           <p:cNvSpPr>
             <a:spLocks noGrp="1"/>
           </p:cNvSpPr>
@@ -1604,13 +1622,7 @@
       </p:sp>
       <p:sp>
         <p:nvSpPr>
-          <p:cNvPr id="7" name="スライド番号プレースホルダー 6">
-            <a:extLst>
-              <a:ext uri="{FF2B5EF4-FFF2-40B4-BE49-F238E27FC236}">
-                <a16:creationId xmlns:a16="http://schemas.microsoft.com/office/drawing/2014/main" id="{FFCBD1E9-742C-49DE-AB59-4D1C65F3511F}"/>
-              </a:ext>
-            </a:extLst>
-          </p:cNvPr>
+          <p:cNvPr id="7" name="Slide Number Placeholder 6"/>
           <p:cNvSpPr>
             <a:spLocks noGrp="1"/>
           </p:cNvSpPr>
@@ -1631,10 +1643,41 @@
           </a:p>
         </p:txBody>
       </p:sp>
+      <p:cxnSp>
+        <p:nvCxnSpPr>
+          <p:cNvPr id="35" name="Straight Connector 34"/>
+          <p:cNvCxnSpPr/>
+          <p:nvPr/>
+        </p:nvCxnSpPr>
+        <p:spPr>
+          <a:xfrm>
+            <a:off x="1453896" y="1847088"/>
+            <a:ext cx="9607522" cy="0"/>
+          </a:xfrm>
+          <a:prstGeom prst="line">
+            <a:avLst/>
+          </a:prstGeom>
+          <a:ln w="31750"/>
+        </p:spPr>
+        <p:style>
+          <a:lnRef idx="3">
+            <a:schemeClr val="accent1"/>
+          </a:lnRef>
+          <a:fillRef idx="0">
+            <a:schemeClr val="accent1"/>
+          </a:fillRef>
+          <a:effectRef idx="2">
+            <a:schemeClr val="accent1"/>
+          </a:effectRef>
+          <a:fontRef idx="minor">
+            <a:schemeClr val="tx1"/>
+          </a:fontRef>
+        </p:style>
+      </p:cxnSp>
     </p:spTree>
     <p:extLst>
       <p:ext uri="{BB962C8B-B14F-4D97-AF65-F5344CB8AC3E}">
-        <p14:creationId xmlns:p14="http://schemas.microsoft.com/office/powerpoint/2010/main" val="2860885048"/>
+        <p14:creationId xmlns:p14="http://schemas.microsoft.com/office/powerpoint/2010/main" val="4029718328"/>
       </p:ext>
     </p:extLst>
   </p:cSld>
@@ -1663,13 +1706,7 @@
       </p:grpSpPr>
       <p:sp>
         <p:nvSpPr>
-          <p:cNvPr id="2" name="タイトル 1">
-            <a:extLst>
-              <a:ext uri="{FF2B5EF4-FFF2-40B4-BE49-F238E27FC236}">
-                <a16:creationId xmlns:a16="http://schemas.microsoft.com/office/drawing/2014/main" id="{C00D9FA0-174E-4026-85CE-442D223DED2B}"/>
-              </a:ext>
-            </a:extLst>
-          </p:cNvPr>
+          <p:cNvPr id="2" name="Title 1"/>
           <p:cNvSpPr>
             <a:spLocks noGrp="1"/>
           </p:cNvSpPr>
@@ -1679,8 +1716,8 @@
         </p:nvSpPr>
         <p:spPr>
           <a:xfrm>
-            <a:off x="839788" y="365125"/>
-            <a:ext cx="10515600" cy="1325563"/>
+            <a:off x="1447191" y="804163"/>
+            <a:ext cx="9607661" cy="1056319"/>
           </a:xfrm>
         </p:spPr>
         <p:txBody>
@@ -1688,21 +1725,16 @@
           <a:lstStyle/>
           <a:p>
             <a:r>
-              <a:rPr kumimoji="1" lang="ja-JP" altLang="en-US"/>
+              <a:rPr lang="ja-JP" altLang="en-US"/>
               <a:t>マスター タイトルの書式設定</a:t>
             </a:r>
-          </a:p>
-        </p:txBody>
-      </p:sp>
-      <p:sp>
-        <p:nvSpPr>
-          <p:cNvPr id="3" name="テキスト プレースホルダー 2">
-            <a:extLst>
-              <a:ext uri="{FF2B5EF4-FFF2-40B4-BE49-F238E27FC236}">
-                <a16:creationId xmlns:a16="http://schemas.microsoft.com/office/drawing/2014/main" id="{2B502E60-BE6A-4F44-8B93-80C60EA47185}"/>
-              </a:ext>
-            </a:extLst>
-          </p:cNvPr>
+            <a:endParaRPr lang="en-US" dirty="0"/>
+          </a:p>
+        </p:txBody>
+      </p:sp>
+      <p:sp>
+        <p:nvSpPr>
+          <p:cNvPr id="3" name="Text Placeholder 2"/>
           <p:cNvSpPr>
             <a:spLocks noGrp="1"/>
           </p:cNvSpPr>
@@ -1712,16 +1744,25 @@
         </p:nvSpPr>
         <p:spPr>
           <a:xfrm>
-            <a:off x="839788" y="1681163"/>
-            <a:ext cx="5157787" cy="823912"/>
+            <a:off x="1447191" y="2019549"/>
+            <a:ext cx="4645152" cy="801943"/>
           </a:xfrm>
         </p:spPr>
         <p:txBody>
-          <a:bodyPr anchor="b"/>
+          <a:bodyPr anchor="b">
+            <a:normAutofit/>
+          </a:bodyPr>
           <a:lstStyle>
             <a:lvl1pPr marL="0" indent="0">
-              <a:buNone/>
-              <a:defRPr sz="2400" b="1"/>
+              <a:lnSpc>
+                <a:spcPct val="100000"/>
+              </a:lnSpc>
+              <a:buNone/>
+              <a:defRPr sz="2200" b="0" cap="all" baseline="0">
+                <a:solidFill>
+                  <a:schemeClr val="accent1"/>
+                </a:solidFill>
+              </a:defRPr>
             </a:lvl1pPr>
             <a:lvl2pPr marL="457200" indent="0">
               <a:buNone/>
@@ -1759,7 +1800,7 @@
           <a:p>
             <a:pPr lvl="0"/>
             <a:r>
-              <a:rPr kumimoji="1" lang="ja-JP" altLang="en-US"/>
+              <a:rPr lang="ja-JP" altLang="en-US"/>
               <a:t>マスター テキストの書式設定</a:t>
             </a:r>
           </a:p>
@@ -1767,13 +1808,7 @@
       </p:sp>
       <p:sp>
         <p:nvSpPr>
-          <p:cNvPr id="4" name="コンテンツ プレースホルダー 3">
-            <a:extLst>
-              <a:ext uri="{FF2B5EF4-FFF2-40B4-BE49-F238E27FC236}">
-                <a16:creationId xmlns:a16="http://schemas.microsoft.com/office/drawing/2014/main" id="{9AD3A531-DA3C-4884-ACBB-F2497FDB5826}"/>
-              </a:ext>
-            </a:extLst>
-          </p:cNvPr>
+          <p:cNvPr id="4" name="Content Placeholder 3"/>
           <p:cNvSpPr>
             <a:spLocks noGrp="1"/>
           </p:cNvSpPr>
@@ -1783,8 +1818,8 @@
         </p:nvSpPr>
         <p:spPr>
           <a:xfrm>
-            <a:off x="839788" y="2505075"/>
-            <a:ext cx="5157787" cy="3684588"/>
+            <a:off x="1447191" y="2824269"/>
+            <a:ext cx="4645152" cy="2644457"/>
           </a:xfrm>
         </p:spPr>
         <p:txBody>
@@ -1793,81 +1828,76 @@
           <a:p>
             <a:pPr lvl="0"/>
             <a:r>
-              <a:rPr kumimoji="1" lang="ja-JP" altLang="en-US"/>
+              <a:rPr lang="ja-JP" altLang="en-US"/>
               <a:t>マスター テキストの書式設定</a:t>
             </a:r>
           </a:p>
           <a:p>
             <a:pPr lvl="1"/>
             <a:r>
-              <a:rPr kumimoji="1" lang="ja-JP" altLang="en-US"/>
+              <a:rPr lang="ja-JP" altLang="en-US"/>
               <a:t>第 </a:t>
             </a:r>
             <a:r>
-              <a:rPr kumimoji="1" lang="en-US" altLang="ja-JP"/>
+              <a:rPr lang="en-US" altLang="ja-JP"/>
               <a:t>2 </a:t>
             </a:r>
             <a:r>
-              <a:rPr kumimoji="1" lang="ja-JP" altLang="en-US"/>
+              <a:rPr lang="ja-JP" altLang="en-US"/>
               <a:t>レベル</a:t>
             </a:r>
           </a:p>
           <a:p>
             <a:pPr lvl="2"/>
             <a:r>
-              <a:rPr kumimoji="1" lang="ja-JP" altLang="en-US"/>
+              <a:rPr lang="ja-JP" altLang="en-US"/>
               <a:t>第 </a:t>
             </a:r>
             <a:r>
-              <a:rPr kumimoji="1" lang="en-US" altLang="ja-JP"/>
+              <a:rPr lang="en-US" altLang="ja-JP"/>
               <a:t>3 </a:t>
             </a:r>
             <a:r>
-              <a:rPr kumimoji="1" lang="ja-JP" altLang="en-US"/>
+              <a:rPr lang="ja-JP" altLang="en-US"/>
               <a:t>レベル</a:t>
             </a:r>
           </a:p>
           <a:p>
             <a:pPr lvl="3"/>
             <a:r>
-              <a:rPr kumimoji="1" lang="ja-JP" altLang="en-US"/>
+              <a:rPr lang="ja-JP" altLang="en-US"/>
               <a:t>第 </a:t>
             </a:r>
             <a:r>
-              <a:rPr kumimoji="1" lang="en-US" altLang="ja-JP"/>
+              <a:rPr lang="en-US" altLang="ja-JP"/>
               <a:t>4 </a:t>
             </a:r>
             <a:r>
-              <a:rPr kumimoji="1" lang="ja-JP" altLang="en-US"/>
+              <a:rPr lang="ja-JP" altLang="en-US"/>
               <a:t>レベル</a:t>
             </a:r>
           </a:p>
           <a:p>
             <a:pPr lvl="4"/>
             <a:r>
-              <a:rPr kumimoji="1" lang="ja-JP" altLang="en-US"/>
+              <a:rPr lang="ja-JP" altLang="en-US"/>
               <a:t>第 </a:t>
             </a:r>
             <a:r>
-              <a:rPr kumimoji="1" lang="en-US" altLang="ja-JP"/>
+              <a:rPr lang="en-US" altLang="ja-JP"/>
               <a:t>5 </a:t>
             </a:r>
             <a:r>
-              <a:rPr kumimoji="1" lang="ja-JP" altLang="en-US"/>
+              <a:rPr lang="ja-JP" altLang="en-US"/>
               <a:t>レベル</a:t>
             </a:r>
-          </a:p>
-        </p:txBody>
-      </p:sp>
-      <p:sp>
-        <p:nvSpPr>
-          <p:cNvPr id="5" name="テキスト プレースホルダー 4">
-            <a:extLst>
-              <a:ext uri="{FF2B5EF4-FFF2-40B4-BE49-F238E27FC236}">
-                <a16:creationId xmlns:a16="http://schemas.microsoft.com/office/drawing/2014/main" id="{E860B484-1BEC-4CCB-A86A-46E1E874963F}"/>
-              </a:ext>
-            </a:extLst>
-          </p:cNvPr>
+            <a:endParaRPr lang="en-US" dirty="0"/>
+          </a:p>
+        </p:txBody>
+      </p:sp>
+      <p:sp>
+        <p:nvSpPr>
+          <p:cNvPr id="5" name="Text Placeholder 4"/>
           <p:cNvSpPr>
             <a:spLocks noGrp="1"/>
           </p:cNvSpPr>
@@ -1877,16 +1907,25 @@
         </p:nvSpPr>
         <p:spPr>
           <a:xfrm>
-            <a:off x="6172200" y="1681163"/>
-            <a:ext cx="5183188" cy="823912"/>
+            <a:off x="6412362" y="2023003"/>
+            <a:ext cx="4645152" cy="802237"/>
           </a:xfrm>
         </p:spPr>
         <p:txBody>
-          <a:bodyPr anchor="b"/>
+          <a:bodyPr anchor="b">
+            <a:normAutofit/>
+          </a:bodyPr>
           <a:lstStyle>
             <a:lvl1pPr marL="0" indent="0">
-              <a:buNone/>
-              <a:defRPr sz="2400" b="1"/>
+              <a:lnSpc>
+                <a:spcPct val="100000"/>
+              </a:lnSpc>
+              <a:buNone/>
+              <a:defRPr sz="2200" b="0" cap="all" baseline="0">
+                <a:solidFill>
+                  <a:schemeClr val="accent1"/>
+                </a:solidFill>
+              </a:defRPr>
             </a:lvl1pPr>
             <a:lvl2pPr marL="457200" indent="0">
               <a:buNone/>
@@ -1924,7 +1963,7 @@
           <a:p>
             <a:pPr lvl="0"/>
             <a:r>
-              <a:rPr kumimoji="1" lang="ja-JP" altLang="en-US"/>
+              <a:rPr lang="ja-JP" altLang="en-US"/>
               <a:t>マスター テキストの書式設定</a:t>
             </a:r>
           </a:p>
@@ -1932,13 +1971,7 @@
       </p:sp>
       <p:sp>
         <p:nvSpPr>
-          <p:cNvPr id="6" name="コンテンツ プレースホルダー 5">
-            <a:extLst>
-              <a:ext uri="{FF2B5EF4-FFF2-40B4-BE49-F238E27FC236}">
-                <a16:creationId xmlns:a16="http://schemas.microsoft.com/office/drawing/2014/main" id="{B9A04CE8-DC65-451E-9B77-18BC454E575E}"/>
-              </a:ext>
-            </a:extLst>
-          </p:cNvPr>
+          <p:cNvPr id="6" name="Content Placeholder 5"/>
           <p:cNvSpPr>
             <a:spLocks noGrp="1"/>
           </p:cNvSpPr>
@@ -1948,8 +1981,8 @@
         </p:nvSpPr>
         <p:spPr>
           <a:xfrm>
-            <a:off x="6172200" y="2505075"/>
-            <a:ext cx="5183188" cy="3684588"/>
+            <a:off x="6412362" y="2821491"/>
+            <a:ext cx="4645152" cy="2637371"/>
           </a:xfrm>
         </p:spPr>
         <p:txBody>
@@ -1958,81 +1991,76 @@
           <a:p>
             <a:pPr lvl="0"/>
             <a:r>
-              <a:rPr kumimoji="1" lang="ja-JP" altLang="en-US"/>
+              <a:rPr lang="ja-JP" altLang="en-US"/>
               <a:t>マスター テキストの書式設定</a:t>
             </a:r>
           </a:p>
           <a:p>
             <a:pPr lvl="1"/>
             <a:r>
-              <a:rPr kumimoji="1" lang="ja-JP" altLang="en-US"/>
+              <a:rPr lang="ja-JP" altLang="en-US"/>
               <a:t>第 </a:t>
             </a:r>
             <a:r>
-              <a:rPr kumimoji="1" lang="en-US" altLang="ja-JP"/>
+              <a:rPr lang="en-US" altLang="ja-JP"/>
               <a:t>2 </a:t>
             </a:r>
             <a:r>
-              <a:rPr kumimoji="1" lang="ja-JP" altLang="en-US"/>
+              <a:rPr lang="ja-JP" altLang="en-US"/>
               <a:t>レベル</a:t>
             </a:r>
           </a:p>
           <a:p>
             <a:pPr lvl="2"/>
             <a:r>
-              <a:rPr kumimoji="1" lang="ja-JP" altLang="en-US"/>
+              <a:rPr lang="ja-JP" altLang="en-US"/>
               <a:t>第 </a:t>
             </a:r>
             <a:r>
-              <a:rPr kumimoji="1" lang="en-US" altLang="ja-JP"/>
+              <a:rPr lang="en-US" altLang="ja-JP"/>
               <a:t>3 </a:t>
             </a:r>
             <a:r>
-              <a:rPr kumimoji="1" lang="ja-JP" altLang="en-US"/>
+              <a:rPr lang="ja-JP" altLang="en-US"/>
               <a:t>レベル</a:t>
             </a:r>
           </a:p>
           <a:p>
             <a:pPr lvl="3"/>
             <a:r>
-              <a:rPr kumimoji="1" lang="ja-JP" altLang="en-US"/>
+              <a:rPr lang="ja-JP" altLang="en-US"/>
               <a:t>第 </a:t>
             </a:r>
             <a:r>
-              <a:rPr kumimoji="1" lang="en-US" altLang="ja-JP"/>
+              <a:rPr lang="en-US" altLang="ja-JP"/>
               <a:t>4 </a:t>
             </a:r>
             <a:r>
-              <a:rPr kumimoji="1" lang="ja-JP" altLang="en-US"/>
+              <a:rPr lang="ja-JP" altLang="en-US"/>
               <a:t>レベル</a:t>
             </a:r>
           </a:p>
           <a:p>
             <a:pPr lvl="4"/>
             <a:r>
-              <a:rPr kumimoji="1" lang="ja-JP" altLang="en-US"/>
+              <a:rPr lang="ja-JP" altLang="en-US"/>
               <a:t>第 </a:t>
             </a:r>
             <a:r>
-              <a:rPr kumimoji="1" lang="en-US" altLang="ja-JP"/>
+              <a:rPr lang="en-US" altLang="ja-JP"/>
               <a:t>5 </a:t>
             </a:r>
             <a:r>
-              <a:rPr kumimoji="1" lang="ja-JP" altLang="en-US"/>
+              <a:rPr lang="ja-JP" altLang="en-US"/>
               <a:t>レベル</a:t>
             </a:r>
-          </a:p>
-        </p:txBody>
-      </p:sp>
-      <p:sp>
-        <p:nvSpPr>
-          <p:cNvPr id="7" name="日付プレースホルダー 6">
-            <a:extLst>
-              <a:ext uri="{FF2B5EF4-FFF2-40B4-BE49-F238E27FC236}">
-                <a16:creationId xmlns:a16="http://schemas.microsoft.com/office/drawing/2014/main" id="{347CD42A-D658-40C0-BB69-FF36E98C6EE1}"/>
-              </a:ext>
-            </a:extLst>
-          </p:cNvPr>
+            <a:endParaRPr lang="en-US" dirty="0"/>
+          </a:p>
+        </p:txBody>
+      </p:sp>
+      <p:sp>
+        <p:nvSpPr>
+          <p:cNvPr id="7" name="Date Placeholder 6"/>
           <p:cNvSpPr>
             <a:spLocks noGrp="1"/>
           </p:cNvSpPr>
@@ -2047,7 +2075,7 @@
           <a:p>
             <a:fld id="{CCC18866-C919-4534-B6B5-FAE0959FF7A2}" type="datetimeFigureOut">
               <a:rPr kumimoji="1" lang="ja-JP" altLang="en-US" smtClean="0"/>
-              <a:t>2024/7/4</a:t>
+              <a:t>2024/7/5</a:t>
             </a:fld>
             <a:endParaRPr kumimoji="1" lang="ja-JP" altLang="en-US"/>
           </a:p>
@@ -2055,13 +2083,7 @@
       </p:sp>
       <p:sp>
         <p:nvSpPr>
-          <p:cNvPr id="8" name="フッター プレースホルダー 7">
-            <a:extLst>
-              <a:ext uri="{FF2B5EF4-FFF2-40B4-BE49-F238E27FC236}">
-                <a16:creationId xmlns:a16="http://schemas.microsoft.com/office/drawing/2014/main" id="{FA5067F9-FE52-40FF-9B49-6B6AD6FD3A6C}"/>
-              </a:ext>
-            </a:extLst>
-          </p:cNvPr>
+          <p:cNvPr id="8" name="Footer Placeholder 7"/>
           <p:cNvSpPr>
             <a:spLocks noGrp="1"/>
           </p:cNvSpPr>
@@ -2080,13 +2102,7 @@
       </p:sp>
       <p:sp>
         <p:nvSpPr>
-          <p:cNvPr id="9" name="スライド番号プレースホルダー 8">
-            <a:extLst>
-              <a:ext uri="{FF2B5EF4-FFF2-40B4-BE49-F238E27FC236}">
-                <a16:creationId xmlns:a16="http://schemas.microsoft.com/office/drawing/2014/main" id="{AA1BE660-276B-4725-8DFD-13870CAC45B0}"/>
-              </a:ext>
-            </a:extLst>
-          </p:cNvPr>
+          <p:cNvPr id="9" name="Slide Number Placeholder 8"/>
           <p:cNvSpPr>
             <a:spLocks noGrp="1"/>
           </p:cNvSpPr>
@@ -2107,10 +2123,41 @@
           </a:p>
         </p:txBody>
       </p:sp>
+      <p:cxnSp>
+        <p:nvCxnSpPr>
+          <p:cNvPr id="29" name="Straight Connector 28"/>
+          <p:cNvCxnSpPr/>
+          <p:nvPr/>
+        </p:nvCxnSpPr>
+        <p:spPr>
+          <a:xfrm>
+            <a:off x="1453896" y="1847088"/>
+            <a:ext cx="9607522" cy="0"/>
+          </a:xfrm>
+          <a:prstGeom prst="line">
+            <a:avLst/>
+          </a:prstGeom>
+          <a:ln w="31750"/>
+        </p:spPr>
+        <p:style>
+          <a:lnRef idx="3">
+            <a:schemeClr val="accent1"/>
+          </a:lnRef>
+          <a:fillRef idx="0">
+            <a:schemeClr val="accent1"/>
+          </a:fillRef>
+          <a:effectRef idx="2">
+            <a:schemeClr val="accent1"/>
+          </a:effectRef>
+          <a:fontRef idx="minor">
+            <a:schemeClr val="tx1"/>
+          </a:fontRef>
+        </p:style>
+      </p:cxnSp>
     </p:spTree>
     <p:extLst>
       <p:ext uri="{BB962C8B-B14F-4D97-AF65-F5344CB8AC3E}">
-        <p14:creationId xmlns:p14="http://schemas.microsoft.com/office/powerpoint/2010/main" val="2484034911"/>
+        <p14:creationId xmlns:p14="http://schemas.microsoft.com/office/powerpoint/2010/main" val="1594120482"/>
       </p:ext>
     </p:extLst>
   </p:cSld>
@@ -2139,13 +2186,7 @@
       </p:grpSpPr>
       <p:sp>
         <p:nvSpPr>
-          <p:cNvPr id="2" name="タイトル 1">
-            <a:extLst>
-              <a:ext uri="{FF2B5EF4-FFF2-40B4-BE49-F238E27FC236}">
-                <a16:creationId xmlns:a16="http://schemas.microsoft.com/office/drawing/2014/main" id="{629325B3-2A9A-4092-827F-C8C7ED520F7A}"/>
-              </a:ext>
-            </a:extLst>
-          </p:cNvPr>
+          <p:cNvPr id="2" name="Title 1"/>
           <p:cNvSpPr>
             <a:spLocks noGrp="1"/>
           </p:cNvSpPr>
@@ -2159,21 +2200,16 @@
           <a:lstStyle/>
           <a:p>
             <a:r>
-              <a:rPr kumimoji="1" lang="ja-JP" altLang="en-US"/>
+              <a:rPr lang="ja-JP" altLang="en-US"/>
               <a:t>マスター タイトルの書式設定</a:t>
             </a:r>
-          </a:p>
-        </p:txBody>
-      </p:sp>
-      <p:sp>
-        <p:nvSpPr>
-          <p:cNvPr id="3" name="日付プレースホルダー 2">
-            <a:extLst>
-              <a:ext uri="{FF2B5EF4-FFF2-40B4-BE49-F238E27FC236}">
-                <a16:creationId xmlns:a16="http://schemas.microsoft.com/office/drawing/2014/main" id="{B13888E3-3499-4916-B5FD-35957FB346BE}"/>
-              </a:ext>
-            </a:extLst>
-          </p:cNvPr>
+            <a:endParaRPr lang="en-US" dirty="0"/>
+          </a:p>
+        </p:txBody>
+      </p:sp>
+      <p:sp>
+        <p:nvSpPr>
+          <p:cNvPr id="3" name="Date Placeholder 2"/>
           <p:cNvSpPr>
             <a:spLocks noGrp="1"/>
           </p:cNvSpPr>
@@ -2188,7 +2224,7 @@
           <a:p>
             <a:fld id="{CCC18866-C919-4534-B6B5-FAE0959FF7A2}" type="datetimeFigureOut">
               <a:rPr kumimoji="1" lang="ja-JP" altLang="en-US" smtClean="0"/>
-              <a:t>2024/7/4</a:t>
+              <a:t>2024/7/5</a:t>
             </a:fld>
             <a:endParaRPr kumimoji="1" lang="ja-JP" altLang="en-US"/>
           </a:p>
@@ -2196,13 +2232,7 @@
       </p:sp>
       <p:sp>
         <p:nvSpPr>
-          <p:cNvPr id="4" name="フッター プレースホルダー 3">
-            <a:extLst>
-              <a:ext uri="{FF2B5EF4-FFF2-40B4-BE49-F238E27FC236}">
-                <a16:creationId xmlns:a16="http://schemas.microsoft.com/office/drawing/2014/main" id="{616FECD3-CAC5-4D32-A184-3481637B3B00}"/>
-              </a:ext>
-            </a:extLst>
-          </p:cNvPr>
+          <p:cNvPr id="4" name="Footer Placeholder 3"/>
           <p:cNvSpPr>
             <a:spLocks noGrp="1"/>
           </p:cNvSpPr>
@@ -2221,13 +2251,7 @@
       </p:sp>
       <p:sp>
         <p:nvSpPr>
-          <p:cNvPr id="5" name="スライド番号プレースホルダー 4">
-            <a:extLst>
-              <a:ext uri="{FF2B5EF4-FFF2-40B4-BE49-F238E27FC236}">
-                <a16:creationId xmlns:a16="http://schemas.microsoft.com/office/drawing/2014/main" id="{3FBD18F1-87EE-42CC-AF4B-A8EB67C114B8}"/>
-              </a:ext>
-            </a:extLst>
-          </p:cNvPr>
+          <p:cNvPr id="5" name="Slide Number Placeholder 4"/>
           <p:cNvSpPr>
             <a:spLocks noGrp="1"/>
           </p:cNvSpPr>
@@ -2248,10 +2272,41 @@
           </a:p>
         </p:txBody>
       </p:sp>
+      <p:cxnSp>
+        <p:nvCxnSpPr>
+          <p:cNvPr id="25" name="Straight Connector 24"/>
+          <p:cNvCxnSpPr/>
+          <p:nvPr/>
+        </p:nvCxnSpPr>
+        <p:spPr>
+          <a:xfrm>
+            <a:off x="1453896" y="1847088"/>
+            <a:ext cx="9607522" cy="0"/>
+          </a:xfrm>
+          <a:prstGeom prst="line">
+            <a:avLst/>
+          </a:prstGeom>
+          <a:ln w="31750"/>
+        </p:spPr>
+        <p:style>
+          <a:lnRef idx="3">
+            <a:schemeClr val="accent1"/>
+          </a:lnRef>
+          <a:fillRef idx="0">
+            <a:schemeClr val="accent1"/>
+          </a:fillRef>
+          <a:effectRef idx="2">
+            <a:schemeClr val="accent1"/>
+          </a:effectRef>
+          <a:fontRef idx="minor">
+            <a:schemeClr val="tx1"/>
+          </a:fontRef>
+        </p:style>
+      </p:cxnSp>
     </p:spTree>
     <p:extLst>
       <p:ext uri="{BB962C8B-B14F-4D97-AF65-F5344CB8AC3E}">
-        <p14:creationId xmlns:p14="http://schemas.microsoft.com/office/powerpoint/2010/main" val="3327572501"/>
+        <p14:creationId xmlns:p14="http://schemas.microsoft.com/office/powerpoint/2010/main" val="1112266910"/>
       </p:ext>
     </p:extLst>
   </p:cSld>
@@ -2280,13 +2335,7 @@
       </p:grpSpPr>
       <p:sp>
         <p:nvSpPr>
-          <p:cNvPr id="2" name="日付プレースホルダー 1">
-            <a:extLst>
-              <a:ext uri="{FF2B5EF4-FFF2-40B4-BE49-F238E27FC236}">
-                <a16:creationId xmlns:a16="http://schemas.microsoft.com/office/drawing/2014/main" id="{27F96116-FB7E-4BB0-B40A-6573F5238E8B}"/>
-              </a:ext>
-            </a:extLst>
-          </p:cNvPr>
+          <p:cNvPr id="2" name="Date Placeholder 1"/>
           <p:cNvSpPr>
             <a:spLocks noGrp="1"/>
           </p:cNvSpPr>
@@ -2301,7 +2350,7 @@
           <a:p>
             <a:fld id="{CCC18866-C919-4534-B6B5-FAE0959FF7A2}" type="datetimeFigureOut">
               <a:rPr kumimoji="1" lang="ja-JP" altLang="en-US" smtClean="0"/>
-              <a:t>2024/7/4</a:t>
+              <a:t>2024/7/5</a:t>
             </a:fld>
             <a:endParaRPr kumimoji="1" lang="ja-JP" altLang="en-US"/>
           </a:p>
@@ -2309,13 +2358,7 @@
       </p:sp>
       <p:sp>
         <p:nvSpPr>
-          <p:cNvPr id="3" name="フッター プレースホルダー 2">
-            <a:extLst>
-              <a:ext uri="{FF2B5EF4-FFF2-40B4-BE49-F238E27FC236}">
-                <a16:creationId xmlns:a16="http://schemas.microsoft.com/office/drawing/2014/main" id="{3744A06A-A66C-49B6-8E6C-9F3DB4DB265B}"/>
-              </a:ext>
-            </a:extLst>
-          </p:cNvPr>
+          <p:cNvPr id="3" name="Footer Placeholder 2"/>
           <p:cNvSpPr>
             <a:spLocks noGrp="1"/>
           </p:cNvSpPr>
@@ -2334,13 +2377,7 @@
       </p:sp>
       <p:sp>
         <p:nvSpPr>
-          <p:cNvPr id="4" name="スライド番号プレースホルダー 3">
-            <a:extLst>
-              <a:ext uri="{FF2B5EF4-FFF2-40B4-BE49-F238E27FC236}">
-                <a16:creationId xmlns:a16="http://schemas.microsoft.com/office/drawing/2014/main" id="{F255C8D9-127F-468C-99E4-ACA27B668083}"/>
-              </a:ext>
-            </a:extLst>
-          </p:cNvPr>
+          <p:cNvPr id="4" name="Slide Number Placeholder 3"/>
           <p:cNvSpPr>
             <a:spLocks noGrp="1"/>
           </p:cNvSpPr>
@@ -2364,7 +2401,7 @@
     </p:spTree>
     <p:extLst>
       <p:ext uri="{BB962C8B-B14F-4D97-AF65-F5344CB8AC3E}">
-        <p14:creationId xmlns:p14="http://schemas.microsoft.com/office/powerpoint/2010/main" val="1377723512"/>
+        <p14:creationId xmlns:p14="http://schemas.microsoft.com/office/powerpoint/2010/main" val="2062985170"/>
       </p:ext>
     </p:extLst>
   </p:cSld>
@@ -2393,13 +2430,7 @@
       </p:grpSpPr>
       <p:sp>
         <p:nvSpPr>
-          <p:cNvPr id="2" name="タイトル 1">
-            <a:extLst>
-              <a:ext uri="{FF2B5EF4-FFF2-40B4-BE49-F238E27FC236}">
-                <a16:creationId xmlns:a16="http://schemas.microsoft.com/office/drawing/2014/main" id="{4A5DF17B-C482-463E-BC03-7CAADB31B8B5}"/>
-              </a:ext>
-            </a:extLst>
-          </p:cNvPr>
+          <p:cNvPr id="2" name="Title 1"/>
           <p:cNvSpPr>
             <a:spLocks noGrp="1"/>
           </p:cNvSpPr>
@@ -2409,34 +2440,31 @@
         </p:nvSpPr>
         <p:spPr>
           <a:xfrm>
-            <a:off x="839788" y="457200"/>
-            <a:ext cx="3932237" cy="1600200"/>
+            <a:off x="1444671" y="798973"/>
+            <a:ext cx="3273099" cy="2247117"/>
           </a:xfrm>
         </p:spPr>
         <p:txBody>
-          <a:bodyPr anchor="b"/>
+          <a:bodyPr anchor="b">
+            <a:normAutofit/>
+          </a:bodyPr>
           <a:lstStyle>
-            <a:lvl1pPr>
-              <a:defRPr sz="3200"/>
+            <a:lvl1pPr algn="l">
+              <a:defRPr sz="2400"/>
             </a:lvl1pPr>
           </a:lstStyle>
           <a:p>
             <a:r>
-              <a:rPr kumimoji="1" lang="ja-JP" altLang="en-US"/>
+              <a:rPr lang="ja-JP" altLang="en-US"/>
               <a:t>マスター タイトルの書式設定</a:t>
             </a:r>
-          </a:p>
-        </p:txBody>
-      </p:sp>
-      <p:sp>
-        <p:nvSpPr>
-          <p:cNvPr id="3" name="コンテンツ プレースホルダー 2">
-            <a:extLst>
-              <a:ext uri="{FF2B5EF4-FFF2-40B4-BE49-F238E27FC236}">
-                <a16:creationId xmlns:a16="http://schemas.microsoft.com/office/drawing/2014/main" id="{D1797A5A-694C-4933-9DA0-FF968FBAE29E}"/>
-              </a:ext>
-            </a:extLst>
-          </p:cNvPr>
+            <a:endParaRPr lang="en-US" dirty="0"/>
+          </a:p>
+        </p:txBody>
+      </p:sp>
+      <p:sp>
+        <p:nvSpPr>
+          <p:cNvPr id="3" name="Content Placeholder 2"/>
           <p:cNvSpPr>
             <a:spLocks noGrp="1"/>
           </p:cNvSpPr>
@@ -2446,136 +2474,103 @@
         </p:nvSpPr>
         <p:spPr>
           <a:xfrm>
-            <a:off x="5183188" y="987425"/>
-            <a:ext cx="6172200" cy="4873625"/>
+            <a:off x="5043714" y="798974"/>
+            <a:ext cx="6012470" cy="4658826"/>
           </a:xfrm>
         </p:spPr>
         <p:txBody>
+          <a:bodyPr anchor="ctr"/>
+          <a:lstStyle/>
+          <a:p>
+            <a:pPr lvl="0"/>
+            <a:r>
+              <a:rPr lang="ja-JP" altLang="en-US"/>
+              <a:t>マスター テキストの書式設定</a:t>
+            </a:r>
+          </a:p>
+          <a:p>
+            <a:pPr lvl="1"/>
+            <a:r>
+              <a:rPr lang="ja-JP" altLang="en-US"/>
+              <a:t>第 </a:t>
+            </a:r>
+            <a:r>
+              <a:rPr lang="en-US" altLang="ja-JP"/>
+              <a:t>2 </a:t>
+            </a:r>
+            <a:r>
+              <a:rPr lang="ja-JP" altLang="en-US"/>
+              <a:t>レベル</a:t>
+            </a:r>
+          </a:p>
+          <a:p>
+            <a:pPr lvl="2"/>
+            <a:r>
+              <a:rPr lang="ja-JP" altLang="en-US"/>
+              <a:t>第 </a:t>
+            </a:r>
+            <a:r>
+              <a:rPr lang="en-US" altLang="ja-JP"/>
+              <a:t>3 </a:t>
+            </a:r>
+            <a:r>
+              <a:rPr lang="ja-JP" altLang="en-US"/>
+              <a:t>レベル</a:t>
+            </a:r>
+          </a:p>
+          <a:p>
+            <a:pPr lvl="3"/>
+            <a:r>
+              <a:rPr lang="ja-JP" altLang="en-US"/>
+              <a:t>第 </a:t>
+            </a:r>
+            <a:r>
+              <a:rPr lang="en-US" altLang="ja-JP"/>
+              <a:t>4 </a:t>
+            </a:r>
+            <a:r>
+              <a:rPr lang="ja-JP" altLang="en-US"/>
+              <a:t>レベル</a:t>
+            </a:r>
+          </a:p>
+          <a:p>
+            <a:pPr lvl="4"/>
+            <a:r>
+              <a:rPr lang="ja-JP" altLang="en-US"/>
+              <a:t>第 </a:t>
+            </a:r>
+            <a:r>
+              <a:rPr lang="en-US" altLang="ja-JP"/>
+              <a:t>5 </a:t>
+            </a:r>
+            <a:r>
+              <a:rPr lang="ja-JP" altLang="en-US"/>
+              <a:t>レベル</a:t>
+            </a:r>
+            <a:endParaRPr lang="en-US" dirty="0"/>
+          </a:p>
+        </p:txBody>
+      </p:sp>
+      <p:sp>
+        <p:nvSpPr>
+          <p:cNvPr id="4" name="Text Placeholder 3"/>
+          <p:cNvSpPr>
+            <a:spLocks noGrp="1"/>
+          </p:cNvSpPr>
+          <p:nvPr>
+            <p:ph type="body" sz="half" idx="2"/>
+          </p:nvPr>
+        </p:nvSpPr>
+        <p:spPr>
+          <a:xfrm>
+            <a:off x="1444671" y="3205491"/>
+            <a:ext cx="3275013" cy="2248181"/>
+          </a:xfrm>
+        </p:spPr>
+        <p:txBody>
           <a:bodyPr/>
           <a:lstStyle>
-            <a:lvl1pPr>
-              <a:defRPr sz="3200"/>
-            </a:lvl1pPr>
-            <a:lvl2pPr>
-              <a:defRPr sz="2800"/>
-            </a:lvl2pPr>
-            <a:lvl3pPr>
-              <a:defRPr sz="2400"/>
-            </a:lvl3pPr>
-            <a:lvl4pPr>
-              <a:defRPr sz="2000"/>
-            </a:lvl4pPr>
-            <a:lvl5pPr>
-              <a:defRPr sz="2000"/>
-            </a:lvl5pPr>
-            <a:lvl6pPr>
-              <a:defRPr sz="2000"/>
-            </a:lvl6pPr>
-            <a:lvl7pPr>
-              <a:defRPr sz="2000"/>
-            </a:lvl7pPr>
-            <a:lvl8pPr>
-              <a:defRPr sz="2000"/>
-            </a:lvl8pPr>
-            <a:lvl9pPr>
-              <a:defRPr sz="2000"/>
-            </a:lvl9pPr>
-          </a:lstStyle>
-          <a:p>
-            <a:pPr lvl="0"/>
-            <a:r>
-              <a:rPr kumimoji="1" lang="ja-JP" altLang="en-US"/>
-              <a:t>マスター テキストの書式設定</a:t>
-            </a:r>
-          </a:p>
-          <a:p>
-            <a:pPr lvl="1"/>
-            <a:r>
-              <a:rPr kumimoji="1" lang="ja-JP" altLang="en-US"/>
-              <a:t>第 </a:t>
-            </a:r>
-            <a:r>
-              <a:rPr kumimoji="1" lang="en-US" altLang="ja-JP"/>
-              <a:t>2 </a:t>
-            </a:r>
-            <a:r>
-              <a:rPr kumimoji="1" lang="ja-JP" altLang="en-US"/>
-              <a:t>レベル</a:t>
-            </a:r>
-          </a:p>
-          <a:p>
-            <a:pPr lvl="2"/>
-            <a:r>
-              <a:rPr kumimoji="1" lang="ja-JP" altLang="en-US"/>
-              <a:t>第 </a:t>
-            </a:r>
-            <a:r>
-              <a:rPr kumimoji="1" lang="en-US" altLang="ja-JP"/>
-              <a:t>3 </a:t>
-            </a:r>
-            <a:r>
-              <a:rPr kumimoji="1" lang="ja-JP" altLang="en-US"/>
-              <a:t>レベル</a:t>
-            </a:r>
-          </a:p>
-          <a:p>
-            <a:pPr lvl="3"/>
-            <a:r>
-              <a:rPr kumimoji="1" lang="ja-JP" altLang="en-US"/>
-              <a:t>第 </a:t>
-            </a:r>
-            <a:r>
-              <a:rPr kumimoji="1" lang="en-US" altLang="ja-JP"/>
-              <a:t>4 </a:t>
-            </a:r>
-            <a:r>
-              <a:rPr kumimoji="1" lang="ja-JP" altLang="en-US"/>
-              <a:t>レベル</a:t>
-            </a:r>
-          </a:p>
-          <a:p>
-            <a:pPr lvl="4"/>
-            <a:r>
-              <a:rPr kumimoji="1" lang="ja-JP" altLang="en-US"/>
-              <a:t>第 </a:t>
-            </a:r>
-            <a:r>
-              <a:rPr kumimoji="1" lang="en-US" altLang="ja-JP"/>
-              <a:t>5 </a:t>
-            </a:r>
-            <a:r>
-              <a:rPr kumimoji="1" lang="ja-JP" altLang="en-US"/>
-              <a:t>レベル</a:t>
-            </a:r>
-          </a:p>
-        </p:txBody>
-      </p:sp>
-      <p:sp>
-        <p:nvSpPr>
-          <p:cNvPr id="4" name="テキスト プレースホルダー 3">
-            <a:extLst>
-              <a:ext uri="{FF2B5EF4-FFF2-40B4-BE49-F238E27FC236}">
-                <a16:creationId xmlns:a16="http://schemas.microsoft.com/office/drawing/2014/main" id="{4EDE1D81-8C6E-4F21-BE66-BF4C1EB50129}"/>
-              </a:ext>
-            </a:extLst>
-          </p:cNvPr>
-          <p:cNvSpPr>
-            <a:spLocks noGrp="1"/>
-          </p:cNvSpPr>
-          <p:nvPr>
-            <p:ph type="body" sz="half" idx="2"/>
-          </p:nvPr>
-        </p:nvSpPr>
-        <p:spPr>
-          <a:xfrm>
-            <a:off x="839788" y="2057400"/>
-            <a:ext cx="3932237" cy="3811588"/>
-          </a:xfrm>
-        </p:spPr>
-        <p:txBody>
-          <a:bodyPr/>
-          <a:lstStyle>
-            <a:lvl1pPr marL="0" indent="0">
+            <a:lvl1pPr marL="0" indent="0" algn="l">
               <a:buNone/>
               <a:defRPr sz="1600"/>
             </a:lvl1pPr>
@@ -2615,7 +2610,7 @@
           <a:p>
             <a:pPr lvl="0"/>
             <a:r>
-              <a:rPr kumimoji="1" lang="ja-JP" altLang="en-US"/>
+              <a:rPr lang="ja-JP" altLang="en-US"/>
               <a:t>マスター テキストの書式設定</a:t>
             </a:r>
           </a:p>
@@ -2623,13 +2618,7 @@
       </p:sp>
       <p:sp>
         <p:nvSpPr>
-          <p:cNvPr id="5" name="日付プレースホルダー 4">
-            <a:extLst>
-              <a:ext uri="{FF2B5EF4-FFF2-40B4-BE49-F238E27FC236}">
-                <a16:creationId xmlns:a16="http://schemas.microsoft.com/office/drawing/2014/main" id="{75023902-2110-44A0-8C17-396510179B9E}"/>
-              </a:ext>
-            </a:extLst>
-          </p:cNvPr>
+          <p:cNvPr id="5" name="Date Placeholder 4"/>
           <p:cNvSpPr>
             <a:spLocks noGrp="1"/>
           </p:cNvSpPr>
@@ -2644,7 +2633,7 @@
           <a:p>
             <a:fld id="{CCC18866-C919-4534-B6B5-FAE0959FF7A2}" type="datetimeFigureOut">
               <a:rPr kumimoji="1" lang="ja-JP" altLang="en-US" smtClean="0"/>
-              <a:t>2024/7/4</a:t>
+              <a:t>2024/7/5</a:t>
             </a:fld>
             <a:endParaRPr kumimoji="1" lang="ja-JP" altLang="en-US"/>
           </a:p>
@@ -2652,13 +2641,7 @@
       </p:sp>
       <p:sp>
         <p:nvSpPr>
-          <p:cNvPr id="6" name="フッター プレースホルダー 5">
-            <a:extLst>
-              <a:ext uri="{FF2B5EF4-FFF2-40B4-BE49-F238E27FC236}">
-                <a16:creationId xmlns:a16="http://schemas.microsoft.com/office/drawing/2014/main" id="{122341B9-07FE-41BB-A173-BDC51F04FB87}"/>
-              </a:ext>
-            </a:extLst>
-          </p:cNvPr>
+          <p:cNvPr id="6" name="Footer Placeholder 5"/>
           <p:cNvSpPr>
             <a:spLocks noGrp="1"/>
           </p:cNvSpPr>
@@ -2677,13 +2660,7 @@
       </p:sp>
       <p:sp>
         <p:nvSpPr>
-          <p:cNvPr id="7" name="スライド番号プレースホルダー 6">
-            <a:extLst>
-              <a:ext uri="{FF2B5EF4-FFF2-40B4-BE49-F238E27FC236}">
-                <a16:creationId xmlns:a16="http://schemas.microsoft.com/office/drawing/2014/main" id="{A03D4659-B736-4EDD-9197-2D3F7105CAB9}"/>
-              </a:ext>
-            </a:extLst>
-          </p:cNvPr>
+          <p:cNvPr id="7" name="Slide Number Placeholder 6"/>
           <p:cNvSpPr>
             <a:spLocks noGrp="1"/>
           </p:cNvSpPr>
@@ -2704,10 +2681,41 @@
           </a:p>
         </p:txBody>
       </p:sp>
+      <p:cxnSp>
+        <p:nvCxnSpPr>
+          <p:cNvPr id="17" name="Straight Connector 16"/>
+          <p:cNvCxnSpPr/>
+          <p:nvPr/>
+        </p:nvCxnSpPr>
+        <p:spPr>
+          <a:xfrm>
+            <a:off x="1448280" y="3205491"/>
+            <a:ext cx="3269490" cy="0"/>
+          </a:xfrm>
+          <a:prstGeom prst="line">
+            <a:avLst/>
+          </a:prstGeom>
+          <a:ln w="31750"/>
+        </p:spPr>
+        <p:style>
+          <a:lnRef idx="3">
+            <a:schemeClr val="accent1"/>
+          </a:lnRef>
+          <a:fillRef idx="0">
+            <a:schemeClr val="accent1"/>
+          </a:fillRef>
+          <a:effectRef idx="2">
+            <a:schemeClr val="accent1"/>
+          </a:effectRef>
+          <a:fontRef idx="minor">
+            <a:schemeClr val="tx1"/>
+          </a:fontRef>
+        </p:style>
+      </p:cxnSp>
     </p:spTree>
     <p:extLst>
       <p:ext uri="{BB962C8B-B14F-4D97-AF65-F5344CB8AC3E}">
-        <p14:creationId xmlns:p14="http://schemas.microsoft.com/office/powerpoint/2010/main" val="2804893229"/>
+        <p14:creationId xmlns:p14="http://schemas.microsoft.com/office/powerpoint/2010/main" val="3073624376"/>
       </p:ext>
     </p:extLst>
   </p:cSld>
@@ -2734,15 +2742,143 @@
           <a:chExt cx="0" cy="0"/>
         </a:xfrm>
       </p:grpSpPr>
-      <p:sp>
-        <p:nvSpPr>
-          <p:cNvPr id="2" name="タイトル 1">
-            <a:extLst>
-              <a:ext uri="{FF2B5EF4-FFF2-40B4-BE49-F238E27FC236}">
-                <a16:creationId xmlns:a16="http://schemas.microsoft.com/office/drawing/2014/main" id="{677FE2BD-4CFD-4EE0-B6C4-27893BB68B97}"/>
-              </a:ext>
-            </a:extLst>
-          </p:cNvPr>
+      <p:grpSp>
+        <p:nvGrpSpPr>
+          <p:cNvPr id="8" name="Group 7"/>
+          <p:cNvGrpSpPr/>
+          <p:nvPr/>
+        </p:nvGrpSpPr>
+        <p:grpSpPr>
+          <a:xfrm>
+            <a:off x="7477387" y="482170"/>
+            <a:ext cx="4074533" cy="5149101"/>
+            <a:chOff x="7477387" y="482170"/>
+            <a:chExt cx="4074533" cy="5149101"/>
+          </a:xfrm>
+        </p:grpSpPr>
+        <p:sp>
+          <p:nvSpPr>
+            <p:cNvPr id="18" name="Rectangle 17"/>
+            <p:cNvSpPr/>
+            <p:nvPr/>
+          </p:nvSpPr>
+          <p:spPr bwMode="black">
+            <a:xfrm>
+              <a:off x="7477387" y="482170"/>
+              <a:ext cx="4074533" cy="5149101"/>
+            </a:xfrm>
+            <a:prstGeom prst="rect">
+              <a:avLst/>
+            </a:prstGeom>
+            <a:gradFill>
+              <a:gsLst>
+                <a:gs pos="0">
+                  <a:srgbClr val="000001"/>
+                </a:gs>
+                <a:gs pos="100000">
+                  <a:srgbClr val="191919"/>
+                </a:gs>
+              </a:gsLst>
+            </a:gradFill>
+            <a:ln w="76200" cmpd="sng">
+              <a:noFill/>
+              <a:miter lim="800000"/>
+            </a:ln>
+            <a:effectLst>
+              <a:outerShdw blurRad="127000" dist="228600" dir="4740000" sx="98000" sy="98000" algn="tl" rotWithShape="0">
+                <a:srgbClr val="000000">
+                  <a:alpha val="34000"/>
+                </a:srgbClr>
+              </a:outerShdw>
+            </a:effectLst>
+            <a:scene3d>
+              <a:camera prst="orthographicFront"/>
+              <a:lightRig rig="threePt" dir="t"/>
+            </a:scene3d>
+            <a:sp3d>
+              <a:bevelT w="152400" h="50800" prst="softRound"/>
+            </a:sp3d>
+          </p:spPr>
+          <p:style>
+            <a:lnRef idx="1">
+              <a:schemeClr val="accent1"/>
+            </a:lnRef>
+            <a:fillRef idx="3">
+              <a:schemeClr val="accent1"/>
+            </a:fillRef>
+            <a:effectRef idx="2">
+              <a:schemeClr val="accent1"/>
+            </a:effectRef>
+            <a:fontRef idx="minor">
+              <a:schemeClr val="lt1"/>
+            </a:fontRef>
+          </p:style>
+        </p:sp>
+        <p:sp>
+          <p:nvSpPr>
+            <p:cNvPr id="19" name="Rectangle 18"/>
+            <p:cNvSpPr/>
+            <p:nvPr/>
+          </p:nvSpPr>
+          <p:spPr bwMode="blackWhite">
+            <a:xfrm>
+              <a:off x="7790446" y="812506"/>
+              <a:ext cx="3450289" cy="4466452"/>
+            </a:xfrm>
+            <a:prstGeom prst="rect">
+              <a:avLst/>
+            </a:prstGeom>
+            <a:gradFill>
+              <a:gsLst>
+                <a:gs pos="0">
+                  <a:srgbClr val="DADADA"/>
+                </a:gs>
+                <a:gs pos="100000">
+                  <a:srgbClr val="FFFFFE"/>
+                </a:gs>
+              </a:gsLst>
+              <a:lin ang="16200000" scaled="0"/>
+            </a:gradFill>
+            <a:ln w="50800" cmpd="sng">
+              <a:solidFill>
+                <a:srgbClr val="191919"/>
+              </a:solidFill>
+              <a:miter lim="800000"/>
+            </a:ln>
+            <a:effectLst>
+              <a:innerShdw blurRad="63500" dist="88900" dir="14100000">
+                <a:srgbClr val="000000">
+                  <a:alpha val="30000"/>
+                </a:srgbClr>
+              </a:innerShdw>
+            </a:effectLst>
+            <a:scene3d>
+              <a:camera prst="orthographicFront"/>
+              <a:lightRig rig="threePt" dir="t"/>
+            </a:scene3d>
+            <a:sp3d>
+              <a:bevelT prst="relaxedInset"/>
+            </a:sp3d>
+          </p:spPr>
+          <p:style>
+            <a:lnRef idx="1">
+              <a:schemeClr val="accent1"/>
+            </a:lnRef>
+            <a:fillRef idx="3">
+              <a:schemeClr val="accent1"/>
+            </a:fillRef>
+            <a:effectRef idx="2">
+              <a:schemeClr val="accent1"/>
+            </a:effectRef>
+            <a:fontRef idx="minor">
+              <a:schemeClr val="lt1"/>
+            </a:fontRef>
+          </p:style>
+        </p:sp>
+      </p:grpSp>
+      <p:sp>
+        <p:nvSpPr>
+          <p:cNvPr id="2" name="Title 1"/>
           <p:cNvSpPr>
             <a:spLocks noGrp="1"/>
           </p:cNvSpPr>
@@ -2752,12 +2888,14 @@
         </p:nvSpPr>
         <p:spPr>
           <a:xfrm>
-            <a:off x="839788" y="457200"/>
-            <a:ext cx="3932237" cy="1600200"/>
+            <a:off x="1451206" y="1129513"/>
+            <a:ext cx="5532328" cy="1830584"/>
           </a:xfrm>
         </p:spPr>
         <p:txBody>
-          <a:bodyPr anchor="b"/>
+          <a:bodyPr anchor="b">
+            <a:normAutofit/>
+          </a:bodyPr>
           <a:lstStyle>
             <a:lvl1pPr>
               <a:defRPr sz="3200"/>
@@ -2765,23 +2903,18 @@
           </a:lstStyle>
           <a:p>
             <a:r>
-              <a:rPr kumimoji="1" lang="ja-JP" altLang="en-US"/>
+              <a:rPr lang="ja-JP" altLang="en-US"/>
               <a:t>マスター タイトルの書式設定</a:t>
             </a:r>
-          </a:p>
-        </p:txBody>
-      </p:sp>
-      <p:sp>
-        <p:nvSpPr>
-          <p:cNvPr id="3" name="図プレースホルダー 2">
-            <a:extLst>
-              <a:ext uri="{FF2B5EF4-FFF2-40B4-BE49-F238E27FC236}">
-                <a16:creationId xmlns:a16="http://schemas.microsoft.com/office/drawing/2014/main" id="{D7ECE78C-A449-4EFA-AB42-FD13DC162A5F}"/>
-              </a:ext>
-            </a:extLst>
-          </p:cNvPr>
-          <p:cNvSpPr>
-            <a:spLocks noGrp="1"/>
+            <a:endParaRPr lang="en-US" dirty="0"/>
+          </a:p>
+        </p:txBody>
+      </p:sp>
+      <p:sp>
+        <p:nvSpPr>
+          <p:cNvPr id="3" name="Picture Placeholder 2"/>
+          <p:cNvSpPr>
+            <a:spLocks noGrp="1" noChangeAspect="1"/>
           </p:cNvSpPr>
           <p:nvPr>
             <p:ph type="pic" idx="1"/>
@@ -2789,14 +2922,24 @@
         </p:nvSpPr>
         <p:spPr>
           <a:xfrm>
-            <a:off x="5183188" y="987425"/>
-            <a:ext cx="6172200" cy="4873625"/>
+            <a:off x="8124389" y="1122542"/>
+            <a:ext cx="2791171" cy="3866327"/>
           </a:xfrm>
+          <a:solidFill>
+            <a:schemeClr val="bg1">
+              <a:lumMod val="85000"/>
+            </a:schemeClr>
+          </a:solidFill>
+          <a:ln w="9525" cap="sq">
+            <a:noFill/>
+            <a:miter lim="800000"/>
+          </a:ln>
+          <a:effectLst/>
         </p:spPr>
         <p:txBody>
-          <a:bodyPr/>
+          <a:bodyPr anchor="t"/>
           <a:lstStyle>
-            <a:lvl1pPr marL="0" indent="0">
+            <a:lvl1pPr marL="0" indent="0" algn="ctr">
               <a:buNone/>
               <a:defRPr sz="3200"/>
             </a:lvl1pPr>
@@ -2834,19 +2977,17 @@
             </a:lvl9pPr>
           </a:lstStyle>
           <a:p>
-            <a:endParaRPr kumimoji="1" lang="ja-JP" altLang="en-US"/>
-          </a:p>
-        </p:txBody>
-      </p:sp>
-      <p:sp>
-        <p:nvSpPr>
-          <p:cNvPr id="4" name="テキスト プレースホルダー 3">
-            <a:extLst>
-              <a:ext uri="{FF2B5EF4-FFF2-40B4-BE49-F238E27FC236}">
-                <a16:creationId xmlns:a16="http://schemas.microsoft.com/office/drawing/2014/main" id="{630C3F80-67C9-4A4B-8909-0ADB9F4B6B99}"/>
-              </a:ext>
-            </a:extLst>
-          </p:cNvPr>
+            <a:r>
+              <a:rPr lang="ja-JP" altLang="en-US"/>
+              <a:t>アイコンをクリックして図を追加</a:t>
+            </a:r>
+            <a:endParaRPr lang="en-US" dirty="0"/>
+          </a:p>
+        </p:txBody>
+      </p:sp>
+      <p:sp>
+        <p:nvSpPr>
+          <p:cNvPr id="4" name="Text Placeholder 3"/>
           <p:cNvSpPr>
             <a:spLocks noGrp="1"/>
           </p:cNvSpPr>
@@ -2856,16 +2997,18 @@
         </p:nvSpPr>
         <p:spPr>
           <a:xfrm>
-            <a:off x="839788" y="2057400"/>
-            <a:ext cx="3932237" cy="3811588"/>
+            <a:off x="1450329" y="3145992"/>
+            <a:ext cx="5524404" cy="2003742"/>
           </a:xfrm>
         </p:spPr>
         <p:txBody>
-          <a:bodyPr/>
+          <a:bodyPr>
+            <a:normAutofit/>
+          </a:bodyPr>
           <a:lstStyle>
-            <a:lvl1pPr marL="0" indent="0">
-              <a:buNone/>
-              <a:defRPr sz="1600"/>
+            <a:lvl1pPr marL="0" indent="0" algn="l">
+              <a:buNone/>
+              <a:defRPr sz="1800"/>
             </a:lvl1pPr>
             <a:lvl2pPr marL="457200" indent="0">
               <a:buNone/>
@@ -2903,7 +3046,7 @@
           <a:p>
             <a:pPr lvl="0"/>
             <a:r>
-              <a:rPr kumimoji="1" lang="ja-JP" altLang="en-US"/>
+              <a:rPr lang="ja-JP" altLang="en-US"/>
               <a:t>マスター テキストの書式設定</a:t>
             </a:r>
           </a:p>
@@ -2911,13 +3054,7 @@
       </p:sp>
       <p:sp>
         <p:nvSpPr>
-          <p:cNvPr id="5" name="日付プレースホルダー 4">
-            <a:extLst>
-              <a:ext uri="{FF2B5EF4-FFF2-40B4-BE49-F238E27FC236}">
-                <a16:creationId xmlns:a16="http://schemas.microsoft.com/office/drawing/2014/main" id="{79CA6BBE-B22B-4C34-8949-41875BB470D9}"/>
-              </a:ext>
-            </a:extLst>
-          </p:cNvPr>
+          <p:cNvPr id="5" name="Date Placeholder 4"/>
           <p:cNvSpPr>
             <a:spLocks noGrp="1"/>
           </p:cNvSpPr>
@@ -2925,14 +3062,23 @@
             <p:ph type="dt" sz="half" idx="10"/>
           </p:nvPr>
         </p:nvSpPr>
-        <p:spPr/>
+        <p:spPr>
+          <a:xfrm>
+            <a:off x="1447382" y="5469856"/>
+            <a:ext cx="5527351" cy="320123"/>
+          </a:xfrm>
+        </p:spPr>
         <p:txBody>
           <a:bodyPr/>
-          <a:lstStyle/>
+          <a:lstStyle>
+            <a:lvl1pPr algn="l">
+              <a:defRPr/>
+            </a:lvl1pPr>
+          </a:lstStyle>
           <a:p>
             <a:fld id="{CCC18866-C919-4534-B6B5-FAE0959FF7A2}" type="datetimeFigureOut">
               <a:rPr kumimoji="1" lang="ja-JP" altLang="en-US" smtClean="0"/>
-              <a:t>2024/7/4</a:t>
+              <a:t>2024/7/5</a:t>
             </a:fld>
             <a:endParaRPr kumimoji="1" lang="ja-JP" altLang="en-US"/>
           </a:p>
@@ -2940,13 +3086,7 @@
       </p:sp>
       <p:sp>
         <p:nvSpPr>
-          <p:cNvPr id="6" name="フッター プレースホルダー 5">
-            <a:extLst>
-              <a:ext uri="{FF2B5EF4-FFF2-40B4-BE49-F238E27FC236}">
-                <a16:creationId xmlns:a16="http://schemas.microsoft.com/office/drawing/2014/main" id="{9B72FCCA-3D47-425B-92C8-C126028FFF56}"/>
-              </a:ext>
-            </a:extLst>
-          </p:cNvPr>
+          <p:cNvPr id="6" name="Footer Placeholder 5"/>
           <p:cNvSpPr>
             <a:spLocks noGrp="1"/>
           </p:cNvSpPr>
@@ -2954,7 +3094,12 @@
             <p:ph type="ftr" sz="quarter" idx="11"/>
           </p:nvPr>
         </p:nvSpPr>
-        <p:spPr/>
+        <p:spPr>
+          <a:xfrm>
+            <a:off x="1447382" y="318640"/>
+            <a:ext cx="5541004" cy="320931"/>
+          </a:xfrm>
+        </p:spPr>
         <p:txBody>
           <a:bodyPr/>
           <a:lstStyle/>
@@ -2965,13 +3110,7 @@
       </p:sp>
       <p:sp>
         <p:nvSpPr>
-          <p:cNvPr id="7" name="スライド番号プレースホルダー 6">
-            <a:extLst>
-              <a:ext uri="{FF2B5EF4-FFF2-40B4-BE49-F238E27FC236}">
-                <a16:creationId xmlns:a16="http://schemas.microsoft.com/office/drawing/2014/main" id="{CE9C0ACE-0D9E-414C-9A10-D6B22269E066}"/>
-              </a:ext>
-            </a:extLst>
-          </p:cNvPr>
+          <p:cNvPr id="7" name="Slide Number Placeholder 6"/>
           <p:cNvSpPr>
             <a:spLocks noGrp="1"/>
           </p:cNvSpPr>
@@ -2992,10 +3131,41 @@
           </a:p>
         </p:txBody>
       </p:sp>
+      <p:cxnSp>
+        <p:nvCxnSpPr>
+          <p:cNvPr id="31" name="Straight Connector 30"/>
+          <p:cNvCxnSpPr/>
+          <p:nvPr/>
+        </p:nvCxnSpPr>
+        <p:spPr>
+          <a:xfrm>
+            <a:off x="1447382" y="3143605"/>
+            <a:ext cx="5527351" cy="0"/>
+          </a:xfrm>
+          <a:prstGeom prst="line">
+            <a:avLst/>
+          </a:prstGeom>
+          <a:ln w="31750"/>
+        </p:spPr>
+        <p:style>
+          <a:lnRef idx="3">
+            <a:schemeClr val="accent1"/>
+          </a:lnRef>
+          <a:fillRef idx="0">
+            <a:schemeClr val="accent1"/>
+          </a:fillRef>
+          <a:effectRef idx="2">
+            <a:schemeClr val="accent1"/>
+          </a:effectRef>
+          <a:fontRef idx="minor">
+            <a:schemeClr val="tx1"/>
+          </a:fontRef>
+        </p:style>
+      </p:cxnSp>
     </p:spTree>
     <p:extLst>
       <p:ext uri="{BB962C8B-B14F-4D97-AF65-F5344CB8AC3E}">
-        <p14:creationId xmlns:p14="http://schemas.microsoft.com/office/powerpoint/2010/main" val="4123803584"/>
+        <p14:creationId xmlns:p14="http://schemas.microsoft.com/office/powerpoint/2010/main" val="7217128"/>
       </p:ext>
     </p:extLst>
   </p:cSld>
@@ -3009,8 +3179,8 @@
 <p:sldMaster xmlns:a="http://schemas.openxmlformats.org/drawingml/2006/main" xmlns:r="http://schemas.openxmlformats.org/officeDocument/2006/relationships" xmlns:p="http://schemas.openxmlformats.org/presentationml/2006/main">
   <p:cSld>
     <p:bg>
-      <p:bgRef idx="1001">
-        <a:schemeClr val="bg1"/>
+      <p:bgRef idx="1003">
+        <a:schemeClr val="bg2"/>
       </p:bgRef>
     </p:bg>
     <p:spTree>
@@ -3029,171 +3199,200 @@
       </p:grpSpPr>
       <p:sp>
         <p:nvSpPr>
-          <p:cNvPr id="2" name="タイトル プレースホルダー 1">
+          <p:cNvPr id="8" name="Rectangle 7"/>
+          <p:cNvSpPr/>
+          <p:nvPr/>
+        </p:nvSpPr>
+        <p:spPr>
+          <a:xfrm>
+            <a:off x="0" y="2019476"/>
+            <a:ext cx="12192000" cy="4105941"/>
+          </a:xfrm>
+          <a:prstGeom prst="rect">
+            <a:avLst/>
+          </a:prstGeom>
+          <a:gradFill flip="none" rotWithShape="1">
+            <a:gsLst>
+              <a:gs pos="0">
+                <a:schemeClr val="bg2">
+                  <a:alpha val="0"/>
+                </a:schemeClr>
+              </a:gs>
+              <a:gs pos="100000">
+                <a:schemeClr val="bg2"/>
+              </a:gs>
+            </a:gsLst>
+            <a:lin ang="5400000" scaled="0"/>
+            <a:tileRect/>
+          </a:gradFill>
+          <a:ln>
+            <a:noFill/>
+          </a:ln>
+        </p:spPr>
+        <p:style>
+          <a:lnRef idx="2">
+            <a:schemeClr val="accent1">
+              <a:shade val="50000"/>
+            </a:schemeClr>
+          </a:lnRef>
+          <a:fillRef idx="1">
+            <a:schemeClr val="accent1"/>
+          </a:fillRef>
+          <a:effectRef idx="0">
+            <a:schemeClr val="accent1"/>
+          </a:effectRef>
+          <a:fontRef idx="minor">
+            <a:schemeClr val="lt1"/>
+          </a:fontRef>
+        </p:style>
+      </p:sp>
+      <p:pic>
+        <p:nvPicPr>
+          <p:cNvPr id="7" name="Picture 6"/>
+          <p:cNvPicPr>
+            <a:picLocks noChangeAspect="1"/>
+          </p:cNvPicPr>
+          <p:nvPr/>
+        </p:nvPicPr>
+        <p:blipFill rotWithShape="1">
+          <a:blip r:embed="rId13">
             <a:extLst>
-              <a:ext uri="{FF2B5EF4-FFF2-40B4-BE49-F238E27FC236}">
-                <a16:creationId xmlns:a16="http://schemas.microsoft.com/office/drawing/2014/main" id="{9E6E1004-65CF-413C-B2B7-29691DE957BE}"/>
+              <a:ext uri="{28A0092B-C50C-407E-A947-70E740481C1C}">
+                <a14:useLocalDpi xmlns:a14="http://schemas.microsoft.com/office/drawing/2010/main" val="0"/>
               </a:ext>
             </a:extLst>
-          </p:cNvPr>
-          <p:cNvSpPr>
-            <a:spLocks noGrp="1"/>
-          </p:cNvSpPr>
-          <p:nvPr>
-            <p:ph type="title"/>
-          </p:nvPr>
-        </p:nvSpPr>
-        <p:spPr>
+          </a:blip>
+          <a:srcRect t="1538" b="-1538"/>
+          <a:stretch/>
+        </p:blipFill>
+        <p:spPr bwMode="black">
           <a:xfrm>
-            <a:off x="838200" y="365125"/>
-            <a:ext cx="10515600" cy="1325563"/>
+            <a:off x="0" y="6126480"/>
+            <a:ext cx="12192000" cy="742950"/>
           </a:xfrm>
           <a:prstGeom prst="rect">
             <a:avLst/>
           </a:prstGeom>
         </p:spPr>
-        <p:txBody>
-          <a:bodyPr vert="horz" lIns="91440" tIns="45720" rIns="91440" bIns="45720" rtlCol="0" anchor="ctr">
-            <a:normAutofit/>
-          </a:bodyPr>
-          <a:lstStyle/>
-          <a:p>
-            <a:r>
-              <a:rPr kumimoji="1" lang="ja-JP" altLang="en-US"/>
-              <a:t>マスター タイトルの書式設定</a:t>
-            </a:r>
-          </a:p>
-        </p:txBody>
-      </p:sp>
-      <p:sp>
-        <p:nvSpPr>
-          <p:cNvPr id="3" name="テキスト プレースホルダー 2">
-            <a:extLst>
-              <a:ext uri="{FF2B5EF4-FFF2-40B4-BE49-F238E27FC236}">
-                <a16:creationId xmlns:a16="http://schemas.microsoft.com/office/drawing/2014/main" id="{FB34DF19-864E-4B67-9E3F-95A4ED2E9BD6}"/>
-              </a:ext>
-            </a:extLst>
-          </p:cNvPr>
-          <p:cNvSpPr>
-            <a:spLocks noGrp="1"/>
-          </p:cNvSpPr>
-          <p:nvPr>
-            <p:ph type="body" idx="1"/>
+      </p:pic>
+      <p:sp>
+        <p:nvSpPr>
+          <p:cNvPr id="2" name="Title Placeholder 1"/>
+          <p:cNvSpPr>
+            <a:spLocks noGrp="1"/>
+          </p:cNvSpPr>
+          <p:nvPr>
+            <p:ph type="title"/>
           </p:nvPr>
         </p:nvSpPr>
         <p:spPr>
           <a:xfrm>
-            <a:off x="838200" y="1825625"/>
-            <a:ext cx="10515600" cy="4351338"/>
+            <a:off x="1451579" y="804519"/>
+            <a:ext cx="9603275" cy="1049235"/>
           </a:xfrm>
           <a:prstGeom prst="rect">
             <a:avLst/>
           </a:prstGeom>
         </p:spPr>
         <p:txBody>
-          <a:bodyPr vert="horz" lIns="91440" tIns="45720" rIns="91440" bIns="45720" rtlCol="0">
+          <a:bodyPr vert="horz" lIns="91440" tIns="45720" rIns="91440" bIns="45720" rtlCol="0" anchor="t">
             <a:normAutofit/>
           </a:bodyPr>
           <a:lstStyle/>
           <a:p>
-            <a:pPr lvl="0"/>
-            <a:r>
-              <a:rPr kumimoji="1" lang="ja-JP" altLang="en-US"/>
-              <a:t>マスター テキストの書式設定</a:t>
-            </a:r>
-          </a:p>
-          <a:p>
-            <a:pPr lvl="1"/>
-            <a:r>
-              <a:rPr kumimoji="1" lang="ja-JP" altLang="en-US"/>
-              <a:t>第 </a:t>
-            </a:r>
-            <a:r>
-              <a:rPr kumimoji="1" lang="en-US" altLang="ja-JP"/>
-              <a:t>2 </a:t>
-            </a:r>
-            <a:r>
-              <a:rPr kumimoji="1" lang="ja-JP" altLang="en-US"/>
-              <a:t>レベル</a:t>
-            </a:r>
-          </a:p>
-          <a:p>
-            <a:pPr lvl="2"/>
-            <a:r>
-              <a:rPr kumimoji="1" lang="ja-JP" altLang="en-US"/>
-              <a:t>第 </a:t>
-            </a:r>
-            <a:r>
-              <a:rPr kumimoji="1" lang="en-US" altLang="ja-JP"/>
-              <a:t>3 </a:t>
-            </a:r>
-            <a:r>
-              <a:rPr kumimoji="1" lang="ja-JP" altLang="en-US"/>
-              <a:t>レベル</a:t>
-            </a:r>
-          </a:p>
-          <a:p>
-            <a:pPr lvl="3"/>
-            <a:r>
-              <a:rPr kumimoji="1" lang="ja-JP" altLang="en-US"/>
-              <a:t>第 </a:t>
-            </a:r>
-            <a:r>
-              <a:rPr kumimoji="1" lang="en-US" altLang="ja-JP"/>
-              <a:t>4 </a:t>
-            </a:r>
-            <a:r>
-              <a:rPr kumimoji="1" lang="ja-JP" altLang="en-US"/>
-              <a:t>レベル</a:t>
-            </a:r>
-          </a:p>
-          <a:p>
-            <a:pPr lvl="4"/>
-            <a:r>
-              <a:rPr kumimoji="1" lang="ja-JP" altLang="en-US"/>
-              <a:t>第 </a:t>
-            </a:r>
-            <a:r>
-              <a:rPr kumimoji="1" lang="en-US" altLang="ja-JP"/>
-              <a:t>5 </a:t>
-            </a:r>
-            <a:r>
-              <a:rPr kumimoji="1" lang="ja-JP" altLang="en-US"/>
-              <a:t>レベル</a:t>
-            </a:r>
-          </a:p>
-        </p:txBody>
-      </p:sp>
-      <p:sp>
-        <p:nvSpPr>
-          <p:cNvPr id="4" name="日付プレースホルダー 3">
-            <a:extLst>
-              <a:ext uri="{FF2B5EF4-FFF2-40B4-BE49-F238E27FC236}">
-                <a16:creationId xmlns:a16="http://schemas.microsoft.com/office/drawing/2014/main" id="{CA0C7566-B984-4790-B4A4-D165A29797B0}"/>
-              </a:ext>
-            </a:extLst>
-          </p:cNvPr>
-          <p:cNvSpPr>
-            <a:spLocks noGrp="1"/>
-          </p:cNvSpPr>
-          <p:nvPr>
-            <p:ph type="dt" sz="half" idx="2"/>
+            <a:r>
+              <a:rPr lang="ja-JP" altLang="en-US"/>
+              <a:t>マスター タイトルの書式設定</a:t>
+            </a:r>
+            <a:endParaRPr lang="en-US" dirty="0"/>
+          </a:p>
+        </p:txBody>
+      </p:sp>
+      <p:sp>
+        <p:nvSpPr>
+          <p:cNvPr id="3" name="Text Placeholder 2"/>
+          <p:cNvSpPr>
+            <a:spLocks noGrp="1"/>
+          </p:cNvSpPr>
+          <p:nvPr>
+            <p:ph type="body" idx="1"/>
           </p:nvPr>
         </p:nvSpPr>
         <p:spPr>
           <a:xfrm>
-            <a:off x="838200" y="6356350"/>
-            <a:ext cx="2743200" cy="365125"/>
+            <a:off x="1451579" y="2015732"/>
+            <a:ext cx="9603275" cy="3450613"/>
           </a:xfrm>
           <a:prstGeom prst="rect">
             <a:avLst/>
           </a:prstGeom>
         </p:spPr>
         <p:txBody>
+          <a:bodyPr vert="horz" lIns="91440" tIns="45720" rIns="91440" bIns="45720" rtlCol="0">
+            <a:normAutofit/>
+          </a:bodyPr>
+          <a:lstStyle/>
+          <a:p>
+            <a:pPr lvl="0"/>
+            <a:r>
+              <a:rPr lang="en-US" dirty="0"/>
+              <a:t>Edit Master text styles</a:t>
+            </a:r>
+          </a:p>
+          <a:p>
+            <a:pPr lvl="1"/>
+            <a:r>
+              <a:rPr lang="en-US" dirty="0"/>
+              <a:t>Second level</a:t>
+            </a:r>
+          </a:p>
+          <a:p>
+            <a:pPr lvl="2"/>
+            <a:r>
+              <a:rPr lang="en-US" dirty="0"/>
+              <a:t>Third level</a:t>
+            </a:r>
+          </a:p>
+          <a:p>
+            <a:pPr lvl="3"/>
+            <a:r>
+              <a:rPr lang="en-US" dirty="0"/>
+              <a:t>Fourth level</a:t>
+            </a:r>
+          </a:p>
+          <a:p>
+            <a:pPr lvl="4"/>
+            <a:r>
+              <a:rPr lang="en-US" dirty="0"/>
+              <a:t>Fifth level</a:t>
+            </a:r>
+          </a:p>
+        </p:txBody>
+      </p:sp>
+      <p:sp>
+        <p:nvSpPr>
+          <p:cNvPr id="4" name="Date Placeholder 3"/>
+          <p:cNvSpPr>
+            <a:spLocks noGrp="1"/>
+          </p:cNvSpPr>
+          <p:nvPr>
+            <p:ph type="dt" sz="half" idx="2"/>
+          </p:nvPr>
+        </p:nvSpPr>
+        <p:spPr>
+          <a:xfrm>
+            <a:off x="7554138" y="330370"/>
+            <a:ext cx="3500715" cy="309201"/>
+          </a:xfrm>
+          <a:prstGeom prst="rect">
+            <a:avLst/>
+          </a:prstGeom>
+        </p:spPr>
+        <p:txBody>
           <a:bodyPr vert="horz" lIns="91440" tIns="45720" rIns="91440" bIns="45720" rtlCol="0" anchor="ctr"/>
           <a:lstStyle>
-            <a:lvl1pPr algn="l">
-              <a:defRPr sz="1200">
+            <a:lvl1pPr algn="r">
+              <a:defRPr sz="1000">
                 <a:solidFill>
                   <a:schemeClr val="tx1">
                     <a:tint val="75000"/>
@@ -3205,7 +3404,7 @@
           <a:p>
             <a:fld id="{CCC18866-C919-4534-B6B5-FAE0959FF7A2}" type="datetimeFigureOut">
               <a:rPr kumimoji="1" lang="ja-JP" altLang="en-US" smtClean="0"/>
-              <a:t>2024/7/4</a:t>
+              <a:t>2024/7/5</a:t>
             </a:fld>
             <a:endParaRPr kumimoji="1" lang="ja-JP" altLang="en-US"/>
           </a:p>
@@ -3213,13 +3412,7 @@
       </p:sp>
       <p:sp>
         <p:nvSpPr>
-          <p:cNvPr id="5" name="フッター プレースホルダー 4">
-            <a:extLst>
-              <a:ext uri="{FF2B5EF4-FFF2-40B4-BE49-F238E27FC236}">
-                <a16:creationId xmlns:a16="http://schemas.microsoft.com/office/drawing/2014/main" id="{2209D175-5D23-4C8D-9C81-44DE73B8E59D}"/>
-              </a:ext>
-            </a:extLst>
-          </p:cNvPr>
+          <p:cNvPr id="5" name="Footer Placeholder 4"/>
           <p:cNvSpPr>
             <a:spLocks noGrp="1"/>
           </p:cNvSpPr>
@@ -3229,8 +3422,8 @@
         </p:nvSpPr>
         <p:spPr>
           <a:xfrm>
-            <a:off x="4038600" y="6356350"/>
-            <a:ext cx="4114800" cy="365125"/>
+            <a:off x="1451579" y="329307"/>
+            <a:ext cx="5938836" cy="309201"/>
           </a:xfrm>
           <a:prstGeom prst="rect">
             <a:avLst/>
@@ -3239,8 +3432,8 @@
         <p:txBody>
           <a:bodyPr vert="horz" lIns="91440" tIns="45720" rIns="91440" bIns="45720" rtlCol="0" anchor="ctr"/>
           <a:lstStyle>
-            <a:lvl1pPr algn="ctr">
-              <a:defRPr sz="1200">
+            <a:lvl1pPr algn="l">
+              <a:defRPr sz="1000">
                 <a:solidFill>
                   <a:schemeClr val="tx1">
                     <a:tint val="75000"/>
@@ -3256,13 +3449,7 @@
       </p:sp>
       <p:sp>
         <p:nvSpPr>
-          <p:cNvPr id="6" name="スライド番号プレースホルダー 5">
-            <a:extLst>
-              <a:ext uri="{FF2B5EF4-FFF2-40B4-BE49-F238E27FC236}">
-                <a16:creationId xmlns:a16="http://schemas.microsoft.com/office/drawing/2014/main" id="{760DCE86-0EDA-4F47-8598-F8BE0121723A}"/>
-              </a:ext>
-            </a:extLst>
-          </p:cNvPr>
+          <p:cNvPr id="6" name="Slide Number Placeholder 5"/>
           <p:cNvSpPr>
             <a:spLocks noGrp="1"/>
           </p:cNvSpPr>
@@ -3272,22 +3459,20 @@
         </p:nvSpPr>
         <p:spPr>
           <a:xfrm>
-            <a:off x="8610600" y="6356350"/>
-            <a:ext cx="2743200" cy="365125"/>
+            <a:off x="480060" y="798973"/>
+            <a:ext cx="811019" cy="503578"/>
           </a:xfrm>
           <a:prstGeom prst="rect">
             <a:avLst/>
           </a:prstGeom>
         </p:spPr>
         <p:txBody>
-          <a:bodyPr vert="horz" lIns="91440" tIns="45720" rIns="91440" bIns="45720" rtlCol="0" anchor="ctr"/>
+          <a:bodyPr vert="horz" lIns="91440" tIns="45720" rIns="91440" bIns="45720" rtlCol="0" anchor="t"/>
           <a:lstStyle>
             <a:lvl1pPr algn="r">
-              <a:defRPr sz="1200">
+              <a:defRPr sz="2800">
                 <a:solidFill>
-                  <a:schemeClr val="tx1">
-                    <a:tint val="75000"/>
-                  </a:schemeClr>
+                  <a:schemeClr val="accent1"/>
                 </a:solidFill>
               </a:defRPr>
             </a:lvl1pPr>
@@ -3301,26 +3486,63 @@
           </a:p>
         </p:txBody>
       </p:sp>
+      <p:cxnSp>
+        <p:nvCxnSpPr>
+          <p:cNvPr id="10" name="Straight Connector 9"/>
+          <p:cNvCxnSpPr/>
+          <p:nvPr/>
+        </p:nvCxnSpPr>
+        <p:spPr>
+          <a:xfrm>
+            <a:off x="0" y="6128413"/>
+            <a:ext cx="12192000" cy="0"/>
+          </a:xfrm>
+          <a:prstGeom prst="line">
+            <a:avLst/>
+          </a:prstGeom>
+          <a:ln w="12700">
+            <a:solidFill>
+              <a:srgbClr val="000001">
+                <a:alpha val="20000"/>
+              </a:srgbClr>
+            </a:solidFill>
+          </a:ln>
+        </p:spPr>
+        <p:style>
+          <a:lnRef idx="1">
+            <a:schemeClr val="accent1"/>
+          </a:lnRef>
+          <a:fillRef idx="0">
+            <a:schemeClr val="accent1"/>
+          </a:fillRef>
+          <a:effectRef idx="0">
+            <a:schemeClr val="accent1"/>
+          </a:effectRef>
+          <a:fontRef idx="minor">
+            <a:schemeClr val="tx1"/>
+          </a:fontRef>
+        </p:style>
+      </p:cxnSp>
     </p:spTree>
     <p:extLst>
       <p:ext uri="{BB962C8B-B14F-4D97-AF65-F5344CB8AC3E}">
-        <p14:creationId xmlns:p14="http://schemas.microsoft.com/office/powerpoint/2010/main" val="1651811868"/>
+        <p14:creationId xmlns:p14="http://schemas.microsoft.com/office/powerpoint/2010/main" val="3731545527"/>
       </p:ext>
     </p:extLst>
   </p:cSld>
   <p:clrMap bg1="lt1" tx1="dk1" bg2="lt2" tx2="dk2" accent1="accent1" accent2="accent2" accent3="accent3" accent4="accent4" accent5="accent5" accent6="accent6" hlink="hlink" folHlink="folHlink"/>
   <p:sldLayoutIdLst>
-    <p:sldLayoutId id="2147483649" r:id="rId1"/>
-    <p:sldLayoutId id="2147483650" r:id="rId2"/>
-    <p:sldLayoutId id="2147483651" r:id="rId3"/>
-    <p:sldLayoutId id="2147483652" r:id="rId4"/>
-    <p:sldLayoutId id="2147483653" r:id="rId5"/>
-    <p:sldLayoutId id="2147483654" r:id="rId6"/>
-    <p:sldLayoutId id="2147483655" r:id="rId7"/>
-    <p:sldLayoutId id="2147483656" r:id="rId8"/>
-    <p:sldLayoutId id="2147483657" r:id="rId9"/>
-    <p:sldLayoutId id="2147483658" r:id="rId10"/>
-    <p:sldLayoutId id="2147483659" r:id="rId11"/>
+    <p:sldLayoutId id="2147483661" r:id="rId1"/>
+    <p:sldLayoutId id="2147483662" r:id="rId2"/>
+    <p:sldLayoutId id="2147483663" r:id="rId3"/>
+    <p:sldLayoutId id="2147483664" r:id="rId4"/>
+    <p:sldLayoutId id="2147483665" r:id="rId5"/>
+    <p:sldLayoutId id="2147483666" r:id="rId6"/>
+    <p:sldLayoutId id="2147483667" r:id="rId7"/>
+    <p:sldLayoutId id="2147483668" r:id="rId8"/>
+    <p:sldLayoutId id="2147483669" r:id="rId9"/>
+    <p:sldLayoutId id="2147483670" r:id="rId10"/>
+    <p:sldLayoutId id="2147483671" r:id="rId11"/>
   </p:sldLayoutIdLst>
   <p:txStyles>
     <p:titleStyle>
@@ -3332,10 +3554,11 @@
           <a:spcPct val="0"/>
         </a:spcBef>
         <a:buNone/>
-        <a:defRPr kumimoji="1" sz="4400" kern="1200">
+        <a:defRPr kumimoji="1" sz="3200" b="0" i="0" kern="1200" cap="all">
           <a:solidFill>
             <a:schemeClr val="tx1"/>
           </a:solidFill>
+          <a:effectLst/>
           <a:latin typeface="+mj-lt"/>
           <a:ea typeface="+mj-ea"/>
           <a:cs typeface="+mj-cs"/>
@@ -3345,17 +3568,22 @@
     <p:bodyStyle>
       <a:lvl1pPr marL="228600" indent="-228600" algn="l" defTabSz="914400" rtl="0" eaLnBrk="1" latinLnBrk="0" hangingPunct="1">
         <a:lnSpc>
-          <a:spcPct val="90000"/>
+          <a:spcPct val="120000"/>
         </a:lnSpc>
         <a:spcBef>
           <a:spcPts val="1000"/>
         </a:spcBef>
+        <a:buClr>
+          <a:schemeClr val="accent1"/>
+        </a:buClr>
+        <a:buSzPct val="100000"/>
         <a:buFont typeface="Arial" panose="020B0604020202020204" pitchFamily="34" charset="0"/>
         <a:buChar char="•"/>
-        <a:defRPr kumimoji="1" sz="2800" kern="1200">
+        <a:defRPr kumimoji="1" sz="2000" kern="1200">
           <a:solidFill>
             <a:schemeClr val="tx1"/>
           </a:solidFill>
+          <a:effectLst/>
           <a:latin typeface="+mn-lt"/>
           <a:ea typeface="+mn-ea"/>
           <a:cs typeface="+mn-cs"/>
@@ -3363,17 +3591,22 @@
       </a:lvl1pPr>
       <a:lvl2pPr marL="685800" indent="-228600" algn="l" defTabSz="914400" rtl="0" eaLnBrk="1" latinLnBrk="0" hangingPunct="1">
         <a:lnSpc>
-          <a:spcPct val="90000"/>
+          <a:spcPct val="120000"/>
         </a:lnSpc>
         <a:spcBef>
           <a:spcPts val="500"/>
         </a:spcBef>
+        <a:buClr>
+          <a:schemeClr val="accent1"/>
+        </a:buClr>
+        <a:buSzPct val="100000"/>
         <a:buFont typeface="Arial" panose="020B0604020202020204" pitchFamily="34" charset="0"/>
         <a:buChar char="•"/>
-        <a:defRPr kumimoji="1" sz="2400" kern="1200">
+        <a:defRPr kumimoji="1" sz="1800" kern="1200" cap="none" baseline="0">
           <a:solidFill>
             <a:schemeClr val="tx1"/>
           </a:solidFill>
+          <a:effectLst/>
           <a:latin typeface="+mn-lt"/>
           <a:ea typeface="+mn-ea"/>
           <a:cs typeface="+mn-cs"/>
@@ -3381,17 +3614,22 @@
       </a:lvl2pPr>
       <a:lvl3pPr marL="1143000" indent="-228600" algn="l" defTabSz="914400" rtl="0" eaLnBrk="1" latinLnBrk="0" hangingPunct="1">
         <a:lnSpc>
-          <a:spcPct val="90000"/>
+          <a:spcPct val="120000"/>
         </a:lnSpc>
         <a:spcBef>
           <a:spcPts val="500"/>
         </a:spcBef>
+        <a:buClr>
+          <a:schemeClr val="accent1"/>
+        </a:buClr>
+        <a:buSzPct val="100000"/>
         <a:buFont typeface="Arial" panose="020B0604020202020204" pitchFamily="34" charset="0"/>
         <a:buChar char="•"/>
-        <a:defRPr kumimoji="1" sz="2000" kern="1200">
+        <a:defRPr kumimoji="1" sz="1600" kern="1200">
           <a:solidFill>
             <a:schemeClr val="tx1"/>
           </a:solidFill>
+          <a:effectLst/>
           <a:latin typeface="+mn-lt"/>
           <a:ea typeface="+mn-ea"/>
           <a:cs typeface="+mn-cs"/>
@@ -3399,17 +3637,22 @@
       </a:lvl3pPr>
       <a:lvl4pPr marL="1600200" indent="-228600" algn="l" defTabSz="914400" rtl="0" eaLnBrk="1" latinLnBrk="0" hangingPunct="1">
         <a:lnSpc>
-          <a:spcPct val="90000"/>
+          <a:spcPct val="120000"/>
         </a:lnSpc>
         <a:spcBef>
           <a:spcPts val="500"/>
         </a:spcBef>
+        <a:buClr>
+          <a:schemeClr val="accent1"/>
+        </a:buClr>
+        <a:buSzPct val="100000"/>
         <a:buFont typeface="Arial" panose="020B0604020202020204" pitchFamily="34" charset="0"/>
         <a:buChar char="•"/>
-        <a:defRPr kumimoji="1" sz="1800" kern="1200">
+        <a:defRPr kumimoji="1" sz="1400" kern="1200" cap="none" baseline="0">
           <a:solidFill>
             <a:schemeClr val="tx1"/>
           </a:solidFill>
+          <a:effectLst/>
           <a:latin typeface="+mn-lt"/>
           <a:ea typeface="+mn-ea"/>
           <a:cs typeface="+mn-cs"/>
@@ -3417,17 +3660,22 @@
       </a:lvl4pPr>
       <a:lvl5pPr marL="2057400" indent="-228600" algn="l" defTabSz="914400" rtl="0" eaLnBrk="1" latinLnBrk="0" hangingPunct="1">
         <a:lnSpc>
-          <a:spcPct val="90000"/>
+          <a:spcPct val="120000"/>
         </a:lnSpc>
         <a:spcBef>
           <a:spcPts val="500"/>
         </a:spcBef>
+        <a:buClr>
+          <a:schemeClr val="accent1"/>
+        </a:buClr>
+        <a:buSzPct val="100000"/>
         <a:buFont typeface="Arial" panose="020B0604020202020204" pitchFamily="34" charset="0"/>
         <a:buChar char="•"/>
-        <a:defRPr kumimoji="1" sz="1800" kern="1200">
+        <a:defRPr kumimoji="1" sz="1200" kern="1200">
           <a:solidFill>
             <a:schemeClr val="tx1"/>
           </a:solidFill>
+          <a:effectLst/>
           <a:latin typeface="+mn-lt"/>
           <a:ea typeface="+mn-ea"/>
           <a:cs typeface="+mn-cs"/>
@@ -3435,17 +3683,22 @@
       </a:lvl5pPr>
       <a:lvl6pPr marL="2514600" indent="-228600" algn="l" defTabSz="914400" rtl="0" eaLnBrk="1" latinLnBrk="0" hangingPunct="1">
         <a:lnSpc>
-          <a:spcPct val="90000"/>
+          <a:spcPct val="120000"/>
         </a:lnSpc>
         <a:spcBef>
           <a:spcPts val="500"/>
         </a:spcBef>
+        <a:buClr>
+          <a:schemeClr val="accent1"/>
+        </a:buClr>
+        <a:buSzPct val="100000"/>
         <a:buFont typeface="Arial" panose="020B0604020202020204" pitchFamily="34" charset="0"/>
         <a:buChar char="•"/>
-        <a:defRPr kumimoji="1" sz="1800" kern="1200">
+        <a:defRPr kumimoji="1" sz="1200" kern="1200">
           <a:solidFill>
             <a:schemeClr val="tx1"/>
           </a:solidFill>
+          <a:effectLst/>
           <a:latin typeface="+mn-lt"/>
           <a:ea typeface="+mn-ea"/>
           <a:cs typeface="+mn-cs"/>
@@ -3453,17 +3706,22 @@
       </a:lvl6pPr>
       <a:lvl7pPr marL="2971800" indent="-228600" algn="l" defTabSz="914400" rtl="0" eaLnBrk="1" latinLnBrk="0" hangingPunct="1">
         <a:lnSpc>
-          <a:spcPct val="90000"/>
+          <a:spcPct val="120000"/>
         </a:lnSpc>
         <a:spcBef>
           <a:spcPts val="500"/>
         </a:spcBef>
+        <a:buClr>
+          <a:schemeClr val="accent1"/>
+        </a:buClr>
+        <a:buSzPct val="100000"/>
         <a:buFont typeface="Arial" panose="020B0604020202020204" pitchFamily="34" charset="0"/>
         <a:buChar char="•"/>
-        <a:defRPr kumimoji="1" sz="1800" kern="1200">
+        <a:defRPr kumimoji="1" sz="1200" kern="1200">
           <a:solidFill>
             <a:schemeClr val="tx1"/>
           </a:solidFill>
+          <a:effectLst/>
           <a:latin typeface="+mn-lt"/>
           <a:ea typeface="+mn-ea"/>
           <a:cs typeface="+mn-cs"/>
@@ -3471,17 +3729,22 @@
       </a:lvl7pPr>
       <a:lvl8pPr marL="3429000" indent="-228600" algn="l" defTabSz="914400" rtl="0" eaLnBrk="1" latinLnBrk="0" hangingPunct="1">
         <a:lnSpc>
-          <a:spcPct val="90000"/>
+          <a:spcPct val="120000"/>
         </a:lnSpc>
         <a:spcBef>
           <a:spcPts val="500"/>
         </a:spcBef>
+        <a:buClr>
+          <a:schemeClr val="accent1"/>
+        </a:buClr>
+        <a:buSzPct val="100000"/>
         <a:buFont typeface="Arial" panose="020B0604020202020204" pitchFamily="34" charset="0"/>
         <a:buChar char="•"/>
-        <a:defRPr kumimoji="1" sz="1800" kern="1200">
+        <a:defRPr kumimoji="1" sz="1200" kern="1200" baseline="0">
           <a:solidFill>
             <a:schemeClr val="tx1"/>
           </a:solidFill>
+          <a:effectLst/>
           <a:latin typeface="+mn-lt"/>
           <a:ea typeface="+mn-ea"/>
           <a:cs typeface="+mn-cs"/>
@@ -3489,17 +3752,22 @@
       </a:lvl8pPr>
       <a:lvl9pPr marL="3886200" indent="-228600" algn="l" defTabSz="914400" rtl="0" eaLnBrk="1" latinLnBrk="0" hangingPunct="1">
         <a:lnSpc>
-          <a:spcPct val="90000"/>
+          <a:spcPct val="120000"/>
         </a:lnSpc>
         <a:spcBef>
           <a:spcPts val="500"/>
         </a:spcBef>
+        <a:buClr>
+          <a:schemeClr val="accent1"/>
+        </a:buClr>
+        <a:buSzPct val="100000"/>
         <a:buFont typeface="Arial" panose="020B0604020202020204" pitchFamily="34" charset="0"/>
         <a:buChar char="•"/>
-        <a:defRPr kumimoji="1" sz="1800" kern="1200">
+        <a:defRPr kumimoji="1" sz="1200" kern="1200" baseline="0">
           <a:solidFill>
             <a:schemeClr val="tx1"/>
           </a:solidFill>
+          <a:effectLst/>
           <a:latin typeface="+mn-lt"/>
           <a:ea typeface="+mn-ea"/>
           <a:cs typeface="+mn-cs"/>
@@ -3508,7 +3776,7 @@
     </p:bodyStyle>
     <p:otherStyle>
       <a:defPPr>
-        <a:defRPr lang="ja-JP"/>
+        <a:defRPr lang="en-US"/>
       </a:defPPr>
       <a:lvl1pPr marL="0" algn="l" defTabSz="914400" rtl="0" eaLnBrk="1" latinLnBrk="0" hangingPunct="1">
         <a:defRPr kumimoji="1" sz="1800" kern="1200">
@@ -3638,16 +3906,30 @@
             <p:ph type="ctrTitle"/>
           </p:nvPr>
         </p:nvSpPr>
-        <p:spPr/>
-        <p:txBody>
-          <a:bodyPr/>
-          <a:lstStyle/>
-          <a:p>
-            <a:r>
-              <a:rPr lang="en-US" altLang="ja-JP" dirty="0" err="1"/>
+        <p:spPr>
+          <a:xfrm>
+            <a:off x="0" y="274388"/>
+            <a:ext cx="12192000" cy="2004014"/>
+          </a:xfrm>
+        </p:spPr>
+        <p:txBody>
+          <a:bodyPr>
+            <a:noAutofit/>
+          </a:bodyPr>
+          <a:lstStyle/>
+          <a:p>
+            <a:pPr algn="ctr"/>
+            <a:r>
+              <a:rPr lang="en-US" altLang="ja-JP" sz="12000" dirty="0" err="1">
+                <a:latin typeface="HGP明朝B" panose="02020800000000000000" pitchFamily="18" charset="-128"/>
+                <a:ea typeface="HGP明朝B" panose="02020800000000000000" pitchFamily="18" charset="-128"/>
+              </a:rPr>
               <a:t>ThreeRings</a:t>
             </a:r>
-            <a:endParaRPr kumimoji="1" lang="ja-JP" altLang="en-US" dirty="0"/>
+            <a:endParaRPr kumimoji="1" lang="ja-JP" altLang="en-US" sz="12000" dirty="0">
+              <a:latin typeface="HGP明朝B" panose="02020800000000000000" pitchFamily="18" charset="-128"/>
+              <a:ea typeface="HGP明朝B" panose="02020800000000000000" pitchFamily="18" charset="-128"/>
+            </a:endParaRPr>
           </a:p>
         </p:txBody>
       </p:sp>
@@ -3669,55 +3951,86 @@
         </p:nvSpPr>
         <p:spPr>
           <a:xfrm>
-            <a:off x="1524000" y="4079875"/>
-            <a:ext cx="9144000" cy="1655762"/>
+            <a:off x="2656573" y="2880224"/>
+            <a:ext cx="8460606" cy="3070995"/>
           </a:xfrm>
         </p:spPr>
         <p:txBody>
           <a:bodyPr>
-            <a:normAutofit fontScale="70000" lnSpcReduction="20000"/>
+            <a:noAutofit/>
           </a:bodyPr>
           <a:lstStyle/>
           <a:p>
-            <a:r>
-              <a:rPr kumimoji="1" lang="ja-JP" altLang="en-US" dirty="0"/>
+            <a:pPr algn="r">
+              <a:lnSpc>
+                <a:spcPct val="100000"/>
+              </a:lnSpc>
+            </a:pPr>
+            <a:r>
+              <a:rPr lang="ja-JP" altLang="en-US" sz="3200" dirty="0">
+                <a:latin typeface="HGP明朝B" panose="02020800000000000000" pitchFamily="18" charset="-128"/>
+                <a:ea typeface="HGP明朝B" panose="02020800000000000000" pitchFamily="18" charset="-128"/>
+              </a:rPr>
+              <a:t>チーム名：三十台男性</a:t>
+            </a:r>
+            <a:endParaRPr lang="en-US" altLang="ja-JP" sz="3200" dirty="0">
+              <a:latin typeface="HGP明朝B" panose="02020800000000000000" pitchFamily="18" charset="-128"/>
+              <a:ea typeface="HGP明朝B" panose="02020800000000000000" pitchFamily="18" charset="-128"/>
+            </a:endParaRPr>
+          </a:p>
+          <a:p>
+            <a:pPr algn="r">
+              <a:lnSpc>
+                <a:spcPct val="250000"/>
+              </a:lnSpc>
+            </a:pPr>
+            <a:r>
+              <a:rPr kumimoji="1" lang="ja-JP" altLang="en-US" sz="3200" dirty="0">
+                <a:latin typeface="HGP明朝B" panose="02020800000000000000" pitchFamily="18" charset="-128"/>
+                <a:ea typeface="HGP明朝B" panose="02020800000000000000" pitchFamily="18" charset="-128"/>
+              </a:rPr>
               <a:t>チームリーダー：竹下</a:t>
             </a:r>
-            <a:br>
-              <a:rPr kumimoji="1" lang="en-US" altLang="ja-JP" dirty="0"/>
-            </a:br>
-            <a:br>
-              <a:rPr kumimoji="1" lang="en-US" altLang="ja-JP" dirty="0"/>
-            </a:br>
-            <a:r>
-              <a:rPr kumimoji="1" lang="ja-JP" altLang="en-US" dirty="0"/>
+            <a:endParaRPr lang="en-US" altLang="ja-JP" sz="3200" dirty="0">
+              <a:latin typeface="HGP明朝B" panose="02020800000000000000" pitchFamily="18" charset="-128"/>
+              <a:ea typeface="HGP明朝B" panose="02020800000000000000" pitchFamily="18" charset="-128"/>
+            </a:endParaRPr>
+          </a:p>
+          <a:p>
+            <a:pPr algn="r">
+              <a:lnSpc>
+                <a:spcPct val="100000"/>
+              </a:lnSpc>
+            </a:pPr>
+            <a:r>
+              <a:rPr kumimoji="1" lang="ja-JP" altLang="en-US" sz="3200" dirty="0">
+                <a:latin typeface="HGP明朝B" panose="02020800000000000000" pitchFamily="18" charset="-128"/>
+                <a:ea typeface="HGP明朝B" panose="02020800000000000000" pitchFamily="18" charset="-128"/>
+              </a:rPr>
               <a:t>メンバー：鹿島</a:t>
             </a:r>
-            <a:endParaRPr kumimoji="1" lang="en-US" altLang="ja-JP" dirty="0"/>
-          </a:p>
-          <a:p>
-            <a:r>
-              <a:rPr kumimoji="1" lang="ja-JP" altLang="en-US" dirty="0"/>
+            <a:endParaRPr kumimoji="1" lang="en-US" altLang="ja-JP" sz="3200" dirty="0">
+              <a:latin typeface="HGP明朝B" panose="02020800000000000000" pitchFamily="18" charset="-128"/>
+              <a:ea typeface="HGP明朝B" panose="02020800000000000000" pitchFamily="18" charset="-128"/>
+            </a:endParaRPr>
+          </a:p>
+          <a:p>
+            <a:pPr algn="r">
+              <a:lnSpc>
+                <a:spcPct val="100000"/>
+              </a:lnSpc>
+            </a:pPr>
+            <a:r>
+              <a:rPr kumimoji="1" lang="ja-JP" altLang="en-US" sz="3200" dirty="0">
+                <a:latin typeface="HGP明朝B" panose="02020800000000000000" pitchFamily="18" charset="-128"/>
+                <a:ea typeface="HGP明朝B" panose="02020800000000000000" pitchFamily="18" charset="-128"/>
+              </a:rPr>
               <a:t>メンバー：赤嶺</a:t>
             </a:r>
-            <a:endParaRPr kumimoji="1" lang="en-US" altLang="ja-JP" dirty="0"/>
-          </a:p>
-          <a:p>
-            <a:endParaRPr lang="en-US" altLang="ja-JP" dirty="0"/>
-          </a:p>
-          <a:p>
-            <a:pPr algn="r"/>
-            <a:r>
-              <a:rPr lang="ja-JP" altLang="en-US" dirty="0"/>
-              <a:t>チーム名：三十台男性</a:t>
-            </a:r>
-            <a:endParaRPr lang="en-US" altLang="ja-JP" dirty="0"/>
-          </a:p>
-          <a:p>
-            <a:endParaRPr kumimoji="1" lang="en-US" altLang="ja-JP" dirty="0"/>
-          </a:p>
-          <a:p>
-            <a:endParaRPr lang="en-US" altLang="ja-JP" dirty="0"/>
+            <a:endParaRPr kumimoji="1" lang="en-US" altLang="ja-JP" sz="3200" dirty="0">
+              <a:latin typeface="HGP明朝B" panose="02020800000000000000" pitchFamily="18" charset="-128"/>
+              <a:ea typeface="HGP明朝B" panose="02020800000000000000" pitchFamily="18" charset="-128"/>
+            </a:endParaRPr>
           </a:p>
         </p:txBody>
       </p:sp>
@@ -3725,6 +4038,224 @@
     <p:extLst>
       <p:ext uri="{BB962C8B-B14F-4D97-AF65-F5344CB8AC3E}">
         <p14:creationId xmlns:p14="http://schemas.microsoft.com/office/powerpoint/2010/main" val="1657788915"/>
+      </p:ext>
+    </p:extLst>
+  </p:cSld>
+  <p:clrMapOvr>
+    <a:masterClrMapping/>
+  </p:clrMapOvr>
+</p:sld>
+</file>
+
+<file path=ppt/slides/slide10.xml><?xml version="1.0" encoding="utf-8"?>
+<p:sld xmlns:a="http://schemas.openxmlformats.org/drawingml/2006/main" xmlns:r="http://schemas.openxmlformats.org/officeDocument/2006/relationships" xmlns:p="http://schemas.openxmlformats.org/presentationml/2006/main">
+  <p:cSld>
+    <p:spTree>
+      <p:nvGrpSpPr>
+        <p:cNvPr id="1" name=""/>
+        <p:cNvGrpSpPr/>
+        <p:nvPr/>
+      </p:nvGrpSpPr>
+      <p:grpSpPr>
+        <a:xfrm>
+          <a:off x="0" y="0"/>
+          <a:ext cx="0" cy="0"/>
+          <a:chOff x="0" y="0"/>
+          <a:chExt cx="0" cy="0"/>
+        </a:xfrm>
+      </p:grpSpPr>
+      <p:sp>
+        <p:nvSpPr>
+          <p:cNvPr id="2" name="タイトル 1">
+            <a:extLst>
+              <a:ext uri="{FF2B5EF4-FFF2-40B4-BE49-F238E27FC236}">
+                <a16:creationId xmlns:a16="http://schemas.microsoft.com/office/drawing/2014/main" id="{668AE707-0E34-4729-AA39-D1A6551988C2}"/>
+              </a:ext>
+            </a:extLst>
+          </p:cNvPr>
+          <p:cNvSpPr>
+            <a:spLocks noGrp="1"/>
+          </p:cNvSpPr>
+          <p:nvPr>
+            <p:ph type="title"/>
+          </p:nvPr>
+        </p:nvSpPr>
+        <p:spPr/>
+        <p:txBody>
+          <a:bodyPr/>
+          <a:lstStyle/>
+          <a:p>
+            <a:r>
+              <a:rPr kumimoji="1" lang="ja-JP" altLang="en-US" dirty="0"/>
+              <a:t>勝利条件</a:t>
+            </a:r>
+          </a:p>
+        </p:txBody>
+      </p:sp>
+      <p:sp>
+        <p:nvSpPr>
+          <p:cNvPr id="3" name="コンテンツ プレースホルダー 2">
+            <a:extLst>
+              <a:ext uri="{FF2B5EF4-FFF2-40B4-BE49-F238E27FC236}">
+                <a16:creationId xmlns:a16="http://schemas.microsoft.com/office/drawing/2014/main" id="{5D52AFF0-434A-43B7-9359-A244E8A81FC4}"/>
+              </a:ext>
+            </a:extLst>
+          </p:cNvPr>
+          <p:cNvSpPr>
+            <a:spLocks noGrp="1"/>
+          </p:cNvSpPr>
+          <p:nvPr>
+            <p:ph idx="1"/>
+          </p:nvPr>
+        </p:nvSpPr>
+        <p:spPr/>
+        <p:txBody>
+          <a:bodyPr>
+            <a:normAutofit/>
+          </a:bodyPr>
+          <a:lstStyle/>
+          <a:p>
+            <a:pPr marL="0" indent="0">
+              <a:buNone/>
+            </a:pPr>
+            <a:endParaRPr lang="en-US" altLang="ja-JP" dirty="0"/>
+          </a:p>
+          <a:p>
+            <a:r>
+              <a:rPr lang="ja-JP" altLang="en-US" dirty="0"/>
+              <a:t>３，同じ箇所・大・中・小の３種類のリングが置かれた場合</a:t>
+            </a:r>
+          </a:p>
+        </p:txBody>
+      </p:sp>
+      <p:pic>
+        <p:nvPicPr>
+          <p:cNvPr id="5" name="図 4">
+            <a:extLst>
+              <a:ext uri="{FF2B5EF4-FFF2-40B4-BE49-F238E27FC236}">
+                <a16:creationId xmlns:a16="http://schemas.microsoft.com/office/drawing/2014/main" id="{7D4C77DA-C36A-487F-90EE-056A01CA6B07}"/>
+              </a:ext>
+            </a:extLst>
+          </p:cNvPr>
+          <p:cNvPicPr>
+            <a:picLocks noChangeAspect="1"/>
+          </p:cNvPicPr>
+          <p:nvPr/>
+        </p:nvPicPr>
+        <p:blipFill>
+          <a:blip r:embed="rId2">
+            <a:extLst>
+              <a:ext uri="{28A0092B-C50C-407E-A947-70E740481C1C}">
+                <a14:useLocalDpi xmlns:a14="http://schemas.microsoft.com/office/drawing/2010/main" val="0"/>
+              </a:ext>
+            </a:extLst>
+          </a:blip>
+          <a:stretch>
+            <a:fillRect/>
+          </a:stretch>
+        </p:blipFill>
+        <p:spPr>
+          <a:xfrm>
+            <a:off x="4743261" y="3409950"/>
+            <a:ext cx="2705478" cy="2695951"/>
+          </a:xfrm>
+          <a:prstGeom prst="rect">
+            <a:avLst/>
+          </a:prstGeom>
+        </p:spPr>
+      </p:pic>
+    </p:spTree>
+    <p:extLst>
+      <p:ext uri="{BB962C8B-B14F-4D97-AF65-F5344CB8AC3E}">
+        <p14:creationId xmlns:p14="http://schemas.microsoft.com/office/powerpoint/2010/main" val="1169072076"/>
+      </p:ext>
+    </p:extLst>
+  </p:cSld>
+  <p:clrMapOvr>
+    <a:masterClrMapping/>
+  </p:clrMapOvr>
+</p:sld>
+</file>
+
+<file path=ppt/slides/slide11.xml><?xml version="1.0" encoding="utf-8"?>
+<p:sld xmlns:a="http://schemas.openxmlformats.org/drawingml/2006/main" xmlns:r="http://schemas.openxmlformats.org/officeDocument/2006/relationships" xmlns:p="http://schemas.openxmlformats.org/presentationml/2006/main">
+  <p:cSld>
+    <p:spTree>
+      <p:nvGrpSpPr>
+        <p:cNvPr id="1" name=""/>
+        <p:cNvGrpSpPr/>
+        <p:nvPr/>
+      </p:nvGrpSpPr>
+      <p:grpSpPr>
+        <a:xfrm>
+          <a:off x="0" y="0"/>
+          <a:ext cx="0" cy="0"/>
+          <a:chOff x="0" y="0"/>
+          <a:chExt cx="0" cy="0"/>
+        </a:xfrm>
+      </p:grpSpPr>
+      <p:sp>
+        <p:nvSpPr>
+          <p:cNvPr id="2" name="タイトル 1">
+            <a:extLst>
+              <a:ext uri="{FF2B5EF4-FFF2-40B4-BE49-F238E27FC236}">
+                <a16:creationId xmlns:a16="http://schemas.microsoft.com/office/drawing/2014/main" id="{E3BC0F1D-F05B-4FFE-9547-5EA8A7584D1A}"/>
+              </a:ext>
+            </a:extLst>
+          </p:cNvPr>
+          <p:cNvSpPr>
+            <a:spLocks noGrp="1"/>
+          </p:cNvSpPr>
+          <p:nvPr>
+            <p:ph type="title"/>
+          </p:nvPr>
+        </p:nvSpPr>
+        <p:spPr/>
+        <p:txBody>
+          <a:bodyPr/>
+          <a:lstStyle/>
+          <a:p>
+            <a:r>
+              <a:rPr kumimoji="1" lang="ja-JP" altLang="en-US" dirty="0"/>
+              <a:t>参考文献・</a:t>
+            </a:r>
+            <a:r>
+              <a:rPr kumimoji="1" lang="en-US" altLang="ja-JP" dirty="0"/>
+              <a:t>URL</a:t>
+            </a:r>
+            <a:endParaRPr kumimoji="1" lang="ja-JP" altLang="en-US" dirty="0"/>
+          </a:p>
+        </p:txBody>
+      </p:sp>
+      <p:sp>
+        <p:nvSpPr>
+          <p:cNvPr id="3" name="コンテンツ プレースホルダー 2">
+            <a:extLst>
+              <a:ext uri="{FF2B5EF4-FFF2-40B4-BE49-F238E27FC236}">
+                <a16:creationId xmlns:a16="http://schemas.microsoft.com/office/drawing/2014/main" id="{0F047952-A4AD-4DDC-8B17-F30829AC3003}"/>
+              </a:ext>
+            </a:extLst>
+          </p:cNvPr>
+          <p:cNvSpPr>
+            <a:spLocks noGrp="1"/>
+          </p:cNvSpPr>
+          <p:nvPr>
+            <p:ph idx="1"/>
+          </p:nvPr>
+        </p:nvSpPr>
+        <p:spPr/>
+        <p:txBody>
+          <a:bodyPr/>
+          <a:lstStyle/>
+          <a:p>
+            <a:endParaRPr kumimoji="1" lang="ja-JP" altLang="en-US" dirty="0"/>
+          </a:p>
+        </p:txBody>
+      </p:sp>
+    </p:spTree>
+    <p:extLst>
+      <p:ext uri="{BB962C8B-B14F-4D97-AF65-F5344CB8AC3E}">
+        <p14:creationId xmlns:p14="http://schemas.microsoft.com/office/powerpoint/2010/main" val="824271165"/>
       </p:ext>
     </p:extLst>
   </p:cSld>
@@ -3767,14 +4298,29 @@
             <p:ph type="title"/>
           </p:nvPr>
         </p:nvSpPr>
-        <p:spPr/>
-        <p:txBody>
-          <a:bodyPr/>
-          <a:lstStyle/>
-          <a:p>
-            <a:r>
-              <a:rPr kumimoji="1" lang="ja-JP" altLang="en-US" dirty="0"/>
-              <a:t>目次</a:t>
+        <p:spPr>
+          <a:xfrm>
+            <a:off x="1451579" y="885524"/>
+            <a:ext cx="9603275" cy="968230"/>
+          </a:xfrm>
+        </p:spPr>
+        <p:txBody>
+          <a:bodyPr>
+            <a:normAutofit/>
+          </a:bodyPr>
+          <a:lstStyle/>
+          <a:p>
+            <a:r>
+              <a:rPr kumimoji="1" lang="ja-JP" altLang="en-US" sz="6000" dirty="0">
+                <a:solidFill>
+                  <a:schemeClr val="accent2">
+                    <a:lumMod val="50000"/>
+                  </a:schemeClr>
+                </a:solidFill>
+                <a:latin typeface="HGP明朝B" panose="02020800000000000000" pitchFamily="18" charset="-128"/>
+                <a:ea typeface="HGP明朝B" panose="02020800000000000000" pitchFamily="18" charset="-128"/>
+              </a:rPr>
+              <a:t>アジェンダ</a:t>
             </a:r>
           </a:p>
         </p:txBody>
@@ -3795,96 +4341,298 @@
             <p:ph idx="1"/>
           </p:nvPr>
         </p:nvSpPr>
-        <p:spPr/>
+        <p:spPr>
+          <a:xfrm>
+            <a:off x="1451579" y="2015732"/>
+            <a:ext cx="9603275" cy="4037749"/>
+          </a:xfrm>
+        </p:spPr>
         <p:txBody>
           <a:bodyPr>
-            <a:normAutofit lnSpcReduction="10000"/>
+            <a:noAutofit/>
           </a:bodyPr>
           <a:lstStyle/>
           <a:p>
             <a:pPr marL="514350" indent="-514350">
+              <a:lnSpc>
+                <a:spcPct val="100000"/>
+              </a:lnSpc>
+              <a:spcBef>
+                <a:spcPts val="2500"/>
+              </a:spcBef>
               <a:buFont typeface="+mj-lt"/>
               <a:buAutoNum type="arabicPeriod"/>
             </a:pPr>
             <a:r>
-              <a:rPr kumimoji="1" lang="ja-JP" altLang="en-US" dirty="0"/>
-              <a:t>ゲーム概要</a:t>
-            </a:r>
-            <a:endParaRPr kumimoji="1" lang="en-US" altLang="ja-JP" dirty="0"/>
+              <a:rPr kumimoji="1" lang="ja-JP" altLang="en-US" sz="3600" dirty="0">
+                <a:latin typeface="HGP明朝B" panose="02020800000000000000" pitchFamily="18" charset="-128"/>
+                <a:ea typeface="HGP明朝B" panose="02020800000000000000" pitchFamily="18" charset="-128"/>
+              </a:rPr>
+              <a:t>目的</a:t>
+            </a:r>
+            <a:endParaRPr kumimoji="1" lang="en-US" altLang="ja-JP" sz="3600" dirty="0">
+              <a:latin typeface="HGP明朝B" panose="02020800000000000000" pitchFamily="18" charset="-128"/>
+              <a:ea typeface="HGP明朝B" panose="02020800000000000000" pitchFamily="18" charset="-128"/>
+            </a:endParaRPr>
           </a:p>
           <a:p>
             <a:pPr marL="514350" indent="-514350">
+              <a:lnSpc>
+                <a:spcPct val="100000"/>
+              </a:lnSpc>
+              <a:spcBef>
+                <a:spcPts val="2500"/>
+              </a:spcBef>
               <a:buFont typeface="+mj-lt"/>
               <a:buAutoNum type="arabicPeriod"/>
             </a:pPr>
-            <a:endParaRPr kumimoji="1" lang="en-US" altLang="ja-JP" dirty="0"/>
+            <a:r>
+              <a:rPr kumimoji="1" lang="ja-JP" altLang="en-US" sz="3600" dirty="0">
+                <a:latin typeface="HGP明朝B" panose="02020800000000000000" pitchFamily="18" charset="-128"/>
+                <a:ea typeface="HGP明朝B" panose="02020800000000000000" pitchFamily="18" charset="-128"/>
+              </a:rPr>
+              <a:t>機能一覧（</a:t>
+            </a:r>
+            <a:r>
+              <a:rPr kumimoji="1" lang="en-US" altLang="ja-JP" sz="3600" dirty="0">
+                <a:latin typeface="HGP明朝B" panose="02020800000000000000" pitchFamily="18" charset="-128"/>
+                <a:ea typeface="HGP明朝B" panose="02020800000000000000" pitchFamily="18" charset="-128"/>
+              </a:rPr>
+              <a:t>PHP</a:t>
+            </a:r>
+            <a:r>
+              <a:rPr kumimoji="1" lang="ja-JP" altLang="en-US" sz="3600" dirty="0">
+                <a:latin typeface="HGP明朝B" panose="02020800000000000000" pitchFamily="18" charset="-128"/>
+                <a:ea typeface="HGP明朝B" panose="02020800000000000000" pitchFamily="18" charset="-128"/>
+              </a:rPr>
+              <a:t>）</a:t>
+            </a:r>
+            <a:endParaRPr kumimoji="1" lang="en-US" altLang="ja-JP" sz="3600" dirty="0">
+              <a:latin typeface="HGP明朝B" panose="02020800000000000000" pitchFamily="18" charset="-128"/>
+              <a:ea typeface="HGP明朝B" panose="02020800000000000000" pitchFamily="18" charset="-128"/>
+            </a:endParaRPr>
           </a:p>
           <a:p>
             <a:pPr marL="514350" indent="-514350">
+              <a:lnSpc>
+                <a:spcPct val="100000"/>
+              </a:lnSpc>
+              <a:spcBef>
+                <a:spcPts val="2500"/>
+              </a:spcBef>
               <a:buFont typeface="+mj-lt"/>
               <a:buAutoNum type="arabicPeriod"/>
             </a:pPr>
             <a:r>
-              <a:rPr lang="ja-JP" altLang="en-US" dirty="0"/>
-              <a:t>機能一覧</a:t>
-            </a:r>
-            <a:endParaRPr lang="en-US" altLang="ja-JP" dirty="0"/>
+              <a:rPr lang="ja-JP" altLang="en-US" sz="3600" dirty="0">
+                <a:latin typeface="HGP明朝B" panose="02020800000000000000" pitchFamily="18" charset="-128"/>
+                <a:ea typeface="HGP明朝B" panose="02020800000000000000" pitchFamily="18" charset="-128"/>
+              </a:rPr>
+              <a:t>ゲーム概要</a:t>
+            </a:r>
+            <a:endParaRPr lang="en-US" altLang="ja-JP" sz="3600" dirty="0">
+              <a:latin typeface="HGP明朝B" panose="02020800000000000000" pitchFamily="18" charset="-128"/>
+              <a:ea typeface="HGP明朝B" panose="02020800000000000000" pitchFamily="18" charset="-128"/>
+            </a:endParaRPr>
           </a:p>
           <a:p>
             <a:pPr marL="514350" indent="-514350">
+              <a:lnSpc>
+                <a:spcPct val="100000"/>
+              </a:lnSpc>
+              <a:spcBef>
+                <a:spcPts val="2500"/>
+              </a:spcBef>
               <a:buFont typeface="+mj-lt"/>
               <a:buAutoNum type="arabicPeriod"/>
             </a:pPr>
-            <a:endParaRPr lang="en-US" altLang="ja-JP" dirty="0"/>
+            <a:r>
+              <a:rPr kumimoji="1" lang="ja-JP" altLang="en-US" sz="3600" dirty="0">
+                <a:latin typeface="HGP明朝B" panose="02020800000000000000" pitchFamily="18" charset="-128"/>
+                <a:ea typeface="HGP明朝B" panose="02020800000000000000" pitchFamily="18" charset="-128"/>
+              </a:rPr>
+              <a:t>ルール説明</a:t>
+            </a:r>
+            <a:endParaRPr kumimoji="1" lang="en-US" altLang="ja-JP" sz="3600" dirty="0">
+              <a:latin typeface="HGP明朝B" panose="02020800000000000000" pitchFamily="18" charset="-128"/>
+              <a:ea typeface="HGP明朝B" panose="02020800000000000000" pitchFamily="18" charset="-128"/>
+            </a:endParaRPr>
           </a:p>
           <a:p>
             <a:pPr marL="514350" indent="-514350">
+              <a:lnSpc>
+                <a:spcPct val="100000"/>
+              </a:lnSpc>
+              <a:spcBef>
+                <a:spcPts val="2500"/>
+              </a:spcBef>
               <a:buFont typeface="+mj-lt"/>
               <a:buAutoNum type="arabicPeriod"/>
             </a:pPr>
             <a:r>
-              <a:rPr kumimoji="1" lang="ja-JP" altLang="en-US" dirty="0"/>
-              <a:t>ルール説明</a:t>
-            </a:r>
-            <a:endParaRPr kumimoji="1" lang="en-US" altLang="ja-JP" dirty="0"/>
-          </a:p>
-          <a:p>
-            <a:pPr marL="514350" indent="-514350">
-              <a:buFont typeface="+mj-lt"/>
-              <a:buAutoNum type="arabicPeriod"/>
-            </a:pPr>
-            <a:endParaRPr kumimoji="1" lang="en-US" altLang="ja-JP" dirty="0"/>
-          </a:p>
-          <a:p>
-            <a:pPr marL="514350" indent="-514350">
-              <a:buFont typeface="+mj-lt"/>
-              <a:buAutoNum type="arabicPeriod"/>
-            </a:pPr>
-            <a:r>
-              <a:rPr lang="ja-JP" altLang="en-US" dirty="0"/>
-              <a:t>勝利条件</a:t>
-            </a:r>
-            <a:endParaRPr lang="en-US" altLang="ja-JP" dirty="0"/>
-          </a:p>
-          <a:p>
-            <a:pPr marL="514350" indent="-514350">
-              <a:buFont typeface="+mj-lt"/>
-              <a:buAutoNum type="arabicPeriod"/>
-            </a:pPr>
-            <a:endParaRPr lang="en-US" altLang="ja-JP" dirty="0"/>
-          </a:p>
-          <a:p>
-            <a:pPr marL="514350" indent="-514350">
-              <a:buFont typeface="+mj-lt"/>
-              <a:buAutoNum type="arabicPeriod"/>
-            </a:pPr>
-            <a:r>
-              <a:rPr kumimoji="1" lang="ja-JP" altLang="en-US" dirty="0"/>
+              <a:rPr kumimoji="1" lang="ja-JP" altLang="en-US" sz="3600" dirty="0">
+                <a:latin typeface="HGP明朝B" panose="02020800000000000000" pitchFamily="18" charset="-128"/>
+                <a:ea typeface="HGP明朝B" panose="02020800000000000000" pitchFamily="18" charset="-128"/>
+              </a:rPr>
               <a:t>参考文献</a:t>
             </a:r>
           </a:p>
         </p:txBody>
       </p:sp>
+      <p:cxnSp>
+        <p:nvCxnSpPr>
+          <p:cNvPr id="5" name="直線コネクタ 4">
+            <a:extLst>
+              <a:ext uri="{FF2B5EF4-FFF2-40B4-BE49-F238E27FC236}">
+                <a16:creationId xmlns:a16="http://schemas.microsoft.com/office/drawing/2014/main" id="{929AEAC5-E70A-4FA4-96E5-A2F994305C70}"/>
+              </a:ext>
+            </a:extLst>
+          </p:cNvPr>
+          <p:cNvCxnSpPr>
+            <a:cxnSpLocks/>
+          </p:cNvCxnSpPr>
+          <p:nvPr/>
+        </p:nvCxnSpPr>
+        <p:spPr>
+          <a:xfrm>
+            <a:off x="1540042" y="2637320"/>
+            <a:ext cx="5775158" cy="0"/>
+          </a:xfrm>
+          <a:prstGeom prst="line">
+            <a:avLst/>
+          </a:prstGeom>
+          <a:ln w="28575"/>
+        </p:spPr>
+        <p:style>
+          <a:lnRef idx="1">
+            <a:schemeClr val="accent1"/>
+          </a:lnRef>
+          <a:fillRef idx="0">
+            <a:schemeClr val="accent1"/>
+          </a:fillRef>
+          <a:effectRef idx="0">
+            <a:schemeClr val="accent1"/>
+          </a:effectRef>
+          <a:fontRef idx="minor">
+            <a:schemeClr val="tx1"/>
+          </a:fontRef>
+        </p:style>
+      </p:cxnSp>
+      <p:cxnSp>
+        <p:nvCxnSpPr>
+          <p:cNvPr id="6" name="直線コネクタ 5">
+            <a:extLst>
+              <a:ext uri="{FF2B5EF4-FFF2-40B4-BE49-F238E27FC236}">
+                <a16:creationId xmlns:a16="http://schemas.microsoft.com/office/drawing/2014/main" id="{57E7307E-D66F-4CBF-8D00-97938321B1D1}"/>
+              </a:ext>
+            </a:extLst>
+          </p:cNvPr>
+          <p:cNvCxnSpPr>
+            <a:cxnSpLocks/>
+          </p:cNvCxnSpPr>
+          <p:nvPr/>
+        </p:nvCxnSpPr>
+        <p:spPr>
+          <a:xfrm>
+            <a:off x="1540042" y="3521240"/>
+            <a:ext cx="4726004" cy="0"/>
+          </a:xfrm>
+          <a:prstGeom prst="line">
+            <a:avLst/>
+          </a:prstGeom>
+          <a:ln w="28575"/>
+        </p:spPr>
+        <p:style>
+          <a:lnRef idx="1">
+            <a:schemeClr val="accent1"/>
+          </a:lnRef>
+          <a:fillRef idx="0">
+            <a:schemeClr val="accent1"/>
+          </a:fillRef>
+          <a:effectRef idx="0">
+            <a:schemeClr val="accent1"/>
+          </a:effectRef>
+          <a:fontRef idx="minor">
+            <a:schemeClr val="tx1"/>
+          </a:fontRef>
+        </p:style>
+      </p:cxnSp>
+      <p:cxnSp>
+        <p:nvCxnSpPr>
+          <p:cNvPr id="7" name="直線コネクタ 6">
+            <a:extLst>
+              <a:ext uri="{FF2B5EF4-FFF2-40B4-BE49-F238E27FC236}">
+                <a16:creationId xmlns:a16="http://schemas.microsoft.com/office/drawing/2014/main" id="{F635F318-7ED6-487C-BC60-C1D9E03744A5}"/>
+              </a:ext>
+            </a:extLst>
+          </p:cNvPr>
+          <p:cNvCxnSpPr/>
+          <p:nvPr/>
+        </p:nvCxnSpPr>
+        <p:spPr>
+          <a:xfrm>
+            <a:off x="1540042" y="4377888"/>
+            <a:ext cx="3936732" cy="0"/>
+          </a:xfrm>
+          <a:prstGeom prst="line">
+            <a:avLst/>
+          </a:prstGeom>
+          <a:ln w="28575"/>
+        </p:spPr>
+        <p:style>
+          <a:lnRef idx="1">
+            <a:schemeClr val="accent1"/>
+          </a:lnRef>
+          <a:fillRef idx="0">
+            <a:schemeClr val="accent1"/>
+          </a:fillRef>
+          <a:effectRef idx="0">
+            <a:schemeClr val="accent1"/>
+          </a:effectRef>
+          <a:fontRef idx="minor">
+            <a:schemeClr val="tx1"/>
+          </a:fontRef>
+        </p:style>
+      </p:cxnSp>
+      <p:cxnSp>
+        <p:nvCxnSpPr>
+          <p:cNvPr id="8" name="直線コネクタ 7">
+            <a:extLst>
+              <a:ext uri="{FF2B5EF4-FFF2-40B4-BE49-F238E27FC236}">
+                <a16:creationId xmlns:a16="http://schemas.microsoft.com/office/drawing/2014/main" id="{BC2008B3-AADC-4584-8F14-E20B35B8B082}"/>
+              </a:ext>
+            </a:extLst>
+          </p:cNvPr>
+          <p:cNvCxnSpPr>
+            <a:cxnSpLocks/>
+          </p:cNvCxnSpPr>
+          <p:nvPr/>
+        </p:nvCxnSpPr>
+        <p:spPr>
+          <a:xfrm>
+            <a:off x="1540042" y="5261808"/>
+            <a:ext cx="2666198" cy="0"/>
+          </a:xfrm>
+          <a:prstGeom prst="line">
+            <a:avLst/>
+          </a:prstGeom>
+          <a:ln w="28575"/>
+        </p:spPr>
+        <p:style>
+          <a:lnRef idx="1">
+            <a:schemeClr val="accent1"/>
+          </a:lnRef>
+          <a:fillRef idx="0">
+            <a:schemeClr val="accent1"/>
+          </a:fillRef>
+          <a:effectRef idx="0">
+            <a:schemeClr val="accent1"/>
+          </a:effectRef>
+          <a:fontRef idx="minor">
+            <a:schemeClr val="tx1"/>
+          </a:fontRef>
+        </p:style>
+      </p:cxnSp>
     </p:spTree>
     <p:extLst>
       <p:ext uri="{BB962C8B-B14F-4D97-AF65-F5344CB8AC3E}">
@@ -3920,7 +4668,7 @@
           <p:cNvPr id="2" name="タイトル 1">
             <a:extLst>
               <a:ext uri="{FF2B5EF4-FFF2-40B4-BE49-F238E27FC236}">
-                <a16:creationId xmlns:a16="http://schemas.microsoft.com/office/drawing/2014/main" id="{9573B30E-B50B-4C05-A897-A01A7183375D}"/>
+                <a16:creationId xmlns:a16="http://schemas.microsoft.com/office/drawing/2014/main" id="{2D609188-D974-4DCF-B5BB-EEAF3AE658CA}"/>
               </a:ext>
             </a:extLst>
           </p:cNvPr>
@@ -3931,15 +4679,81 @@
             <p:ph type="title"/>
           </p:nvPr>
         </p:nvSpPr>
-        <p:spPr/>
-        <p:txBody>
-          <a:bodyPr/>
-          <a:lstStyle/>
-          <a:p>
-            <a:r>
-              <a:rPr kumimoji="1" lang="ja-JP" altLang="en-US" dirty="0"/>
-              <a:t>ゲーム概要</a:t>
-            </a:r>
+        <p:spPr>
+          <a:xfrm>
+            <a:off x="1451579" y="885524"/>
+            <a:ext cx="9603275" cy="968230"/>
+          </a:xfrm>
+        </p:spPr>
+        <p:txBody>
+          <a:bodyPr>
+            <a:normAutofit/>
+          </a:bodyPr>
+          <a:lstStyle/>
+          <a:p>
+            <a:r>
+              <a:rPr kumimoji="1" lang="ja-JP" altLang="en-US" sz="6000" dirty="0">
+                <a:solidFill>
+                  <a:schemeClr val="accent2">
+                    <a:lumMod val="50000"/>
+                  </a:schemeClr>
+                </a:solidFill>
+                <a:latin typeface="HGP明朝B" panose="02020800000000000000" pitchFamily="18" charset="-128"/>
+                <a:ea typeface="HGP明朝B" panose="02020800000000000000" pitchFamily="18" charset="-128"/>
+              </a:rPr>
+              <a:t>アジェンダ</a:t>
+            </a:r>
+          </a:p>
+        </p:txBody>
+      </p:sp>
+      <p:sp>
+        <p:nvSpPr>
+          <p:cNvPr id="4" name="正方形/長方形 3">
+            <a:extLst>
+              <a:ext uri="{FF2B5EF4-FFF2-40B4-BE49-F238E27FC236}">
+                <a16:creationId xmlns:a16="http://schemas.microsoft.com/office/drawing/2014/main" id="{A3EB0D57-FCE9-41F2-9E89-82D99B3793F8}"/>
+              </a:ext>
+            </a:extLst>
+          </p:cNvPr>
+          <p:cNvSpPr/>
+          <p:nvPr/>
+        </p:nvSpPr>
+        <p:spPr>
+          <a:xfrm>
+            <a:off x="0" y="1988506"/>
+            <a:ext cx="3705727" cy="658438"/>
+          </a:xfrm>
+          <a:prstGeom prst="rect">
+            <a:avLst/>
+          </a:prstGeom>
+          <a:solidFill>
+            <a:schemeClr val="accent2">
+              <a:lumMod val="50000"/>
+            </a:schemeClr>
+          </a:solidFill>
+        </p:spPr>
+        <p:style>
+          <a:lnRef idx="2">
+            <a:schemeClr val="accent1">
+              <a:shade val="50000"/>
+            </a:schemeClr>
+          </a:lnRef>
+          <a:fillRef idx="1">
+            <a:schemeClr val="accent1"/>
+          </a:fillRef>
+          <a:effectRef idx="0">
+            <a:schemeClr val="accent1"/>
+          </a:effectRef>
+          <a:fontRef idx="minor">
+            <a:schemeClr val="lt1"/>
+          </a:fontRef>
+        </p:style>
+        <p:txBody>
+          <a:bodyPr rtlCol="0" anchor="ctr"/>
+          <a:lstStyle/>
+          <a:p>
+            <a:pPr algn="ctr"/>
+            <a:endParaRPr kumimoji="1" lang="ja-JP" altLang="en-US"/>
           </a:p>
         </p:txBody>
       </p:sp>
@@ -3948,7 +4762,7 @@
           <p:cNvPr id="3" name="コンテンツ プレースホルダー 2">
             <a:extLst>
               <a:ext uri="{FF2B5EF4-FFF2-40B4-BE49-F238E27FC236}">
-                <a16:creationId xmlns:a16="http://schemas.microsoft.com/office/drawing/2014/main" id="{DAF37A59-524F-472E-A3B3-3182A21608FE}"/>
+                <a16:creationId xmlns:a16="http://schemas.microsoft.com/office/drawing/2014/main" id="{8CB37944-6D30-4262-A785-C5EED726F809}"/>
               </a:ext>
             </a:extLst>
           </p:cNvPr>
@@ -3959,57 +4773,397 @@
             <p:ph idx="1"/>
           </p:nvPr>
         </p:nvSpPr>
-        <p:spPr/>
-        <p:txBody>
-          <a:bodyPr/>
-          <a:lstStyle/>
-          <a:p>
-            <a:endParaRPr lang="en-US" altLang="ja-JP" dirty="0"/>
-          </a:p>
-          <a:p>
-            <a:r>
-              <a:rPr lang="ja-JP" altLang="en-US" dirty="0"/>
-              <a:t>本ゲームは、アメリカマーブルスゲームス社の</a:t>
-            </a:r>
-            <a:br>
-              <a:rPr lang="en-US" altLang="ja-JP" dirty="0"/>
-            </a:br>
-            <a:r>
-              <a:rPr lang="en-US" altLang="ja-JP" dirty="0"/>
-              <a:t>	『</a:t>
-            </a:r>
-            <a:r>
-              <a:rPr lang="ja-JP" altLang="en-US" dirty="0"/>
-              <a:t>オートリオ</a:t>
-            </a:r>
-            <a:r>
-              <a:rPr lang="en-US" altLang="ja-JP" dirty="0"/>
-              <a:t>』</a:t>
-            </a:r>
-            <a:r>
-              <a:rPr lang="ja-JP" altLang="en-US" dirty="0"/>
-              <a:t>をベースにブラウザゲームで</a:t>
-            </a:r>
-            <a:br>
-              <a:rPr lang="en-US" altLang="ja-JP" dirty="0"/>
-            </a:br>
-            <a:r>
-              <a:rPr lang="en-US" altLang="ja-JP" dirty="0"/>
-              <a:t>								</a:t>
-            </a:r>
-            <a:r>
-              <a:rPr lang="ja-JP" altLang="en-US" dirty="0"/>
-              <a:t>表現したものです。</a:t>
-            </a:r>
-            <a:endParaRPr lang="en-US" altLang="ja-JP" dirty="0"/>
-          </a:p>
-          <a:p>
-            <a:endParaRPr kumimoji="1" lang="en-US" altLang="ja-JP" dirty="0"/>
-          </a:p>
-          <a:p>
-            <a:r>
-              <a:rPr kumimoji="1" lang="ja-JP" altLang="en-US" dirty="0"/>
-              <a:t>目的として、本ゲームはスマートフォンのアプリケーションゲームとして、未だ存在していないため作成を決めました。</a:t>
+        <p:spPr>
+          <a:xfrm>
+            <a:off x="1451579" y="2011679"/>
+            <a:ext cx="9603275" cy="4128428"/>
+          </a:xfrm>
+        </p:spPr>
+        <p:txBody>
+          <a:bodyPr>
+            <a:noAutofit/>
+          </a:bodyPr>
+          <a:lstStyle/>
+          <a:p>
+            <a:pPr marL="514350" indent="-514350">
+              <a:lnSpc>
+                <a:spcPct val="100000"/>
+              </a:lnSpc>
+              <a:spcBef>
+                <a:spcPts val="2500"/>
+              </a:spcBef>
+              <a:buFont typeface="+mj-lt"/>
+              <a:buAutoNum type="arabicPeriod"/>
+            </a:pPr>
+            <a:r>
+              <a:rPr lang="ja-JP" altLang="en-US" sz="3600" dirty="0">
+                <a:solidFill>
+                  <a:schemeClr val="bg1">
+                    <a:lumMod val="65000"/>
+                  </a:schemeClr>
+                </a:solidFill>
+                <a:latin typeface="HGP明朝B" panose="02020800000000000000" pitchFamily="18" charset="-128"/>
+                <a:ea typeface="HGP明朝B" panose="02020800000000000000" pitchFamily="18" charset="-128"/>
+              </a:rPr>
+              <a:t>　　</a:t>
+            </a:r>
+            <a:endParaRPr kumimoji="1" lang="ja-JP" altLang="en-US" sz="3600" dirty="0">
+              <a:solidFill>
+                <a:schemeClr val="bg1">
+                  <a:lumMod val="65000"/>
+                </a:schemeClr>
+              </a:solidFill>
+              <a:latin typeface="HGP明朝B" panose="02020800000000000000" pitchFamily="18" charset="-128"/>
+              <a:ea typeface="HGP明朝B" panose="02020800000000000000" pitchFamily="18" charset="-128"/>
+            </a:endParaRPr>
+          </a:p>
+          <a:p>
+            <a:pPr marL="514350" indent="-514350">
+              <a:lnSpc>
+                <a:spcPct val="100000"/>
+              </a:lnSpc>
+              <a:spcBef>
+                <a:spcPts val="2500"/>
+              </a:spcBef>
+              <a:buFont typeface="+mj-lt"/>
+              <a:buAutoNum type="arabicPeriod"/>
+            </a:pPr>
+            <a:r>
+              <a:rPr kumimoji="1" lang="ja-JP" altLang="en-US" sz="3600" dirty="0">
+                <a:solidFill>
+                  <a:schemeClr val="bg1">
+                    <a:lumMod val="65000"/>
+                  </a:schemeClr>
+                </a:solidFill>
+                <a:latin typeface="HGP明朝B" panose="02020800000000000000" pitchFamily="18" charset="-128"/>
+                <a:ea typeface="HGP明朝B" panose="02020800000000000000" pitchFamily="18" charset="-128"/>
+              </a:rPr>
+              <a:t>機能一覧（</a:t>
+            </a:r>
+            <a:r>
+              <a:rPr kumimoji="1" lang="en-US" altLang="ja-JP" sz="3600" dirty="0">
+                <a:solidFill>
+                  <a:schemeClr val="bg1">
+                    <a:lumMod val="65000"/>
+                  </a:schemeClr>
+                </a:solidFill>
+                <a:latin typeface="HGP明朝B" panose="02020800000000000000" pitchFamily="18" charset="-128"/>
+                <a:ea typeface="HGP明朝B" panose="02020800000000000000" pitchFamily="18" charset="-128"/>
+              </a:rPr>
+              <a:t>PHP</a:t>
+            </a:r>
+            <a:r>
+              <a:rPr kumimoji="1" lang="ja-JP" altLang="en-US" sz="3600" dirty="0">
+                <a:solidFill>
+                  <a:schemeClr val="bg1">
+                    <a:lumMod val="65000"/>
+                  </a:schemeClr>
+                </a:solidFill>
+                <a:latin typeface="HGP明朝B" panose="02020800000000000000" pitchFamily="18" charset="-128"/>
+                <a:ea typeface="HGP明朝B" panose="02020800000000000000" pitchFamily="18" charset="-128"/>
+              </a:rPr>
+              <a:t>）</a:t>
+            </a:r>
+            <a:endParaRPr kumimoji="1" lang="en-US" altLang="ja-JP" sz="3600" dirty="0">
+              <a:solidFill>
+                <a:schemeClr val="bg1">
+                  <a:lumMod val="65000"/>
+                </a:schemeClr>
+              </a:solidFill>
+              <a:latin typeface="HGP明朝B" panose="02020800000000000000" pitchFamily="18" charset="-128"/>
+              <a:ea typeface="HGP明朝B" panose="02020800000000000000" pitchFamily="18" charset="-128"/>
+            </a:endParaRPr>
+          </a:p>
+          <a:p>
+            <a:pPr marL="514350" indent="-514350">
+              <a:lnSpc>
+                <a:spcPct val="100000"/>
+              </a:lnSpc>
+              <a:spcBef>
+                <a:spcPts val="2500"/>
+              </a:spcBef>
+              <a:buFont typeface="+mj-lt"/>
+              <a:buAutoNum type="arabicPeriod"/>
+            </a:pPr>
+            <a:r>
+              <a:rPr lang="ja-JP" altLang="en-US" sz="3600" dirty="0">
+                <a:solidFill>
+                  <a:schemeClr val="bg1">
+                    <a:lumMod val="65000"/>
+                  </a:schemeClr>
+                </a:solidFill>
+                <a:latin typeface="HGP明朝B" panose="02020800000000000000" pitchFamily="18" charset="-128"/>
+                <a:ea typeface="HGP明朝B" panose="02020800000000000000" pitchFamily="18" charset="-128"/>
+              </a:rPr>
+              <a:t>ゲーム概要</a:t>
+            </a:r>
+            <a:endParaRPr lang="en-US" altLang="ja-JP" sz="3600" dirty="0">
+              <a:solidFill>
+                <a:schemeClr val="bg1">
+                  <a:lumMod val="65000"/>
+                </a:schemeClr>
+              </a:solidFill>
+              <a:latin typeface="HGP明朝B" panose="02020800000000000000" pitchFamily="18" charset="-128"/>
+              <a:ea typeface="HGP明朝B" panose="02020800000000000000" pitchFamily="18" charset="-128"/>
+            </a:endParaRPr>
+          </a:p>
+          <a:p>
+            <a:pPr marL="514350" indent="-514350">
+              <a:lnSpc>
+                <a:spcPct val="100000"/>
+              </a:lnSpc>
+              <a:spcBef>
+                <a:spcPts val="2500"/>
+              </a:spcBef>
+              <a:buFont typeface="+mj-lt"/>
+              <a:buAutoNum type="arabicPeriod"/>
+            </a:pPr>
+            <a:r>
+              <a:rPr kumimoji="1" lang="ja-JP" altLang="en-US" sz="3600" dirty="0">
+                <a:solidFill>
+                  <a:schemeClr val="bg1">
+                    <a:lumMod val="65000"/>
+                  </a:schemeClr>
+                </a:solidFill>
+                <a:latin typeface="HGP明朝B" panose="02020800000000000000" pitchFamily="18" charset="-128"/>
+                <a:ea typeface="HGP明朝B" panose="02020800000000000000" pitchFamily="18" charset="-128"/>
+              </a:rPr>
+              <a:t>ルール説明</a:t>
+            </a:r>
+            <a:endParaRPr kumimoji="1" lang="en-US" altLang="ja-JP" sz="3600" dirty="0">
+              <a:solidFill>
+                <a:schemeClr val="bg1">
+                  <a:lumMod val="65000"/>
+                </a:schemeClr>
+              </a:solidFill>
+              <a:latin typeface="HGP明朝B" panose="02020800000000000000" pitchFamily="18" charset="-128"/>
+              <a:ea typeface="HGP明朝B" panose="02020800000000000000" pitchFamily="18" charset="-128"/>
+            </a:endParaRPr>
+          </a:p>
+          <a:p>
+            <a:pPr marL="514350" indent="-514350">
+              <a:lnSpc>
+                <a:spcPct val="100000"/>
+              </a:lnSpc>
+              <a:spcBef>
+                <a:spcPts val="2500"/>
+              </a:spcBef>
+              <a:buFont typeface="+mj-lt"/>
+              <a:buAutoNum type="arabicPeriod"/>
+            </a:pPr>
+            <a:r>
+              <a:rPr kumimoji="1" lang="ja-JP" altLang="en-US" sz="3600" dirty="0">
+                <a:solidFill>
+                  <a:schemeClr val="bg1">
+                    <a:lumMod val="65000"/>
+                  </a:schemeClr>
+                </a:solidFill>
+                <a:latin typeface="HGP明朝B" panose="02020800000000000000" pitchFamily="18" charset="-128"/>
+                <a:ea typeface="HGP明朝B" panose="02020800000000000000" pitchFamily="18" charset="-128"/>
+              </a:rPr>
+              <a:t>参考文献</a:t>
+            </a:r>
+          </a:p>
+        </p:txBody>
+      </p:sp>
+      <p:cxnSp>
+        <p:nvCxnSpPr>
+          <p:cNvPr id="5" name="直線コネクタ 4">
+            <a:extLst>
+              <a:ext uri="{FF2B5EF4-FFF2-40B4-BE49-F238E27FC236}">
+                <a16:creationId xmlns:a16="http://schemas.microsoft.com/office/drawing/2014/main" id="{929AEAC5-E70A-4FA4-96E5-A2F994305C70}"/>
+              </a:ext>
+            </a:extLst>
+          </p:cNvPr>
+          <p:cNvCxnSpPr>
+            <a:cxnSpLocks/>
+          </p:cNvCxnSpPr>
+          <p:nvPr/>
+        </p:nvCxnSpPr>
+        <p:spPr>
+          <a:xfrm>
+            <a:off x="1540042" y="2637320"/>
+            <a:ext cx="5775158" cy="0"/>
+          </a:xfrm>
+          <a:prstGeom prst="line">
+            <a:avLst/>
+          </a:prstGeom>
+          <a:ln w="28575"/>
+        </p:spPr>
+        <p:style>
+          <a:lnRef idx="1">
+            <a:schemeClr val="accent1"/>
+          </a:lnRef>
+          <a:fillRef idx="0">
+            <a:schemeClr val="accent1"/>
+          </a:fillRef>
+          <a:effectRef idx="0">
+            <a:schemeClr val="accent1"/>
+          </a:effectRef>
+          <a:fontRef idx="minor">
+            <a:schemeClr val="tx1"/>
+          </a:fontRef>
+        </p:style>
+      </p:cxnSp>
+      <p:cxnSp>
+        <p:nvCxnSpPr>
+          <p:cNvPr id="6" name="直線コネクタ 5">
+            <a:extLst>
+              <a:ext uri="{FF2B5EF4-FFF2-40B4-BE49-F238E27FC236}">
+                <a16:creationId xmlns:a16="http://schemas.microsoft.com/office/drawing/2014/main" id="{57E7307E-D66F-4CBF-8D00-97938321B1D1}"/>
+              </a:ext>
+            </a:extLst>
+          </p:cNvPr>
+          <p:cNvCxnSpPr>
+            <a:cxnSpLocks/>
+          </p:cNvCxnSpPr>
+          <p:nvPr/>
+        </p:nvCxnSpPr>
+        <p:spPr>
+          <a:xfrm>
+            <a:off x="1540042" y="3521240"/>
+            <a:ext cx="4726004" cy="0"/>
+          </a:xfrm>
+          <a:prstGeom prst="line">
+            <a:avLst/>
+          </a:prstGeom>
+          <a:ln w="28575"/>
+        </p:spPr>
+        <p:style>
+          <a:lnRef idx="1">
+            <a:schemeClr val="accent1"/>
+          </a:lnRef>
+          <a:fillRef idx="0">
+            <a:schemeClr val="accent1"/>
+          </a:fillRef>
+          <a:effectRef idx="0">
+            <a:schemeClr val="accent1"/>
+          </a:effectRef>
+          <a:fontRef idx="minor">
+            <a:schemeClr val="tx1"/>
+          </a:fontRef>
+        </p:style>
+      </p:cxnSp>
+      <p:cxnSp>
+        <p:nvCxnSpPr>
+          <p:cNvPr id="7" name="直線コネクタ 6">
+            <a:extLst>
+              <a:ext uri="{FF2B5EF4-FFF2-40B4-BE49-F238E27FC236}">
+                <a16:creationId xmlns:a16="http://schemas.microsoft.com/office/drawing/2014/main" id="{F635F318-7ED6-487C-BC60-C1D9E03744A5}"/>
+              </a:ext>
+            </a:extLst>
+          </p:cNvPr>
+          <p:cNvCxnSpPr/>
+          <p:nvPr/>
+        </p:nvCxnSpPr>
+        <p:spPr>
+          <a:xfrm>
+            <a:off x="1540042" y="4377888"/>
+            <a:ext cx="3936732" cy="0"/>
+          </a:xfrm>
+          <a:prstGeom prst="line">
+            <a:avLst/>
+          </a:prstGeom>
+          <a:ln w="28575"/>
+        </p:spPr>
+        <p:style>
+          <a:lnRef idx="1">
+            <a:schemeClr val="accent1"/>
+          </a:lnRef>
+          <a:fillRef idx="0">
+            <a:schemeClr val="accent1"/>
+          </a:fillRef>
+          <a:effectRef idx="0">
+            <a:schemeClr val="accent1"/>
+          </a:effectRef>
+          <a:fontRef idx="minor">
+            <a:schemeClr val="tx1"/>
+          </a:fontRef>
+        </p:style>
+      </p:cxnSp>
+      <p:cxnSp>
+        <p:nvCxnSpPr>
+          <p:cNvPr id="8" name="直線コネクタ 7">
+            <a:extLst>
+              <a:ext uri="{FF2B5EF4-FFF2-40B4-BE49-F238E27FC236}">
+                <a16:creationId xmlns:a16="http://schemas.microsoft.com/office/drawing/2014/main" id="{BC2008B3-AADC-4584-8F14-E20B35B8B082}"/>
+              </a:ext>
+            </a:extLst>
+          </p:cNvPr>
+          <p:cNvCxnSpPr>
+            <a:cxnSpLocks/>
+          </p:cNvCxnSpPr>
+          <p:nvPr/>
+        </p:nvCxnSpPr>
+        <p:spPr>
+          <a:xfrm>
+            <a:off x="1540042" y="5261808"/>
+            <a:ext cx="2666198" cy="0"/>
+          </a:xfrm>
+          <a:prstGeom prst="line">
+            <a:avLst/>
+          </a:prstGeom>
+          <a:ln w="28575"/>
+        </p:spPr>
+        <p:style>
+          <a:lnRef idx="1">
+            <a:schemeClr val="accent1"/>
+          </a:lnRef>
+          <a:fillRef idx="0">
+            <a:schemeClr val="accent1"/>
+          </a:fillRef>
+          <a:effectRef idx="0">
+            <a:schemeClr val="accent1"/>
+          </a:effectRef>
+          <a:fontRef idx="minor">
+            <a:schemeClr val="tx1"/>
+          </a:fontRef>
+        </p:style>
+      </p:cxnSp>
+      <p:sp>
+        <p:nvSpPr>
+          <p:cNvPr id="9" name="正方形/長方形 8">
+            <a:extLst>
+              <a:ext uri="{FF2B5EF4-FFF2-40B4-BE49-F238E27FC236}">
+                <a16:creationId xmlns:a16="http://schemas.microsoft.com/office/drawing/2014/main" id="{D1AA9E97-F962-4ACE-BD2A-C44F02912018}"/>
+              </a:ext>
+            </a:extLst>
+          </p:cNvPr>
+          <p:cNvSpPr/>
+          <p:nvPr/>
+        </p:nvSpPr>
+        <p:spPr>
+          <a:xfrm>
+            <a:off x="1967876" y="2013276"/>
+            <a:ext cx="1107996" cy="646331"/>
+          </a:xfrm>
+          <a:prstGeom prst="rect">
+            <a:avLst/>
+          </a:prstGeom>
+        </p:spPr>
+        <p:txBody>
+          <a:bodyPr wrap="none">
+            <a:spAutoFit/>
+          </a:bodyPr>
+          <a:lstStyle/>
+          <a:p>
+            <a:pPr>
+              <a:lnSpc>
+                <a:spcPct val="100000"/>
+              </a:lnSpc>
+              <a:spcBef>
+                <a:spcPts val="2500"/>
+              </a:spcBef>
+            </a:pPr>
+            <a:r>
+              <a:rPr kumimoji="1" lang="ja-JP" altLang="en-US" sz="3600" dirty="0">
+                <a:solidFill>
+                  <a:schemeClr val="bg1"/>
+                </a:solidFill>
+                <a:latin typeface="HGP明朝B" panose="02020800000000000000" pitchFamily="18" charset="-128"/>
+                <a:ea typeface="HGP明朝B" panose="02020800000000000000" pitchFamily="18" charset="-128"/>
+              </a:rPr>
+              <a:t>目的</a:t>
             </a:r>
           </a:p>
         </p:txBody>
@@ -4017,13 +5171,214 @@
     </p:spTree>
     <p:extLst>
       <p:ext uri="{BB962C8B-B14F-4D97-AF65-F5344CB8AC3E}">
-        <p14:creationId xmlns:p14="http://schemas.microsoft.com/office/powerpoint/2010/main" val="2393781708"/>
+        <p14:creationId xmlns:p14="http://schemas.microsoft.com/office/powerpoint/2010/main" val="1487096213"/>
       </p:ext>
     </p:extLst>
   </p:cSld>
   <p:clrMapOvr>
     <a:masterClrMapping/>
   </p:clrMapOvr>
+  <p:timing>
+    <p:tnLst>
+      <p:par>
+        <p:cTn id="1" dur="indefinite" restart="never" nodeType="tmRoot">
+          <p:childTnLst>
+            <p:seq concurrent="1" nextAc="seek">
+              <p:cTn id="2" dur="indefinite" nodeType="mainSeq">
+                <p:childTnLst>
+                  <p:par>
+                    <p:cTn id="3" fill="hold">
+                      <p:stCondLst>
+                        <p:cond delay="indefinite"/>
+                        <p:cond evt="onBegin" delay="0">
+                          <p:tn val="2"/>
+                        </p:cond>
+                      </p:stCondLst>
+                      <p:childTnLst>
+                        <p:par>
+                          <p:cTn id="4" fill="hold">
+                            <p:stCondLst>
+                              <p:cond delay="0"/>
+                            </p:stCondLst>
+                            <p:childTnLst>
+                              <p:par>
+                                <p:cTn id="5" presetID="2" presetClass="entr" presetSubtype="8" fill="hold" grpId="0" nodeType="withEffect">
+                                  <p:stCondLst>
+                                    <p:cond delay="0"/>
+                                  </p:stCondLst>
+                                  <p:childTnLst>
+                                    <p:set>
+                                      <p:cBhvr>
+                                        <p:cTn id="6" dur="1" fill="hold">
+                                          <p:stCondLst>
+                                            <p:cond delay="0"/>
+                                          </p:stCondLst>
+                                        </p:cTn>
+                                        <p:tgtEl>
+                                          <p:spTgt spid="4"/>
+                                        </p:tgtEl>
+                                        <p:attrNameLst>
+                                          <p:attrName>style.visibility</p:attrName>
+                                        </p:attrNameLst>
+                                      </p:cBhvr>
+                                      <p:to>
+                                        <p:strVal val="visible"/>
+                                      </p:to>
+                                    </p:set>
+                                    <p:anim calcmode="lin" valueType="num">
+                                      <p:cBhvr additive="base">
+                                        <p:cTn id="7" dur="500" fill="hold"/>
+                                        <p:tgtEl>
+                                          <p:spTgt spid="4"/>
+                                        </p:tgtEl>
+                                        <p:attrNameLst>
+                                          <p:attrName>ppt_x</p:attrName>
+                                        </p:attrNameLst>
+                                      </p:cBhvr>
+                                      <p:tavLst>
+                                        <p:tav tm="0">
+                                          <p:val>
+                                            <p:strVal val="0-#ppt_w/2"/>
+                                          </p:val>
+                                        </p:tav>
+                                        <p:tav tm="100000">
+                                          <p:val>
+                                            <p:strVal val="#ppt_x"/>
+                                          </p:val>
+                                        </p:tav>
+                                      </p:tavLst>
+                                    </p:anim>
+                                    <p:anim calcmode="lin" valueType="num">
+                                      <p:cBhvr additive="base">
+                                        <p:cTn id="8" dur="500" fill="hold"/>
+                                        <p:tgtEl>
+                                          <p:spTgt spid="4"/>
+                                        </p:tgtEl>
+                                        <p:attrNameLst>
+                                          <p:attrName>ppt_y</p:attrName>
+                                        </p:attrNameLst>
+                                      </p:cBhvr>
+                                      <p:tavLst>
+                                        <p:tav tm="0">
+                                          <p:val>
+                                            <p:strVal val="#ppt_y"/>
+                                          </p:val>
+                                        </p:tav>
+                                        <p:tav tm="100000">
+                                          <p:val>
+                                            <p:strVal val="#ppt_y"/>
+                                          </p:val>
+                                        </p:tav>
+                                      </p:tavLst>
+                                    </p:anim>
+                                  </p:childTnLst>
+                                </p:cTn>
+                              </p:par>
+                              <p:par>
+                                <p:cTn id="9" presetID="2" presetClass="entr" presetSubtype="8" fill="hold" grpId="0" nodeType="withEffect">
+                                  <p:stCondLst>
+                                    <p:cond delay="0"/>
+                                  </p:stCondLst>
+                                  <p:childTnLst>
+                                    <p:set>
+                                      <p:cBhvr>
+                                        <p:cTn id="10" dur="1" fill="hold">
+                                          <p:stCondLst>
+                                            <p:cond delay="0"/>
+                                          </p:stCondLst>
+                                        </p:cTn>
+                                        <p:tgtEl>
+                                          <p:spTgt spid="9"/>
+                                        </p:tgtEl>
+                                        <p:attrNameLst>
+                                          <p:attrName>style.visibility</p:attrName>
+                                        </p:attrNameLst>
+                                      </p:cBhvr>
+                                      <p:to>
+                                        <p:strVal val="visible"/>
+                                      </p:to>
+                                    </p:set>
+                                    <p:anim calcmode="lin" valueType="num">
+                                      <p:cBhvr additive="base">
+                                        <p:cTn id="11" dur="500" fill="hold"/>
+                                        <p:tgtEl>
+                                          <p:spTgt spid="9"/>
+                                        </p:tgtEl>
+                                        <p:attrNameLst>
+                                          <p:attrName>ppt_x</p:attrName>
+                                        </p:attrNameLst>
+                                      </p:cBhvr>
+                                      <p:tavLst>
+                                        <p:tav tm="0">
+                                          <p:val>
+                                            <p:strVal val="0-#ppt_w/2"/>
+                                          </p:val>
+                                        </p:tav>
+                                        <p:tav tm="100000">
+                                          <p:val>
+                                            <p:strVal val="#ppt_x"/>
+                                          </p:val>
+                                        </p:tav>
+                                      </p:tavLst>
+                                    </p:anim>
+                                    <p:anim calcmode="lin" valueType="num">
+                                      <p:cBhvr additive="base">
+                                        <p:cTn id="12" dur="500" fill="hold"/>
+                                        <p:tgtEl>
+                                          <p:spTgt spid="9"/>
+                                        </p:tgtEl>
+                                        <p:attrNameLst>
+                                          <p:attrName>ppt_y</p:attrName>
+                                        </p:attrNameLst>
+                                      </p:cBhvr>
+                                      <p:tavLst>
+                                        <p:tav tm="0">
+                                          <p:val>
+                                            <p:strVal val="#ppt_y"/>
+                                          </p:val>
+                                        </p:tav>
+                                        <p:tav tm="100000">
+                                          <p:val>
+                                            <p:strVal val="#ppt_y"/>
+                                          </p:val>
+                                        </p:tav>
+                                      </p:tavLst>
+                                    </p:anim>
+                                  </p:childTnLst>
+                                </p:cTn>
+                              </p:par>
+                            </p:childTnLst>
+                          </p:cTn>
+                        </p:par>
+                      </p:childTnLst>
+                    </p:cTn>
+                  </p:par>
+                </p:childTnLst>
+              </p:cTn>
+              <p:prevCondLst>
+                <p:cond evt="onPrev" delay="0">
+                  <p:tgtEl>
+                    <p:sldTgt/>
+                  </p:tgtEl>
+                </p:cond>
+              </p:prevCondLst>
+              <p:nextCondLst>
+                <p:cond evt="onNext" delay="0">
+                  <p:tgtEl>
+                    <p:sldTgt/>
+                  </p:tgtEl>
+                </p:cond>
+              </p:nextCondLst>
+            </p:seq>
+          </p:childTnLst>
+        </p:cTn>
+      </p:par>
+    </p:tnLst>
+    <p:bldLst>
+      <p:bldP spid="4" grpId="0" animBg="1"/>
+      <p:bldP spid="9" grpId="0"/>
+    </p:bldLst>
+  </p:timing>
 </p:sld>
 </file>
 
@@ -4049,7 +5404,7 @@
           <p:cNvPr id="2" name="タイトル 1">
             <a:extLst>
               <a:ext uri="{FF2B5EF4-FFF2-40B4-BE49-F238E27FC236}">
-                <a16:creationId xmlns:a16="http://schemas.microsoft.com/office/drawing/2014/main" id="{5BF4AEC1-0475-430A-BB50-8D12DB2A7B68}"/>
+                <a16:creationId xmlns:a16="http://schemas.microsoft.com/office/drawing/2014/main" id="{9573B30E-B50B-4C05-A897-A01A7183375D}"/>
               </a:ext>
             </a:extLst>
           </p:cNvPr>
@@ -4060,14 +5415,29 @@
             <p:ph type="title"/>
           </p:nvPr>
         </p:nvSpPr>
-        <p:spPr/>
-        <p:txBody>
-          <a:bodyPr/>
-          <a:lstStyle/>
-          <a:p>
-            <a:r>
-              <a:rPr kumimoji="1" lang="ja-JP" altLang="en-US" dirty="0"/>
-              <a:t>機能一覧</a:t>
+        <p:spPr>
+          <a:xfrm>
+            <a:off x="1451579" y="914400"/>
+            <a:ext cx="9603275" cy="939354"/>
+          </a:xfrm>
+        </p:spPr>
+        <p:txBody>
+          <a:bodyPr>
+            <a:normAutofit/>
+          </a:bodyPr>
+          <a:lstStyle/>
+          <a:p>
+            <a:r>
+              <a:rPr kumimoji="1" lang="ja-JP" altLang="en-US" sz="6000" dirty="0">
+                <a:solidFill>
+                  <a:schemeClr val="accent2">
+                    <a:lumMod val="50000"/>
+                  </a:schemeClr>
+                </a:solidFill>
+                <a:latin typeface="HGP明朝B" panose="02020800000000000000" pitchFamily="18" charset="-128"/>
+                <a:ea typeface="HGP明朝B" panose="02020800000000000000" pitchFamily="18" charset="-128"/>
+              </a:rPr>
+              <a:t>目的</a:t>
             </a:r>
           </a:p>
         </p:txBody>
@@ -4077,7 +5447,7 @@
           <p:cNvPr id="3" name="コンテンツ プレースホルダー 2">
             <a:extLst>
               <a:ext uri="{FF2B5EF4-FFF2-40B4-BE49-F238E27FC236}">
-                <a16:creationId xmlns:a16="http://schemas.microsoft.com/office/drawing/2014/main" id="{16653347-2806-4C68-A508-0C4A647D2524}"/>
+                <a16:creationId xmlns:a16="http://schemas.microsoft.com/office/drawing/2014/main" id="{DAF37A59-524F-472E-A3B3-3182A21608FE}"/>
               </a:ext>
             </a:extLst>
           </p:cNvPr>
@@ -4091,79 +5461,130 @@
         <p:spPr/>
         <p:txBody>
           <a:bodyPr>
-            <a:normAutofit fontScale="85000" lnSpcReduction="20000"/>
+            <a:normAutofit lnSpcReduction="10000"/>
           </a:bodyPr>
           <a:lstStyle/>
           <a:p>
-            <a:r>
-              <a:rPr kumimoji="1" lang="ja-JP" altLang="en-US" dirty="0"/>
-              <a:t>メールアドレスによるアカウント作成機能</a:t>
-            </a:r>
-            <a:endParaRPr kumimoji="1" lang="en-US" altLang="ja-JP" dirty="0"/>
-          </a:p>
-          <a:p>
-            <a:endParaRPr kumimoji="1" lang="en-US" altLang="ja-JP" dirty="0"/>
-          </a:p>
-          <a:p>
-            <a:r>
-              <a:rPr kumimoji="1" lang="ja-JP" altLang="en-US" dirty="0"/>
-              <a:t>アカウント作成ユーザーによるログイン機能</a:t>
-            </a:r>
-            <a:endParaRPr kumimoji="1" lang="en-US" altLang="ja-JP" dirty="0"/>
-          </a:p>
-          <a:p>
-            <a:endParaRPr kumimoji="1" lang="en-US" altLang="ja-JP" dirty="0"/>
-          </a:p>
-          <a:p>
-            <a:r>
-              <a:rPr kumimoji="1" lang="ja-JP" altLang="en-US" dirty="0"/>
-              <a:t>アカウントの変更・削除機能</a:t>
-            </a:r>
-            <a:endParaRPr kumimoji="1" lang="en-US" altLang="ja-JP" dirty="0"/>
-          </a:p>
-          <a:p>
-            <a:endParaRPr kumimoji="1" lang="en-US" altLang="ja-JP" dirty="0"/>
-          </a:p>
-          <a:p>
-            <a:r>
-              <a:rPr lang="en-US" altLang="ja-JP" dirty="0"/>
-              <a:t>U</a:t>
-            </a:r>
-            <a:r>
-              <a:rPr kumimoji="1" lang="en-US" altLang="ja-JP" dirty="0"/>
-              <a:t>nity</a:t>
-            </a:r>
-            <a:r>
-              <a:rPr kumimoji="1" lang="ja-JP" altLang="en-US" dirty="0"/>
-              <a:t>を使用してのゲーム埋め込み</a:t>
-            </a:r>
-            <a:endParaRPr kumimoji="1" lang="en-US" altLang="ja-JP" dirty="0"/>
-          </a:p>
-          <a:p>
-            <a:endParaRPr kumimoji="1" lang="en-US" altLang="ja-JP" dirty="0"/>
-          </a:p>
-          <a:p>
-            <a:r>
-              <a:rPr lang="ja-JP" altLang="en-US" dirty="0"/>
-              <a:t>オフラインによるゲーム対戦機能</a:t>
-            </a:r>
-            <a:endParaRPr lang="en-US" altLang="ja-JP" dirty="0"/>
-          </a:p>
-          <a:p>
-            <a:endParaRPr lang="en-US" altLang="ja-JP" dirty="0"/>
-          </a:p>
-          <a:p>
-            <a:r>
-              <a:rPr kumimoji="1" lang="ja-JP" altLang="en-US" dirty="0"/>
-              <a:t>オンラインによるゲーム対戦機能（未実装）</a:t>
-            </a:r>
+            <a:pPr marL="0" indent="0">
+              <a:buNone/>
+            </a:pPr>
+            <a:endParaRPr kumimoji="1" lang="en-US" altLang="ja-JP" dirty="0">
+              <a:latin typeface="HGP明朝B" panose="02020800000000000000" pitchFamily="18" charset="-128"/>
+              <a:ea typeface="HGP明朝B" panose="02020800000000000000" pitchFamily="18" charset="-128"/>
+            </a:endParaRPr>
+          </a:p>
+          <a:p>
+            <a:r>
+              <a:rPr kumimoji="1" lang="en-US" altLang="ja-JP" sz="2800" dirty="0">
+                <a:latin typeface="HGP明朝B" panose="02020800000000000000" pitchFamily="18" charset="-128"/>
+                <a:ea typeface="HGP明朝B" panose="02020800000000000000" pitchFamily="18" charset="-128"/>
+              </a:rPr>
+              <a:t>CRUD</a:t>
+            </a:r>
+            <a:r>
+              <a:rPr kumimoji="1" lang="ja-JP" altLang="en-US" sz="2800" dirty="0">
+                <a:latin typeface="HGP明朝B" panose="02020800000000000000" pitchFamily="18" charset="-128"/>
+                <a:ea typeface="HGP明朝B" panose="02020800000000000000" pitchFamily="18" charset="-128"/>
+              </a:rPr>
+              <a:t>操作によるソフト開発にともない、</a:t>
+            </a:r>
+            <a:endParaRPr kumimoji="1" lang="en-US" altLang="ja-JP" sz="2800" dirty="0">
+              <a:latin typeface="HGP明朝B" panose="02020800000000000000" pitchFamily="18" charset="-128"/>
+              <a:ea typeface="HGP明朝B" panose="02020800000000000000" pitchFamily="18" charset="-128"/>
+            </a:endParaRPr>
+          </a:p>
+          <a:p>
+            <a:pPr marL="0" indent="0">
+              <a:buNone/>
+            </a:pPr>
+            <a:r>
+              <a:rPr kumimoji="1" lang="ja-JP" altLang="en-US" sz="2800" dirty="0">
+                <a:latin typeface="HGP明朝B" panose="02020800000000000000" pitchFamily="18" charset="-128"/>
+                <a:ea typeface="HGP明朝B" panose="02020800000000000000" pitchFamily="18" charset="-128"/>
+              </a:rPr>
+              <a:t>　アカウント管理</a:t>
+            </a:r>
+            <a:r>
+              <a:rPr lang="ja-JP" altLang="en-US" sz="2800" dirty="0">
+                <a:latin typeface="HGP明朝B" panose="02020800000000000000" pitchFamily="18" charset="-128"/>
+                <a:ea typeface="HGP明朝B" panose="02020800000000000000" pitchFamily="18" charset="-128"/>
+              </a:rPr>
+              <a:t>に</a:t>
+            </a:r>
+            <a:r>
+              <a:rPr kumimoji="1" lang="ja-JP" altLang="en-US" sz="2800" dirty="0">
+                <a:latin typeface="HGP明朝B" panose="02020800000000000000" pitchFamily="18" charset="-128"/>
+                <a:ea typeface="HGP明朝B" panose="02020800000000000000" pitchFamily="18" charset="-128"/>
+              </a:rPr>
+              <a:t>ゲームを合せたソフトを開発しようと決めました。</a:t>
+            </a:r>
+            <a:endParaRPr kumimoji="1" lang="en-US" altLang="ja-JP" sz="2800" dirty="0">
+              <a:latin typeface="HGP明朝B" panose="02020800000000000000" pitchFamily="18" charset="-128"/>
+              <a:ea typeface="HGP明朝B" panose="02020800000000000000" pitchFamily="18" charset="-128"/>
+            </a:endParaRPr>
+          </a:p>
+          <a:p>
+            <a:pPr marL="0" indent="0">
+              <a:buNone/>
+            </a:pPr>
+            <a:endParaRPr kumimoji="1" lang="en-US" altLang="ja-JP" sz="2800" dirty="0">
+              <a:latin typeface="HGP明朝B" panose="02020800000000000000" pitchFamily="18" charset="-128"/>
+              <a:ea typeface="HGP明朝B" panose="02020800000000000000" pitchFamily="18" charset="-128"/>
+            </a:endParaRPr>
+          </a:p>
+          <a:p>
+            <a:r>
+              <a:rPr lang="ja-JP" altLang="en-US" sz="2800" dirty="0">
+                <a:latin typeface="HGP明朝B" panose="02020800000000000000" pitchFamily="18" charset="-128"/>
+                <a:ea typeface="HGP明朝B" panose="02020800000000000000" pitchFamily="18" charset="-128"/>
+              </a:rPr>
+              <a:t>本ゲームは、アメリカマーブルスゲームス社の</a:t>
+            </a:r>
+            <a:r>
+              <a:rPr lang="en-US" altLang="ja-JP" sz="2800" dirty="0">
+                <a:latin typeface="HGP明朝B" panose="02020800000000000000" pitchFamily="18" charset="-128"/>
+                <a:ea typeface="HGP明朝B" panose="02020800000000000000" pitchFamily="18" charset="-128"/>
+              </a:rPr>
+              <a:t>『</a:t>
+            </a:r>
+            <a:r>
+              <a:rPr lang="ja-JP" altLang="en-US" sz="2800" dirty="0">
+                <a:latin typeface="HGP明朝B" panose="02020800000000000000" pitchFamily="18" charset="-128"/>
+                <a:ea typeface="HGP明朝B" panose="02020800000000000000" pitchFamily="18" charset="-128"/>
+              </a:rPr>
+              <a:t>オートリオ</a:t>
+            </a:r>
+            <a:r>
+              <a:rPr lang="en-US" altLang="ja-JP" sz="2800" dirty="0">
+                <a:latin typeface="HGP明朝B" panose="02020800000000000000" pitchFamily="18" charset="-128"/>
+                <a:ea typeface="HGP明朝B" panose="02020800000000000000" pitchFamily="18" charset="-128"/>
+              </a:rPr>
+              <a:t>』</a:t>
+            </a:r>
+            <a:r>
+              <a:rPr lang="ja-JP" altLang="en-US" sz="2800" dirty="0">
+                <a:latin typeface="HGP明朝B" panose="02020800000000000000" pitchFamily="18" charset="-128"/>
+                <a:ea typeface="HGP明朝B" panose="02020800000000000000" pitchFamily="18" charset="-128"/>
+              </a:rPr>
+              <a:t>をベースにブラウザゲームで表現したものです。</a:t>
+            </a:r>
+            <a:endParaRPr lang="en-US" altLang="ja-JP" sz="2800" dirty="0">
+              <a:latin typeface="HGP明朝B" panose="02020800000000000000" pitchFamily="18" charset="-128"/>
+              <a:ea typeface="HGP明朝B" panose="02020800000000000000" pitchFamily="18" charset="-128"/>
+            </a:endParaRPr>
+          </a:p>
+          <a:p>
+            <a:endParaRPr kumimoji="1" lang="ja-JP" altLang="en-US" dirty="0">
+              <a:latin typeface="HGP明朝B" panose="02020800000000000000" pitchFamily="18" charset="-128"/>
+              <a:ea typeface="HGP明朝B" panose="02020800000000000000" pitchFamily="18" charset="-128"/>
+            </a:endParaRPr>
           </a:p>
         </p:txBody>
       </p:sp>
     </p:spTree>
     <p:extLst>
       <p:ext uri="{BB962C8B-B14F-4D97-AF65-F5344CB8AC3E}">
-        <p14:creationId xmlns:p14="http://schemas.microsoft.com/office/powerpoint/2010/main" val="2045960261"/>
+        <p14:creationId xmlns:p14="http://schemas.microsoft.com/office/powerpoint/2010/main" val="2393781708"/>
       </p:ext>
     </p:extLst>
   </p:cSld>
@@ -4195,6 +5616,307 @@
           <p:cNvPr id="2" name="タイトル 1">
             <a:extLst>
               <a:ext uri="{FF2B5EF4-FFF2-40B4-BE49-F238E27FC236}">
+                <a16:creationId xmlns:a16="http://schemas.microsoft.com/office/drawing/2014/main" id="{5BF4AEC1-0475-430A-BB50-8D12DB2A7B68}"/>
+              </a:ext>
+            </a:extLst>
+          </p:cNvPr>
+          <p:cNvSpPr>
+            <a:spLocks noGrp="1"/>
+          </p:cNvSpPr>
+          <p:nvPr>
+            <p:ph type="title"/>
+          </p:nvPr>
+        </p:nvSpPr>
+        <p:spPr/>
+        <p:txBody>
+          <a:bodyPr>
+            <a:normAutofit/>
+          </a:bodyPr>
+          <a:lstStyle/>
+          <a:p>
+            <a:r>
+              <a:rPr kumimoji="1" lang="ja-JP" altLang="en-US" sz="6000" dirty="0">
+                <a:solidFill>
+                  <a:schemeClr val="accent2">
+                    <a:lumMod val="50000"/>
+                  </a:schemeClr>
+                </a:solidFill>
+                <a:latin typeface="HGP明朝B" panose="02020800000000000000" pitchFamily="18" charset="-128"/>
+                <a:ea typeface="HGP明朝B" panose="02020800000000000000" pitchFamily="18" charset="-128"/>
+              </a:rPr>
+              <a:t>機能一覧</a:t>
+            </a:r>
+          </a:p>
+        </p:txBody>
+      </p:sp>
+      <p:sp>
+        <p:nvSpPr>
+          <p:cNvPr id="3" name="コンテンツ プレースホルダー 2">
+            <a:extLst>
+              <a:ext uri="{FF2B5EF4-FFF2-40B4-BE49-F238E27FC236}">
+                <a16:creationId xmlns:a16="http://schemas.microsoft.com/office/drawing/2014/main" id="{16653347-2806-4C68-A508-0C4A647D2524}"/>
+              </a:ext>
+            </a:extLst>
+          </p:cNvPr>
+          <p:cNvSpPr>
+            <a:spLocks noGrp="1"/>
+          </p:cNvSpPr>
+          <p:nvPr>
+            <p:ph idx="1"/>
+          </p:nvPr>
+        </p:nvSpPr>
+        <p:spPr>
+          <a:xfrm>
+            <a:off x="1451579" y="1853754"/>
+            <a:ext cx="9603275" cy="4287164"/>
+          </a:xfrm>
+        </p:spPr>
+        <p:txBody>
+          <a:bodyPr>
+            <a:noAutofit/>
+          </a:bodyPr>
+          <a:lstStyle/>
+          <a:p>
+            <a:pPr>
+              <a:lnSpc>
+                <a:spcPct val="200000"/>
+              </a:lnSpc>
+            </a:pPr>
+            <a:r>
+              <a:rPr kumimoji="1" lang="ja-JP" altLang="en-US" dirty="0">
+                <a:latin typeface="HGP明朝B" panose="02020800000000000000" pitchFamily="18" charset="-128"/>
+                <a:ea typeface="HGP明朝B" panose="02020800000000000000" pitchFamily="18" charset="-128"/>
+              </a:rPr>
+              <a:t>メールアドレスによるアカウント作成機能</a:t>
+            </a:r>
+            <a:endParaRPr kumimoji="1" lang="en-US" altLang="ja-JP" dirty="0">
+              <a:latin typeface="HGP明朝B" panose="02020800000000000000" pitchFamily="18" charset="-128"/>
+              <a:ea typeface="HGP明朝B" panose="02020800000000000000" pitchFamily="18" charset="-128"/>
+            </a:endParaRPr>
+          </a:p>
+          <a:p>
+            <a:pPr>
+              <a:lnSpc>
+                <a:spcPct val="200000"/>
+              </a:lnSpc>
+            </a:pPr>
+            <a:r>
+              <a:rPr kumimoji="1" lang="ja-JP" altLang="en-US" dirty="0">
+                <a:latin typeface="HGP明朝B" panose="02020800000000000000" pitchFamily="18" charset="-128"/>
+                <a:ea typeface="HGP明朝B" panose="02020800000000000000" pitchFamily="18" charset="-128"/>
+              </a:rPr>
+              <a:t>アカウント作成ユーザーによるログイン機能</a:t>
+            </a:r>
+            <a:endParaRPr kumimoji="1" lang="en-US" altLang="ja-JP" dirty="0">
+              <a:latin typeface="HGP明朝B" panose="02020800000000000000" pitchFamily="18" charset="-128"/>
+              <a:ea typeface="HGP明朝B" panose="02020800000000000000" pitchFamily="18" charset="-128"/>
+            </a:endParaRPr>
+          </a:p>
+          <a:p>
+            <a:pPr>
+              <a:lnSpc>
+                <a:spcPct val="200000"/>
+              </a:lnSpc>
+            </a:pPr>
+            <a:r>
+              <a:rPr kumimoji="1" lang="ja-JP" altLang="en-US" dirty="0">
+                <a:latin typeface="HGP明朝B" panose="02020800000000000000" pitchFamily="18" charset="-128"/>
+                <a:ea typeface="HGP明朝B" panose="02020800000000000000" pitchFamily="18" charset="-128"/>
+              </a:rPr>
+              <a:t>アカウントの変更・削除機能</a:t>
+            </a:r>
+            <a:endParaRPr kumimoji="1" lang="en-US" altLang="ja-JP" dirty="0">
+              <a:latin typeface="HGP明朝B" panose="02020800000000000000" pitchFamily="18" charset="-128"/>
+              <a:ea typeface="HGP明朝B" panose="02020800000000000000" pitchFamily="18" charset="-128"/>
+            </a:endParaRPr>
+          </a:p>
+          <a:p>
+            <a:pPr>
+              <a:lnSpc>
+                <a:spcPct val="200000"/>
+              </a:lnSpc>
+            </a:pPr>
+            <a:r>
+              <a:rPr lang="en-US" altLang="ja-JP" dirty="0">
+                <a:latin typeface="HGP明朝B" panose="02020800000000000000" pitchFamily="18" charset="-128"/>
+                <a:ea typeface="HGP明朝B" panose="02020800000000000000" pitchFamily="18" charset="-128"/>
+              </a:rPr>
+              <a:t>U</a:t>
+            </a:r>
+            <a:r>
+              <a:rPr kumimoji="1" lang="en-US" altLang="ja-JP" dirty="0">
+                <a:latin typeface="HGP明朝B" panose="02020800000000000000" pitchFamily="18" charset="-128"/>
+                <a:ea typeface="HGP明朝B" panose="02020800000000000000" pitchFamily="18" charset="-128"/>
+              </a:rPr>
+              <a:t>nity</a:t>
+            </a:r>
+            <a:r>
+              <a:rPr kumimoji="1" lang="ja-JP" altLang="en-US" dirty="0">
+                <a:latin typeface="HGP明朝B" panose="02020800000000000000" pitchFamily="18" charset="-128"/>
+                <a:ea typeface="HGP明朝B" panose="02020800000000000000" pitchFamily="18" charset="-128"/>
+              </a:rPr>
+              <a:t>を使用してのゲーム埋め込み</a:t>
+            </a:r>
+            <a:endParaRPr kumimoji="1" lang="en-US" altLang="ja-JP" dirty="0">
+              <a:latin typeface="HGP明朝B" panose="02020800000000000000" pitchFamily="18" charset="-128"/>
+              <a:ea typeface="HGP明朝B" panose="02020800000000000000" pitchFamily="18" charset="-128"/>
+            </a:endParaRPr>
+          </a:p>
+          <a:p>
+            <a:pPr>
+              <a:lnSpc>
+                <a:spcPct val="200000"/>
+              </a:lnSpc>
+            </a:pPr>
+            <a:r>
+              <a:rPr lang="ja-JP" altLang="en-US" dirty="0">
+                <a:latin typeface="HGP明朝B" panose="02020800000000000000" pitchFamily="18" charset="-128"/>
+                <a:ea typeface="HGP明朝B" panose="02020800000000000000" pitchFamily="18" charset="-128"/>
+              </a:rPr>
+              <a:t>オフラインによるゲーム対戦機能</a:t>
+            </a:r>
+            <a:endParaRPr lang="en-US" altLang="ja-JP" dirty="0">
+              <a:latin typeface="HGP明朝B" panose="02020800000000000000" pitchFamily="18" charset="-128"/>
+              <a:ea typeface="HGP明朝B" panose="02020800000000000000" pitchFamily="18" charset="-128"/>
+            </a:endParaRPr>
+          </a:p>
+          <a:p>
+            <a:pPr>
+              <a:lnSpc>
+                <a:spcPct val="200000"/>
+              </a:lnSpc>
+            </a:pPr>
+            <a:r>
+              <a:rPr kumimoji="1" lang="ja-JP" altLang="en-US" dirty="0">
+                <a:latin typeface="HGP明朝B" panose="02020800000000000000" pitchFamily="18" charset="-128"/>
+                <a:ea typeface="HGP明朝B" panose="02020800000000000000" pitchFamily="18" charset="-128"/>
+              </a:rPr>
+              <a:t>オンラインによるゲーム対戦機能（未実装）</a:t>
+            </a:r>
+          </a:p>
+        </p:txBody>
+      </p:sp>
+    </p:spTree>
+    <p:extLst>
+      <p:ext uri="{BB962C8B-B14F-4D97-AF65-F5344CB8AC3E}">
+        <p14:creationId xmlns:p14="http://schemas.microsoft.com/office/powerpoint/2010/main" val="2045960261"/>
+      </p:ext>
+    </p:extLst>
+  </p:cSld>
+  <p:clrMapOvr>
+    <a:masterClrMapping/>
+  </p:clrMapOvr>
+</p:sld>
+</file>
+
+<file path=ppt/slides/slide6.xml><?xml version="1.0" encoding="utf-8"?>
+<p:sld xmlns:a="http://schemas.openxmlformats.org/drawingml/2006/main" xmlns:r="http://schemas.openxmlformats.org/officeDocument/2006/relationships" xmlns:p="http://schemas.openxmlformats.org/presentationml/2006/main">
+  <p:cSld>
+    <p:spTree>
+      <p:nvGrpSpPr>
+        <p:cNvPr id="1" name=""/>
+        <p:cNvGrpSpPr/>
+        <p:nvPr/>
+      </p:nvGrpSpPr>
+      <p:grpSpPr>
+        <a:xfrm>
+          <a:off x="0" y="0"/>
+          <a:ext cx="0" cy="0"/>
+          <a:chOff x="0" y="0"/>
+          <a:chExt cx="0" cy="0"/>
+        </a:xfrm>
+      </p:grpSpPr>
+      <p:sp>
+        <p:nvSpPr>
+          <p:cNvPr id="4" name="正方形/長方形 3">
+            <a:extLst>
+              <a:ext uri="{FF2B5EF4-FFF2-40B4-BE49-F238E27FC236}">
+                <a16:creationId xmlns:a16="http://schemas.microsoft.com/office/drawing/2014/main" id="{570ABB6D-B163-45E8-BE4F-4E7182FFB510}"/>
+              </a:ext>
+            </a:extLst>
+          </p:cNvPr>
+          <p:cNvSpPr/>
+          <p:nvPr/>
+        </p:nvSpPr>
+        <p:spPr>
+          <a:xfrm>
+            <a:off x="405694" y="316630"/>
+            <a:ext cx="8504251" cy="1102225"/>
+          </a:xfrm>
+          <a:prstGeom prst="rect">
+            <a:avLst/>
+          </a:prstGeom>
+        </p:spPr>
+        <p:txBody>
+          <a:bodyPr wrap="none">
+            <a:spAutoFit/>
+          </a:bodyPr>
+          <a:lstStyle/>
+          <a:p>
+            <a:pPr>
+              <a:lnSpc>
+                <a:spcPct val="200000"/>
+              </a:lnSpc>
+            </a:pPr>
+            <a:r>
+              <a:rPr kumimoji="1" lang="ja-JP" altLang="en-US" sz="4000" dirty="0">
+                <a:solidFill>
+                  <a:schemeClr val="accent2">
+                    <a:lumMod val="50000"/>
+                  </a:schemeClr>
+                </a:solidFill>
+                <a:latin typeface="HGP明朝B" panose="02020800000000000000" pitchFamily="18" charset="-128"/>
+                <a:ea typeface="HGP明朝B" panose="02020800000000000000" pitchFamily="18" charset="-128"/>
+              </a:rPr>
+              <a:t>メールアドレスによるアカウント作成機能</a:t>
+            </a:r>
+            <a:endParaRPr kumimoji="1" lang="en-US" altLang="ja-JP" sz="4000" dirty="0">
+              <a:solidFill>
+                <a:schemeClr val="accent2">
+                  <a:lumMod val="50000"/>
+                </a:schemeClr>
+              </a:solidFill>
+              <a:latin typeface="HGP明朝B" panose="02020800000000000000" pitchFamily="18" charset="-128"/>
+              <a:ea typeface="HGP明朝B" panose="02020800000000000000" pitchFamily="18" charset="-128"/>
+            </a:endParaRPr>
+          </a:p>
+        </p:txBody>
+      </p:sp>
+    </p:spTree>
+    <p:extLst>
+      <p:ext uri="{BB962C8B-B14F-4D97-AF65-F5344CB8AC3E}">
+        <p14:creationId xmlns:p14="http://schemas.microsoft.com/office/powerpoint/2010/main" val="4289663290"/>
+      </p:ext>
+    </p:extLst>
+  </p:cSld>
+  <p:clrMapOvr>
+    <a:masterClrMapping/>
+  </p:clrMapOvr>
+</p:sld>
+</file>
+
+<file path=ppt/slides/slide7.xml><?xml version="1.0" encoding="utf-8"?>
+<p:sld xmlns:a="http://schemas.openxmlformats.org/drawingml/2006/main" xmlns:r="http://schemas.openxmlformats.org/officeDocument/2006/relationships" xmlns:p="http://schemas.openxmlformats.org/presentationml/2006/main">
+  <p:cSld>
+    <p:spTree>
+      <p:nvGrpSpPr>
+        <p:cNvPr id="1" name=""/>
+        <p:cNvGrpSpPr/>
+        <p:nvPr/>
+      </p:nvGrpSpPr>
+      <p:grpSpPr>
+        <a:xfrm>
+          <a:off x="0" y="0"/>
+          <a:ext cx="0" cy="0"/>
+          <a:chOff x="0" y="0"/>
+          <a:chExt cx="0" cy="0"/>
+        </a:xfrm>
+      </p:grpSpPr>
+      <p:sp>
+        <p:nvSpPr>
+          <p:cNvPr id="2" name="タイトル 1">
+            <a:extLst>
+              <a:ext uri="{FF2B5EF4-FFF2-40B4-BE49-F238E27FC236}">
                 <a16:creationId xmlns:a16="http://schemas.microsoft.com/office/drawing/2014/main" id="{33DD3E6E-1D24-4804-ADE7-786F56EB7453}"/>
               </a:ext>
             </a:extLst>
@@ -4236,7 +5958,9 @@
         </p:nvSpPr>
         <p:spPr/>
         <p:txBody>
-          <a:bodyPr/>
+          <a:bodyPr>
+            <a:normAutofit fontScale="85000" lnSpcReduction="10000"/>
+          </a:bodyPr>
           <a:lstStyle/>
           <a:p>
             <a:r>
@@ -4312,7 +6036,7 @@
 </p:sld>
 </file>
 
-<file path=ppt/slides/slide6.xml><?xml version="1.0" encoding="utf-8"?>
+<file path=ppt/slides/slide8.xml><?xml version="1.0" encoding="utf-8"?>
 <p:sld xmlns:a="http://schemas.openxmlformats.org/drawingml/2006/main" xmlns:r="http://schemas.openxmlformats.org/officeDocument/2006/relationships" xmlns:p="http://schemas.openxmlformats.org/presentationml/2006/main">
   <p:cSld>
     <p:spTree>
@@ -4454,7 +6178,7 @@
 </p:sld>
 </file>
 
-<file path=ppt/slides/slide7.xml><?xml version="1.0" encoding="utf-8"?>
+<file path=ppt/slides/slide9.xml><?xml version="1.0" encoding="utf-8"?>
 <p:sld xmlns:a="http://schemas.openxmlformats.org/drawingml/2006/main" xmlns:r="http://schemas.openxmlformats.org/officeDocument/2006/relationships" xmlns:p="http://schemas.openxmlformats.org/presentationml/2006/main">
   <p:cSld>
     <p:spTree>
@@ -4596,228 +6320,10 @@
 </p:sld>
 </file>
 
-<file path=ppt/slides/slide8.xml><?xml version="1.0" encoding="utf-8"?>
-<p:sld xmlns:a="http://schemas.openxmlformats.org/drawingml/2006/main" xmlns:r="http://schemas.openxmlformats.org/officeDocument/2006/relationships" xmlns:p="http://schemas.openxmlformats.org/presentationml/2006/main">
-  <p:cSld>
-    <p:spTree>
-      <p:nvGrpSpPr>
-        <p:cNvPr id="1" name=""/>
-        <p:cNvGrpSpPr/>
-        <p:nvPr/>
-      </p:nvGrpSpPr>
-      <p:grpSpPr>
-        <a:xfrm>
-          <a:off x="0" y="0"/>
-          <a:ext cx="0" cy="0"/>
-          <a:chOff x="0" y="0"/>
-          <a:chExt cx="0" cy="0"/>
-        </a:xfrm>
-      </p:grpSpPr>
-      <p:sp>
-        <p:nvSpPr>
-          <p:cNvPr id="2" name="タイトル 1">
-            <a:extLst>
-              <a:ext uri="{FF2B5EF4-FFF2-40B4-BE49-F238E27FC236}">
-                <a16:creationId xmlns:a16="http://schemas.microsoft.com/office/drawing/2014/main" id="{668AE707-0E34-4729-AA39-D1A6551988C2}"/>
-              </a:ext>
-            </a:extLst>
-          </p:cNvPr>
-          <p:cNvSpPr>
-            <a:spLocks noGrp="1"/>
-          </p:cNvSpPr>
-          <p:nvPr>
-            <p:ph type="title"/>
-          </p:nvPr>
-        </p:nvSpPr>
-        <p:spPr/>
-        <p:txBody>
-          <a:bodyPr/>
-          <a:lstStyle/>
-          <a:p>
-            <a:r>
-              <a:rPr kumimoji="1" lang="ja-JP" altLang="en-US" dirty="0"/>
-              <a:t>勝利条件</a:t>
-            </a:r>
-          </a:p>
-        </p:txBody>
-      </p:sp>
-      <p:sp>
-        <p:nvSpPr>
-          <p:cNvPr id="3" name="コンテンツ プレースホルダー 2">
-            <a:extLst>
-              <a:ext uri="{FF2B5EF4-FFF2-40B4-BE49-F238E27FC236}">
-                <a16:creationId xmlns:a16="http://schemas.microsoft.com/office/drawing/2014/main" id="{5D52AFF0-434A-43B7-9359-A244E8A81FC4}"/>
-              </a:ext>
-            </a:extLst>
-          </p:cNvPr>
-          <p:cNvSpPr>
-            <a:spLocks noGrp="1"/>
-          </p:cNvSpPr>
-          <p:nvPr>
-            <p:ph idx="1"/>
-          </p:nvPr>
-        </p:nvSpPr>
-        <p:spPr/>
-        <p:txBody>
-          <a:bodyPr>
-            <a:normAutofit/>
-          </a:bodyPr>
-          <a:lstStyle/>
-          <a:p>
-            <a:pPr marL="0" indent="0">
-              <a:buNone/>
-            </a:pPr>
-            <a:endParaRPr lang="en-US" altLang="ja-JP" dirty="0"/>
-          </a:p>
-          <a:p>
-            <a:r>
-              <a:rPr lang="ja-JP" altLang="en-US" dirty="0"/>
-              <a:t>３，同じ箇所・大・中・小の３種類のリングが置かれた場合</a:t>
-            </a:r>
-          </a:p>
-        </p:txBody>
-      </p:sp>
-      <p:pic>
-        <p:nvPicPr>
-          <p:cNvPr id="5" name="図 4">
-            <a:extLst>
-              <a:ext uri="{FF2B5EF4-FFF2-40B4-BE49-F238E27FC236}">
-                <a16:creationId xmlns:a16="http://schemas.microsoft.com/office/drawing/2014/main" id="{7D4C77DA-C36A-487F-90EE-056A01CA6B07}"/>
-              </a:ext>
-            </a:extLst>
-          </p:cNvPr>
-          <p:cNvPicPr>
-            <a:picLocks noChangeAspect="1"/>
-          </p:cNvPicPr>
-          <p:nvPr/>
-        </p:nvPicPr>
-        <p:blipFill>
-          <a:blip r:embed="rId2">
-            <a:extLst>
-              <a:ext uri="{28A0092B-C50C-407E-A947-70E740481C1C}">
-                <a14:useLocalDpi xmlns:a14="http://schemas.microsoft.com/office/drawing/2010/main" val="0"/>
-              </a:ext>
-            </a:extLst>
-          </a:blip>
-          <a:stretch>
-            <a:fillRect/>
-          </a:stretch>
-        </p:blipFill>
-        <p:spPr>
-          <a:xfrm>
-            <a:off x="4743261" y="3409950"/>
-            <a:ext cx="2705478" cy="2695951"/>
-          </a:xfrm>
-          <a:prstGeom prst="rect">
-            <a:avLst/>
-          </a:prstGeom>
-        </p:spPr>
-      </p:pic>
-    </p:spTree>
-    <p:extLst>
-      <p:ext uri="{BB962C8B-B14F-4D97-AF65-F5344CB8AC3E}">
-        <p14:creationId xmlns:p14="http://schemas.microsoft.com/office/powerpoint/2010/main" val="1169072076"/>
-      </p:ext>
-    </p:extLst>
-  </p:cSld>
-  <p:clrMapOvr>
-    <a:masterClrMapping/>
-  </p:clrMapOvr>
-</p:sld>
-</file>
-
-<file path=ppt/slides/slide9.xml><?xml version="1.0" encoding="utf-8"?>
-<p:sld xmlns:a="http://schemas.openxmlformats.org/drawingml/2006/main" xmlns:r="http://schemas.openxmlformats.org/officeDocument/2006/relationships" xmlns:p="http://schemas.openxmlformats.org/presentationml/2006/main">
-  <p:cSld>
-    <p:spTree>
-      <p:nvGrpSpPr>
-        <p:cNvPr id="1" name=""/>
-        <p:cNvGrpSpPr/>
-        <p:nvPr/>
-      </p:nvGrpSpPr>
-      <p:grpSpPr>
-        <a:xfrm>
-          <a:off x="0" y="0"/>
-          <a:ext cx="0" cy="0"/>
-          <a:chOff x="0" y="0"/>
-          <a:chExt cx="0" cy="0"/>
-        </a:xfrm>
-      </p:grpSpPr>
-      <p:sp>
-        <p:nvSpPr>
-          <p:cNvPr id="2" name="タイトル 1">
-            <a:extLst>
-              <a:ext uri="{FF2B5EF4-FFF2-40B4-BE49-F238E27FC236}">
-                <a16:creationId xmlns:a16="http://schemas.microsoft.com/office/drawing/2014/main" id="{E3BC0F1D-F05B-4FFE-9547-5EA8A7584D1A}"/>
-              </a:ext>
-            </a:extLst>
-          </p:cNvPr>
-          <p:cNvSpPr>
-            <a:spLocks noGrp="1"/>
-          </p:cNvSpPr>
-          <p:nvPr>
-            <p:ph type="title"/>
-          </p:nvPr>
-        </p:nvSpPr>
-        <p:spPr/>
-        <p:txBody>
-          <a:bodyPr/>
-          <a:lstStyle/>
-          <a:p>
-            <a:r>
-              <a:rPr kumimoji="1" lang="ja-JP" altLang="en-US" dirty="0"/>
-              <a:t>参考文献・</a:t>
-            </a:r>
-            <a:r>
-              <a:rPr kumimoji="1" lang="en-US" altLang="ja-JP" dirty="0"/>
-              <a:t>URL</a:t>
-            </a:r>
-            <a:endParaRPr kumimoji="1" lang="ja-JP" altLang="en-US" dirty="0"/>
-          </a:p>
-        </p:txBody>
-      </p:sp>
-      <p:sp>
-        <p:nvSpPr>
-          <p:cNvPr id="3" name="コンテンツ プレースホルダー 2">
-            <a:extLst>
-              <a:ext uri="{FF2B5EF4-FFF2-40B4-BE49-F238E27FC236}">
-                <a16:creationId xmlns:a16="http://schemas.microsoft.com/office/drawing/2014/main" id="{0F047952-A4AD-4DDC-8B17-F30829AC3003}"/>
-              </a:ext>
-            </a:extLst>
-          </p:cNvPr>
-          <p:cNvSpPr>
-            <a:spLocks noGrp="1"/>
-          </p:cNvSpPr>
-          <p:nvPr>
-            <p:ph idx="1"/>
-          </p:nvPr>
-        </p:nvSpPr>
-        <p:spPr/>
-        <p:txBody>
-          <a:bodyPr/>
-          <a:lstStyle/>
-          <a:p>
-            <a:endParaRPr kumimoji="1" lang="ja-JP" altLang="en-US" dirty="0"/>
-          </a:p>
-        </p:txBody>
-      </p:sp>
-    </p:spTree>
-    <p:extLst>
-      <p:ext uri="{BB962C8B-B14F-4D97-AF65-F5344CB8AC3E}">
-        <p14:creationId xmlns:p14="http://schemas.microsoft.com/office/powerpoint/2010/main" val="824271165"/>
-      </p:ext>
-    </p:extLst>
-  </p:cSld>
-  <p:clrMapOvr>
-    <a:masterClrMapping/>
-  </p:clrMapOvr>
-</p:sld>
-</file>
-
 <file path=ppt/theme/theme1.xml><?xml version="1.0" encoding="utf-8"?>
-<a:theme xmlns:a="http://schemas.openxmlformats.org/drawingml/2006/main" name="Office テーマ">
+<a:theme xmlns:a="http://schemas.openxmlformats.org/drawingml/2006/main" name="ギャラリー">
   <a:themeElements>
-    <a:clrScheme name="Office">
+    <a:clrScheme name="ギャラリー">
       <a:dk1>
         <a:sysClr val="windowText" lastClr="000000"/>
       </a:dk1>
@@ -4825,39 +6331,39 @@
         <a:sysClr val="window" lastClr="FFFFFF"/>
       </a:lt1>
       <a:dk2>
-        <a:srgbClr val="44546A"/>
+        <a:srgbClr val="454545"/>
       </a:dk2>
       <a:lt2>
-        <a:srgbClr val="E7E6E6"/>
+        <a:srgbClr val="DFDBD5"/>
       </a:lt2>
       <a:accent1>
-        <a:srgbClr val="4472C4"/>
+        <a:srgbClr val="B71E42"/>
       </a:accent1>
       <a:accent2>
-        <a:srgbClr val="ED7D31"/>
+        <a:srgbClr val="DE478E"/>
       </a:accent2>
       <a:accent3>
-        <a:srgbClr val="A5A5A5"/>
+        <a:srgbClr val="BC72F0"/>
       </a:accent3>
       <a:accent4>
-        <a:srgbClr val="FFC000"/>
+        <a:srgbClr val="795FAF"/>
       </a:accent4>
       <a:accent5>
-        <a:srgbClr val="5B9BD5"/>
+        <a:srgbClr val="586EA6"/>
       </a:accent5>
       <a:accent6>
-        <a:srgbClr val="70AD47"/>
+        <a:srgbClr val="6892A0"/>
       </a:accent6>
       <a:hlink>
-        <a:srgbClr val="0563C1"/>
+        <a:srgbClr val="FA2B5C"/>
       </a:hlink>
       <a:folHlink>
-        <a:srgbClr val="954F72"/>
+        <a:srgbClr val="BC658E"/>
       </a:folHlink>
     </a:clrScheme>
-    <a:fontScheme name="Office">
+    <a:fontScheme name="ギャラリー">
       <a:majorFont>
-        <a:latin typeface="游ゴシック Light" panose="020F0302020204030204"/>
+        <a:latin typeface="Gill Sans MT" panose="020B0502020104020203"/>
         <a:ea typeface=""/>
         <a:cs typeface=""/>
         <a:font script="Jpan" typeface="游ゴシック Light"/>
@@ -4890,26 +6396,9 @@
         <a:font script="Viet" typeface="Times New Roman"/>
         <a:font script="Uigh" typeface="Microsoft Uighur"/>
         <a:font script="Geor" typeface="Sylfaen"/>
-        <a:font script="Armn" typeface="Arial"/>
-        <a:font script="Bugi" typeface="Leelawadee UI"/>
-        <a:font script="Bopo" typeface="Microsoft JhengHei"/>
-        <a:font script="Java" typeface="Javanese Text"/>
-        <a:font script="Lisu" typeface="Segoe UI"/>
-        <a:font script="Mymr" typeface="Myanmar Text"/>
-        <a:font script="Nkoo" typeface="Ebrima"/>
-        <a:font script="Olck" typeface="Nirmala UI"/>
-        <a:font script="Osma" typeface="Ebrima"/>
-        <a:font script="Phag" typeface="Phagspa"/>
-        <a:font script="Syrn" typeface="Estrangelo Edessa"/>
-        <a:font script="Syrj" typeface="Estrangelo Edessa"/>
-        <a:font script="Syre" typeface="Estrangelo Edessa"/>
-        <a:font script="Sora" typeface="Nirmala UI"/>
-        <a:font script="Tale" typeface="Microsoft Tai Le"/>
-        <a:font script="Talu" typeface="Microsoft New Tai Lue"/>
-        <a:font script="Tfng" typeface="Ebrima"/>
       </a:majorFont>
       <a:minorFont>
-        <a:latin typeface="游ゴシック" panose="020F0502020204030204"/>
+        <a:latin typeface="Gill Sans MT" panose="020B0502020104020203"/>
         <a:ea typeface=""/>
         <a:cs typeface=""/>
         <a:font script="Jpan" typeface="游ゴシック"/>
@@ -4942,26 +6431,9 @@
         <a:font script="Viet" typeface="Arial"/>
         <a:font script="Uigh" typeface="Microsoft Uighur"/>
         <a:font script="Geor" typeface="Sylfaen"/>
-        <a:font script="Armn" typeface="Arial"/>
-        <a:font script="Bugi" typeface="Leelawadee UI"/>
-        <a:font script="Bopo" typeface="Microsoft JhengHei"/>
-        <a:font script="Java" typeface="Javanese Text"/>
-        <a:font script="Lisu" typeface="Segoe UI"/>
-        <a:font script="Mymr" typeface="Myanmar Text"/>
-        <a:font script="Nkoo" typeface="Ebrima"/>
-        <a:font script="Olck" typeface="Nirmala UI"/>
-        <a:font script="Osma" typeface="Ebrima"/>
-        <a:font script="Phag" typeface="Phagspa"/>
-        <a:font script="Syrn" typeface="Estrangelo Edessa"/>
-        <a:font script="Syrj" typeface="Estrangelo Edessa"/>
-        <a:font script="Syre" typeface="Estrangelo Edessa"/>
-        <a:font script="Sora" typeface="Nirmala UI"/>
-        <a:font script="Tale" typeface="Microsoft Tai Le"/>
-        <a:font script="Talu" typeface="Microsoft New Tai Lue"/>
-        <a:font script="Tfng" typeface="Ebrima"/>
       </a:minorFont>
     </a:fontScheme>
-    <a:fmtScheme name="Office">
+    <a:fmtScheme name="ギャラリー">
       <a:fillStyleLst>
         <a:solidFill>
           <a:schemeClr val="phClr"/>
@@ -4970,23 +6442,18 @@
           <a:gsLst>
             <a:gs pos="0">
               <a:schemeClr val="phClr">
+                <a:tint val="54000"/>
+                <a:alpha val="100000"/>
+                <a:satMod val="105000"/>
                 <a:lumMod val="110000"/>
-                <a:satMod val="105000"/>
-                <a:tint val="67000"/>
-              </a:schemeClr>
-            </a:gs>
-            <a:gs pos="50000">
-              <a:schemeClr val="phClr">
-                <a:lumMod val="105000"/>
-                <a:satMod val="103000"/>
-                <a:tint val="73000"/>
               </a:schemeClr>
             </a:gs>
             <a:gs pos="100000">
               <a:schemeClr val="phClr">
-                <a:lumMod val="105000"/>
+                <a:tint val="78000"/>
+                <a:alpha val="92000"/>
                 <a:satMod val="109000"/>
-                <a:tint val="81000"/>
+                <a:lumMod val="100000"/>
               </a:schemeClr>
             </a:gs>
           </a:gsLst>
@@ -4996,23 +6463,23 @@
           <a:gsLst>
             <a:gs pos="0">
               <a:schemeClr val="phClr">
-                <a:satMod val="103000"/>
-                <a:lumMod val="102000"/>
-                <a:tint val="94000"/>
+                <a:tint val="98000"/>
+                <a:satMod val="110000"/>
+                <a:lumMod val="104000"/>
               </a:schemeClr>
             </a:gs>
-            <a:gs pos="50000">
+            <a:gs pos="69000">
               <a:schemeClr val="phClr">
-                <a:satMod val="110000"/>
-                <a:lumMod val="100000"/>
-                <a:shade val="100000"/>
+                <a:shade val="88000"/>
+                <a:satMod val="130000"/>
+                <a:lumMod val="92000"/>
               </a:schemeClr>
             </a:gs>
             <a:gs pos="100000">
               <a:schemeClr val="phClr">
-                <a:lumMod val="99000"/>
-                <a:satMod val="120000"/>
                 <a:shade val="78000"/>
+                <a:satMod val="130000"/>
+                <a:lumMod val="92000"/>
               </a:schemeClr>
             </a:gs>
           </a:gsLst>
@@ -5020,26 +6487,23 @@
         </a:gradFill>
       </a:fillStyleLst>
       <a:lnStyleLst>
-        <a:ln w="6350" cap="flat" cmpd="sng" algn="ctr">
+        <a:ln w="9525" cap="flat" cmpd="sng" algn="ctr">
           <a:solidFill>
             <a:schemeClr val="phClr"/>
           </a:solidFill>
           <a:prstDash val="solid"/>
-          <a:miter lim="800000"/>
         </a:ln>
-        <a:ln w="12700" cap="flat" cmpd="sng" algn="ctr">
+        <a:ln w="15875" cap="flat" cmpd="sng" algn="ctr">
           <a:solidFill>
             <a:schemeClr val="phClr"/>
           </a:solidFill>
           <a:prstDash val="solid"/>
-          <a:miter lim="800000"/>
         </a:ln>
-        <a:ln w="19050" cap="flat" cmpd="sng" algn="ctr">
+        <a:ln w="22225" cap="flat" cmpd="sng" algn="ctr">
           <a:solidFill>
             <a:schemeClr val="phClr"/>
           </a:solidFill>
           <a:prstDash val="solid"/>
-          <a:miter lim="800000"/>
         </a:ln>
       </a:lnStyleLst>
       <a:effectStyleLst>
@@ -5051,12 +6515,23 @@
         </a:effectStyle>
         <a:effectStyle>
           <a:effectLst>
-            <a:outerShdw blurRad="57150" dist="19050" dir="5400000" algn="ctr" rotWithShape="0">
+            <a:outerShdw blurRad="50800" dist="50800" dir="5400000" sx="96000" sy="96000" rotWithShape="0">
               <a:srgbClr val="000000">
-                <a:alpha val="63000"/>
+                <a:alpha val="48000"/>
               </a:srgbClr>
             </a:outerShdw>
           </a:effectLst>
+          <a:scene3d>
+            <a:camera prst="orthographicFront">
+              <a:rot lat="0" lon="0" rev="0"/>
+            </a:camera>
+            <a:lightRig rig="balanced" dir="t">
+              <a:rot lat="0" lon="0" rev="1080000"/>
+            </a:lightRig>
+          </a:scene3d>
+          <a:sp3d>
+            <a:bevelT w="38100" h="12700" prst="softRound"/>
+          </a:sp3d>
         </a:effectStyle>
       </a:effectStyleLst>
       <a:bgFillStyleLst>
@@ -5064,37 +6539,26 @@
           <a:schemeClr val="phClr"/>
         </a:solidFill>
         <a:solidFill>
-          <a:schemeClr val="phClr">
-            <a:tint val="95000"/>
-            <a:satMod val="170000"/>
-          </a:schemeClr>
+          <a:schemeClr val="phClr"/>
         </a:solidFill>
         <a:gradFill rotWithShape="1">
           <a:gsLst>
             <a:gs pos="0">
               <a:schemeClr val="phClr">
-                <a:tint val="93000"/>
-                <a:satMod val="150000"/>
-                <a:shade val="98000"/>
-                <a:lumMod val="102000"/>
-              </a:schemeClr>
-            </a:gs>
-            <a:gs pos="50000">
-              <a:schemeClr val="phClr">
-                <a:tint val="98000"/>
-                <a:satMod val="130000"/>
-                <a:shade val="90000"/>
-                <a:lumMod val="103000"/>
+                <a:tint val="94000"/>
+                <a:satMod val="80000"/>
+                <a:lumMod val="106000"/>
               </a:schemeClr>
             </a:gs>
             <a:gs pos="100000">
               <a:schemeClr val="phClr">
-                <a:shade val="63000"/>
-                <a:satMod val="120000"/>
+                <a:shade val="80000"/>
               </a:schemeClr>
             </a:gs>
           </a:gsLst>
-          <a:lin ang="5400000" scaled="0"/>
+          <a:path path="circle">
+            <a:fillToRect l="43000" r="43000" b="100000"/>
+          </a:path>
         </a:gradFill>
       </a:bgFillStyleLst>
     </a:fmtScheme>
@@ -5103,7 +6567,7 @@
   <a:extraClrSchemeLst/>
   <a:extLst>
     <a:ext uri="{05A4C25C-085E-4340-85A3-A5531E510DB2}">
-      <thm15:themeFamily xmlns:thm15="http://schemas.microsoft.com/office/thememl/2012/main" name="Office Theme" id="{62F939B6-93AF-4DB8-9C6B-D6C7DFDC589F}" vid="{4A3C46E8-61CC-4603-A589-7422A47A8E4A}"/>
+      <thm15:themeFamily xmlns:thm15="http://schemas.microsoft.com/office/thememl/2012/main" name="Gallery" id="{BBFCD31E-59A1-489D-B089-A3EAD7CAE12E}" vid="{F5E91637-A7B6-4E27-B710-77DA7014EE1E}"/>
     </a:ext>
   </a:extLst>
 </a:theme>

--- a/ThreeRings.pptx
+++ b/ThreeRings.pptx
@@ -9,13 +9,16 @@
     <p:sldId id="257" r:id="rId3"/>
     <p:sldId id="266" r:id="rId4"/>
     <p:sldId id="258" r:id="rId5"/>
-    <p:sldId id="259" r:id="rId6"/>
-    <p:sldId id="267" r:id="rId7"/>
-    <p:sldId id="260" r:id="rId8"/>
-    <p:sldId id="261" r:id="rId9"/>
-    <p:sldId id="263" r:id="rId10"/>
-    <p:sldId id="264" r:id="rId11"/>
-    <p:sldId id="262" r:id="rId12"/>
+    <p:sldId id="270" r:id="rId6"/>
+    <p:sldId id="259" r:id="rId7"/>
+    <p:sldId id="267" r:id="rId8"/>
+    <p:sldId id="268" r:id="rId9"/>
+    <p:sldId id="269" r:id="rId10"/>
+    <p:sldId id="260" r:id="rId11"/>
+    <p:sldId id="261" r:id="rId12"/>
+    <p:sldId id="263" r:id="rId13"/>
+    <p:sldId id="264" r:id="rId14"/>
+    <p:sldId id="262" r:id="rId15"/>
   </p:sldIdLst>
   <p:sldSz cx="12192000" cy="6858000"/>
   <p:notesSz cx="6858000" cy="9144000"/>
@@ -4069,6 +4072,431 @@
           <p:cNvPr id="2" name="タイトル 1">
             <a:extLst>
               <a:ext uri="{FF2B5EF4-FFF2-40B4-BE49-F238E27FC236}">
+                <a16:creationId xmlns:a16="http://schemas.microsoft.com/office/drawing/2014/main" id="{33DD3E6E-1D24-4804-ADE7-786F56EB7453}"/>
+              </a:ext>
+            </a:extLst>
+          </p:cNvPr>
+          <p:cNvSpPr>
+            <a:spLocks noGrp="1"/>
+          </p:cNvSpPr>
+          <p:nvPr>
+            <p:ph type="title"/>
+          </p:nvPr>
+        </p:nvSpPr>
+        <p:spPr/>
+        <p:txBody>
+          <a:bodyPr/>
+          <a:lstStyle/>
+          <a:p>
+            <a:r>
+              <a:rPr kumimoji="1" lang="ja-JP" altLang="en-US" dirty="0"/>
+              <a:t>ルール説明</a:t>
+            </a:r>
+          </a:p>
+        </p:txBody>
+      </p:sp>
+      <p:sp>
+        <p:nvSpPr>
+          <p:cNvPr id="3" name="コンテンツ プレースホルダー 2">
+            <a:extLst>
+              <a:ext uri="{FF2B5EF4-FFF2-40B4-BE49-F238E27FC236}">
+                <a16:creationId xmlns:a16="http://schemas.microsoft.com/office/drawing/2014/main" id="{52DCC227-638D-401E-AD4D-1A7EB8A29DFC}"/>
+              </a:ext>
+            </a:extLst>
+          </p:cNvPr>
+          <p:cNvSpPr>
+            <a:spLocks noGrp="1"/>
+          </p:cNvSpPr>
+          <p:nvPr>
+            <p:ph idx="1"/>
+          </p:nvPr>
+        </p:nvSpPr>
+        <p:spPr/>
+        <p:txBody>
+          <a:bodyPr>
+            <a:normAutofit fontScale="85000" lnSpcReduction="10000"/>
+          </a:bodyPr>
+          <a:lstStyle/>
+          <a:p>
+            <a:r>
+              <a:rPr lang="ja-JP" altLang="en-US" dirty="0"/>
+              <a:t>スタートプレイヤーを決めて、時計回りに</a:t>
+            </a:r>
+            <a:br>
+              <a:rPr lang="en-US" altLang="ja-JP" dirty="0"/>
+            </a:br>
+            <a:r>
+              <a:rPr lang="en-US" altLang="ja-JP" dirty="0"/>
+              <a:t>							</a:t>
+            </a:r>
+            <a:r>
+              <a:rPr lang="ja-JP" altLang="en-US" dirty="0"/>
+              <a:t>リング配置を行います。</a:t>
+            </a:r>
+            <a:endParaRPr lang="en-US" altLang="ja-JP" dirty="0"/>
+          </a:p>
+          <a:p>
+            <a:endParaRPr lang="en-US" altLang="ja-JP" dirty="0"/>
+          </a:p>
+          <a:p>
+            <a:r>
+              <a:rPr lang="ja-JP" altLang="en-US" dirty="0"/>
+              <a:t>自分のリングを１つ取り、ゲームエリア上の</a:t>
+            </a:r>
+            <a:br>
+              <a:rPr lang="en-US" altLang="ja-JP" dirty="0"/>
+            </a:br>
+            <a:r>
+              <a:rPr lang="en-US" altLang="ja-JP" dirty="0"/>
+              <a:t>							</a:t>
+            </a:r>
+            <a:r>
+              <a:rPr lang="ja-JP" altLang="en-US" dirty="0"/>
+              <a:t>好きな箇所に配置します。</a:t>
+            </a:r>
+            <a:endParaRPr lang="en-US" altLang="ja-JP" dirty="0"/>
+          </a:p>
+          <a:p>
+            <a:endParaRPr lang="en-US" altLang="ja-JP" dirty="0"/>
+          </a:p>
+          <a:p>
+            <a:r>
+              <a:rPr lang="ja-JP" altLang="en-US" dirty="0"/>
+              <a:t>リングを置いた後はそのリングを移動することは出来ません。</a:t>
+            </a:r>
+            <a:endParaRPr lang="en-US" altLang="ja-JP" dirty="0"/>
+          </a:p>
+          <a:p>
+            <a:endParaRPr lang="en-US" altLang="ja-JP" dirty="0"/>
+          </a:p>
+          <a:p>
+            <a:r>
+              <a:rPr lang="ja-JP" altLang="en-US" dirty="0"/>
+              <a:t>自分の番にリングを置けない時はパスとなります。</a:t>
+            </a:r>
+            <a:endParaRPr kumimoji="1" lang="ja-JP" altLang="en-US" dirty="0"/>
+          </a:p>
+        </p:txBody>
+      </p:sp>
+    </p:spTree>
+    <p:extLst>
+      <p:ext uri="{BB962C8B-B14F-4D97-AF65-F5344CB8AC3E}">
+        <p14:creationId xmlns:p14="http://schemas.microsoft.com/office/powerpoint/2010/main" val="3019166146"/>
+      </p:ext>
+    </p:extLst>
+  </p:cSld>
+  <p:clrMapOvr>
+    <a:masterClrMapping/>
+  </p:clrMapOvr>
+</p:sld>
+</file>
+
+<file path=ppt/slides/slide11.xml><?xml version="1.0" encoding="utf-8"?>
+<p:sld xmlns:a="http://schemas.openxmlformats.org/drawingml/2006/main" xmlns:r="http://schemas.openxmlformats.org/officeDocument/2006/relationships" xmlns:p="http://schemas.openxmlformats.org/presentationml/2006/main">
+  <p:cSld>
+    <p:spTree>
+      <p:nvGrpSpPr>
+        <p:cNvPr id="1" name=""/>
+        <p:cNvGrpSpPr/>
+        <p:nvPr/>
+      </p:nvGrpSpPr>
+      <p:grpSpPr>
+        <a:xfrm>
+          <a:off x="0" y="0"/>
+          <a:ext cx="0" cy="0"/>
+          <a:chOff x="0" y="0"/>
+          <a:chExt cx="0" cy="0"/>
+        </a:xfrm>
+      </p:grpSpPr>
+      <p:sp>
+        <p:nvSpPr>
+          <p:cNvPr id="2" name="タイトル 1">
+            <a:extLst>
+              <a:ext uri="{FF2B5EF4-FFF2-40B4-BE49-F238E27FC236}">
+                <a16:creationId xmlns:a16="http://schemas.microsoft.com/office/drawing/2014/main" id="{668AE707-0E34-4729-AA39-D1A6551988C2}"/>
+              </a:ext>
+            </a:extLst>
+          </p:cNvPr>
+          <p:cNvSpPr>
+            <a:spLocks noGrp="1"/>
+          </p:cNvSpPr>
+          <p:nvPr>
+            <p:ph type="title"/>
+          </p:nvPr>
+        </p:nvSpPr>
+        <p:spPr/>
+        <p:txBody>
+          <a:bodyPr/>
+          <a:lstStyle/>
+          <a:p>
+            <a:r>
+              <a:rPr kumimoji="1" lang="ja-JP" altLang="en-US" dirty="0"/>
+              <a:t>勝利条件</a:t>
+            </a:r>
+          </a:p>
+        </p:txBody>
+      </p:sp>
+      <p:sp>
+        <p:nvSpPr>
+          <p:cNvPr id="3" name="コンテンツ プレースホルダー 2">
+            <a:extLst>
+              <a:ext uri="{FF2B5EF4-FFF2-40B4-BE49-F238E27FC236}">
+                <a16:creationId xmlns:a16="http://schemas.microsoft.com/office/drawing/2014/main" id="{5D52AFF0-434A-43B7-9359-A244E8A81FC4}"/>
+              </a:ext>
+            </a:extLst>
+          </p:cNvPr>
+          <p:cNvSpPr>
+            <a:spLocks noGrp="1"/>
+          </p:cNvSpPr>
+          <p:nvPr>
+            <p:ph idx="1"/>
+          </p:nvPr>
+        </p:nvSpPr>
+        <p:spPr/>
+        <p:txBody>
+          <a:bodyPr>
+            <a:normAutofit/>
+          </a:bodyPr>
+          <a:lstStyle/>
+          <a:p>
+            <a:pPr marL="0" indent="0">
+              <a:buNone/>
+            </a:pPr>
+            <a:endParaRPr lang="en-US" altLang="ja-JP" dirty="0"/>
+          </a:p>
+          <a:p>
+            <a:r>
+              <a:rPr lang="ja-JP" altLang="en-US" dirty="0"/>
+              <a:t>１、大・中・小の順番に縦・横・斜めの</a:t>
+            </a:r>
+            <a:br>
+              <a:rPr lang="en-US" altLang="ja-JP" dirty="0"/>
+            </a:br>
+            <a:r>
+              <a:rPr lang="en-US" altLang="ja-JP" dirty="0"/>
+              <a:t>						</a:t>
+            </a:r>
+            <a:r>
+              <a:rPr lang="ja-JP" altLang="en-US" dirty="0"/>
+              <a:t>いずれかに１列に並んだ場合</a:t>
+            </a:r>
+            <a:endParaRPr lang="en-US" altLang="ja-JP" dirty="0"/>
+          </a:p>
+        </p:txBody>
+      </p:sp>
+      <p:pic>
+        <p:nvPicPr>
+          <p:cNvPr id="5" name="図 4">
+            <a:extLst>
+              <a:ext uri="{FF2B5EF4-FFF2-40B4-BE49-F238E27FC236}">
+                <a16:creationId xmlns:a16="http://schemas.microsoft.com/office/drawing/2014/main" id="{DBCE35B6-2FFC-4247-9ADE-6BBD3FFC5B40}"/>
+              </a:ext>
+            </a:extLst>
+          </p:cNvPr>
+          <p:cNvPicPr>
+            <a:picLocks noChangeAspect="1"/>
+          </p:cNvPicPr>
+          <p:nvPr/>
+        </p:nvPicPr>
+        <p:blipFill>
+          <a:blip r:embed="rId2">
+            <a:extLst>
+              <a:ext uri="{28A0092B-C50C-407E-A947-70E740481C1C}">
+                <a14:useLocalDpi xmlns:a14="http://schemas.microsoft.com/office/drawing/2010/main" val="0"/>
+              </a:ext>
+            </a:extLst>
+          </a:blip>
+          <a:stretch>
+            <a:fillRect/>
+          </a:stretch>
+        </p:blipFill>
+        <p:spPr>
+          <a:xfrm>
+            <a:off x="4848039" y="3519117"/>
+            <a:ext cx="2667372" cy="2657846"/>
+          </a:xfrm>
+          <a:prstGeom prst="rect">
+            <a:avLst/>
+          </a:prstGeom>
+        </p:spPr>
+      </p:pic>
+    </p:spTree>
+    <p:extLst>
+      <p:ext uri="{BB962C8B-B14F-4D97-AF65-F5344CB8AC3E}">
+        <p14:creationId xmlns:p14="http://schemas.microsoft.com/office/powerpoint/2010/main" val="2009379131"/>
+      </p:ext>
+    </p:extLst>
+  </p:cSld>
+  <p:clrMapOvr>
+    <a:masterClrMapping/>
+  </p:clrMapOvr>
+</p:sld>
+</file>
+
+<file path=ppt/slides/slide12.xml><?xml version="1.0" encoding="utf-8"?>
+<p:sld xmlns:a="http://schemas.openxmlformats.org/drawingml/2006/main" xmlns:r="http://schemas.openxmlformats.org/officeDocument/2006/relationships" xmlns:p="http://schemas.openxmlformats.org/presentationml/2006/main">
+  <p:cSld>
+    <p:spTree>
+      <p:nvGrpSpPr>
+        <p:cNvPr id="1" name=""/>
+        <p:cNvGrpSpPr/>
+        <p:nvPr/>
+      </p:nvGrpSpPr>
+      <p:grpSpPr>
+        <a:xfrm>
+          <a:off x="0" y="0"/>
+          <a:ext cx="0" cy="0"/>
+          <a:chOff x="0" y="0"/>
+          <a:chExt cx="0" cy="0"/>
+        </a:xfrm>
+      </p:grpSpPr>
+      <p:sp>
+        <p:nvSpPr>
+          <p:cNvPr id="2" name="タイトル 1">
+            <a:extLst>
+              <a:ext uri="{FF2B5EF4-FFF2-40B4-BE49-F238E27FC236}">
+                <a16:creationId xmlns:a16="http://schemas.microsoft.com/office/drawing/2014/main" id="{668AE707-0E34-4729-AA39-D1A6551988C2}"/>
+              </a:ext>
+            </a:extLst>
+          </p:cNvPr>
+          <p:cNvSpPr>
+            <a:spLocks noGrp="1"/>
+          </p:cNvSpPr>
+          <p:nvPr>
+            <p:ph type="title"/>
+          </p:nvPr>
+        </p:nvSpPr>
+        <p:spPr/>
+        <p:txBody>
+          <a:bodyPr/>
+          <a:lstStyle/>
+          <a:p>
+            <a:r>
+              <a:rPr kumimoji="1" lang="ja-JP" altLang="en-US" dirty="0"/>
+              <a:t>勝利条件</a:t>
+            </a:r>
+          </a:p>
+        </p:txBody>
+      </p:sp>
+      <p:sp>
+        <p:nvSpPr>
+          <p:cNvPr id="3" name="コンテンツ プレースホルダー 2">
+            <a:extLst>
+              <a:ext uri="{FF2B5EF4-FFF2-40B4-BE49-F238E27FC236}">
+                <a16:creationId xmlns:a16="http://schemas.microsoft.com/office/drawing/2014/main" id="{5D52AFF0-434A-43B7-9359-A244E8A81FC4}"/>
+              </a:ext>
+            </a:extLst>
+          </p:cNvPr>
+          <p:cNvSpPr>
+            <a:spLocks noGrp="1"/>
+          </p:cNvSpPr>
+          <p:nvPr>
+            <p:ph idx="1"/>
+          </p:nvPr>
+        </p:nvSpPr>
+        <p:spPr/>
+        <p:txBody>
+          <a:bodyPr>
+            <a:normAutofit/>
+          </a:bodyPr>
+          <a:lstStyle/>
+          <a:p>
+            <a:pPr marL="0" indent="0">
+              <a:buNone/>
+            </a:pPr>
+            <a:endParaRPr lang="en-US" altLang="ja-JP" dirty="0"/>
+          </a:p>
+          <a:p>
+            <a:r>
+              <a:rPr lang="ja-JP" altLang="en-US" dirty="0"/>
+              <a:t>２、同じ大きさのリングを縦・横・斜めの</a:t>
+            </a:r>
+            <a:br>
+              <a:rPr lang="en-US" altLang="ja-JP" dirty="0"/>
+            </a:br>
+            <a:r>
+              <a:rPr lang="en-US" altLang="ja-JP" dirty="0"/>
+              <a:t>						</a:t>
+            </a:r>
+            <a:r>
+              <a:rPr lang="ja-JP" altLang="en-US" dirty="0"/>
+              <a:t>いずれか１列に並んだ場合</a:t>
+            </a:r>
+            <a:endParaRPr lang="en-US" altLang="ja-JP" dirty="0"/>
+          </a:p>
+        </p:txBody>
+      </p:sp>
+      <p:pic>
+        <p:nvPicPr>
+          <p:cNvPr id="8" name="図 7">
+            <a:extLst>
+              <a:ext uri="{FF2B5EF4-FFF2-40B4-BE49-F238E27FC236}">
+                <a16:creationId xmlns:a16="http://schemas.microsoft.com/office/drawing/2014/main" id="{DFEFBD36-C95F-4184-A9F6-2DB795E4C544}"/>
+              </a:ext>
+            </a:extLst>
+          </p:cNvPr>
+          <p:cNvPicPr>
+            <a:picLocks noChangeAspect="1"/>
+          </p:cNvPicPr>
+          <p:nvPr/>
+        </p:nvPicPr>
+        <p:blipFill>
+          <a:blip r:embed="rId2">
+            <a:extLst>
+              <a:ext uri="{28A0092B-C50C-407E-A947-70E740481C1C}">
+                <a14:useLocalDpi xmlns:a14="http://schemas.microsoft.com/office/drawing/2010/main" val="0"/>
+              </a:ext>
+            </a:extLst>
+          </a:blip>
+          <a:stretch>
+            <a:fillRect/>
+          </a:stretch>
+        </p:blipFill>
+        <p:spPr>
+          <a:xfrm>
+            <a:off x="4757550" y="3429000"/>
+            <a:ext cx="2676899" cy="2705478"/>
+          </a:xfrm>
+          <a:prstGeom prst="rect">
+            <a:avLst/>
+          </a:prstGeom>
+        </p:spPr>
+      </p:pic>
+    </p:spTree>
+    <p:extLst>
+      <p:ext uri="{BB962C8B-B14F-4D97-AF65-F5344CB8AC3E}">
+        <p14:creationId xmlns:p14="http://schemas.microsoft.com/office/powerpoint/2010/main" val="2551684857"/>
+      </p:ext>
+    </p:extLst>
+  </p:cSld>
+  <p:clrMapOvr>
+    <a:masterClrMapping/>
+  </p:clrMapOvr>
+</p:sld>
+</file>
+
+<file path=ppt/slides/slide13.xml><?xml version="1.0" encoding="utf-8"?>
+<p:sld xmlns:a="http://schemas.openxmlformats.org/drawingml/2006/main" xmlns:r="http://schemas.openxmlformats.org/officeDocument/2006/relationships" xmlns:p="http://schemas.openxmlformats.org/presentationml/2006/main">
+  <p:cSld>
+    <p:spTree>
+      <p:nvGrpSpPr>
+        <p:cNvPr id="1" name=""/>
+        <p:cNvGrpSpPr/>
+        <p:nvPr/>
+      </p:nvGrpSpPr>
+      <p:grpSpPr>
+        <a:xfrm>
+          <a:off x="0" y="0"/>
+          <a:ext cx="0" cy="0"/>
+          <a:chOff x="0" y="0"/>
+          <a:chExt cx="0" cy="0"/>
+        </a:xfrm>
+      </p:grpSpPr>
+      <p:sp>
+        <p:nvSpPr>
+          <p:cNvPr id="2" name="タイトル 1">
+            <a:extLst>
+              <a:ext uri="{FF2B5EF4-FFF2-40B4-BE49-F238E27FC236}">
                 <a16:creationId xmlns:a16="http://schemas.microsoft.com/office/drawing/2014/main" id="{668AE707-0E34-4729-AA39-D1A6551988C2}"/>
               </a:ext>
             </a:extLst>
@@ -4177,7 +4605,7 @@
 </p:sld>
 </file>
 
-<file path=ppt/slides/slide11.xml><?xml version="1.0" encoding="utf-8"?>
+<file path=ppt/slides/slide14.xml><?xml version="1.0" encoding="utf-8"?>
 <p:sld xmlns:a="http://schemas.openxmlformats.org/drawingml/2006/main" xmlns:r="http://schemas.openxmlformats.org/officeDocument/2006/relationships" xmlns:p="http://schemas.openxmlformats.org/presentationml/2006/main">
   <p:cSld>
     <p:spTree>
@@ -5616,7 +6044,7 @@
           <p:cNvPr id="2" name="タイトル 1">
             <a:extLst>
               <a:ext uri="{FF2B5EF4-FFF2-40B4-BE49-F238E27FC236}">
-                <a16:creationId xmlns:a16="http://schemas.microsoft.com/office/drawing/2014/main" id="{5BF4AEC1-0475-430A-BB50-8D12DB2A7B68}"/>
+                <a16:creationId xmlns:a16="http://schemas.microsoft.com/office/drawing/2014/main" id="{2D609188-D974-4DCF-B5BB-EEAF3AE658CA}"/>
               </a:ext>
             </a:extLst>
           </p:cNvPr>
@@ -5627,7 +6055,12 @@
             <p:ph type="title"/>
           </p:nvPr>
         </p:nvSpPr>
-        <p:spPr/>
+        <p:spPr>
+          <a:xfrm>
+            <a:off x="1451579" y="885524"/>
+            <a:ext cx="9603275" cy="968230"/>
+          </a:xfrm>
+        </p:spPr>
         <p:txBody>
           <a:bodyPr>
             <a:normAutofit/>
@@ -5644,8 +6077,59 @@
                 <a:latin typeface="HGP明朝B" panose="02020800000000000000" pitchFamily="18" charset="-128"/>
                 <a:ea typeface="HGP明朝B" panose="02020800000000000000" pitchFamily="18" charset="-128"/>
               </a:rPr>
-              <a:t>機能一覧</a:t>
-            </a:r>
+              <a:t>アジェンダ</a:t>
+            </a:r>
+          </a:p>
+        </p:txBody>
+      </p:sp>
+      <p:sp>
+        <p:nvSpPr>
+          <p:cNvPr id="4" name="正方形/長方形 3">
+            <a:extLst>
+              <a:ext uri="{FF2B5EF4-FFF2-40B4-BE49-F238E27FC236}">
+                <a16:creationId xmlns:a16="http://schemas.microsoft.com/office/drawing/2014/main" id="{A3EB0D57-FCE9-41F2-9E89-82D99B3793F8}"/>
+              </a:ext>
+            </a:extLst>
+          </p:cNvPr>
+          <p:cNvSpPr/>
+          <p:nvPr/>
+        </p:nvSpPr>
+        <p:spPr>
+          <a:xfrm>
+            <a:off x="0" y="2845155"/>
+            <a:ext cx="5236143" cy="658438"/>
+          </a:xfrm>
+          <a:prstGeom prst="rect">
+            <a:avLst/>
+          </a:prstGeom>
+          <a:solidFill>
+            <a:schemeClr val="accent2">
+              <a:lumMod val="50000"/>
+            </a:schemeClr>
+          </a:solidFill>
+        </p:spPr>
+        <p:style>
+          <a:lnRef idx="2">
+            <a:schemeClr val="accent1">
+              <a:shade val="50000"/>
+            </a:schemeClr>
+          </a:lnRef>
+          <a:fillRef idx="1">
+            <a:schemeClr val="accent1"/>
+          </a:fillRef>
+          <a:effectRef idx="0">
+            <a:schemeClr val="accent1"/>
+          </a:effectRef>
+          <a:fontRef idx="minor">
+            <a:schemeClr val="lt1"/>
+          </a:fontRef>
+        </p:style>
+        <p:txBody>
+          <a:bodyPr rtlCol="0" anchor="ctr"/>
+          <a:lstStyle/>
+          <a:p>
+            <a:pPr algn="ctr"/>
+            <a:endParaRPr kumimoji="1" lang="ja-JP" altLang="en-US"/>
           </a:p>
         </p:txBody>
       </p:sp>
@@ -5654,7 +6138,7 @@
           <p:cNvPr id="3" name="コンテンツ プレースホルダー 2">
             <a:extLst>
               <a:ext uri="{FF2B5EF4-FFF2-40B4-BE49-F238E27FC236}">
-                <a16:creationId xmlns:a16="http://schemas.microsoft.com/office/drawing/2014/main" id="{16653347-2806-4C68-A508-0C4A647D2524}"/>
+                <a16:creationId xmlns:a16="http://schemas.microsoft.com/office/drawing/2014/main" id="{8CB37944-6D30-4262-A785-C5EED726F809}"/>
               </a:ext>
             </a:extLst>
           </p:cNvPr>
@@ -5667,8 +6151,8 @@
         </p:nvSpPr>
         <p:spPr>
           <a:xfrm>
-            <a:off x="1451579" y="1853754"/>
-            <a:ext cx="9603275" cy="4287164"/>
+            <a:off x="1451579" y="2011679"/>
+            <a:ext cx="9603275" cy="4128428"/>
           </a:xfrm>
         </p:spPr>
         <p:txBody>
@@ -5677,87 +6161,370 @@
           </a:bodyPr>
           <a:lstStyle/>
           <a:p>
-            <a:pPr>
+            <a:pPr marL="514350" indent="-514350">
               <a:lnSpc>
-                <a:spcPct val="200000"/>
+                <a:spcPct val="100000"/>
               </a:lnSpc>
+              <a:spcBef>
+                <a:spcPts val="2500"/>
+              </a:spcBef>
+              <a:buFont typeface="+mj-lt"/>
+              <a:buAutoNum type="arabicPeriod"/>
             </a:pPr>
             <a:r>
-              <a:rPr kumimoji="1" lang="ja-JP" altLang="en-US" dirty="0">
+              <a:rPr lang="ja-JP" altLang="en-US" sz="3600" dirty="0">
+                <a:solidFill>
+                  <a:schemeClr val="bg1">
+                    <a:lumMod val="65000"/>
+                  </a:schemeClr>
+                </a:solidFill>
                 <a:latin typeface="HGP明朝B" panose="02020800000000000000" pitchFamily="18" charset="-128"/>
                 <a:ea typeface="HGP明朝B" panose="02020800000000000000" pitchFamily="18" charset="-128"/>
               </a:rPr>
-              <a:t>メールアドレスによるアカウント作成機能</a:t>
-            </a:r>
-            <a:endParaRPr kumimoji="1" lang="en-US" altLang="ja-JP" dirty="0">
+              <a:t>目的　　</a:t>
+            </a:r>
+            <a:endParaRPr kumimoji="1" lang="ja-JP" altLang="en-US" sz="3600" dirty="0">
+              <a:solidFill>
+                <a:schemeClr val="bg1">
+                  <a:lumMod val="65000"/>
+                </a:schemeClr>
+              </a:solidFill>
               <a:latin typeface="HGP明朝B" panose="02020800000000000000" pitchFamily="18" charset="-128"/>
               <a:ea typeface="HGP明朝B" panose="02020800000000000000" pitchFamily="18" charset="-128"/>
             </a:endParaRPr>
           </a:p>
           <a:p>
-            <a:pPr>
+            <a:pPr marL="514350" indent="-514350">
               <a:lnSpc>
-                <a:spcPct val="200000"/>
+                <a:spcPct val="100000"/>
               </a:lnSpc>
+              <a:spcBef>
+                <a:spcPts val="2500"/>
+              </a:spcBef>
+              <a:buFont typeface="+mj-lt"/>
+              <a:buAutoNum type="arabicPeriod"/>
             </a:pPr>
             <a:r>
-              <a:rPr kumimoji="1" lang="ja-JP" altLang="en-US" dirty="0">
+              <a:rPr lang="en-US" altLang="ja-JP" sz="3600" dirty="0">
+                <a:solidFill>
+                  <a:schemeClr val="bg1">
+                    <a:lumMod val="65000"/>
+                  </a:schemeClr>
+                </a:solidFill>
                 <a:latin typeface="HGP明朝B" panose="02020800000000000000" pitchFamily="18" charset="-128"/>
                 <a:ea typeface="HGP明朝B" panose="02020800000000000000" pitchFamily="18" charset="-128"/>
               </a:rPr>
-              <a:t>アカウント作成ユーザーによるログイン機能</a:t>
-            </a:r>
-            <a:endParaRPr kumimoji="1" lang="en-US" altLang="ja-JP" dirty="0">
+              <a:t> </a:t>
+            </a:r>
+            <a:endParaRPr kumimoji="1" lang="en-US" altLang="ja-JP" sz="3600" dirty="0">
+              <a:solidFill>
+                <a:schemeClr val="bg1">
+                  <a:lumMod val="65000"/>
+                </a:schemeClr>
+              </a:solidFill>
               <a:latin typeface="HGP明朝B" panose="02020800000000000000" pitchFamily="18" charset="-128"/>
               <a:ea typeface="HGP明朝B" panose="02020800000000000000" pitchFamily="18" charset="-128"/>
             </a:endParaRPr>
           </a:p>
           <a:p>
-            <a:pPr>
+            <a:pPr marL="514350" indent="-514350">
               <a:lnSpc>
-                <a:spcPct val="200000"/>
+                <a:spcPct val="100000"/>
               </a:lnSpc>
+              <a:spcBef>
+                <a:spcPts val="2500"/>
+              </a:spcBef>
+              <a:buFont typeface="+mj-lt"/>
+              <a:buAutoNum type="arabicPeriod"/>
             </a:pPr>
             <a:r>
-              <a:rPr kumimoji="1" lang="ja-JP" altLang="en-US" dirty="0">
+              <a:rPr lang="ja-JP" altLang="en-US" sz="3600" dirty="0">
+                <a:solidFill>
+                  <a:schemeClr val="bg1">
+                    <a:lumMod val="65000"/>
+                  </a:schemeClr>
+                </a:solidFill>
                 <a:latin typeface="HGP明朝B" panose="02020800000000000000" pitchFamily="18" charset="-128"/>
                 <a:ea typeface="HGP明朝B" panose="02020800000000000000" pitchFamily="18" charset="-128"/>
               </a:rPr>
-              <a:t>アカウントの変更・削除機能</a:t>
-            </a:r>
-            <a:endParaRPr kumimoji="1" lang="en-US" altLang="ja-JP" dirty="0">
+              <a:t>ゲーム概要</a:t>
+            </a:r>
+            <a:endParaRPr lang="en-US" altLang="ja-JP" sz="3600" dirty="0">
+              <a:solidFill>
+                <a:schemeClr val="bg1">
+                  <a:lumMod val="65000"/>
+                </a:schemeClr>
+              </a:solidFill>
               <a:latin typeface="HGP明朝B" panose="02020800000000000000" pitchFamily="18" charset="-128"/>
               <a:ea typeface="HGP明朝B" panose="02020800000000000000" pitchFamily="18" charset="-128"/>
             </a:endParaRPr>
           </a:p>
           <a:p>
-            <a:pPr>
+            <a:pPr marL="514350" indent="-514350">
               <a:lnSpc>
-                <a:spcPct val="200000"/>
+                <a:spcPct val="100000"/>
               </a:lnSpc>
+              <a:spcBef>
+                <a:spcPts val="2500"/>
+              </a:spcBef>
+              <a:buFont typeface="+mj-lt"/>
+              <a:buAutoNum type="arabicPeriod"/>
             </a:pPr>
             <a:r>
-              <a:rPr lang="en-US" altLang="ja-JP" dirty="0">
+              <a:rPr kumimoji="1" lang="ja-JP" altLang="en-US" sz="3600" dirty="0">
+                <a:solidFill>
+                  <a:schemeClr val="bg1">
+                    <a:lumMod val="65000"/>
+                  </a:schemeClr>
+                </a:solidFill>
                 <a:latin typeface="HGP明朝B" panose="02020800000000000000" pitchFamily="18" charset="-128"/>
                 <a:ea typeface="HGP明朝B" panose="02020800000000000000" pitchFamily="18" charset="-128"/>
               </a:rPr>
-              <a:t>U</a:t>
-            </a:r>
-            <a:r>
-              <a:rPr kumimoji="1" lang="en-US" altLang="ja-JP" dirty="0">
+              <a:t>ルール説明</a:t>
+            </a:r>
+            <a:endParaRPr kumimoji="1" lang="en-US" altLang="ja-JP" sz="3600" dirty="0">
+              <a:solidFill>
+                <a:schemeClr val="bg1">
+                  <a:lumMod val="65000"/>
+                </a:schemeClr>
+              </a:solidFill>
+              <a:latin typeface="HGP明朝B" panose="02020800000000000000" pitchFamily="18" charset="-128"/>
+              <a:ea typeface="HGP明朝B" panose="02020800000000000000" pitchFamily="18" charset="-128"/>
+            </a:endParaRPr>
+          </a:p>
+          <a:p>
+            <a:pPr marL="514350" indent="-514350">
+              <a:lnSpc>
+                <a:spcPct val="100000"/>
+              </a:lnSpc>
+              <a:spcBef>
+                <a:spcPts val="2500"/>
+              </a:spcBef>
+              <a:buFont typeface="+mj-lt"/>
+              <a:buAutoNum type="arabicPeriod"/>
+            </a:pPr>
+            <a:r>
+              <a:rPr kumimoji="1" lang="ja-JP" altLang="en-US" sz="3600" dirty="0">
+                <a:solidFill>
+                  <a:schemeClr val="bg1">
+                    <a:lumMod val="65000"/>
+                  </a:schemeClr>
+                </a:solidFill>
                 <a:latin typeface="HGP明朝B" panose="02020800000000000000" pitchFamily="18" charset="-128"/>
                 <a:ea typeface="HGP明朝B" panose="02020800000000000000" pitchFamily="18" charset="-128"/>
               </a:rPr>
-              <a:t>nity</a:t>
-            </a:r>
-            <a:r>
-              <a:rPr kumimoji="1" lang="ja-JP" altLang="en-US" dirty="0">
+              <a:t>参考文献</a:t>
+            </a:r>
+          </a:p>
+        </p:txBody>
+      </p:sp>
+      <p:cxnSp>
+        <p:nvCxnSpPr>
+          <p:cNvPr id="5" name="直線コネクタ 4">
+            <a:extLst>
+              <a:ext uri="{FF2B5EF4-FFF2-40B4-BE49-F238E27FC236}">
+                <a16:creationId xmlns:a16="http://schemas.microsoft.com/office/drawing/2014/main" id="{929AEAC5-E70A-4FA4-96E5-A2F994305C70}"/>
+              </a:ext>
+            </a:extLst>
+          </p:cNvPr>
+          <p:cNvCxnSpPr>
+            <a:cxnSpLocks/>
+          </p:cNvCxnSpPr>
+          <p:nvPr/>
+        </p:nvCxnSpPr>
+        <p:spPr>
+          <a:xfrm>
+            <a:off x="1540042" y="2637320"/>
+            <a:ext cx="5775158" cy="0"/>
+          </a:xfrm>
+          <a:prstGeom prst="line">
+            <a:avLst/>
+          </a:prstGeom>
+          <a:ln w="28575"/>
+        </p:spPr>
+        <p:style>
+          <a:lnRef idx="1">
+            <a:schemeClr val="accent1"/>
+          </a:lnRef>
+          <a:fillRef idx="0">
+            <a:schemeClr val="accent1"/>
+          </a:fillRef>
+          <a:effectRef idx="0">
+            <a:schemeClr val="accent1"/>
+          </a:effectRef>
+          <a:fontRef idx="minor">
+            <a:schemeClr val="tx1"/>
+          </a:fontRef>
+        </p:style>
+      </p:cxnSp>
+      <p:cxnSp>
+        <p:nvCxnSpPr>
+          <p:cNvPr id="6" name="直線コネクタ 5">
+            <a:extLst>
+              <a:ext uri="{FF2B5EF4-FFF2-40B4-BE49-F238E27FC236}">
+                <a16:creationId xmlns:a16="http://schemas.microsoft.com/office/drawing/2014/main" id="{57E7307E-D66F-4CBF-8D00-97938321B1D1}"/>
+              </a:ext>
+            </a:extLst>
+          </p:cNvPr>
+          <p:cNvCxnSpPr>
+            <a:cxnSpLocks/>
+          </p:cNvCxnSpPr>
+          <p:nvPr/>
+        </p:nvCxnSpPr>
+        <p:spPr>
+          <a:xfrm>
+            <a:off x="1540042" y="3521240"/>
+            <a:ext cx="4726004" cy="0"/>
+          </a:xfrm>
+          <a:prstGeom prst="line">
+            <a:avLst/>
+          </a:prstGeom>
+          <a:ln w="28575"/>
+        </p:spPr>
+        <p:style>
+          <a:lnRef idx="1">
+            <a:schemeClr val="accent1"/>
+          </a:lnRef>
+          <a:fillRef idx="0">
+            <a:schemeClr val="accent1"/>
+          </a:fillRef>
+          <a:effectRef idx="0">
+            <a:schemeClr val="accent1"/>
+          </a:effectRef>
+          <a:fontRef idx="minor">
+            <a:schemeClr val="tx1"/>
+          </a:fontRef>
+        </p:style>
+      </p:cxnSp>
+      <p:cxnSp>
+        <p:nvCxnSpPr>
+          <p:cNvPr id="7" name="直線コネクタ 6">
+            <a:extLst>
+              <a:ext uri="{FF2B5EF4-FFF2-40B4-BE49-F238E27FC236}">
+                <a16:creationId xmlns:a16="http://schemas.microsoft.com/office/drawing/2014/main" id="{F635F318-7ED6-487C-BC60-C1D9E03744A5}"/>
+              </a:ext>
+            </a:extLst>
+          </p:cNvPr>
+          <p:cNvCxnSpPr/>
+          <p:nvPr/>
+        </p:nvCxnSpPr>
+        <p:spPr>
+          <a:xfrm>
+            <a:off x="1540042" y="4377888"/>
+            <a:ext cx="3936732" cy="0"/>
+          </a:xfrm>
+          <a:prstGeom prst="line">
+            <a:avLst/>
+          </a:prstGeom>
+          <a:ln w="28575"/>
+        </p:spPr>
+        <p:style>
+          <a:lnRef idx="1">
+            <a:schemeClr val="accent1"/>
+          </a:lnRef>
+          <a:fillRef idx="0">
+            <a:schemeClr val="accent1"/>
+          </a:fillRef>
+          <a:effectRef idx="0">
+            <a:schemeClr val="accent1"/>
+          </a:effectRef>
+          <a:fontRef idx="minor">
+            <a:schemeClr val="tx1"/>
+          </a:fontRef>
+        </p:style>
+      </p:cxnSp>
+      <p:cxnSp>
+        <p:nvCxnSpPr>
+          <p:cNvPr id="8" name="直線コネクタ 7">
+            <a:extLst>
+              <a:ext uri="{FF2B5EF4-FFF2-40B4-BE49-F238E27FC236}">
+                <a16:creationId xmlns:a16="http://schemas.microsoft.com/office/drawing/2014/main" id="{BC2008B3-AADC-4584-8F14-E20B35B8B082}"/>
+              </a:ext>
+            </a:extLst>
+          </p:cNvPr>
+          <p:cNvCxnSpPr>
+            <a:cxnSpLocks/>
+          </p:cNvCxnSpPr>
+          <p:nvPr/>
+        </p:nvCxnSpPr>
+        <p:spPr>
+          <a:xfrm>
+            <a:off x="1540042" y="5261808"/>
+            <a:ext cx="2666198" cy="0"/>
+          </a:xfrm>
+          <a:prstGeom prst="line">
+            <a:avLst/>
+          </a:prstGeom>
+          <a:ln w="28575"/>
+        </p:spPr>
+        <p:style>
+          <a:lnRef idx="1">
+            <a:schemeClr val="accent1"/>
+          </a:lnRef>
+          <a:fillRef idx="0">
+            <a:schemeClr val="accent1"/>
+          </a:fillRef>
+          <a:effectRef idx="0">
+            <a:schemeClr val="accent1"/>
+          </a:effectRef>
+          <a:fontRef idx="minor">
+            <a:schemeClr val="tx1"/>
+          </a:fontRef>
+        </p:style>
+      </p:cxnSp>
+      <p:sp>
+        <p:nvSpPr>
+          <p:cNvPr id="9" name="正方形/長方形 8">
+            <a:extLst>
+              <a:ext uri="{FF2B5EF4-FFF2-40B4-BE49-F238E27FC236}">
+                <a16:creationId xmlns:a16="http://schemas.microsoft.com/office/drawing/2014/main" id="{D1AA9E97-F962-4ACE-BD2A-C44F02912018}"/>
+              </a:ext>
+            </a:extLst>
+          </p:cNvPr>
+          <p:cNvSpPr/>
+          <p:nvPr/>
+        </p:nvSpPr>
+        <p:spPr>
+          <a:xfrm>
+            <a:off x="1451579" y="2009936"/>
+            <a:ext cx="4408642" cy="1520929"/>
+          </a:xfrm>
+          <a:prstGeom prst="rect">
+            <a:avLst/>
+          </a:prstGeom>
+        </p:spPr>
+        <p:txBody>
+          <a:bodyPr wrap="square">
+            <a:spAutoFit/>
+          </a:bodyPr>
+          <a:lstStyle/>
+          <a:p>
+            <a:pPr>
+              <a:lnSpc>
+                <a:spcPct val="100000"/>
+              </a:lnSpc>
+              <a:spcBef>
+                <a:spcPts val="2500"/>
+              </a:spcBef>
+            </a:pPr>
+            <a:r>
+              <a:rPr kumimoji="1" lang="ja-JP" altLang="en-US" sz="3600" dirty="0">
+                <a:solidFill>
+                  <a:schemeClr val="bg1">
+                    <a:lumMod val="65000"/>
+                  </a:schemeClr>
+                </a:solidFill>
                 <a:latin typeface="HGP明朝B" panose="02020800000000000000" pitchFamily="18" charset="-128"/>
                 <a:ea typeface="HGP明朝B" panose="02020800000000000000" pitchFamily="18" charset="-128"/>
               </a:rPr>
-              <a:t>を使用してのゲーム埋め込み</a:t>
-            </a:r>
-            <a:endParaRPr kumimoji="1" lang="en-US" altLang="ja-JP" dirty="0">
+              <a:t> </a:t>
+            </a:r>
+            <a:endParaRPr kumimoji="1" lang="en-US" altLang="ja-JP" sz="3600" dirty="0">
+              <a:solidFill>
+                <a:schemeClr val="bg1">
+                  <a:lumMod val="65000"/>
+                </a:schemeClr>
+              </a:solidFill>
               <a:latin typeface="HGP明朝B" panose="02020800000000000000" pitchFamily="18" charset="-128"/>
               <a:ea typeface="HGP明朝B" panose="02020800000000000000" pitchFamily="18" charset="-128"/>
             </a:endParaRPr>
@@ -5765,47 +6532,273 @@
           <a:p>
             <a:pPr>
               <a:lnSpc>
-                <a:spcPct val="200000"/>
+                <a:spcPct val="100000"/>
               </a:lnSpc>
+              <a:spcBef>
+                <a:spcPts val="2500"/>
+              </a:spcBef>
             </a:pPr>
             <a:r>
-              <a:rPr lang="ja-JP" altLang="en-US" dirty="0">
+              <a:rPr kumimoji="1" lang="en-US" altLang="ja-JP" sz="3600" dirty="0">
+                <a:solidFill>
+                  <a:schemeClr val="bg1"/>
+                </a:solidFill>
                 <a:latin typeface="HGP明朝B" panose="02020800000000000000" pitchFamily="18" charset="-128"/>
                 <a:ea typeface="HGP明朝B" panose="02020800000000000000" pitchFamily="18" charset="-128"/>
               </a:rPr>
-              <a:t>オフラインによるゲーム対戦機能</a:t>
-            </a:r>
-            <a:endParaRPr lang="en-US" altLang="ja-JP" dirty="0">
+              <a:t>2. </a:t>
+            </a:r>
+            <a:r>
+              <a:rPr kumimoji="1" lang="ja-JP" altLang="en-US" sz="3600" dirty="0">
+                <a:solidFill>
+                  <a:schemeClr val="bg1"/>
+                </a:solidFill>
+                <a:latin typeface="HGP明朝B" panose="02020800000000000000" pitchFamily="18" charset="-128"/>
+                <a:ea typeface="HGP明朝B" panose="02020800000000000000" pitchFamily="18" charset="-128"/>
+              </a:rPr>
+              <a:t>機能一覧（</a:t>
+            </a:r>
+            <a:r>
+              <a:rPr kumimoji="1" lang="en-US" altLang="ja-JP" sz="3600" dirty="0">
+                <a:solidFill>
+                  <a:schemeClr val="bg1"/>
+                </a:solidFill>
+                <a:latin typeface="HGP明朝B" panose="02020800000000000000" pitchFamily="18" charset="-128"/>
+                <a:ea typeface="HGP明朝B" panose="02020800000000000000" pitchFamily="18" charset="-128"/>
+              </a:rPr>
+              <a:t>PHP</a:t>
+            </a:r>
+            <a:r>
+              <a:rPr kumimoji="1" lang="ja-JP" altLang="en-US" sz="3600" dirty="0">
+                <a:solidFill>
+                  <a:schemeClr val="bg1"/>
+                </a:solidFill>
+                <a:latin typeface="HGP明朝B" panose="02020800000000000000" pitchFamily="18" charset="-128"/>
+                <a:ea typeface="HGP明朝B" panose="02020800000000000000" pitchFamily="18" charset="-128"/>
+              </a:rPr>
+              <a:t>）</a:t>
+            </a:r>
+            <a:endParaRPr kumimoji="1" lang="en-US" altLang="ja-JP" sz="3600" dirty="0">
+              <a:solidFill>
+                <a:schemeClr val="bg1"/>
+              </a:solidFill>
               <a:latin typeface="HGP明朝B" panose="02020800000000000000" pitchFamily="18" charset="-128"/>
               <a:ea typeface="HGP明朝B" panose="02020800000000000000" pitchFamily="18" charset="-128"/>
             </a:endParaRPr>
           </a:p>
-          <a:p>
-            <a:pPr>
-              <a:lnSpc>
-                <a:spcPct val="200000"/>
-              </a:lnSpc>
-            </a:pPr>
-            <a:r>
-              <a:rPr kumimoji="1" lang="ja-JP" altLang="en-US" dirty="0">
-                <a:latin typeface="HGP明朝B" panose="02020800000000000000" pitchFamily="18" charset="-128"/>
-                <a:ea typeface="HGP明朝B" panose="02020800000000000000" pitchFamily="18" charset="-128"/>
-              </a:rPr>
-              <a:t>オンラインによるゲーム対戦機能（未実装）</a:t>
-            </a:r>
-          </a:p>
         </p:txBody>
       </p:sp>
     </p:spTree>
     <p:extLst>
       <p:ext uri="{BB962C8B-B14F-4D97-AF65-F5344CB8AC3E}">
-        <p14:creationId xmlns:p14="http://schemas.microsoft.com/office/powerpoint/2010/main" val="2045960261"/>
+        <p14:creationId xmlns:p14="http://schemas.microsoft.com/office/powerpoint/2010/main" val="2434185640"/>
       </p:ext>
     </p:extLst>
   </p:cSld>
   <p:clrMapOvr>
     <a:masterClrMapping/>
   </p:clrMapOvr>
+  <p:timing>
+    <p:tnLst>
+      <p:par>
+        <p:cTn id="1" dur="indefinite" restart="never" nodeType="tmRoot">
+          <p:childTnLst>
+            <p:seq concurrent="1" nextAc="seek">
+              <p:cTn id="2" dur="indefinite" nodeType="mainSeq">
+                <p:childTnLst>
+                  <p:par>
+                    <p:cTn id="3" fill="hold">
+                      <p:stCondLst>
+                        <p:cond delay="indefinite"/>
+                        <p:cond evt="onBegin" delay="0">
+                          <p:tn val="2"/>
+                        </p:cond>
+                      </p:stCondLst>
+                      <p:childTnLst>
+                        <p:par>
+                          <p:cTn id="4" fill="hold">
+                            <p:stCondLst>
+                              <p:cond delay="0"/>
+                            </p:stCondLst>
+                            <p:childTnLst>
+                              <p:par>
+                                <p:cTn id="5" presetID="2" presetClass="entr" presetSubtype="8" fill="hold" grpId="0" nodeType="withEffect">
+                                  <p:stCondLst>
+                                    <p:cond delay="0"/>
+                                  </p:stCondLst>
+                                  <p:childTnLst>
+                                    <p:set>
+                                      <p:cBhvr>
+                                        <p:cTn id="6" dur="1" fill="hold">
+                                          <p:stCondLst>
+                                            <p:cond delay="0"/>
+                                          </p:stCondLst>
+                                        </p:cTn>
+                                        <p:tgtEl>
+                                          <p:spTgt spid="4"/>
+                                        </p:tgtEl>
+                                        <p:attrNameLst>
+                                          <p:attrName>style.visibility</p:attrName>
+                                        </p:attrNameLst>
+                                      </p:cBhvr>
+                                      <p:to>
+                                        <p:strVal val="visible"/>
+                                      </p:to>
+                                    </p:set>
+                                    <p:anim calcmode="lin" valueType="num">
+                                      <p:cBhvr additive="base">
+                                        <p:cTn id="7" dur="500" fill="hold"/>
+                                        <p:tgtEl>
+                                          <p:spTgt spid="4"/>
+                                        </p:tgtEl>
+                                        <p:attrNameLst>
+                                          <p:attrName>ppt_x</p:attrName>
+                                        </p:attrNameLst>
+                                      </p:cBhvr>
+                                      <p:tavLst>
+                                        <p:tav tm="0">
+                                          <p:val>
+                                            <p:strVal val="0-#ppt_w/2"/>
+                                          </p:val>
+                                        </p:tav>
+                                        <p:tav tm="100000">
+                                          <p:val>
+                                            <p:strVal val="#ppt_x"/>
+                                          </p:val>
+                                        </p:tav>
+                                      </p:tavLst>
+                                    </p:anim>
+                                    <p:anim calcmode="lin" valueType="num">
+                                      <p:cBhvr additive="base">
+                                        <p:cTn id="8" dur="500" fill="hold"/>
+                                        <p:tgtEl>
+                                          <p:spTgt spid="4"/>
+                                        </p:tgtEl>
+                                        <p:attrNameLst>
+                                          <p:attrName>ppt_y</p:attrName>
+                                        </p:attrNameLst>
+                                      </p:cBhvr>
+                                      <p:tavLst>
+                                        <p:tav tm="0">
+                                          <p:val>
+                                            <p:strVal val="#ppt_y"/>
+                                          </p:val>
+                                        </p:tav>
+                                        <p:tav tm="100000">
+                                          <p:val>
+                                            <p:strVal val="#ppt_y"/>
+                                          </p:val>
+                                        </p:tav>
+                                      </p:tavLst>
+                                    </p:anim>
+                                  </p:childTnLst>
+                                </p:cTn>
+                              </p:par>
+                              <p:par>
+                                <p:cTn id="9" presetID="2" presetClass="entr" presetSubtype="8" fill="hold" grpId="0" nodeType="withEffect">
+                                  <p:stCondLst>
+                                    <p:cond delay="0"/>
+                                  </p:stCondLst>
+                                  <p:childTnLst>
+                                    <p:set>
+                                      <p:cBhvr>
+                                        <p:cTn id="10" dur="1" fill="hold">
+                                          <p:stCondLst>
+                                            <p:cond delay="0"/>
+                                          </p:stCondLst>
+                                        </p:cTn>
+                                        <p:tgtEl>
+                                          <p:spTgt spid="9"/>
+                                        </p:tgtEl>
+                                        <p:attrNameLst>
+                                          <p:attrName>style.visibility</p:attrName>
+                                        </p:attrNameLst>
+                                      </p:cBhvr>
+                                      <p:to>
+                                        <p:strVal val="visible"/>
+                                      </p:to>
+                                    </p:set>
+                                    <p:anim calcmode="lin" valueType="num">
+                                      <p:cBhvr additive="base">
+                                        <p:cTn id="11" dur="500" fill="hold"/>
+                                        <p:tgtEl>
+                                          <p:spTgt spid="9"/>
+                                        </p:tgtEl>
+                                        <p:attrNameLst>
+                                          <p:attrName>ppt_x</p:attrName>
+                                        </p:attrNameLst>
+                                      </p:cBhvr>
+                                      <p:tavLst>
+                                        <p:tav tm="0">
+                                          <p:val>
+                                            <p:strVal val="0-#ppt_w/2"/>
+                                          </p:val>
+                                        </p:tav>
+                                        <p:tav tm="100000">
+                                          <p:val>
+                                            <p:strVal val="#ppt_x"/>
+                                          </p:val>
+                                        </p:tav>
+                                      </p:tavLst>
+                                    </p:anim>
+                                    <p:anim calcmode="lin" valueType="num">
+                                      <p:cBhvr additive="base">
+                                        <p:cTn id="12" dur="500" fill="hold"/>
+                                        <p:tgtEl>
+                                          <p:spTgt spid="9"/>
+                                        </p:tgtEl>
+                                        <p:attrNameLst>
+                                          <p:attrName>ppt_y</p:attrName>
+                                        </p:attrNameLst>
+                                      </p:cBhvr>
+                                      <p:tavLst>
+                                        <p:tav tm="0">
+                                          <p:val>
+                                            <p:strVal val="#ppt_y"/>
+                                          </p:val>
+                                        </p:tav>
+                                        <p:tav tm="100000">
+                                          <p:val>
+                                            <p:strVal val="#ppt_y"/>
+                                          </p:val>
+                                        </p:tav>
+                                      </p:tavLst>
+                                    </p:anim>
+                                  </p:childTnLst>
+                                </p:cTn>
+                              </p:par>
+                            </p:childTnLst>
+                          </p:cTn>
+                        </p:par>
+                      </p:childTnLst>
+                    </p:cTn>
+                  </p:par>
+                </p:childTnLst>
+              </p:cTn>
+              <p:prevCondLst>
+                <p:cond evt="onPrev" delay="0">
+                  <p:tgtEl>
+                    <p:sldTgt/>
+                  </p:tgtEl>
+                </p:cond>
+              </p:prevCondLst>
+              <p:nextCondLst>
+                <p:cond evt="onNext" delay="0">
+                  <p:tgtEl>
+                    <p:sldTgt/>
+                  </p:tgtEl>
+                </p:cond>
+              </p:nextCondLst>
+            </p:seq>
+          </p:childTnLst>
+        </p:cTn>
+      </p:par>
+    </p:tnLst>
+    <p:bldLst>
+      <p:bldP spid="4" grpId="0" animBg="1"/>
+      <p:bldP spid="9" grpId="0"/>
+    </p:bldLst>
+  </p:timing>
 </p:sld>
 </file>
 
@@ -5828,38 +6821,29 @@
       </p:grpSpPr>
       <p:sp>
         <p:nvSpPr>
-          <p:cNvPr id="4" name="正方形/長方形 3">
+          <p:cNvPr id="2" name="タイトル 1">
             <a:extLst>
               <a:ext uri="{FF2B5EF4-FFF2-40B4-BE49-F238E27FC236}">
-                <a16:creationId xmlns:a16="http://schemas.microsoft.com/office/drawing/2014/main" id="{570ABB6D-B163-45E8-BE4F-4E7182FFB510}"/>
+                <a16:creationId xmlns:a16="http://schemas.microsoft.com/office/drawing/2014/main" id="{5BF4AEC1-0475-430A-BB50-8D12DB2A7B68}"/>
               </a:ext>
             </a:extLst>
           </p:cNvPr>
-          <p:cNvSpPr/>
-          <p:nvPr/>
-        </p:nvSpPr>
-        <p:spPr>
-          <a:xfrm>
-            <a:off x="405694" y="316630"/>
-            <a:ext cx="8504251" cy="1102225"/>
-          </a:xfrm>
-          <a:prstGeom prst="rect">
-            <a:avLst/>
-          </a:prstGeom>
-        </p:spPr>
-        <p:txBody>
-          <a:bodyPr wrap="none">
-            <a:spAutoFit/>
+          <p:cNvSpPr>
+            <a:spLocks noGrp="1"/>
+          </p:cNvSpPr>
+          <p:nvPr>
+            <p:ph type="title"/>
+          </p:nvPr>
+        </p:nvSpPr>
+        <p:spPr/>
+        <p:txBody>
+          <a:bodyPr>
+            <a:normAutofit/>
           </a:bodyPr>
           <a:lstStyle/>
           <a:p>
-            <a:pPr>
-              <a:lnSpc>
-                <a:spcPct val="200000"/>
-              </a:lnSpc>
-            </a:pPr>
-            <a:r>
-              <a:rPr kumimoji="1" lang="ja-JP" altLang="en-US" sz="4000" dirty="0">
+            <a:r>
+              <a:rPr kumimoji="1" lang="ja-JP" altLang="en-US" sz="6000" dirty="0">
                 <a:solidFill>
                   <a:schemeClr val="accent2">
                     <a:lumMod val="50000"/>
@@ -5868,24 +6852,162 @@
                 <a:latin typeface="HGP明朝B" panose="02020800000000000000" pitchFamily="18" charset="-128"/>
                 <a:ea typeface="HGP明朝B" panose="02020800000000000000" pitchFamily="18" charset="-128"/>
               </a:rPr>
+              <a:t>機能一覧</a:t>
+            </a:r>
+          </a:p>
+        </p:txBody>
+      </p:sp>
+      <p:sp>
+        <p:nvSpPr>
+          <p:cNvPr id="3" name="コンテンツ プレースホルダー 2">
+            <a:extLst>
+              <a:ext uri="{FF2B5EF4-FFF2-40B4-BE49-F238E27FC236}">
+                <a16:creationId xmlns:a16="http://schemas.microsoft.com/office/drawing/2014/main" id="{16653347-2806-4C68-A508-0C4A647D2524}"/>
+              </a:ext>
+            </a:extLst>
+          </p:cNvPr>
+          <p:cNvSpPr>
+            <a:spLocks noGrp="1"/>
+          </p:cNvSpPr>
+          <p:nvPr>
+            <p:ph idx="1"/>
+          </p:nvPr>
+        </p:nvSpPr>
+        <p:spPr>
+          <a:xfrm>
+            <a:off x="1451579" y="1853754"/>
+            <a:ext cx="9603275" cy="4287164"/>
+          </a:xfrm>
+        </p:spPr>
+        <p:txBody>
+          <a:bodyPr>
+            <a:noAutofit/>
+          </a:bodyPr>
+          <a:lstStyle/>
+          <a:p>
+            <a:pPr>
+              <a:lnSpc>
+                <a:spcPct val="200000"/>
+              </a:lnSpc>
+            </a:pPr>
+            <a:r>
+              <a:rPr kumimoji="1" lang="ja-JP" altLang="en-US" dirty="0">
+                <a:latin typeface="HGP明朝B" panose="02020800000000000000" pitchFamily="18" charset="-128"/>
+                <a:ea typeface="HGP明朝B" panose="02020800000000000000" pitchFamily="18" charset="-128"/>
+              </a:rPr>
               <a:t>メールアドレスによるアカウント作成機能</a:t>
             </a:r>
-            <a:endParaRPr kumimoji="1" lang="en-US" altLang="ja-JP" sz="4000" dirty="0">
-              <a:solidFill>
-                <a:schemeClr val="accent2">
-                  <a:lumMod val="50000"/>
-                </a:schemeClr>
-              </a:solidFill>
+            <a:endParaRPr kumimoji="1" lang="en-US" altLang="ja-JP" dirty="0">
               <a:latin typeface="HGP明朝B" panose="02020800000000000000" pitchFamily="18" charset="-128"/>
               <a:ea typeface="HGP明朝B" panose="02020800000000000000" pitchFamily="18" charset="-128"/>
             </a:endParaRPr>
           </a:p>
+          <a:p>
+            <a:pPr>
+              <a:lnSpc>
+                <a:spcPct val="200000"/>
+              </a:lnSpc>
+            </a:pPr>
+            <a:r>
+              <a:rPr kumimoji="1" lang="ja-JP" altLang="en-US" dirty="0">
+                <a:latin typeface="HGP明朝B" panose="02020800000000000000" pitchFamily="18" charset="-128"/>
+                <a:ea typeface="HGP明朝B" panose="02020800000000000000" pitchFamily="18" charset="-128"/>
+              </a:rPr>
+              <a:t>アカウント作成ユーザーによるログイン機能</a:t>
+            </a:r>
+            <a:endParaRPr kumimoji="1" lang="en-US" altLang="ja-JP" dirty="0">
+              <a:latin typeface="HGP明朝B" panose="02020800000000000000" pitchFamily="18" charset="-128"/>
+              <a:ea typeface="HGP明朝B" panose="02020800000000000000" pitchFamily="18" charset="-128"/>
+            </a:endParaRPr>
+          </a:p>
+          <a:p>
+            <a:pPr>
+              <a:lnSpc>
+                <a:spcPct val="200000"/>
+              </a:lnSpc>
+            </a:pPr>
+            <a:r>
+              <a:rPr kumimoji="1" lang="ja-JP" altLang="en-US" dirty="0">
+                <a:latin typeface="HGP明朝B" panose="02020800000000000000" pitchFamily="18" charset="-128"/>
+                <a:ea typeface="HGP明朝B" panose="02020800000000000000" pitchFamily="18" charset="-128"/>
+              </a:rPr>
+              <a:t>アカウントの変更・削除機能</a:t>
+            </a:r>
+            <a:endParaRPr kumimoji="1" lang="en-US" altLang="ja-JP" dirty="0">
+              <a:latin typeface="HGP明朝B" panose="02020800000000000000" pitchFamily="18" charset="-128"/>
+              <a:ea typeface="HGP明朝B" panose="02020800000000000000" pitchFamily="18" charset="-128"/>
+            </a:endParaRPr>
+          </a:p>
+          <a:p>
+            <a:pPr>
+              <a:lnSpc>
+                <a:spcPct val="200000"/>
+              </a:lnSpc>
+            </a:pPr>
+            <a:r>
+              <a:rPr lang="en-US" altLang="ja-JP" dirty="0">
+                <a:latin typeface="HGP明朝B" panose="02020800000000000000" pitchFamily="18" charset="-128"/>
+                <a:ea typeface="HGP明朝B" panose="02020800000000000000" pitchFamily="18" charset="-128"/>
+              </a:rPr>
+              <a:t>U</a:t>
+            </a:r>
+            <a:r>
+              <a:rPr kumimoji="1" lang="en-US" altLang="ja-JP" dirty="0">
+                <a:latin typeface="HGP明朝B" panose="02020800000000000000" pitchFamily="18" charset="-128"/>
+                <a:ea typeface="HGP明朝B" panose="02020800000000000000" pitchFamily="18" charset="-128"/>
+              </a:rPr>
+              <a:t>nity</a:t>
+            </a:r>
+            <a:r>
+              <a:rPr kumimoji="1" lang="ja-JP" altLang="en-US" dirty="0">
+                <a:latin typeface="HGP明朝B" panose="02020800000000000000" pitchFamily="18" charset="-128"/>
+                <a:ea typeface="HGP明朝B" panose="02020800000000000000" pitchFamily="18" charset="-128"/>
+              </a:rPr>
+              <a:t>を使用してのゲーム埋め込み</a:t>
+            </a:r>
+            <a:endParaRPr kumimoji="1" lang="en-US" altLang="ja-JP" dirty="0">
+              <a:latin typeface="HGP明朝B" panose="02020800000000000000" pitchFamily="18" charset="-128"/>
+              <a:ea typeface="HGP明朝B" panose="02020800000000000000" pitchFamily="18" charset="-128"/>
+            </a:endParaRPr>
+          </a:p>
+          <a:p>
+            <a:pPr>
+              <a:lnSpc>
+                <a:spcPct val="200000"/>
+              </a:lnSpc>
+            </a:pPr>
+            <a:r>
+              <a:rPr lang="ja-JP" altLang="en-US" dirty="0">
+                <a:latin typeface="HGP明朝B" panose="02020800000000000000" pitchFamily="18" charset="-128"/>
+                <a:ea typeface="HGP明朝B" panose="02020800000000000000" pitchFamily="18" charset="-128"/>
+              </a:rPr>
+              <a:t>オフラインによるゲーム対戦機能</a:t>
+            </a:r>
+            <a:endParaRPr lang="en-US" altLang="ja-JP" dirty="0">
+              <a:latin typeface="HGP明朝B" panose="02020800000000000000" pitchFamily="18" charset="-128"/>
+              <a:ea typeface="HGP明朝B" panose="02020800000000000000" pitchFamily="18" charset="-128"/>
+            </a:endParaRPr>
+          </a:p>
+          <a:p>
+            <a:pPr>
+              <a:lnSpc>
+                <a:spcPct val="200000"/>
+              </a:lnSpc>
+            </a:pPr>
+            <a:r>
+              <a:rPr kumimoji="1" lang="ja-JP" altLang="en-US" dirty="0">
+                <a:latin typeface="HGP明朝B" panose="02020800000000000000" pitchFamily="18" charset="-128"/>
+                <a:ea typeface="HGP明朝B" panose="02020800000000000000" pitchFamily="18" charset="-128"/>
+              </a:rPr>
+              <a:t>オンラインによるゲーム対戦機能（未実装）</a:t>
+            </a:r>
+          </a:p>
         </p:txBody>
       </p:sp>
     </p:spTree>
     <p:extLst>
       <p:ext uri="{BB962C8B-B14F-4D97-AF65-F5344CB8AC3E}">
-        <p14:creationId xmlns:p14="http://schemas.microsoft.com/office/powerpoint/2010/main" val="4289663290"/>
+        <p14:creationId xmlns:p14="http://schemas.microsoft.com/office/powerpoint/2010/main" val="2045960261"/>
       </p:ext>
     </p:extLst>
   </p:cSld>
@@ -5914,227 +7036,66 @@
       </p:grpSpPr>
       <p:sp>
         <p:nvSpPr>
-          <p:cNvPr id="2" name="タイトル 1">
+          <p:cNvPr id="4" name="正方形/長方形 3">
             <a:extLst>
               <a:ext uri="{FF2B5EF4-FFF2-40B4-BE49-F238E27FC236}">
-                <a16:creationId xmlns:a16="http://schemas.microsoft.com/office/drawing/2014/main" id="{33DD3E6E-1D24-4804-ADE7-786F56EB7453}"/>
+                <a16:creationId xmlns:a16="http://schemas.microsoft.com/office/drawing/2014/main" id="{570ABB6D-B163-45E8-BE4F-4E7182FFB510}"/>
               </a:ext>
             </a:extLst>
           </p:cNvPr>
-          <p:cNvSpPr>
-            <a:spLocks noGrp="1"/>
-          </p:cNvSpPr>
-          <p:nvPr>
-            <p:ph type="title"/>
-          </p:nvPr>
-        </p:nvSpPr>
-        <p:spPr/>
-        <p:txBody>
-          <a:bodyPr/>
+          <p:cNvSpPr/>
+          <p:nvPr/>
+        </p:nvSpPr>
+        <p:spPr>
+          <a:xfrm>
+            <a:off x="529391" y="-174258"/>
+            <a:ext cx="9326878" cy="1102225"/>
+          </a:xfrm>
+          <a:prstGeom prst="rect">
+            <a:avLst/>
+          </a:prstGeom>
+        </p:spPr>
+        <p:txBody>
+          <a:bodyPr wrap="square">
+            <a:spAutoFit/>
+          </a:bodyPr>
           <a:lstStyle/>
           <a:p>
-            <a:r>
-              <a:rPr kumimoji="1" lang="ja-JP" altLang="en-US" dirty="0"/>
-              <a:t>ルール説明</a:t>
-            </a:r>
-          </a:p>
-        </p:txBody>
-      </p:sp>
-      <p:sp>
-        <p:nvSpPr>
-          <p:cNvPr id="3" name="コンテンツ プレースホルダー 2">
+            <a:pPr>
+              <a:lnSpc>
+                <a:spcPct val="200000"/>
+              </a:lnSpc>
+            </a:pPr>
+            <a:r>
+              <a:rPr kumimoji="1" lang="ja-JP" altLang="en-US" sz="4000" dirty="0">
+                <a:solidFill>
+                  <a:schemeClr val="accent2">
+                    <a:lumMod val="50000"/>
+                  </a:schemeClr>
+                </a:solidFill>
+                <a:latin typeface="HGP明朝B" panose="02020800000000000000" pitchFamily="18" charset="-128"/>
+                <a:ea typeface="HGP明朝B" panose="02020800000000000000" pitchFamily="18" charset="-128"/>
+              </a:rPr>
+              <a:t>アカウント作成</a:t>
+            </a:r>
+            <a:endParaRPr kumimoji="1" lang="en-US" altLang="ja-JP" sz="4000" dirty="0">
+              <a:solidFill>
+                <a:schemeClr val="accent2">
+                  <a:lumMod val="50000"/>
+                </a:schemeClr>
+              </a:solidFill>
+              <a:latin typeface="HGP明朝B" panose="02020800000000000000" pitchFamily="18" charset="-128"/>
+              <a:ea typeface="HGP明朝B" panose="02020800000000000000" pitchFamily="18" charset="-128"/>
+            </a:endParaRPr>
+          </a:p>
+        </p:txBody>
+      </p:sp>
+      <p:pic>
+        <p:nvPicPr>
+          <p:cNvPr id="6" name="図 5">
             <a:extLst>
               <a:ext uri="{FF2B5EF4-FFF2-40B4-BE49-F238E27FC236}">
-                <a16:creationId xmlns:a16="http://schemas.microsoft.com/office/drawing/2014/main" id="{52DCC227-638D-401E-AD4D-1A7EB8A29DFC}"/>
-              </a:ext>
-            </a:extLst>
-          </p:cNvPr>
-          <p:cNvSpPr>
-            <a:spLocks noGrp="1"/>
-          </p:cNvSpPr>
-          <p:nvPr>
-            <p:ph idx="1"/>
-          </p:nvPr>
-        </p:nvSpPr>
-        <p:spPr/>
-        <p:txBody>
-          <a:bodyPr>
-            <a:normAutofit fontScale="85000" lnSpcReduction="10000"/>
-          </a:bodyPr>
-          <a:lstStyle/>
-          <a:p>
-            <a:r>
-              <a:rPr lang="ja-JP" altLang="en-US" dirty="0"/>
-              <a:t>スタートプレイヤーを決めて、時計回りに</a:t>
-            </a:r>
-            <a:br>
-              <a:rPr lang="en-US" altLang="ja-JP" dirty="0"/>
-            </a:br>
-            <a:r>
-              <a:rPr lang="en-US" altLang="ja-JP" dirty="0"/>
-              <a:t>							</a:t>
-            </a:r>
-            <a:r>
-              <a:rPr lang="ja-JP" altLang="en-US" dirty="0"/>
-              <a:t>リング配置を行います。</a:t>
-            </a:r>
-            <a:endParaRPr lang="en-US" altLang="ja-JP" dirty="0"/>
-          </a:p>
-          <a:p>
-            <a:endParaRPr lang="en-US" altLang="ja-JP" dirty="0"/>
-          </a:p>
-          <a:p>
-            <a:r>
-              <a:rPr lang="ja-JP" altLang="en-US" dirty="0"/>
-              <a:t>自分のリングを１つ取り、ゲームエリア上の</a:t>
-            </a:r>
-            <a:br>
-              <a:rPr lang="en-US" altLang="ja-JP" dirty="0"/>
-            </a:br>
-            <a:r>
-              <a:rPr lang="en-US" altLang="ja-JP" dirty="0"/>
-              <a:t>							</a:t>
-            </a:r>
-            <a:r>
-              <a:rPr lang="ja-JP" altLang="en-US" dirty="0"/>
-              <a:t>好きな箇所に配置します。</a:t>
-            </a:r>
-            <a:endParaRPr lang="en-US" altLang="ja-JP" dirty="0"/>
-          </a:p>
-          <a:p>
-            <a:endParaRPr lang="en-US" altLang="ja-JP" dirty="0"/>
-          </a:p>
-          <a:p>
-            <a:r>
-              <a:rPr lang="ja-JP" altLang="en-US" dirty="0"/>
-              <a:t>リングを置いた後はそのリングを移動することは出来ません。</a:t>
-            </a:r>
-            <a:endParaRPr lang="en-US" altLang="ja-JP" dirty="0"/>
-          </a:p>
-          <a:p>
-            <a:endParaRPr lang="en-US" altLang="ja-JP" dirty="0"/>
-          </a:p>
-          <a:p>
-            <a:r>
-              <a:rPr lang="ja-JP" altLang="en-US" dirty="0"/>
-              <a:t>自分の番にリングを置けない時はパスとなります。</a:t>
-            </a:r>
-            <a:endParaRPr kumimoji="1" lang="ja-JP" altLang="en-US" dirty="0"/>
-          </a:p>
-        </p:txBody>
-      </p:sp>
-    </p:spTree>
-    <p:extLst>
-      <p:ext uri="{BB962C8B-B14F-4D97-AF65-F5344CB8AC3E}">
-        <p14:creationId xmlns:p14="http://schemas.microsoft.com/office/powerpoint/2010/main" val="3019166146"/>
-      </p:ext>
-    </p:extLst>
-  </p:cSld>
-  <p:clrMapOvr>
-    <a:masterClrMapping/>
-  </p:clrMapOvr>
-</p:sld>
-</file>
-
-<file path=ppt/slides/slide8.xml><?xml version="1.0" encoding="utf-8"?>
-<p:sld xmlns:a="http://schemas.openxmlformats.org/drawingml/2006/main" xmlns:r="http://schemas.openxmlformats.org/officeDocument/2006/relationships" xmlns:p="http://schemas.openxmlformats.org/presentationml/2006/main">
-  <p:cSld>
-    <p:spTree>
-      <p:nvGrpSpPr>
-        <p:cNvPr id="1" name=""/>
-        <p:cNvGrpSpPr/>
-        <p:nvPr/>
-      </p:nvGrpSpPr>
-      <p:grpSpPr>
-        <a:xfrm>
-          <a:off x="0" y="0"/>
-          <a:ext cx="0" cy="0"/>
-          <a:chOff x="0" y="0"/>
-          <a:chExt cx="0" cy="0"/>
-        </a:xfrm>
-      </p:grpSpPr>
-      <p:sp>
-        <p:nvSpPr>
-          <p:cNvPr id="2" name="タイトル 1">
-            <a:extLst>
-              <a:ext uri="{FF2B5EF4-FFF2-40B4-BE49-F238E27FC236}">
-                <a16:creationId xmlns:a16="http://schemas.microsoft.com/office/drawing/2014/main" id="{668AE707-0E34-4729-AA39-D1A6551988C2}"/>
-              </a:ext>
-            </a:extLst>
-          </p:cNvPr>
-          <p:cNvSpPr>
-            <a:spLocks noGrp="1"/>
-          </p:cNvSpPr>
-          <p:nvPr>
-            <p:ph type="title"/>
-          </p:nvPr>
-        </p:nvSpPr>
-        <p:spPr/>
-        <p:txBody>
-          <a:bodyPr/>
-          <a:lstStyle/>
-          <a:p>
-            <a:r>
-              <a:rPr kumimoji="1" lang="ja-JP" altLang="en-US" dirty="0"/>
-              <a:t>勝利条件</a:t>
-            </a:r>
-          </a:p>
-        </p:txBody>
-      </p:sp>
-      <p:sp>
-        <p:nvSpPr>
-          <p:cNvPr id="3" name="コンテンツ プレースホルダー 2">
-            <a:extLst>
-              <a:ext uri="{FF2B5EF4-FFF2-40B4-BE49-F238E27FC236}">
-                <a16:creationId xmlns:a16="http://schemas.microsoft.com/office/drawing/2014/main" id="{5D52AFF0-434A-43B7-9359-A244E8A81FC4}"/>
-              </a:ext>
-            </a:extLst>
-          </p:cNvPr>
-          <p:cNvSpPr>
-            <a:spLocks noGrp="1"/>
-          </p:cNvSpPr>
-          <p:nvPr>
-            <p:ph idx="1"/>
-          </p:nvPr>
-        </p:nvSpPr>
-        <p:spPr/>
-        <p:txBody>
-          <a:bodyPr>
-            <a:normAutofit/>
-          </a:bodyPr>
-          <a:lstStyle/>
-          <a:p>
-            <a:pPr marL="0" indent="0">
-              <a:buNone/>
-            </a:pPr>
-            <a:endParaRPr lang="en-US" altLang="ja-JP" dirty="0"/>
-          </a:p>
-          <a:p>
-            <a:r>
-              <a:rPr lang="ja-JP" altLang="en-US" dirty="0"/>
-              <a:t>１、大・中・小の順番に縦・横・斜めの</a:t>
-            </a:r>
-            <a:br>
-              <a:rPr lang="en-US" altLang="ja-JP" dirty="0"/>
-            </a:br>
-            <a:r>
-              <a:rPr lang="en-US" altLang="ja-JP" dirty="0"/>
-              <a:t>						</a:t>
-            </a:r>
-            <a:r>
-              <a:rPr lang="ja-JP" altLang="en-US" dirty="0"/>
-              <a:t>いずれかに１列に並んだ場合</a:t>
-            </a:r>
-            <a:endParaRPr lang="en-US" altLang="ja-JP" dirty="0"/>
-          </a:p>
-        </p:txBody>
-      </p:sp>
-      <p:pic>
-        <p:nvPicPr>
-          <p:cNvPr id="5" name="図 4">
-            <a:extLst>
-              <a:ext uri="{FF2B5EF4-FFF2-40B4-BE49-F238E27FC236}">
-                <a16:creationId xmlns:a16="http://schemas.microsoft.com/office/drawing/2014/main" id="{DBCE35B6-2FFC-4247-9ADE-6BBD3FFC5B40}"/>
+                <a16:creationId xmlns:a16="http://schemas.microsoft.com/office/drawing/2014/main" id="{D7808F05-C8DA-4B68-B33F-6F3B5DCC454F}"/>
               </a:ext>
             </a:extLst>
           </p:cNvPr>
@@ -6157,28 +7118,238 @@
         </p:blipFill>
         <p:spPr>
           <a:xfrm>
-            <a:off x="4848039" y="3519117"/>
-            <a:ext cx="2667372" cy="2657846"/>
+            <a:off x="656230" y="1520190"/>
+            <a:ext cx="8003177" cy="4501786"/>
           </a:xfrm>
           <a:prstGeom prst="rect">
             <a:avLst/>
           </a:prstGeom>
+          <a:ln w="76200">
+            <a:solidFill>
+              <a:schemeClr val="bg1"/>
+            </a:solidFill>
+          </a:ln>
         </p:spPr>
       </p:pic>
+      <p:sp>
+        <p:nvSpPr>
+          <p:cNvPr id="7" name="テキスト ボックス 6">
+            <a:extLst>
+              <a:ext uri="{FF2B5EF4-FFF2-40B4-BE49-F238E27FC236}">
+                <a16:creationId xmlns:a16="http://schemas.microsoft.com/office/drawing/2014/main" id="{AC8DCB5A-6DEF-408A-B863-7BE1D324FAAC}"/>
+              </a:ext>
+            </a:extLst>
+          </p:cNvPr>
+          <p:cNvSpPr txBox="1"/>
+          <p:nvPr/>
+        </p:nvSpPr>
+        <p:spPr>
+          <a:xfrm>
+            <a:off x="529390" y="1058662"/>
+            <a:ext cx="2752825" cy="369332"/>
+          </a:xfrm>
+          <a:prstGeom prst="rect">
+            <a:avLst/>
+          </a:prstGeom>
+          <a:noFill/>
+        </p:spPr>
+        <p:txBody>
+          <a:bodyPr wrap="square" rtlCol="0">
+            <a:spAutoFit/>
+          </a:bodyPr>
+          <a:lstStyle/>
+          <a:p>
+            <a:r>
+              <a:rPr kumimoji="1" lang="ja-JP" altLang="en-US" dirty="0">
+                <a:latin typeface="HGP明朝B" panose="02020800000000000000" pitchFamily="18" charset="-128"/>
+                <a:ea typeface="HGP明朝B" panose="02020800000000000000" pitchFamily="18" charset="-128"/>
+              </a:rPr>
+              <a:t>ログイン画面</a:t>
+            </a:r>
+          </a:p>
+        </p:txBody>
+      </p:sp>
+      <p:sp>
+        <p:nvSpPr>
+          <p:cNvPr id="8" name="テキスト ボックス 7">
+            <a:extLst>
+              <a:ext uri="{FF2B5EF4-FFF2-40B4-BE49-F238E27FC236}">
+                <a16:creationId xmlns:a16="http://schemas.microsoft.com/office/drawing/2014/main" id="{8DE4C24E-7DF2-49E9-A2EB-972A8A985190}"/>
+              </a:ext>
+            </a:extLst>
+          </p:cNvPr>
+          <p:cNvSpPr txBox="1"/>
+          <p:nvPr/>
+        </p:nvSpPr>
+        <p:spPr>
+          <a:xfrm>
+            <a:off x="5229725" y="4587444"/>
+            <a:ext cx="4222282" cy="461665"/>
+          </a:xfrm>
+          <a:prstGeom prst="rect">
+            <a:avLst/>
+          </a:prstGeom>
+          <a:solidFill>
+            <a:schemeClr val="accent2">
+              <a:lumMod val="20000"/>
+              <a:lumOff val="80000"/>
+            </a:schemeClr>
+          </a:solidFill>
+        </p:spPr>
+        <p:txBody>
+          <a:bodyPr wrap="square" rtlCol="0">
+            <a:spAutoFit/>
+          </a:bodyPr>
+          <a:lstStyle/>
+          <a:p>
+            <a:r>
+              <a:rPr kumimoji="1" lang="ja-JP" altLang="en-US" sz="2400" dirty="0">
+                <a:latin typeface="HGP明朝B" panose="02020800000000000000" pitchFamily="18" charset="-128"/>
+                <a:ea typeface="HGP明朝B" panose="02020800000000000000" pitchFamily="18" charset="-128"/>
+              </a:rPr>
+              <a:t>👈新規登録はこちらをクリック</a:t>
+            </a:r>
+          </a:p>
+        </p:txBody>
+      </p:sp>
     </p:spTree>
     <p:extLst>
       <p:ext uri="{BB962C8B-B14F-4D97-AF65-F5344CB8AC3E}">
-        <p14:creationId xmlns:p14="http://schemas.microsoft.com/office/powerpoint/2010/main" val="2009379131"/>
+        <p14:creationId xmlns:p14="http://schemas.microsoft.com/office/powerpoint/2010/main" val="4289663290"/>
       </p:ext>
     </p:extLst>
   </p:cSld>
   <p:clrMapOvr>
     <a:masterClrMapping/>
   </p:clrMapOvr>
+  <p:timing>
+    <p:tnLst>
+      <p:par>
+        <p:cTn id="1" dur="indefinite" restart="never" nodeType="tmRoot">
+          <p:childTnLst>
+            <p:seq concurrent="1" nextAc="seek">
+              <p:cTn id="2" dur="indefinite" nodeType="mainSeq">
+                <p:childTnLst>
+                  <p:par>
+                    <p:cTn id="3" fill="hold">
+                      <p:stCondLst>
+                        <p:cond delay="indefinite"/>
+                      </p:stCondLst>
+                      <p:childTnLst>
+                        <p:par>
+                          <p:cTn id="4" fill="hold">
+                            <p:stCondLst>
+                              <p:cond delay="0"/>
+                            </p:stCondLst>
+                            <p:childTnLst>
+                              <p:par>
+                                <p:cTn id="5" presetID="2" presetClass="entr" presetSubtype="2" fill="hold" grpId="0" nodeType="clickEffect">
+                                  <p:stCondLst>
+                                    <p:cond delay="0"/>
+                                  </p:stCondLst>
+                                  <p:childTnLst>
+                                    <p:set>
+                                      <p:cBhvr>
+                                        <p:cTn id="6" dur="1" fill="hold">
+                                          <p:stCondLst>
+                                            <p:cond delay="0"/>
+                                          </p:stCondLst>
+                                        </p:cTn>
+                                        <p:tgtEl>
+                                          <p:spTgt spid="8"/>
+                                        </p:tgtEl>
+                                        <p:attrNameLst>
+                                          <p:attrName>style.visibility</p:attrName>
+                                        </p:attrNameLst>
+                                      </p:cBhvr>
+                                      <p:to>
+                                        <p:strVal val="visible"/>
+                                      </p:to>
+                                    </p:set>
+                                    <p:anim calcmode="lin" valueType="num">
+                                      <p:cBhvr additive="base">
+                                        <p:cTn id="7" dur="500" fill="hold"/>
+                                        <p:tgtEl>
+                                          <p:spTgt spid="8"/>
+                                        </p:tgtEl>
+                                        <p:attrNameLst>
+                                          <p:attrName>ppt_x</p:attrName>
+                                        </p:attrNameLst>
+                                      </p:cBhvr>
+                                      <p:tavLst>
+                                        <p:tav tm="0">
+                                          <p:val>
+                                            <p:strVal val="1+#ppt_w/2"/>
+                                          </p:val>
+                                        </p:tav>
+                                        <p:tav tm="100000">
+                                          <p:val>
+                                            <p:strVal val="#ppt_x"/>
+                                          </p:val>
+                                        </p:tav>
+                                      </p:tavLst>
+                                    </p:anim>
+                                    <p:anim calcmode="lin" valueType="num">
+                                      <p:cBhvr additive="base">
+                                        <p:cTn id="8" dur="500" fill="hold"/>
+                                        <p:tgtEl>
+                                          <p:spTgt spid="8"/>
+                                        </p:tgtEl>
+                                        <p:attrNameLst>
+                                          <p:attrName>ppt_y</p:attrName>
+                                        </p:attrNameLst>
+                                      </p:cBhvr>
+                                      <p:tavLst>
+                                        <p:tav tm="0">
+                                          <p:val>
+                                            <p:strVal val="#ppt_y"/>
+                                          </p:val>
+                                        </p:tav>
+                                        <p:tav tm="100000">
+                                          <p:val>
+                                            <p:strVal val="#ppt_y"/>
+                                          </p:val>
+                                        </p:tav>
+                                      </p:tavLst>
+                                    </p:anim>
+                                  </p:childTnLst>
+                                </p:cTn>
+                              </p:par>
+                            </p:childTnLst>
+                          </p:cTn>
+                        </p:par>
+                      </p:childTnLst>
+                    </p:cTn>
+                  </p:par>
+                </p:childTnLst>
+              </p:cTn>
+              <p:prevCondLst>
+                <p:cond evt="onPrev" delay="0">
+                  <p:tgtEl>
+                    <p:sldTgt/>
+                  </p:tgtEl>
+                </p:cond>
+              </p:prevCondLst>
+              <p:nextCondLst>
+                <p:cond evt="onNext" delay="0">
+                  <p:tgtEl>
+                    <p:sldTgt/>
+                  </p:tgtEl>
+                </p:cond>
+              </p:nextCondLst>
+            </p:seq>
+          </p:childTnLst>
+        </p:cTn>
+      </p:par>
+    </p:tnLst>
+    <p:bldLst>
+      <p:bldP spid="8" grpId="0" animBg="1"/>
+    </p:bldLst>
+  </p:timing>
 </p:sld>
 </file>
 
-<file path=ppt/slides/slide9.xml><?xml version="1.0" encoding="utf-8"?>
+<file path=ppt/slides/slide8.xml><?xml version="1.0" encoding="utf-8"?>
 <p:sld xmlns:a="http://schemas.openxmlformats.org/drawingml/2006/main" xmlns:r="http://schemas.openxmlformats.org/officeDocument/2006/relationships" xmlns:p="http://schemas.openxmlformats.org/presentationml/2006/main">
   <p:cSld>
     <p:spTree>
@@ -6195,88 +7366,12 @@
           <a:chExt cx="0" cy="0"/>
         </a:xfrm>
       </p:grpSpPr>
-      <p:sp>
-        <p:nvSpPr>
-          <p:cNvPr id="2" name="タイトル 1">
+      <p:pic>
+        <p:nvPicPr>
+          <p:cNvPr id="3" name="図 2">
             <a:extLst>
               <a:ext uri="{FF2B5EF4-FFF2-40B4-BE49-F238E27FC236}">
-                <a16:creationId xmlns:a16="http://schemas.microsoft.com/office/drawing/2014/main" id="{668AE707-0E34-4729-AA39-D1A6551988C2}"/>
-              </a:ext>
-            </a:extLst>
-          </p:cNvPr>
-          <p:cNvSpPr>
-            <a:spLocks noGrp="1"/>
-          </p:cNvSpPr>
-          <p:nvPr>
-            <p:ph type="title"/>
-          </p:nvPr>
-        </p:nvSpPr>
-        <p:spPr/>
-        <p:txBody>
-          <a:bodyPr/>
-          <a:lstStyle/>
-          <a:p>
-            <a:r>
-              <a:rPr kumimoji="1" lang="ja-JP" altLang="en-US" dirty="0"/>
-              <a:t>勝利条件</a:t>
-            </a:r>
-          </a:p>
-        </p:txBody>
-      </p:sp>
-      <p:sp>
-        <p:nvSpPr>
-          <p:cNvPr id="3" name="コンテンツ プレースホルダー 2">
-            <a:extLst>
-              <a:ext uri="{FF2B5EF4-FFF2-40B4-BE49-F238E27FC236}">
-                <a16:creationId xmlns:a16="http://schemas.microsoft.com/office/drawing/2014/main" id="{5D52AFF0-434A-43B7-9359-A244E8A81FC4}"/>
-              </a:ext>
-            </a:extLst>
-          </p:cNvPr>
-          <p:cNvSpPr>
-            <a:spLocks noGrp="1"/>
-          </p:cNvSpPr>
-          <p:nvPr>
-            <p:ph idx="1"/>
-          </p:nvPr>
-        </p:nvSpPr>
-        <p:spPr/>
-        <p:txBody>
-          <a:bodyPr>
-            <a:normAutofit/>
-          </a:bodyPr>
-          <a:lstStyle/>
-          <a:p>
-            <a:pPr marL="0" indent="0">
-              <a:buNone/>
-            </a:pPr>
-            <a:endParaRPr lang="en-US" altLang="ja-JP" dirty="0"/>
-          </a:p>
-          <a:p>
-            <a:r>
-              <a:rPr lang="ja-JP" altLang="en-US" dirty="0"/>
-              <a:t>２、同じ大きさのリングを縦・横・斜めの</a:t>
-            </a:r>
-            <a:br>
-              <a:rPr lang="en-US" altLang="ja-JP" dirty="0"/>
-            </a:br>
-            <a:r>
-              <a:rPr lang="en-US" altLang="ja-JP" dirty="0"/>
-              <a:t>						</a:t>
-            </a:r>
-            <a:r>
-              <a:rPr lang="ja-JP" altLang="en-US" dirty="0"/>
-              <a:t>いずれか１列に並んだ場合</a:t>
-            </a:r>
-            <a:endParaRPr lang="en-US" altLang="ja-JP" dirty="0"/>
-          </a:p>
-        </p:txBody>
-      </p:sp>
-      <p:pic>
-        <p:nvPicPr>
-          <p:cNvPr id="8" name="図 7">
-            <a:extLst>
-              <a:ext uri="{FF2B5EF4-FFF2-40B4-BE49-F238E27FC236}">
-                <a16:creationId xmlns:a16="http://schemas.microsoft.com/office/drawing/2014/main" id="{DFEFBD36-C95F-4184-A9F6-2DB795E4C544}"/>
+                <a16:creationId xmlns:a16="http://schemas.microsoft.com/office/drawing/2014/main" id="{C6D5114F-6262-416D-9726-1092B49BEF7F}"/>
               </a:ext>
             </a:extLst>
           </p:cNvPr>
@@ -6299,18 +7394,478 @@
         </p:blipFill>
         <p:spPr>
           <a:xfrm>
-            <a:off x="4757550" y="3429000"/>
-            <a:ext cx="2676899" cy="2705478"/>
+            <a:off x="656229" y="1520189"/>
+            <a:ext cx="8003173" cy="4501785"/>
           </a:xfrm>
           <a:prstGeom prst="rect">
             <a:avLst/>
           </a:prstGeom>
+          <a:ln w="76200">
+            <a:solidFill>
+              <a:schemeClr val="bg1"/>
+            </a:solidFill>
+          </a:ln>
         </p:spPr>
       </p:pic>
+      <p:sp>
+        <p:nvSpPr>
+          <p:cNvPr id="4" name="正方形/長方形 3">
+            <a:extLst>
+              <a:ext uri="{FF2B5EF4-FFF2-40B4-BE49-F238E27FC236}">
+                <a16:creationId xmlns:a16="http://schemas.microsoft.com/office/drawing/2014/main" id="{570ABB6D-B163-45E8-BE4F-4E7182FFB510}"/>
+              </a:ext>
+            </a:extLst>
+          </p:cNvPr>
+          <p:cNvSpPr/>
+          <p:nvPr/>
+        </p:nvSpPr>
+        <p:spPr>
+          <a:xfrm>
+            <a:off x="529391" y="-174258"/>
+            <a:ext cx="9326878" cy="1102225"/>
+          </a:xfrm>
+          <a:prstGeom prst="rect">
+            <a:avLst/>
+          </a:prstGeom>
+        </p:spPr>
+        <p:txBody>
+          <a:bodyPr wrap="square">
+            <a:spAutoFit/>
+          </a:bodyPr>
+          <a:lstStyle/>
+          <a:p>
+            <a:pPr>
+              <a:lnSpc>
+                <a:spcPct val="200000"/>
+              </a:lnSpc>
+            </a:pPr>
+            <a:r>
+              <a:rPr kumimoji="1" lang="ja-JP" altLang="en-US" sz="4000" dirty="0">
+                <a:solidFill>
+                  <a:schemeClr val="accent2">
+                    <a:lumMod val="50000"/>
+                  </a:schemeClr>
+                </a:solidFill>
+                <a:latin typeface="HGP明朝B" panose="02020800000000000000" pitchFamily="18" charset="-128"/>
+                <a:ea typeface="HGP明朝B" panose="02020800000000000000" pitchFamily="18" charset="-128"/>
+              </a:rPr>
+              <a:t>アカウント作成</a:t>
+            </a:r>
+            <a:endParaRPr kumimoji="1" lang="en-US" altLang="ja-JP" sz="4000" dirty="0">
+              <a:solidFill>
+                <a:schemeClr val="accent2">
+                  <a:lumMod val="50000"/>
+                </a:schemeClr>
+              </a:solidFill>
+              <a:latin typeface="HGP明朝B" panose="02020800000000000000" pitchFamily="18" charset="-128"/>
+              <a:ea typeface="HGP明朝B" panose="02020800000000000000" pitchFamily="18" charset="-128"/>
+            </a:endParaRPr>
+          </a:p>
+        </p:txBody>
+      </p:sp>
+      <p:sp>
+        <p:nvSpPr>
+          <p:cNvPr id="7" name="テキスト ボックス 6">
+            <a:extLst>
+              <a:ext uri="{FF2B5EF4-FFF2-40B4-BE49-F238E27FC236}">
+                <a16:creationId xmlns:a16="http://schemas.microsoft.com/office/drawing/2014/main" id="{AC8DCB5A-6DEF-408A-B863-7BE1D324FAAC}"/>
+              </a:ext>
+            </a:extLst>
+          </p:cNvPr>
+          <p:cNvSpPr txBox="1"/>
+          <p:nvPr/>
+        </p:nvSpPr>
+        <p:spPr>
+          <a:xfrm>
+            <a:off x="529390" y="1058662"/>
+            <a:ext cx="2752825" cy="369332"/>
+          </a:xfrm>
+          <a:prstGeom prst="rect">
+            <a:avLst/>
+          </a:prstGeom>
+          <a:noFill/>
+        </p:spPr>
+        <p:txBody>
+          <a:bodyPr wrap="square" rtlCol="0">
+            <a:spAutoFit/>
+          </a:bodyPr>
+          <a:lstStyle/>
+          <a:p>
+            <a:r>
+              <a:rPr kumimoji="1" lang="ja-JP" altLang="en-US" dirty="0"/>
+              <a:t>ログイン画面</a:t>
+            </a:r>
+          </a:p>
+        </p:txBody>
+      </p:sp>
+      <p:sp>
+        <p:nvSpPr>
+          <p:cNvPr id="8" name="テキスト ボックス 7">
+            <a:extLst>
+              <a:ext uri="{FF2B5EF4-FFF2-40B4-BE49-F238E27FC236}">
+                <a16:creationId xmlns:a16="http://schemas.microsoft.com/office/drawing/2014/main" id="{8DE4C24E-7DF2-49E9-A2EB-972A8A985190}"/>
+              </a:ext>
+            </a:extLst>
+          </p:cNvPr>
+          <p:cNvSpPr txBox="1"/>
+          <p:nvPr/>
+        </p:nvSpPr>
+        <p:spPr>
+          <a:xfrm>
+            <a:off x="5582653" y="3429000"/>
+            <a:ext cx="6294921" cy="461665"/>
+          </a:xfrm>
+          <a:prstGeom prst="rect">
+            <a:avLst/>
+          </a:prstGeom>
+          <a:solidFill>
+            <a:schemeClr val="accent2">
+              <a:lumMod val="20000"/>
+              <a:lumOff val="80000"/>
+            </a:schemeClr>
+          </a:solidFill>
+        </p:spPr>
+        <p:txBody>
+          <a:bodyPr wrap="square" rtlCol="0">
+            <a:spAutoFit/>
+          </a:bodyPr>
+          <a:lstStyle/>
+          <a:p>
+            <a:r>
+              <a:rPr kumimoji="1" lang="ja-JP" altLang="en-US" sz="2400" dirty="0">
+                <a:latin typeface="HGP明朝B" panose="02020800000000000000" pitchFamily="18" charset="-128"/>
+                <a:ea typeface="HGP明朝B" panose="02020800000000000000" pitchFamily="18" charset="-128"/>
+              </a:rPr>
+              <a:t>👈それぞれを記入し、新規登録ボタンをクリック。</a:t>
+            </a:r>
+          </a:p>
+        </p:txBody>
+      </p:sp>
     </p:spTree>
     <p:extLst>
       <p:ext uri="{BB962C8B-B14F-4D97-AF65-F5344CB8AC3E}">
-        <p14:creationId xmlns:p14="http://schemas.microsoft.com/office/powerpoint/2010/main" val="2551684857"/>
+        <p14:creationId xmlns:p14="http://schemas.microsoft.com/office/powerpoint/2010/main" val="2620904648"/>
+      </p:ext>
+    </p:extLst>
+  </p:cSld>
+  <p:clrMapOvr>
+    <a:masterClrMapping/>
+  </p:clrMapOvr>
+  <p:timing>
+    <p:tnLst>
+      <p:par>
+        <p:cTn id="1" dur="indefinite" restart="never" nodeType="tmRoot">
+          <p:childTnLst>
+            <p:seq concurrent="1" nextAc="seek">
+              <p:cTn id="2" dur="indefinite" nodeType="mainSeq">
+                <p:childTnLst>
+                  <p:par>
+                    <p:cTn id="3" fill="hold">
+                      <p:stCondLst>
+                        <p:cond delay="indefinite"/>
+                      </p:stCondLst>
+                      <p:childTnLst>
+                        <p:par>
+                          <p:cTn id="4" fill="hold">
+                            <p:stCondLst>
+                              <p:cond delay="0"/>
+                            </p:stCondLst>
+                            <p:childTnLst>
+                              <p:par>
+                                <p:cTn id="5" presetID="2" presetClass="entr" presetSubtype="2" fill="hold" grpId="0" nodeType="clickEffect">
+                                  <p:stCondLst>
+                                    <p:cond delay="0"/>
+                                  </p:stCondLst>
+                                  <p:childTnLst>
+                                    <p:set>
+                                      <p:cBhvr>
+                                        <p:cTn id="6" dur="1" fill="hold">
+                                          <p:stCondLst>
+                                            <p:cond delay="0"/>
+                                          </p:stCondLst>
+                                        </p:cTn>
+                                        <p:tgtEl>
+                                          <p:spTgt spid="8"/>
+                                        </p:tgtEl>
+                                        <p:attrNameLst>
+                                          <p:attrName>style.visibility</p:attrName>
+                                        </p:attrNameLst>
+                                      </p:cBhvr>
+                                      <p:to>
+                                        <p:strVal val="visible"/>
+                                      </p:to>
+                                    </p:set>
+                                    <p:anim calcmode="lin" valueType="num">
+                                      <p:cBhvr additive="base">
+                                        <p:cTn id="7" dur="500" fill="hold"/>
+                                        <p:tgtEl>
+                                          <p:spTgt spid="8"/>
+                                        </p:tgtEl>
+                                        <p:attrNameLst>
+                                          <p:attrName>ppt_x</p:attrName>
+                                        </p:attrNameLst>
+                                      </p:cBhvr>
+                                      <p:tavLst>
+                                        <p:tav tm="0">
+                                          <p:val>
+                                            <p:strVal val="1+#ppt_w/2"/>
+                                          </p:val>
+                                        </p:tav>
+                                        <p:tav tm="100000">
+                                          <p:val>
+                                            <p:strVal val="#ppt_x"/>
+                                          </p:val>
+                                        </p:tav>
+                                      </p:tavLst>
+                                    </p:anim>
+                                    <p:anim calcmode="lin" valueType="num">
+                                      <p:cBhvr additive="base">
+                                        <p:cTn id="8" dur="500" fill="hold"/>
+                                        <p:tgtEl>
+                                          <p:spTgt spid="8"/>
+                                        </p:tgtEl>
+                                        <p:attrNameLst>
+                                          <p:attrName>ppt_y</p:attrName>
+                                        </p:attrNameLst>
+                                      </p:cBhvr>
+                                      <p:tavLst>
+                                        <p:tav tm="0">
+                                          <p:val>
+                                            <p:strVal val="#ppt_y"/>
+                                          </p:val>
+                                        </p:tav>
+                                        <p:tav tm="100000">
+                                          <p:val>
+                                            <p:strVal val="#ppt_y"/>
+                                          </p:val>
+                                        </p:tav>
+                                      </p:tavLst>
+                                    </p:anim>
+                                  </p:childTnLst>
+                                </p:cTn>
+                              </p:par>
+                            </p:childTnLst>
+                          </p:cTn>
+                        </p:par>
+                      </p:childTnLst>
+                    </p:cTn>
+                  </p:par>
+                </p:childTnLst>
+              </p:cTn>
+              <p:prevCondLst>
+                <p:cond evt="onPrev" delay="0">
+                  <p:tgtEl>
+                    <p:sldTgt/>
+                  </p:tgtEl>
+                </p:cond>
+              </p:prevCondLst>
+              <p:nextCondLst>
+                <p:cond evt="onNext" delay="0">
+                  <p:tgtEl>
+                    <p:sldTgt/>
+                  </p:tgtEl>
+                </p:cond>
+              </p:nextCondLst>
+            </p:seq>
+          </p:childTnLst>
+        </p:cTn>
+      </p:par>
+    </p:tnLst>
+    <p:bldLst>
+      <p:bldP spid="8" grpId="0" animBg="1"/>
+    </p:bldLst>
+  </p:timing>
+</p:sld>
+</file>
+
+<file path=ppt/slides/slide9.xml><?xml version="1.0" encoding="utf-8"?>
+<p:sld xmlns:a="http://schemas.openxmlformats.org/drawingml/2006/main" xmlns:r="http://schemas.openxmlformats.org/officeDocument/2006/relationships" xmlns:p="http://schemas.openxmlformats.org/presentationml/2006/main">
+  <p:cSld>
+    <p:spTree>
+      <p:nvGrpSpPr>
+        <p:cNvPr id="1" name=""/>
+        <p:cNvGrpSpPr/>
+        <p:nvPr/>
+      </p:nvGrpSpPr>
+      <p:grpSpPr>
+        <a:xfrm>
+          <a:off x="0" y="0"/>
+          <a:ext cx="0" cy="0"/>
+          <a:chOff x="0" y="0"/>
+          <a:chExt cx="0" cy="0"/>
+        </a:xfrm>
+      </p:grpSpPr>
+      <p:pic>
+        <p:nvPicPr>
+          <p:cNvPr id="3" name="図 2">
+            <a:extLst>
+              <a:ext uri="{FF2B5EF4-FFF2-40B4-BE49-F238E27FC236}">
+                <a16:creationId xmlns:a16="http://schemas.microsoft.com/office/drawing/2014/main" id="{C6D5114F-6262-416D-9726-1092B49BEF7F}"/>
+              </a:ext>
+            </a:extLst>
+          </p:cNvPr>
+          <p:cNvPicPr>
+            <a:picLocks noChangeAspect="1"/>
+          </p:cNvPicPr>
+          <p:nvPr/>
+        </p:nvPicPr>
+        <p:blipFill>
+          <a:blip r:embed="rId2">
+            <a:extLst>
+              <a:ext uri="{28A0092B-C50C-407E-A947-70E740481C1C}">
+                <a14:useLocalDpi xmlns:a14="http://schemas.microsoft.com/office/drawing/2010/main" val="0"/>
+              </a:ext>
+            </a:extLst>
+          </a:blip>
+          <a:stretch>
+            <a:fillRect/>
+          </a:stretch>
+        </p:blipFill>
+        <p:spPr>
+          <a:xfrm>
+            <a:off x="656229" y="1520189"/>
+            <a:ext cx="8003173" cy="4501785"/>
+          </a:xfrm>
+          <a:prstGeom prst="rect">
+            <a:avLst/>
+          </a:prstGeom>
+          <a:ln w="76200">
+            <a:solidFill>
+              <a:schemeClr val="bg1"/>
+            </a:solidFill>
+          </a:ln>
+        </p:spPr>
+      </p:pic>
+      <p:sp>
+        <p:nvSpPr>
+          <p:cNvPr id="4" name="正方形/長方形 3">
+            <a:extLst>
+              <a:ext uri="{FF2B5EF4-FFF2-40B4-BE49-F238E27FC236}">
+                <a16:creationId xmlns:a16="http://schemas.microsoft.com/office/drawing/2014/main" id="{570ABB6D-B163-45E8-BE4F-4E7182FFB510}"/>
+              </a:ext>
+            </a:extLst>
+          </p:cNvPr>
+          <p:cNvSpPr/>
+          <p:nvPr/>
+        </p:nvSpPr>
+        <p:spPr>
+          <a:xfrm>
+            <a:off x="529391" y="-174258"/>
+            <a:ext cx="9326878" cy="1102225"/>
+          </a:xfrm>
+          <a:prstGeom prst="rect">
+            <a:avLst/>
+          </a:prstGeom>
+        </p:spPr>
+        <p:txBody>
+          <a:bodyPr wrap="square">
+            <a:spAutoFit/>
+          </a:bodyPr>
+          <a:lstStyle/>
+          <a:p>
+            <a:pPr>
+              <a:lnSpc>
+                <a:spcPct val="200000"/>
+              </a:lnSpc>
+            </a:pPr>
+            <a:r>
+              <a:rPr kumimoji="1" lang="ja-JP" altLang="en-US" sz="4000" dirty="0">
+                <a:solidFill>
+                  <a:schemeClr val="accent2">
+                    <a:lumMod val="50000"/>
+                  </a:schemeClr>
+                </a:solidFill>
+                <a:latin typeface="HGP明朝B" panose="02020800000000000000" pitchFamily="18" charset="-128"/>
+                <a:ea typeface="HGP明朝B" panose="02020800000000000000" pitchFamily="18" charset="-128"/>
+              </a:rPr>
+              <a:t>アカウント作成ユーザーによるログイン機能</a:t>
+            </a:r>
+            <a:endParaRPr kumimoji="1" lang="en-US" altLang="ja-JP" sz="4000" dirty="0">
+              <a:solidFill>
+                <a:schemeClr val="accent2">
+                  <a:lumMod val="50000"/>
+                </a:schemeClr>
+              </a:solidFill>
+              <a:latin typeface="HGP明朝B" panose="02020800000000000000" pitchFamily="18" charset="-128"/>
+              <a:ea typeface="HGP明朝B" panose="02020800000000000000" pitchFamily="18" charset="-128"/>
+            </a:endParaRPr>
+          </a:p>
+        </p:txBody>
+      </p:sp>
+      <p:sp>
+        <p:nvSpPr>
+          <p:cNvPr id="7" name="テキスト ボックス 6">
+            <a:extLst>
+              <a:ext uri="{FF2B5EF4-FFF2-40B4-BE49-F238E27FC236}">
+                <a16:creationId xmlns:a16="http://schemas.microsoft.com/office/drawing/2014/main" id="{AC8DCB5A-6DEF-408A-B863-7BE1D324FAAC}"/>
+              </a:ext>
+            </a:extLst>
+          </p:cNvPr>
+          <p:cNvSpPr txBox="1"/>
+          <p:nvPr/>
+        </p:nvSpPr>
+        <p:spPr>
+          <a:xfrm>
+            <a:off x="529390" y="1058662"/>
+            <a:ext cx="2752825" cy="369332"/>
+          </a:xfrm>
+          <a:prstGeom prst="rect">
+            <a:avLst/>
+          </a:prstGeom>
+          <a:noFill/>
+        </p:spPr>
+        <p:txBody>
+          <a:bodyPr wrap="square" rtlCol="0">
+            <a:spAutoFit/>
+          </a:bodyPr>
+          <a:lstStyle/>
+          <a:p>
+            <a:r>
+              <a:rPr kumimoji="1" lang="ja-JP" altLang="en-US" dirty="0"/>
+              <a:t>ログイン画面</a:t>
+            </a:r>
+          </a:p>
+        </p:txBody>
+      </p:sp>
+      <p:sp>
+        <p:nvSpPr>
+          <p:cNvPr id="8" name="テキスト ボックス 7">
+            <a:extLst>
+              <a:ext uri="{FF2B5EF4-FFF2-40B4-BE49-F238E27FC236}">
+                <a16:creationId xmlns:a16="http://schemas.microsoft.com/office/drawing/2014/main" id="{8DE4C24E-7DF2-49E9-A2EB-972A8A985190}"/>
+              </a:ext>
+            </a:extLst>
+          </p:cNvPr>
+          <p:cNvSpPr txBox="1"/>
+          <p:nvPr/>
+        </p:nvSpPr>
+        <p:spPr>
+          <a:xfrm>
+            <a:off x="8980371" y="1427994"/>
+            <a:ext cx="3211629" cy="923330"/>
+          </a:xfrm>
+          <a:prstGeom prst="rect">
+            <a:avLst/>
+          </a:prstGeom>
+          <a:noFill/>
+        </p:spPr>
+        <p:txBody>
+          <a:bodyPr wrap="square" rtlCol="0">
+            <a:spAutoFit/>
+          </a:bodyPr>
+          <a:lstStyle/>
+          <a:p>
+            <a:r>
+              <a:rPr kumimoji="1" lang="ja-JP" altLang="en-US" dirty="0"/>
+              <a:t>登録済みのメールアドレス、パスワードを入力し、ログインボタンをクリック。</a:t>
+            </a:r>
+          </a:p>
+        </p:txBody>
+      </p:sp>
+    </p:spTree>
+    <p:extLst>
+      <p:ext uri="{BB962C8B-B14F-4D97-AF65-F5344CB8AC3E}">
+        <p14:creationId xmlns:p14="http://schemas.microsoft.com/office/powerpoint/2010/main" val="2108697885"/>
       </p:ext>
     </p:extLst>
   </p:cSld>

--- a/ThreeRings.pptx
+++ b/ThreeRings.pptx
@@ -13,12 +13,13 @@
     <p:sldId id="259" r:id="rId7"/>
     <p:sldId id="267" r:id="rId8"/>
     <p:sldId id="268" r:id="rId9"/>
-    <p:sldId id="269" r:id="rId10"/>
-    <p:sldId id="260" r:id="rId11"/>
-    <p:sldId id="261" r:id="rId12"/>
-    <p:sldId id="263" r:id="rId13"/>
-    <p:sldId id="264" r:id="rId14"/>
-    <p:sldId id="262" r:id="rId15"/>
+    <p:sldId id="271" r:id="rId10"/>
+    <p:sldId id="272" r:id="rId11"/>
+    <p:sldId id="260" r:id="rId12"/>
+    <p:sldId id="261" r:id="rId13"/>
+    <p:sldId id="263" r:id="rId14"/>
+    <p:sldId id="264" r:id="rId15"/>
+    <p:sldId id="262" r:id="rId16"/>
   </p:sldIdLst>
   <p:sldSz cx="12192000" cy="6858000"/>
   <p:notesSz cx="6858000" cy="9144000"/>
@@ -264,7 +265,7 @@
           <a:p>
             <a:fld id="{CCC18866-C919-4534-B6B5-FAE0959FF7A2}" type="datetimeFigureOut">
               <a:rPr kumimoji="1" lang="ja-JP" altLang="en-US" smtClean="0"/>
-              <a:t>2024/7/5</a:t>
+              <a:t>2024/7/9</a:t>
             </a:fld>
             <a:endParaRPr kumimoji="1" lang="ja-JP" altLang="en-US"/>
           </a:p>
@@ -507,7 +508,7 @@
           <a:p>
             <a:fld id="{CCC18866-C919-4534-B6B5-FAE0959FF7A2}" type="datetimeFigureOut">
               <a:rPr kumimoji="1" lang="ja-JP" altLang="en-US" smtClean="0"/>
-              <a:t>2024/7/5</a:t>
+              <a:t>2024/7/9</a:t>
             </a:fld>
             <a:endParaRPr kumimoji="1" lang="ja-JP" altLang="en-US"/>
           </a:p>
@@ -754,7 +755,7 @@
           <a:p>
             <a:fld id="{CCC18866-C919-4534-B6B5-FAE0959FF7A2}" type="datetimeFigureOut">
               <a:rPr kumimoji="1" lang="ja-JP" altLang="en-US" smtClean="0"/>
-              <a:t>2024/7/5</a:t>
+              <a:t>2024/7/9</a:t>
             </a:fld>
             <a:endParaRPr kumimoji="1" lang="ja-JP" altLang="en-US"/>
           </a:p>
@@ -987,7 +988,7 @@
           <a:p>
             <a:fld id="{CCC18866-C919-4534-B6B5-FAE0959FF7A2}" type="datetimeFigureOut">
               <a:rPr kumimoji="1" lang="ja-JP" altLang="en-US" smtClean="0"/>
-              <a:t>2024/7/5</a:t>
+              <a:t>2024/7/9</a:t>
             </a:fld>
             <a:endParaRPr kumimoji="1" lang="ja-JP" altLang="en-US"/>
           </a:p>
@@ -1266,7 +1267,7 @@
           <a:p>
             <a:fld id="{CCC18866-C919-4534-B6B5-FAE0959FF7A2}" type="datetimeFigureOut">
               <a:rPr kumimoji="1" lang="ja-JP" altLang="en-US" smtClean="0"/>
-              <a:t>2024/7/5</a:t>
+              <a:t>2024/7/9</a:t>
             </a:fld>
             <a:endParaRPr kumimoji="1" lang="ja-JP" altLang="en-US"/>
           </a:p>
@@ -1598,7 +1599,7 @@
           <a:p>
             <a:fld id="{CCC18866-C919-4534-B6B5-FAE0959FF7A2}" type="datetimeFigureOut">
               <a:rPr kumimoji="1" lang="ja-JP" altLang="en-US" smtClean="0"/>
-              <a:t>2024/7/5</a:t>
+              <a:t>2024/7/9</a:t>
             </a:fld>
             <a:endParaRPr kumimoji="1" lang="ja-JP" altLang="en-US"/>
           </a:p>
@@ -2078,7 +2079,7 @@
           <a:p>
             <a:fld id="{CCC18866-C919-4534-B6B5-FAE0959FF7A2}" type="datetimeFigureOut">
               <a:rPr kumimoji="1" lang="ja-JP" altLang="en-US" smtClean="0"/>
-              <a:t>2024/7/5</a:t>
+              <a:t>2024/7/9</a:t>
             </a:fld>
             <a:endParaRPr kumimoji="1" lang="ja-JP" altLang="en-US"/>
           </a:p>
@@ -2227,7 +2228,7 @@
           <a:p>
             <a:fld id="{CCC18866-C919-4534-B6B5-FAE0959FF7A2}" type="datetimeFigureOut">
               <a:rPr kumimoji="1" lang="ja-JP" altLang="en-US" smtClean="0"/>
-              <a:t>2024/7/5</a:t>
+              <a:t>2024/7/9</a:t>
             </a:fld>
             <a:endParaRPr kumimoji="1" lang="ja-JP" altLang="en-US"/>
           </a:p>
@@ -2353,7 +2354,7 @@
           <a:p>
             <a:fld id="{CCC18866-C919-4534-B6B5-FAE0959FF7A2}" type="datetimeFigureOut">
               <a:rPr kumimoji="1" lang="ja-JP" altLang="en-US" smtClean="0"/>
-              <a:t>2024/7/5</a:t>
+              <a:t>2024/7/9</a:t>
             </a:fld>
             <a:endParaRPr kumimoji="1" lang="ja-JP" altLang="en-US"/>
           </a:p>
@@ -2636,7 +2637,7 @@
           <a:p>
             <a:fld id="{CCC18866-C919-4534-B6B5-FAE0959FF7A2}" type="datetimeFigureOut">
               <a:rPr kumimoji="1" lang="ja-JP" altLang="en-US" smtClean="0"/>
-              <a:t>2024/7/5</a:t>
+              <a:t>2024/7/9</a:t>
             </a:fld>
             <a:endParaRPr kumimoji="1" lang="ja-JP" altLang="en-US"/>
           </a:p>
@@ -3081,7 +3082,7 @@
           <a:p>
             <a:fld id="{CCC18866-C919-4534-B6B5-FAE0959FF7A2}" type="datetimeFigureOut">
               <a:rPr kumimoji="1" lang="ja-JP" altLang="en-US" smtClean="0"/>
-              <a:t>2024/7/5</a:t>
+              <a:t>2024/7/9</a:t>
             </a:fld>
             <a:endParaRPr kumimoji="1" lang="ja-JP" altLang="en-US"/>
           </a:p>
@@ -3407,7 +3408,7 @@
           <a:p>
             <a:fld id="{CCC18866-C919-4534-B6B5-FAE0959FF7A2}" type="datetimeFigureOut">
               <a:rPr kumimoji="1" lang="ja-JP" altLang="en-US" smtClean="0"/>
-              <a:t>2024/7/5</a:t>
+              <a:t>2024/7/9</a:t>
             </a:fld>
             <a:endParaRPr kumimoji="1" lang="ja-JP" altLang="en-US"/>
           </a:p>
@@ -4037,6 +4038,201 @@
           </a:p>
         </p:txBody>
       </p:sp>
+      <p:cxnSp>
+        <p:nvCxnSpPr>
+          <p:cNvPr id="4" name="直線コネクタ 3">
+            <a:extLst>
+              <a:ext uri="{FF2B5EF4-FFF2-40B4-BE49-F238E27FC236}">
+                <a16:creationId xmlns:a16="http://schemas.microsoft.com/office/drawing/2014/main" id="{201C2641-5BBC-4579-888E-41E49FF8F357}"/>
+              </a:ext>
+            </a:extLst>
+          </p:cNvPr>
+          <p:cNvCxnSpPr>
+            <a:cxnSpLocks/>
+          </p:cNvCxnSpPr>
+          <p:nvPr/>
+        </p:nvCxnSpPr>
+        <p:spPr>
+          <a:xfrm>
+            <a:off x="-60960" y="3528565"/>
+            <a:ext cx="12331700" cy="0"/>
+          </a:xfrm>
+          <a:prstGeom prst="line">
+            <a:avLst/>
+          </a:prstGeom>
+          <a:ln w="31750"/>
+        </p:spPr>
+        <p:style>
+          <a:lnRef idx="1">
+            <a:schemeClr val="accent1"/>
+          </a:lnRef>
+          <a:fillRef idx="0">
+            <a:schemeClr val="accent1"/>
+          </a:fillRef>
+          <a:effectRef idx="0">
+            <a:schemeClr val="accent1"/>
+          </a:effectRef>
+          <a:fontRef idx="minor">
+            <a:schemeClr val="tx1"/>
+          </a:fontRef>
+        </p:style>
+      </p:cxnSp>
+      <p:cxnSp>
+        <p:nvCxnSpPr>
+          <p:cNvPr id="8" name="直線コネクタ 7">
+            <a:extLst>
+              <a:ext uri="{FF2B5EF4-FFF2-40B4-BE49-F238E27FC236}">
+                <a16:creationId xmlns:a16="http://schemas.microsoft.com/office/drawing/2014/main" id="{DA6F128E-7263-4027-98A9-EEC37B2D4A90}"/>
+              </a:ext>
+            </a:extLst>
+          </p:cNvPr>
+          <p:cNvCxnSpPr>
+            <a:cxnSpLocks/>
+          </p:cNvCxnSpPr>
+          <p:nvPr/>
+        </p:nvCxnSpPr>
+        <p:spPr>
+          <a:xfrm>
+            <a:off x="10789920" y="3528565"/>
+            <a:ext cx="3989145" cy="0"/>
+          </a:xfrm>
+          <a:prstGeom prst="line">
+            <a:avLst/>
+          </a:prstGeom>
+          <a:ln w="31750"/>
+        </p:spPr>
+        <p:style>
+          <a:lnRef idx="1">
+            <a:schemeClr val="accent1"/>
+          </a:lnRef>
+          <a:fillRef idx="0">
+            <a:schemeClr val="accent1"/>
+          </a:fillRef>
+          <a:effectRef idx="0">
+            <a:schemeClr val="accent1"/>
+          </a:effectRef>
+          <a:fontRef idx="minor">
+            <a:schemeClr val="tx1"/>
+          </a:fontRef>
+        </p:style>
+      </p:cxnSp>
+      <p:cxnSp>
+        <p:nvCxnSpPr>
+          <p:cNvPr id="12" name="直線コネクタ 11">
+            <a:extLst>
+              <a:ext uri="{FF2B5EF4-FFF2-40B4-BE49-F238E27FC236}">
+                <a16:creationId xmlns:a16="http://schemas.microsoft.com/office/drawing/2014/main" id="{CD1D9B26-1F01-48DA-B2E6-39F394F1EE3E}"/>
+              </a:ext>
+            </a:extLst>
+          </p:cNvPr>
+          <p:cNvCxnSpPr>
+            <a:cxnSpLocks/>
+          </p:cNvCxnSpPr>
+          <p:nvPr/>
+        </p:nvCxnSpPr>
+        <p:spPr>
+          <a:xfrm>
+            <a:off x="7498080" y="4615685"/>
+            <a:ext cx="4772660" cy="0"/>
+          </a:xfrm>
+          <a:prstGeom prst="line">
+            <a:avLst/>
+          </a:prstGeom>
+          <a:ln w="31750"/>
+        </p:spPr>
+        <p:style>
+          <a:lnRef idx="1">
+            <a:schemeClr val="accent1"/>
+          </a:lnRef>
+          <a:fillRef idx="0">
+            <a:schemeClr val="accent1"/>
+          </a:fillRef>
+          <a:effectRef idx="0">
+            <a:schemeClr val="accent1"/>
+          </a:effectRef>
+          <a:fontRef idx="minor">
+            <a:schemeClr val="tx1"/>
+          </a:fontRef>
+        </p:style>
+      </p:cxnSp>
+      <p:cxnSp>
+        <p:nvCxnSpPr>
+          <p:cNvPr id="15" name="直線コネクタ 14">
+            <a:extLst>
+              <a:ext uri="{FF2B5EF4-FFF2-40B4-BE49-F238E27FC236}">
+                <a16:creationId xmlns:a16="http://schemas.microsoft.com/office/drawing/2014/main" id="{A1C4FE89-DE90-44BD-81B4-6B3C0FCCB12E}"/>
+              </a:ext>
+            </a:extLst>
+          </p:cNvPr>
+          <p:cNvCxnSpPr>
+            <a:cxnSpLocks/>
+          </p:cNvCxnSpPr>
+          <p:nvPr/>
+        </p:nvCxnSpPr>
+        <p:spPr>
+          <a:xfrm>
+            <a:off x="8575040" y="5448805"/>
+            <a:ext cx="3655060" cy="0"/>
+          </a:xfrm>
+          <a:prstGeom prst="line">
+            <a:avLst/>
+          </a:prstGeom>
+          <a:ln w="31750"/>
+        </p:spPr>
+        <p:style>
+          <a:lnRef idx="1">
+            <a:schemeClr val="accent1"/>
+          </a:lnRef>
+          <a:fillRef idx="0">
+            <a:schemeClr val="accent1"/>
+          </a:fillRef>
+          <a:effectRef idx="0">
+            <a:schemeClr val="accent1"/>
+          </a:effectRef>
+          <a:fontRef idx="minor">
+            <a:schemeClr val="tx1"/>
+          </a:fontRef>
+        </p:style>
+      </p:cxnSp>
+      <p:cxnSp>
+        <p:nvCxnSpPr>
+          <p:cNvPr id="17" name="直線コネクタ 16">
+            <a:extLst>
+              <a:ext uri="{FF2B5EF4-FFF2-40B4-BE49-F238E27FC236}">
+                <a16:creationId xmlns:a16="http://schemas.microsoft.com/office/drawing/2014/main" id="{E078AFD2-C87C-4FBD-9A87-B2BFBF44FC53}"/>
+              </a:ext>
+            </a:extLst>
+          </p:cNvPr>
+          <p:cNvCxnSpPr>
+            <a:cxnSpLocks/>
+          </p:cNvCxnSpPr>
+          <p:nvPr/>
+        </p:nvCxnSpPr>
+        <p:spPr>
+          <a:xfrm>
+            <a:off x="8575040" y="6068565"/>
+            <a:ext cx="3655060" cy="0"/>
+          </a:xfrm>
+          <a:prstGeom prst="line">
+            <a:avLst/>
+          </a:prstGeom>
+          <a:ln w="31750"/>
+        </p:spPr>
+        <p:style>
+          <a:lnRef idx="1">
+            <a:schemeClr val="accent1"/>
+          </a:lnRef>
+          <a:fillRef idx="0">
+            <a:schemeClr val="accent1"/>
+          </a:fillRef>
+          <a:effectRef idx="0">
+            <a:schemeClr val="accent1"/>
+          </a:effectRef>
+          <a:fontRef idx="minor">
+            <a:schemeClr val="tx1"/>
+          </a:fontRef>
+        </p:style>
+      </p:cxnSp>
     </p:spTree>
     <p:extLst>
       <p:ext uri="{BB962C8B-B14F-4D97-AF65-F5344CB8AC3E}">
@@ -4047,6 +4243,349 @@
   <p:clrMapOvr>
     <a:masterClrMapping/>
   </p:clrMapOvr>
+  <p:timing>
+    <p:tnLst>
+      <p:par>
+        <p:cTn id="1" dur="indefinite" restart="never" nodeType="tmRoot">
+          <p:childTnLst>
+            <p:seq concurrent="1" nextAc="seek">
+              <p:cTn id="2" dur="indefinite" nodeType="mainSeq">
+                <p:childTnLst>
+                  <p:par>
+                    <p:cTn id="3" fill="hold">
+                      <p:stCondLst>
+                        <p:cond delay="indefinite"/>
+                        <p:cond evt="onBegin" delay="0">
+                          <p:tn val="2"/>
+                        </p:cond>
+                      </p:stCondLst>
+                      <p:childTnLst>
+                        <p:par>
+                          <p:cTn id="4" fill="hold">
+                            <p:stCondLst>
+                              <p:cond delay="0"/>
+                            </p:stCondLst>
+                            <p:childTnLst>
+                              <p:par>
+                                <p:cTn id="5" presetID="2" presetClass="entr" presetSubtype="2" fill="hold" nodeType="afterEffect">
+                                  <p:stCondLst>
+                                    <p:cond delay="0"/>
+                                  </p:stCondLst>
+                                  <p:childTnLst>
+                                    <p:set>
+                                      <p:cBhvr>
+                                        <p:cTn id="6" dur="1" fill="hold">
+                                          <p:stCondLst>
+                                            <p:cond delay="0"/>
+                                          </p:stCondLst>
+                                        </p:cTn>
+                                        <p:tgtEl>
+                                          <p:spTgt spid="4"/>
+                                        </p:tgtEl>
+                                        <p:attrNameLst>
+                                          <p:attrName>style.visibility</p:attrName>
+                                        </p:attrNameLst>
+                                      </p:cBhvr>
+                                      <p:to>
+                                        <p:strVal val="visible"/>
+                                      </p:to>
+                                    </p:set>
+                                    <p:anim calcmode="lin" valueType="num">
+                                      <p:cBhvr additive="base">
+                                        <p:cTn id="7" dur="20000" fill="hold"/>
+                                        <p:tgtEl>
+                                          <p:spTgt spid="4"/>
+                                        </p:tgtEl>
+                                        <p:attrNameLst>
+                                          <p:attrName>ppt_x</p:attrName>
+                                        </p:attrNameLst>
+                                      </p:cBhvr>
+                                      <p:tavLst>
+                                        <p:tav tm="0">
+                                          <p:val>
+                                            <p:strVal val="1+#ppt_w/2"/>
+                                          </p:val>
+                                        </p:tav>
+                                        <p:tav tm="100000">
+                                          <p:val>
+                                            <p:strVal val="#ppt_x"/>
+                                          </p:val>
+                                        </p:tav>
+                                      </p:tavLst>
+                                    </p:anim>
+                                    <p:anim calcmode="lin" valueType="num">
+                                      <p:cBhvr additive="base">
+                                        <p:cTn id="8" dur="20000" fill="hold"/>
+                                        <p:tgtEl>
+                                          <p:spTgt spid="4"/>
+                                        </p:tgtEl>
+                                        <p:attrNameLst>
+                                          <p:attrName>ppt_y</p:attrName>
+                                        </p:attrNameLst>
+                                      </p:cBhvr>
+                                      <p:tavLst>
+                                        <p:tav tm="0">
+                                          <p:val>
+                                            <p:strVal val="#ppt_y"/>
+                                          </p:val>
+                                        </p:tav>
+                                        <p:tav tm="100000">
+                                          <p:val>
+                                            <p:strVal val="#ppt_y"/>
+                                          </p:val>
+                                        </p:tav>
+                                      </p:tavLst>
+                                    </p:anim>
+                                  </p:childTnLst>
+                                </p:cTn>
+                              </p:par>
+                              <p:par>
+                                <p:cTn id="9" presetID="2" presetClass="entr" presetSubtype="2" fill="hold" nodeType="withEffect">
+                                  <p:stCondLst>
+                                    <p:cond delay="0"/>
+                                  </p:stCondLst>
+                                  <p:childTnLst>
+                                    <p:set>
+                                      <p:cBhvr>
+                                        <p:cTn id="10" dur="1" fill="hold">
+                                          <p:stCondLst>
+                                            <p:cond delay="0"/>
+                                          </p:stCondLst>
+                                        </p:cTn>
+                                        <p:tgtEl>
+                                          <p:spTgt spid="12"/>
+                                        </p:tgtEl>
+                                        <p:attrNameLst>
+                                          <p:attrName>style.visibility</p:attrName>
+                                        </p:attrNameLst>
+                                      </p:cBhvr>
+                                      <p:to>
+                                        <p:strVal val="visible"/>
+                                      </p:to>
+                                    </p:set>
+                                    <p:anim calcmode="lin" valueType="num">
+                                      <p:cBhvr additive="base">
+                                        <p:cTn id="11" dur="15000" fill="hold"/>
+                                        <p:tgtEl>
+                                          <p:spTgt spid="12"/>
+                                        </p:tgtEl>
+                                        <p:attrNameLst>
+                                          <p:attrName>ppt_x</p:attrName>
+                                        </p:attrNameLst>
+                                      </p:cBhvr>
+                                      <p:tavLst>
+                                        <p:tav tm="0">
+                                          <p:val>
+                                            <p:strVal val="1+#ppt_w/2"/>
+                                          </p:val>
+                                        </p:tav>
+                                        <p:tav tm="100000">
+                                          <p:val>
+                                            <p:strVal val="#ppt_x"/>
+                                          </p:val>
+                                        </p:tav>
+                                      </p:tavLst>
+                                    </p:anim>
+                                    <p:anim calcmode="lin" valueType="num">
+                                      <p:cBhvr additive="base">
+                                        <p:cTn id="12" dur="15000" fill="hold"/>
+                                        <p:tgtEl>
+                                          <p:spTgt spid="12"/>
+                                        </p:tgtEl>
+                                        <p:attrNameLst>
+                                          <p:attrName>ppt_y</p:attrName>
+                                        </p:attrNameLst>
+                                      </p:cBhvr>
+                                      <p:tavLst>
+                                        <p:tav tm="0">
+                                          <p:val>
+                                            <p:strVal val="#ppt_y"/>
+                                          </p:val>
+                                        </p:tav>
+                                        <p:tav tm="100000">
+                                          <p:val>
+                                            <p:strVal val="#ppt_y"/>
+                                          </p:val>
+                                        </p:tav>
+                                      </p:tavLst>
+                                    </p:anim>
+                                  </p:childTnLst>
+                                </p:cTn>
+                              </p:par>
+                              <p:par>
+                                <p:cTn id="13" presetID="2" presetClass="entr" presetSubtype="2" fill="hold" nodeType="withEffect">
+                                  <p:stCondLst>
+                                    <p:cond delay="0"/>
+                                  </p:stCondLst>
+                                  <p:childTnLst>
+                                    <p:set>
+                                      <p:cBhvr>
+                                        <p:cTn id="14" dur="1" fill="hold">
+                                          <p:stCondLst>
+                                            <p:cond delay="0"/>
+                                          </p:stCondLst>
+                                        </p:cTn>
+                                        <p:tgtEl>
+                                          <p:spTgt spid="15"/>
+                                        </p:tgtEl>
+                                        <p:attrNameLst>
+                                          <p:attrName>style.visibility</p:attrName>
+                                        </p:attrNameLst>
+                                      </p:cBhvr>
+                                      <p:to>
+                                        <p:strVal val="visible"/>
+                                      </p:to>
+                                    </p:set>
+                                    <p:anim calcmode="lin" valueType="num">
+                                      <p:cBhvr additive="base">
+                                        <p:cTn id="15" dur="17000" fill="hold"/>
+                                        <p:tgtEl>
+                                          <p:spTgt spid="15"/>
+                                        </p:tgtEl>
+                                        <p:attrNameLst>
+                                          <p:attrName>ppt_x</p:attrName>
+                                        </p:attrNameLst>
+                                      </p:cBhvr>
+                                      <p:tavLst>
+                                        <p:tav tm="0">
+                                          <p:val>
+                                            <p:strVal val="1+#ppt_w/2"/>
+                                          </p:val>
+                                        </p:tav>
+                                        <p:tav tm="100000">
+                                          <p:val>
+                                            <p:strVal val="#ppt_x"/>
+                                          </p:val>
+                                        </p:tav>
+                                      </p:tavLst>
+                                    </p:anim>
+                                    <p:anim calcmode="lin" valueType="num">
+                                      <p:cBhvr additive="base">
+                                        <p:cTn id="16" dur="17000" fill="hold"/>
+                                        <p:tgtEl>
+                                          <p:spTgt spid="15"/>
+                                        </p:tgtEl>
+                                        <p:attrNameLst>
+                                          <p:attrName>ppt_y</p:attrName>
+                                        </p:attrNameLst>
+                                      </p:cBhvr>
+                                      <p:tavLst>
+                                        <p:tav tm="0">
+                                          <p:val>
+                                            <p:strVal val="#ppt_y"/>
+                                          </p:val>
+                                        </p:tav>
+                                        <p:tav tm="100000">
+                                          <p:val>
+                                            <p:strVal val="#ppt_y"/>
+                                          </p:val>
+                                        </p:tav>
+                                      </p:tavLst>
+                                    </p:anim>
+                                  </p:childTnLst>
+                                </p:cTn>
+                              </p:par>
+                              <p:par>
+                                <p:cTn id="17" presetID="2" presetClass="entr" presetSubtype="2" fill="hold" nodeType="withEffect">
+                                  <p:stCondLst>
+                                    <p:cond delay="0"/>
+                                  </p:stCondLst>
+                                  <p:childTnLst>
+                                    <p:set>
+                                      <p:cBhvr>
+                                        <p:cTn id="18" dur="1" fill="hold">
+                                          <p:stCondLst>
+                                            <p:cond delay="0"/>
+                                          </p:stCondLst>
+                                        </p:cTn>
+                                        <p:tgtEl>
+                                          <p:spTgt spid="17"/>
+                                        </p:tgtEl>
+                                        <p:attrNameLst>
+                                          <p:attrName>style.visibility</p:attrName>
+                                        </p:attrNameLst>
+                                      </p:cBhvr>
+                                      <p:to>
+                                        <p:strVal val="visible"/>
+                                      </p:to>
+                                    </p:set>
+                                    <p:anim calcmode="lin" valueType="num">
+                                      <p:cBhvr additive="base">
+                                        <p:cTn id="19" dur="20000" fill="hold"/>
+                                        <p:tgtEl>
+                                          <p:spTgt spid="17"/>
+                                        </p:tgtEl>
+                                        <p:attrNameLst>
+                                          <p:attrName>ppt_x</p:attrName>
+                                        </p:attrNameLst>
+                                      </p:cBhvr>
+                                      <p:tavLst>
+                                        <p:tav tm="0">
+                                          <p:val>
+                                            <p:strVal val="1+#ppt_w/2"/>
+                                          </p:val>
+                                        </p:tav>
+                                        <p:tav tm="100000">
+                                          <p:val>
+                                            <p:strVal val="#ppt_x"/>
+                                          </p:val>
+                                        </p:tav>
+                                      </p:tavLst>
+                                    </p:anim>
+                                    <p:anim calcmode="lin" valueType="num">
+                                      <p:cBhvr additive="base">
+                                        <p:cTn id="20" dur="20000" fill="hold"/>
+                                        <p:tgtEl>
+                                          <p:spTgt spid="17"/>
+                                        </p:tgtEl>
+                                        <p:attrNameLst>
+                                          <p:attrName>ppt_y</p:attrName>
+                                        </p:attrNameLst>
+                                      </p:cBhvr>
+                                      <p:tavLst>
+                                        <p:tav tm="0">
+                                          <p:val>
+                                            <p:strVal val="#ppt_y"/>
+                                          </p:val>
+                                        </p:tav>
+                                        <p:tav tm="100000">
+                                          <p:val>
+                                            <p:strVal val="#ppt_y"/>
+                                          </p:val>
+                                        </p:tav>
+                                      </p:tavLst>
+                                    </p:anim>
+                                  </p:childTnLst>
+                                </p:cTn>
+                              </p:par>
+                            </p:childTnLst>
+                          </p:cTn>
+                        </p:par>
+                      </p:childTnLst>
+                    </p:cTn>
+                  </p:par>
+                </p:childTnLst>
+              </p:cTn>
+              <p:prevCondLst>
+                <p:cond evt="onPrev" delay="0">
+                  <p:tgtEl>
+                    <p:sldTgt/>
+                  </p:tgtEl>
+                </p:cond>
+              </p:prevCondLst>
+              <p:nextCondLst>
+                <p:cond evt="onNext" delay="0">
+                  <p:tgtEl>
+                    <p:sldTgt/>
+                  </p:tgtEl>
+                </p:cond>
+              </p:nextCondLst>
+            </p:seq>
+          </p:childTnLst>
+        </p:cTn>
+      </p:par>
+    </p:tnLst>
+  </p:timing>
 </p:sld>
 </file>
 
@@ -4067,6 +4606,645 @@
           <a:chExt cx="0" cy="0"/>
         </a:xfrm>
       </p:grpSpPr>
+      <p:pic>
+        <p:nvPicPr>
+          <p:cNvPr id="5" name="図 4">
+            <a:extLst>
+              <a:ext uri="{FF2B5EF4-FFF2-40B4-BE49-F238E27FC236}">
+                <a16:creationId xmlns:a16="http://schemas.microsoft.com/office/drawing/2014/main" id="{ACB40065-A806-43C2-BFDA-F754C16DE289}"/>
+              </a:ext>
+            </a:extLst>
+          </p:cNvPr>
+          <p:cNvPicPr>
+            <a:picLocks noChangeAspect="1"/>
+          </p:cNvPicPr>
+          <p:nvPr/>
+        </p:nvPicPr>
+        <p:blipFill>
+          <a:blip r:embed="rId2">
+            <a:extLst>
+              <a:ext uri="{28A0092B-C50C-407E-A947-70E740481C1C}">
+                <a14:useLocalDpi xmlns:a14="http://schemas.microsoft.com/office/drawing/2010/main" val="0"/>
+              </a:ext>
+            </a:extLst>
+          </a:blip>
+          <a:stretch>
+            <a:fillRect/>
+          </a:stretch>
+        </p:blipFill>
+        <p:spPr>
+          <a:xfrm>
+            <a:off x="656230" y="1520189"/>
+            <a:ext cx="8003177" cy="4501787"/>
+          </a:xfrm>
+          <a:prstGeom prst="rect">
+            <a:avLst/>
+          </a:prstGeom>
+          <a:ln w="76200">
+            <a:solidFill>
+              <a:schemeClr val="bg1"/>
+            </a:solidFill>
+          </a:ln>
+        </p:spPr>
+      </p:pic>
+      <p:sp>
+        <p:nvSpPr>
+          <p:cNvPr id="4" name="正方形/長方形 3">
+            <a:extLst>
+              <a:ext uri="{FF2B5EF4-FFF2-40B4-BE49-F238E27FC236}">
+                <a16:creationId xmlns:a16="http://schemas.microsoft.com/office/drawing/2014/main" id="{570ABB6D-B163-45E8-BE4F-4E7182FFB510}"/>
+              </a:ext>
+            </a:extLst>
+          </p:cNvPr>
+          <p:cNvSpPr/>
+          <p:nvPr/>
+        </p:nvSpPr>
+        <p:spPr>
+          <a:xfrm>
+            <a:off x="529391" y="-174258"/>
+            <a:ext cx="9326878" cy="1102225"/>
+          </a:xfrm>
+          <a:prstGeom prst="rect">
+            <a:avLst/>
+          </a:prstGeom>
+        </p:spPr>
+        <p:txBody>
+          <a:bodyPr wrap="square">
+            <a:spAutoFit/>
+          </a:bodyPr>
+          <a:lstStyle/>
+          <a:p>
+            <a:pPr>
+              <a:lnSpc>
+                <a:spcPct val="200000"/>
+              </a:lnSpc>
+            </a:pPr>
+            <a:r>
+              <a:rPr kumimoji="1" lang="ja-JP" altLang="en-US" sz="4000" dirty="0">
+                <a:solidFill>
+                  <a:schemeClr val="accent2">
+                    <a:lumMod val="50000"/>
+                  </a:schemeClr>
+                </a:solidFill>
+                <a:latin typeface="HGP明朝B" panose="02020800000000000000" pitchFamily="18" charset="-128"/>
+                <a:ea typeface="HGP明朝B" panose="02020800000000000000" pitchFamily="18" charset="-128"/>
+              </a:rPr>
+              <a:t>ログイン成功→メイン画面</a:t>
+            </a:r>
+            <a:endParaRPr kumimoji="1" lang="en-US" altLang="ja-JP" sz="4000" dirty="0">
+              <a:solidFill>
+                <a:schemeClr val="accent2">
+                  <a:lumMod val="50000"/>
+                </a:schemeClr>
+              </a:solidFill>
+              <a:latin typeface="HGP明朝B" panose="02020800000000000000" pitchFamily="18" charset="-128"/>
+              <a:ea typeface="HGP明朝B" panose="02020800000000000000" pitchFamily="18" charset="-128"/>
+            </a:endParaRPr>
+          </a:p>
+        </p:txBody>
+      </p:sp>
+      <p:sp>
+        <p:nvSpPr>
+          <p:cNvPr id="7" name="テキスト ボックス 6">
+            <a:extLst>
+              <a:ext uri="{FF2B5EF4-FFF2-40B4-BE49-F238E27FC236}">
+                <a16:creationId xmlns:a16="http://schemas.microsoft.com/office/drawing/2014/main" id="{AC8DCB5A-6DEF-408A-B863-7BE1D324FAAC}"/>
+              </a:ext>
+            </a:extLst>
+          </p:cNvPr>
+          <p:cNvSpPr txBox="1"/>
+          <p:nvPr/>
+        </p:nvSpPr>
+        <p:spPr>
+          <a:xfrm>
+            <a:off x="529390" y="1058662"/>
+            <a:ext cx="2752825" cy="369332"/>
+          </a:xfrm>
+          <a:prstGeom prst="rect">
+            <a:avLst/>
+          </a:prstGeom>
+          <a:noFill/>
+        </p:spPr>
+        <p:txBody>
+          <a:bodyPr wrap="square" rtlCol="0">
+            <a:spAutoFit/>
+          </a:bodyPr>
+          <a:lstStyle/>
+          <a:p>
+            <a:r>
+              <a:rPr kumimoji="1" lang="ja-JP" altLang="en-US" dirty="0">
+                <a:latin typeface="HGP明朝B" panose="02020800000000000000" pitchFamily="18" charset="-128"/>
+                <a:ea typeface="HGP明朝B" panose="02020800000000000000" pitchFamily="18" charset="-128"/>
+              </a:rPr>
+              <a:t>メイン画面</a:t>
+            </a:r>
+          </a:p>
+        </p:txBody>
+      </p:sp>
+      <p:sp>
+        <p:nvSpPr>
+          <p:cNvPr id="10" name="テキスト ボックス 9">
+            <a:extLst>
+              <a:ext uri="{FF2B5EF4-FFF2-40B4-BE49-F238E27FC236}">
+                <a16:creationId xmlns:a16="http://schemas.microsoft.com/office/drawing/2014/main" id="{8B5B2833-2FF8-4E30-B76A-99E986E247C9}"/>
+              </a:ext>
+            </a:extLst>
+          </p:cNvPr>
+          <p:cNvSpPr txBox="1"/>
+          <p:nvPr/>
+        </p:nvSpPr>
+        <p:spPr>
+          <a:xfrm>
+            <a:off x="5436670" y="4334895"/>
+            <a:ext cx="6755330" cy="461665"/>
+          </a:xfrm>
+          <a:prstGeom prst="rect">
+            <a:avLst/>
+          </a:prstGeom>
+          <a:gradFill>
+            <a:gsLst>
+              <a:gs pos="0">
+                <a:srgbClr val="FBD8E8">
+                  <a:alpha val="0"/>
+                </a:srgbClr>
+              </a:gs>
+              <a:gs pos="40000">
+                <a:schemeClr val="accent2">
+                  <a:lumMod val="20000"/>
+                  <a:lumOff val="80000"/>
+                  <a:shade val="100000"/>
+                  <a:satMod val="115000"/>
+                </a:schemeClr>
+              </a:gs>
+            </a:gsLst>
+            <a:lin ang="10800000" scaled="1"/>
+          </a:gradFill>
+        </p:spPr>
+        <p:txBody>
+          <a:bodyPr wrap="square" rtlCol="0">
+            <a:spAutoFit/>
+          </a:bodyPr>
+          <a:lstStyle/>
+          <a:p>
+            <a:r>
+              <a:rPr kumimoji="1" lang="ja-JP" altLang="en-US" sz="2400" dirty="0">
+                <a:latin typeface="HGP明朝B" panose="02020800000000000000" pitchFamily="18" charset="-128"/>
+                <a:ea typeface="HGP明朝B" panose="02020800000000000000" pitchFamily="18" charset="-128"/>
+              </a:rPr>
+              <a:t>👈ゲーム画面へ</a:t>
+            </a:r>
+          </a:p>
+        </p:txBody>
+      </p:sp>
+      <p:sp>
+        <p:nvSpPr>
+          <p:cNvPr id="11" name="テキスト ボックス 10">
+            <a:extLst>
+              <a:ext uri="{FF2B5EF4-FFF2-40B4-BE49-F238E27FC236}">
+                <a16:creationId xmlns:a16="http://schemas.microsoft.com/office/drawing/2014/main" id="{45B4D28F-B8D0-4255-A143-1E8705D0E4E8}"/>
+              </a:ext>
+            </a:extLst>
+          </p:cNvPr>
+          <p:cNvSpPr txBox="1"/>
+          <p:nvPr/>
+        </p:nvSpPr>
+        <p:spPr>
+          <a:xfrm>
+            <a:off x="5436669" y="5001195"/>
+            <a:ext cx="6755330" cy="461665"/>
+          </a:xfrm>
+          <a:prstGeom prst="rect">
+            <a:avLst/>
+          </a:prstGeom>
+          <a:gradFill>
+            <a:gsLst>
+              <a:gs pos="0">
+                <a:srgbClr val="FBD8E8">
+                  <a:alpha val="0"/>
+                </a:srgbClr>
+              </a:gs>
+              <a:gs pos="40000">
+                <a:schemeClr val="accent2">
+                  <a:lumMod val="20000"/>
+                  <a:lumOff val="80000"/>
+                  <a:shade val="100000"/>
+                  <a:satMod val="115000"/>
+                </a:schemeClr>
+              </a:gs>
+            </a:gsLst>
+            <a:lin ang="10800000" scaled="1"/>
+          </a:gradFill>
+        </p:spPr>
+        <p:txBody>
+          <a:bodyPr wrap="square" rtlCol="0">
+            <a:spAutoFit/>
+          </a:bodyPr>
+          <a:lstStyle/>
+          <a:p>
+            <a:r>
+              <a:rPr kumimoji="1" lang="ja-JP" altLang="en-US" sz="2400" dirty="0">
+                <a:latin typeface="HGP明朝B" panose="02020800000000000000" pitchFamily="18" charset="-128"/>
+                <a:ea typeface="HGP明朝B" panose="02020800000000000000" pitchFamily="18" charset="-128"/>
+              </a:rPr>
+              <a:t>👈ログアウトし、ログイン画面へ</a:t>
+            </a:r>
+          </a:p>
+        </p:txBody>
+      </p:sp>
+      <p:sp>
+        <p:nvSpPr>
+          <p:cNvPr id="12" name="テキスト ボックス 11">
+            <a:extLst>
+              <a:ext uri="{FF2B5EF4-FFF2-40B4-BE49-F238E27FC236}">
+                <a16:creationId xmlns:a16="http://schemas.microsoft.com/office/drawing/2014/main" id="{5BEE00E8-6CCD-4E29-A88D-0FF8E463577D}"/>
+              </a:ext>
+            </a:extLst>
+          </p:cNvPr>
+          <p:cNvSpPr txBox="1"/>
+          <p:nvPr/>
+        </p:nvSpPr>
+        <p:spPr>
+          <a:xfrm>
+            <a:off x="5436668" y="3675314"/>
+            <a:ext cx="6755331" cy="461665"/>
+          </a:xfrm>
+          <a:prstGeom prst="rect">
+            <a:avLst/>
+          </a:prstGeom>
+          <a:gradFill flip="none" rotWithShape="1">
+            <a:gsLst>
+              <a:gs pos="0">
+                <a:srgbClr val="FBD8E8">
+                  <a:alpha val="0"/>
+                </a:srgbClr>
+              </a:gs>
+              <a:gs pos="40000">
+                <a:schemeClr val="accent2">
+                  <a:lumMod val="20000"/>
+                  <a:lumOff val="80000"/>
+                  <a:shade val="100000"/>
+                  <a:satMod val="115000"/>
+                </a:schemeClr>
+              </a:gs>
+            </a:gsLst>
+            <a:lin ang="10800000" scaled="1"/>
+            <a:tileRect/>
+          </a:gradFill>
+        </p:spPr>
+        <p:txBody>
+          <a:bodyPr wrap="square" rtlCol="0">
+            <a:spAutoFit/>
+          </a:bodyPr>
+          <a:lstStyle/>
+          <a:p>
+            <a:r>
+              <a:rPr kumimoji="1" lang="ja-JP" altLang="en-US" sz="2400" dirty="0">
+                <a:latin typeface="HGP明朝B" panose="02020800000000000000" pitchFamily="18" charset="-128"/>
+                <a:ea typeface="HGP明朝B" panose="02020800000000000000" pitchFamily="18" charset="-128"/>
+              </a:rPr>
+              <a:t>👈アカウント管理画面へ</a:t>
+            </a:r>
+          </a:p>
+        </p:txBody>
+      </p:sp>
+    </p:spTree>
+    <p:extLst>
+      <p:ext uri="{BB962C8B-B14F-4D97-AF65-F5344CB8AC3E}">
+        <p14:creationId xmlns:p14="http://schemas.microsoft.com/office/powerpoint/2010/main" val="1799780267"/>
+      </p:ext>
+    </p:extLst>
+  </p:cSld>
+  <p:clrMapOvr>
+    <a:masterClrMapping/>
+  </p:clrMapOvr>
+  <p:timing>
+    <p:tnLst>
+      <p:par>
+        <p:cTn id="1" dur="indefinite" restart="never" nodeType="tmRoot">
+          <p:childTnLst>
+            <p:seq concurrent="1" nextAc="seek">
+              <p:cTn id="2" dur="indefinite" nodeType="mainSeq">
+                <p:childTnLst>
+                  <p:par>
+                    <p:cTn id="3" fill="hold">
+                      <p:stCondLst>
+                        <p:cond delay="indefinite"/>
+                      </p:stCondLst>
+                      <p:childTnLst>
+                        <p:par>
+                          <p:cTn id="4" fill="hold">
+                            <p:stCondLst>
+                              <p:cond delay="0"/>
+                            </p:stCondLst>
+                            <p:childTnLst>
+                              <p:par>
+                                <p:cTn id="5" presetID="2" presetClass="entr" presetSubtype="2" fill="hold" grpId="0" nodeType="clickEffect">
+                                  <p:stCondLst>
+                                    <p:cond delay="0"/>
+                                  </p:stCondLst>
+                                  <p:childTnLst>
+                                    <p:set>
+                                      <p:cBhvr>
+                                        <p:cTn id="6" dur="1" fill="hold">
+                                          <p:stCondLst>
+                                            <p:cond delay="0"/>
+                                          </p:stCondLst>
+                                        </p:cTn>
+                                        <p:tgtEl>
+                                          <p:spTgt spid="12"/>
+                                        </p:tgtEl>
+                                        <p:attrNameLst>
+                                          <p:attrName>style.visibility</p:attrName>
+                                        </p:attrNameLst>
+                                      </p:cBhvr>
+                                      <p:to>
+                                        <p:strVal val="visible"/>
+                                      </p:to>
+                                    </p:set>
+                                    <p:anim calcmode="lin" valueType="num">
+                                      <p:cBhvr additive="base">
+                                        <p:cTn id="7" dur="500" fill="hold"/>
+                                        <p:tgtEl>
+                                          <p:spTgt spid="12"/>
+                                        </p:tgtEl>
+                                        <p:attrNameLst>
+                                          <p:attrName>ppt_x</p:attrName>
+                                        </p:attrNameLst>
+                                      </p:cBhvr>
+                                      <p:tavLst>
+                                        <p:tav tm="0">
+                                          <p:val>
+                                            <p:strVal val="1+#ppt_w/2"/>
+                                          </p:val>
+                                        </p:tav>
+                                        <p:tav tm="100000">
+                                          <p:val>
+                                            <p:strVal val="#ppt_x"/>
+                                          </p:val>
+                                        </p:tav>
+                                      </p:tavLst>
+                                    </p:anim>
+                                    <p:anim calcmode="lin" valueType="num">
+                                      <p:cBhvr additive="base">
+                                        <p:cTn id="8" dur="500" fill="hold"/>
+                                        <p:tgtEl>
+                                          <p:spTgt spid="12"/>
+                                        </p:tgtEl>
+                                        <p:attrNameLst>
+                                          <p:attrName>ppt_y</p:attrName>
+                                        </p:attrNameLst>
+                                      </p:cBhvr>
+                                      <p:tavLst>
+                                        <p:tav tm="0">
+                                          <p:val>
+                                            <p:strVal val="#ppt_y"/>
+                                          </p:val>
+                                        </p:tav>
+                                        <p:tav tm="100000">
+                                          <p:val>
+                                            <p:strVal val="#ppt_y"/>
+                                          </p:val>
+                                        </p:tav>
+                                      </p:tavLst>
+                                    </p:anim>
+                                  </p:childTnLst>
+                                </p:cTn>
+                              </p:par>
+                            </p:childTnLst>
+                          </p:cTn>
+                        </p:par>
+                      </p:childTnLst>
+                    </p:cTn>
+                  </p:par>
+                  <p:par>
+                    <p:cTn id="9" fill="hold">
+                      <p:stCondLst>
+                        <p:cond delay="indefinite"/>
+                      </p:stCondLst>
+                      <p:childTnLst>
+                        <p:par>
+                          <p:cTn id="10" fill="hold">
+                            <p:stCondLst>
+                              <p:cond delay="0"/>
+                            </p:stCondLst>
+                            <p:childTnLst>
+                              <p:par>
+                                <p:cTn id="11" presetID="2" presetClass="entr" presetSubtype="2" fill="hold" grpId="0" nodeType="clickEffect">
+                                  <p:stCondLst>
+                                    <p:cond delay="0"/>
+                                  </p:stCondLst>
+                                  <p:childTnLst>
+                                    <p:set>
+                                      <p:cBhvr>
+                                        <p:cTn id="12" dur="1" fill="hold">
+                                          <p:stCondLst>
+                                            <p:cond delay="0"/>
+                                          </p:stCondLst>
+                                        </p:cTn>
+                                        <p:tgtEl>
+                                          <p:spTgt spid="10"/>
+                                        </p:tgtEl>
+                                        <p:attrNameLst>
+                                          <p:attrName>style.visibility</p:attrName>
+                                        </p:attrNameLst>
+                                      </p:cBhvr>
+                                      <p:to>
+                                        <p:strVal val="visible"/>
+                                      </p:to>
+                                    </p:set>
+                                    <p:anim calcmode="lin" valueType="num">
+                                      <p:cBhvr additive="base">
+                                        <p:cTn id="13" dur="500" fill="hold"/>
+                                        <p:tgtEl>
+                                          <p:spTgt spid="10"/>
+                                        </p:tgtEl>
+                                        <p:attrNameLst>
+                                          <p:attrName>ppt_x</p:attrName>
+                                        </p:attrNameLst>
+                                      </p:cBhvr>
+                                      <p:tavLst>
+                                        <p:tav tm="0">
+                                          <p:val>
+                                            <p:strVal val="1+#ppt_w/2"/>
+                                          </p:val>
+                                        </p:tav>
+                                        <p:tav tm="100000">
+                                          <p:val>
+                                            <p:strVal val="#ppt_x"/>
+                                          </p:val>
+                                        </p:tav>
+                                      </p:tavLst>
+                                    </p:anim>
+                                    <p:anim calcmode="lin" valueType="num">
+                                      <p:cBhvr additive="base">
+                                        <p:cTn id="14" dur="500" fill="hold"/>
+                                        <p:tgtEl>
+                                          <p:spTgt spid="10"/>
+                                        </p:tgtEl>
+                                        <p:attrNameLst>
+                                          <p:attrName>ppt_y</p:attrName>
+                                        </p:attrNameLst>
+                                      </p:cBhvr>
+                                      <p:tavLst>
+                                        <p:tav tm="0">
+                                          <p:val>
+                                            <p:strVal val="#ppt_y"/>
+                                          </p:val>
+                                        </p:tav>
+                                        <p:tav tm="100000">
+                                          <p:val>
+                                            <p:strVal val="#ppt_y"/>
+                                          </p:val>
+                                        </p:tav>
+                                      </p:tavLst>
+                                    </p:anim>
+                                  </p:childTnLst>
+                                </p:cTn>
+                              </p:par>
+                            </p:childTnLst>
+                          </p:cTn>
+                        </p:par>
+                      </p:childTnLst>
+                    </p:cTn>
+                  </p:par>
+                  <p:par>
+                    <p:cTn id="15" fill="hold">
+                      <p:stCondLst>
+                        <p:cond delay="indefinite"/>
+                      </p:stCondLst>
+                      <p:childTnLst>
+                        <p:par>
+                          <p:cTn id="16" fill="hold">
+                            <p:stCondLst>
+                              <p:cond delay="0"/>
+                            </p:stCondLst>
+                            <p:childTnLst>
+                              <p:par>
+                                <p:cTn id="17" presetID="2" presetClass="entr" presetSubtype="2" fill="hold" grpId="0" nodeType="clickEffect">
+                                  <p:stCondLst>
+                                    <p:cond delay="0"/>
+                                  </p:stCondLst>
+                                  <p:childTnLst>
+                                    <p:set>
+                                      <p:cBhvr>
+                                        <p:cTn id="18" dur="1" fill="hold">
+                                          <p:stCondLst>
+                                            <p:cond delay="0"/>
+                                          </p:stCondLst>
+                                        </p:cTn>
+                                        <p:tgtEl>
+                                          <p:spTgt spid="11"/>
+                                        </p:tgtEl>
+                                        <p:attrNameLst>
+                                          <p:attrName>style.visibility</p:attrName>
+                                        </p:attrNameLst>
+                                      </p:cBhvr>
+                                      <p:to>
+                                        <p:strVal val="visible"/>
+                                      </p:to>
+                                    </p:set>
+                                    <p:anim calcmode="lin" valueType="num">
+                                      <p:cBhvr additive="base">
+                                        <p:cTn id="19" dur="500" fill="hold"/>
+                                        <p:tgtEl>
+                                          <p:spTgt spid="11"/>
+                                        </p:tgtEl>
+                                        <p:attrNameLst>
+                                          <p:attrName>ppt_x</p:attrName>
+                                        </p:attrNameLst>
+                                      </p:cBhvr>
+                                      <p:tavLst>
+                                        <p:tav tm="0">
+                                          <p:val>
+                                            <p:strVal val="1+#ppt_w/2"/>
+                                          </p:val>
+                                        </p:tav>
+                                        <p:tav tm="100000">
+                                          <p:val>
+                                            <p:strVal val="#ppt_x"/>
+                                          </p:val>
+                                        </p:tav>
+                                      </p:tavLst>
+                                    </p:anim>
+                                    <p:anim calcmode="lin" valueType="num">
+                                      <p:cBhvr additive="base">
+                                        <p:cTn id="20" dur="500" fill="hold"/>
+                                        <p:tgtEl>
+                                          <p:spTgt spid="11"/>
+                                        </p:tgtEl>
+                                        <p:attrNameLst>
+                                          <p:attrName>ppt_y</p:attrName>
+                                        </p:attrNameLst>
+                                      </p:cBhvr>
+                                      <p:tavLst>
+                                        <p:tav tm="0">
+                                          <p:val>
+                                            <p:strVal val="#ppt_y"/>
+                                          </p:val>
+                                        </p:tav>
+                                        <p:tav tm="100000">
+                                          <p:val>
+                                            <p:strVal val="#ppt_y"/>
+                                          </p:val>
+                                        </p:tav>
+                                      </p:tavLst>
+                                    </p:anim>
+                                  </p:childTnLst>
+                                </p:cTn>
+                              </p:par>
+                            </p:childTnLst>
+                          </p:cTn>
+                        </p:par>
+                      </p:childTnLst>
+                    </p:cTn>
+                  </p:par>
+                </p:childTnLst>
+              </p:cTn>
+              <p:prevCondLst>
+                <p:cond evt="onPrev" delay="0">
+                  <p:tgtEl>
+                    <p:sldTgt/>
+                  </p:tgtEl>
+                </p:cond>
+              </p:prevCondLst>
+              <p:nextCondLst>
+                <p:cond evt="onNext" delay="0">
+                  <p:tgtEl>
+                    <p:sldTgt/>
+                  </p:tgtEl>
+                </p:cond>
+              </p:nextCondLst>
+            </p:seq>
+          </p:childTnLst>
+        </p:cTn>
+      </p:par>
+    </p:tnLst>
+    <p:bldLst>
+      <p:bldP spid="10" grpId="0" animBg="1"/>
+      <p:bldP spid="11" grpId="0" animBg="1"/>
+      <p:bldP spid="12" grpId="0" animBg="1"/>
+    </p:bldLst>
+  </p:timing>
+</p:sld>
+</file>
+
+<file path=ppt/slides/slide11.xml><?xml version="1.0" encoding="utf-8"?>
+<p:sld xmlns:a="http://schemas.openxmlformats.org/drawingml/2006/main" xmlns:r="http://schemas.openxmlformats.org/officeDocument/2006/relationships" xmlns:p="http://schemas.openxmlformats.org/presentationml/2006/main">
+  <p:cSld>
+    <p:spTree>
+      <p:nvGrpSpPr>
+        <p:cNvPr id="1" name=""/>
+        <p:cNvGrpSpPr/>
+        <p:nvPr/>
+      </p:nvGrpSpPr>
+      <p:grpSpPr>
+        <a:xfrm>
+          <a:off x="0" y="0"/>
+          <a:ext cx="0" cy="0"/>
+          <a:chOff x="0" y="0"/>
+          <a:chExt cx="0" cy="0"/>
+        </a:xfrm>
+      </p:grpSpPr>
       <p:sp>
         <p:nvSpPr>
           <p:cNvPr id="2" name="タイトル 1">
@@ -4191,7 +5369,7 @@
 </p:sld>
 </file>
 
-<file path=ppt/slides/slide11.xml><?xml version="1.0" encoding="utf-8"?>
+<file path=ppt/slides/slide12.xml><?xml version="1.0" encoding="utf-8"?>
 <p:sld xmlns:a="http://schemas.openxmlformats.org/drawingml/2006/main" xmlns:r="http://schemas.openxmlformats.org/officeDocument/2006/relationships" xmlns:p="http://schemas.openxmlformats.org/presentationml/2006/main">
   <p:cSld>
     <p:spTree>
@@ -4333,7 +5511,7 @@
 </p:sld>
 </file>
 
-<file path=ppt/slides/slide12.xml><?xml version="1.0" encoding="utf-8"?>
+<file path=ppt/slides/slide13.xml><?xml version="1.0" encoding="utf-8"?>
 <p:sld xmlns:a="http://schemas.openxmlformats.org/drawingml/2006/main" xmlns:r="http://schemas.openxmlformats.org/officeDocument/2006/relationships" xmlns:p="http://schemas.openxmlformats.org/presentationml/2006/main">
   <p:cSld>
     <p:spTree>
@@ -4475,7 +5653,7 @@
 </p:sld>
 </file>
 
-<file path=ppt/slides/slide13.xml><?xml version="1.0" encoding="utf-8"?>
+<file path=ppt/slides/slide14.xml><?xml version="1.0" encoding="utf-8"?>
 <p:sld xmlns:a="http://schemas.openxmlformats.org/drawingml/2006/main" xmlns:r="http://schemas.openxmlformats.org/officeDocument/2006/relationships" xmlns:p="http://schemas.openxmlformats.org/presentationml/2006/main">
   <p:cSld>
     <p:spTree>
@@ -4605,7 +5783,7 @@
 </p:sld>
 </file>
 
-<file path=ppt/slides/slide14.xml><?xml version="1.0" encoding="utf-8"?>
+<file path=ppt/slides/slide15.xml><?xml version="1.0" encoding="utf-8"?>
 <p:sld xmlns:a="http://schemas.openxmlformats.org/drawingml/2006/main" xmlns:r="http://schemas.openxmlformats.org/officeDocument/2006/relationships" xmlns:p="http://schemas.openxmlformats.org/presentationml/2006/main">
   <p:cSld>
     <p:spTree>
@@ -7183,18 +8361,26 @@
         </p:nvSpPr>
         <p:spPr>
           <a:xfrm>
-            <a:off x="5229725" y="4587444"/>
-            <a:ext cx="4222282" cy="461665"/>
+            <a:off x="5229724" y="4587444"/>
+            <a:ext cx="6962275" cy="461665"/>
           </a:xfrm>
           <a:prstGeom prst="rect">
             <a:avLst/>
           </a:prstGeom>
-          <a:solidFill>
-            <a:schemeClr val="accent2">
-              <a:lumMod val="20000"/>
-              <a:lumOff val="80000"/>
-            </a:schemeClr>
-          </a:solidFill>
+          <a:gradFill flip="none" rotWithShape="1">
+            <a:gsLst>
+              <a:gs pos="0">
+                <a:srgbClr val="FBD8E8">
+                  <a:alpha val="0"/>
+                </a:srgbClr>
+              </a:gs>
+              <a:gs pos="40000">
+                <a:srgbClr val="FBD8E8"/>
+              </a:gs>
+            </a:gsLst>
+            <a:lin ang="10800000" scaled="1"/>
+            <a:tileRect/>
+          </a:gradFill>
         </p:spPr>
         <p:txBody>
           <a:bodyPr wrap="square" rtlCol="0">
@@ -7492,8 +8678,11 @@
           <a:lstStyle/>
           <a:p>
             <a:r>
-              <a:rPr kumimoji="1" lang="ja-JP" altLang="en-US" dirty="0"/>
-              <a:t>ログイン画面</a:t>
+              <a:rPr kumimoji="1" lang="ja-JP" altLang="en-US" dirty="0">
+                <a:latin typeface="HGS明朝B" panose="02020800000000000000" pitchFamily="18" charset="-128"/>
+                <a:ea typeface="HGS明朝B" panose="02020800000000000000" pitchFamily="18" charset="-128"/>
+              </a:rPr>
+              <a:t>新規会員登録画面</a:t>
             </a:r>
           </a:p>
         </p:txBody>
@@ -7512,8 +8701,8 @@
         </p:nvSpPr>
         <p:spPr>
           <a:xfrm>
-            <a:off x="5582653" y="3429000"/>
-            <a:ext cx="6294921" cy="461665"/>
+            <a:off x="5651864" y="3429000"/>
+            <a:ext cx="6540136" cy="461665"/>
           </a:xfrm>
           <a:prstGeom prst="rect">
             <a:avLst/>
@@ -7538,6 +8727,58 @@
               </a:rPr>
               <a:t>👈それぞれを記入し、新規登録ボタンをクリック。</a:t>
             </a:r>
+          </a:p>
+        </p:txBody>
+      </p:sp>
+      <p:sp>
+        <p:nvSpPr>
+          <p:cNvPr id="2" name="楕円 1">
+            <a:extLst>
+              <a:ext uri="{FF2B5EF4-FFF2-40B4-BE49-F238E27FC236}">
+                <a16:creationId xmlns:a16="http://schemas.microsoft.com/office/drawing/2014/main" id="{99A0BFEF-E5EF-4DBC-BC41-1B33E20FC045}"/>
+              </a:ext>
+            </a:extLst>
+          </p:cNvPr>
+          <p:cNvSpPr/>
+          <p:nvPr/>
+        </p:nvSpPr>
+        <p:spPr>
+          <a:xfrm>
+            <a:off x="3344100" y="2268040"/>
+            <a:ext cx="2307764" cy="2856411"/>
+          </a:xfrm>
+          <a:prstGeom prst="ellipse">
+            <a:avLst/>
+          </a:prstGeom>
+          <a:noFill/>
+          <a:ln>
+            <a:solidFill>
+              <a:srgbClr val="C00000"/>
+            </a:solidFill>
+          </a:ln>
+        </p:spPr>
+        <p:style>
+          <a:lnRef idx="2">
+            <a:schemeClr val="accent1">
+              <a:shade val="50000"/>
+            </a:schemeClr>
+          </a:lnRef>
+          <a:fillRef idx="1">
+            <a:schemeClr val="accent1"/>
+          </a:fillRef>
+          <a:effectRef idx="0">
+            <a:schemeClr val="accent1"/>
+          </a:effectRef>
+          <a:fontRef idx="minor">
+            <a:schemeClr val="lt1"/>
+          </a:fontRef>
+        </p:style>
+        <p:txBody>
+          <a:bodyPr rtlCol="0" anchor="ctr"/>
+          <a:lstStyle/>
+          <a:p>
+            <a:pPr algn="ctr"/>
+            <a:endParaRPr kumimoji="1" lang="ja-JP" altLang="en-US"/>
           </a:p>
         </p:txBody>
       </p:sp>
@@ -7572,7 +8813,7 @@
                             </p:stCondLst>
                             <p:childTnLst>
                               <p:par>
-                                <p:cTn id="5" presetID="2" presetClass="entr" presetSubtype="2" fill="hold" grpId="0" nodeType="clickEffect">
+                                <p:cTn id="5" presetID="10" presetClass="entr" presetSubtype="0" fill="hold" grpId="0" nodeType="clickEffect">
                                   <p:stCondLst>
                                     <p:cond delay="0"/>
                                   </p:stCondLst>
@@ -7580,6 +8821,59 @@
                                     <p:set>
                                       <p:cBhvr>
                                         <p:cTn id="6" dur="1" fill="hold">
+                                          <p:stCondLst>
+                                            <p:cond delay="0"/>
+                                          </p:stCondLst>
+                                        </p:cTn>
+                                        <p:tgtEl>
+                                          <p:spTgt spid="2"/>
+                                        </p:tgtEl>
+                                        <p:attrNameLst>
+                                          <p:attrName>style.visibility</p:attrName>
+                                        </p:attrNameLst>
+                                      </p:cBhvr>
+                                      <p:to>
+                                        <p:strVal val="visible"/>
+                                      </p:to>
+                                    </p:set>
+                                    <p:animEffect transition="in" filter="fade">
+                                      <p:cBhvr>
+                                        <p:cTn id="7" dur="500"/>
+                                        <p:tgtEl>
+                                          <p:spTgt spid="2"/>
+                                        </p:tgtEl>
+                                      </p:cBhvr>
+                                    </p:animEffect>
+                                  </p:childTnLst>
+                                </p:cTn>
+                              </p:par>
+                            </p:childTnLst>
+                          </p:cTn>
+                        </p:par>
+                      </p:childTnLst>
+                    </p:cTn>
+                  </p:par>
+                  <p:par>
+                    <p:cTn id="8" fill="hold">
+                      <p:stCondLst>
+                        <p:cond delay="indefinite"/>
+                      </p:stCondLst>
+                      <p:childTnLst>
+                        <p:par>
+                          <p:cTn id="9" fill="hold">
+                            <p:stCondLst>
+                              <p:cond delay="0"/>
+                            </p:stCondLst>
+                            <p:childTnLst>
+                              <p:par>
+                                <p:cTn id="10" presetID="2" presetClass="entr" presetSubtype="2" fill="hold" grpId="0" nodeType="clickEffect">
+                                  <p:stCondLst>
+                                    <p:cond delay="0"/>
+                                  </p:stCondLst>
+                                  <p:childTnLst>
+                                    <p:set>
+                                      <p:cBhvr>
+                                        <p:cTn id="11" dur="1" fill="hold">
                                           <p:stCondLst>
                                             <p:cond delay="0"/>
                                           </p:stCondLst>
@@ -7597,7 +8891,7 @@
                                     </p:set>
                                     <p:anim calcmode="lin" valueType="num">
                                       <p:cBhvr additive="base">
-                                        <p:cTn id="7" dur="500" fill="hold"/>
+                                        <p:cTn id="12" dur="500" fill="hold"/>
                                         <p:tgtEl>
                                           <p:spTgt spid="8"/>
                                         </p:tgtEl>
@@ -7620,7 +8914,7 @@
                                     </p:anim>
                                     <p:anim calcmode="lin" valueType="num">
                                       <p:cBhvr additive="base">
-                                        <p:cTn id="8" dur="500" fill="hold"/>
+                                        <p:cTn id="13" dur="500" fill="hold"/>
                                         <p:tgtEl>
                                           <p:spTgt spid="8"/>
                                         </p:tgtEl>
@@ -7673,6 +8967,7 @@
     </p:tnLst>
     <p:bldLst>
       <p:bldP spid="8" grpId="0" animBg="1"/>
+      <p:bldP spid="2" grpId="0" animBg="1"/>
     </p:bldLst>
   </p:timing>
 </p:sld>
@@ -7695,12 +8990,68 @@
           <a:chExt cx="0" cy="0"/>
         </a:xfrm>
       </p:grpSpPr>
+      <p:sp>
+        <p:nvSpPr>
+          <p:cNvPr id="4" name="正方形/長方形 3">
+            <a:extLst>
+              <a:ext uri="{FF2B5EF4-FFF2-40B4-BE49-F238E27FC236}">
+                <a16:creationId xmlns:a16="http://schemas.microsoft.com/office/drawing/2014/main" id="{570ABB6D-B163-45E8-BE4F-4E7182FFB510}"/>
+              </a:ext>
+            </a:extLst>
+          </p:cNvPr>
+          <p:cNvSpPr/>
+          <p:nvPr/>
+        </p:nvSpPr>
+        <p:spPr>
+          <a:xfrm>
+            <a:off x="529391" y="-174258"/>
+            <a:ext cx="9326878" cy="1102225"/>
+          </a:xfrm>
+          <a:prstGeom prst="rect">
+            <a:avLst/>
+          </a:prstGeom>
+        </p:spPr>
+        <p:txBody>
+          <a:bodyPr wrap="square">
+            <a:spAutoFit/>
+          </a:bodyPr>
+          <a:lstStyle/>
+          <a:p>
+            <a:pPr>
+              <a:lnSpc>
+                <a:spcPct val="200000"/>
+              </a:lnSpc>
+            </a:pPr>
+            <a:r>
+              <a:rPr kumimoji="1" lang="ja-JP" altLang="en-US" sz="4000" dirty="0">
+                <a:solidFill>
+                  <a:schemeClr val="accent2">
+                    <a:lumMod val="50000"/>
+                  </a:schemeClr>
+                </a:solidFill>
+                <a:latin typeface="HGP明朝B" panose="02020800000000000000" pitchFamily="18" charset="-128"/>
+                <a:ea typeface="HGP明朝B" panose="02020800000000000000" pitchFamily="18" charset="-128"/>
+              </a:rPr>
+              <a:t>アカウント作成ユーザーによるログイン機能</a:t>
+            </a:r>
+            <a:endParaRPr kumimoji="1" lang="en-US" altLang="ja-JP" sz="4000" dirty="0">
+              <a:solidFill>
+                <a:schemeClr val="accent2">
+                  <a:lumMod val="50000"/>
+                </a:schemeClr>
+              </a:solidFill>
+              <a:latin typeface="HGP明朝B" panose="02020800000000000000" pitchFamily="18" charset="-128"/>
+              <a:ea typeface="HGP明朝B" panose="02020800000000000000" pitchFamily="18" charset="-128"/>
+            </a:endParaRPr>
+          </a:p>
+        </p:txBody>
+      </p:sp>
       <p:pic>
         <p:nvPicPr>
-          <p:cNvPr id="3" name="図 2">
+          <p:cNvPr id="6" name="図 5">
             <a:extLst>
               <a:ext uri="{FF2B5EF4-FFF2-40B4-BE49-F238E27FC236}">
-                <a16:creationId xmlns:a16="http://schemas.microsoft.com/office/drawing/2014/main" id="{C6D5114F-6262-416D-9726-1092B49BEF7F}"/>
+                <a16:creationId xmlns:a16="http://schemas.microsoft.com/office/drawing/2014/main" id="{D7808F05-C8DA-4B68-B33F-6F3B5DCC454F}"/>
               </a:ext>
             </a:extLst>
           </p:cNvPr>
@@ -7723,8 +9074,8 @@
         </p:blipFill>
         <p:spPr>
           <a:xfrm>
-            <a:off x="656229" y="1520189"/>
-            <a:ext cx="8003173" cy="4501785"/>
+            <a:off x="656230" y="1520190"/>
+            <a:ext cx="8003177" cy="4501786"/>
           </a:xfrm>
           <a:prstGeom prst="rect">
             <a:avLst/>
@@ -7738,62 +9089,6 @@
       </p:pic>
       <p:sp>
         <p:nvSpPr>
-          <p:cNvPr id="4" name="正方形/長方形 3">
-            <a:extLst>
-              <a:ext uri="{FF2B5EF4-FFF2-40B4-BE49-F238E27FC236}">
-                <a16:creationId xmlns:a16="http://schemas.microsoft.com/office/drawing/2014/main" id="{570ABB6D-B163-45E8-BE4F-4E7182FFB510}"/>
-              </a:ext>
-            </a:extLst>
-          </p:cNvPr>
-          <p:cNvSpPr/>
-          <p:nvPr/>
-        </p:nvSpPr>
-        <p:spPr>
-          <a:xfrm>
-            <a:off x="529391" y="-174258"/>
-            <a:ext cx="9326878" cy="1102225"/>
-          </a:xfrm>
-          <a:prstGeom prst="rect">
-            <a:avLst/>
-          </a:prstGeom>
-        </p:spPr>
-        <p:txBody>
-          <a:bodyPr wrap="square">
-            <a:spAutoFit/>
-          </a:bodyPr>
-          <a:lstStyle/>
-          <a:p>
-            <a:pPr>
-              <a:lnSpc>
-                <a:spcPct val="200000"/>
-              </a:lnSpc>
-            </a:pPr>
-            <a:r>
-              <a:rPr kumimoji="1" lang="ja-JP" altLang="en-US" sz="4000" dirty="0">
-                <a:solidFill>
-                  <a:schemeClr val="accent2">
-                    <a:lumMod val="50000"/>
-                  </a:schemeClr>
-                </a:solidFill>
-                <a:latin typeface="HGP明朝B" panose="02020800000000000000" pitchFamily="18" charset="-128"/>
-                <a:ea typeface="HGP明朝B" panose="02020800000000000000" pitchFamily="18" charset="-128"/>
-              </a:rPr>
-              <a:t>アカウント作成ユーザーによるログイン機能</a:t>
-            </a:r>
-            <a:endParaRPr kumimoji="1" lang="en-US" altLang="ja-JP" sz="4000" dirty="0">
-              <a:solidFill>
-                <a:schemeClr val="accent2">
-                  <a:lumMod val="50000"/>
-                </a:schemeClr>
-              </a:solidFill>
-              <a:latin typeface="HGP明朝B" panose="02020800000000000000" pitchFamily="18" charset="-128"/>
-              <a:ea typeface="HGP明朝B" panose="02020800000000000000" pitchFamily="18" charset="-128"/>
-            </a:endParaRPr>
-          </a:p>
-        </p:txBody>
-      </p:sp>
-      <p:sp>
-        <p:nvSpPr>
           <p:cNvPr id="7" name="テキスト ボックス 6">
             <a:extLst>
               <a:ext uri="{FF2B5EF4-FFF2-40B4-BE49-F238E27FC236}">
@@ -7821,7 +9116,10 @@
           <a:lstStyle/>
           <a:p>
             <a:r>
-              <a:rPr kumimoji="1" lang="ja-JP" altLang="en-US" dirty="0"/>
+              <a:rPr kumimoji="1" lang="ja-JP" altLang="en-US" dirty="0">
+                <a:latin typeface="HGP明朝B" panose="02020800000000000000" pitchFamily="18" charset="-128"/>
+                <a:ea typeface="HGP明朝B" panose="02020800000000000000" pitchFamily="18" charset="-128"/>
+              </a:rPr>
               <a:t>ログイン画面</a:t>
             </a:r>
           </a:p>
@@ -7841,8 +9139,59 @@
         </p:nvSpPr>
         <p:spPr>
           <a:xfrm>
-            <a:off x="8980371" y="1427994"/>
-            <a:ext cx="3211629" cy="923330"/>
+            <a:off x="5192830" y="4221684"/>
+            <a:ext cx="6999170" cy="461665"/>
+          </a:xfrm>
+          <a:prstGeom prst="rect">
+            <a:avLst/>
+          </a:prstGeom>
+          <a:gradFill flip="none" rotWithShape="1">
+            <a:gsLst>
+              <a:gs pos="0">
+                <a:srgbClr val="FBD8E8">
+                  <a:alpha val="0"/>
+                </a:srgbClr>
+              </a:gs>
+              <a:gs pos="40000">
+                <a:srgbClr val="FBD8E8"/>
+              </a:gs>
+            </a:gsLst>
+            <a:lin ang="10800000" scaled="1"/>
+            <a:tileRect/>
+          </a:gradFill>
+        </p:spPr>
+        <p:txBody>
+          <a:bodyPr wrap="square" rtlCol="0">
+            <a:spAutoFit/>
+          </a:bodyPr>
+          <a:lstStyle/>
+          <a:p>
+            <a:r>
+              <a:rPr kumimoji="1" lang="ja-JP" altLang="en-US" sz="2400" dirty="0">
+                <a:latin typeface="HGP明朝B" panose="02020800000000000000" pitchFamily="18" charset="-128"/>
+                <a:ea typeface="HGP明朝B" panose="02020800000000000000" pitchFamily="18" charset="-128"/>
+              </a:rPr>
+              <a:t>👈新規登録はこちらをクリック</a:t>
+            </a:r>
+          </a:p>
+        </p:txBody>
+      </p:sp>
+      <p:sp>
+        <p:nvSpPr>
+          <p:cNvPr id="2" name="テキスト ボックス 1">
+            <a:extLst>
+              <a:ext uri="{FF2B5EF4-FFF2-40B4-BE49-F238E27FC236}">
+                <a16:creationId xmlns:a16="http://schemas.microsoft.com/office/drawing/2014/main" id="{180D5520-1C46-4DFA-A106-B977DAAFD7F9}"/>
+              </a:ext>
+            </a:extLst>
+          </p:cNvPr>
+          <p:cNvSpPr txBox="1"/>
+          <p:nvPr/>
+        </p:nvSpPr>
+        <p:spPr>
+          <a:xfrm>
+            <a:off x="3718560" y="3187336"/>
+            <a:ext cx="1820091" cy="246221"/>
           </a:xfrm>
           <a:prstGeom prst="rect">
             <a:avLst/>
@@ -7856,8 +9205,44 @@
           <a:lstStyle/>
           <a:p>
             <a:r>
-              <a:rPr kumimoji="1" lang="ja-JP" altLang="en-US" dirty="0"/>
-              <a:t>登録済みのメールアドレス、パスワードを入力し、ログインボタンをクリック。</a:t>
+              <a:rPr kumimoji="1" lang="en-US" altLang="ja-JP" sz="1000" dirty="0"/>
+              <a:t>abc@defg.jp</a:t>
+            </a:r>
+            <a:endParaRPr kumimoji="1" lang="ja-JP" altLang="en-US" sz="1000" dirty="0"/>
+          </a:p>
+        </p:txBody>
+      </p:sp>
+      <p:sp>
+        <p:nvSpPr>
+          <p:cNvPr id="9" name="テキスト ボックス 8">
+            <a:extLst>
+              <a:ext uri="{FF2B5EF4-FFF2-40B4-BE49-F238E27FC236}">
+                <a16:creationId xmlns:a16="http://schemas.microsoft.com/office/drawing/2014/main" id="{CA076EA7-9576-4EA5-8BC4-2C7ECED014E1}"/>
+              </a:ext>
+            </a:extLst>
+          </p:cNvPr>
+          <p:cNvSpPr txBox="1"/>
+          <p:nvPr/>
+        </p:nvSpPr>
+        <p:spPr>
+          <a:xfrm>
+            <a:off x="3718559" y="3819317"/>
+            <a:ext cx="1820091" cy="246221"/>
+          </a:xfrm>
+          <a:prstGeom prst="rect">
+            <a:avLst/>
+          </a:prstGeom>
+          <a:noFill/>
+        </p:spPr>
+        <p:txBody>
+          <a:bodyPr wrap="square" rtlCol="0">
+            <a:spAutoFit/>
+          </a:bodyPr>
+          <a:lstStyle/>
+          <a:p>
+            <a:r>
+              <a:rPr kumimoji="1" lang="ja-JP" altLang="en-US" sz="1000" dirty="0"/>
+              <a:t>●●●●●</a:t>
             </a:r>
           </a:p>
         </p:txBody>
@@ -7865,13 +9250,261 @@
     </p:spTree>
     <p:extLst>
       <p:ext uri="{BB962C8B-B14F-4D97-AF65-F5344CB8AC3E}">
-        <p14:creationId xmlns:p14="http://schemas.microsoft.com/office/powerpoint/2010/main" val="2108697885"/>
+        <p14:creationId xmlns:p14="http://schemas.microsoft.com/office/powerpoint/2010/main" val="2195834783"/>
       </p:ext>
     </p:extLst>
   </p:cSld>
   <p:clrMapOvr>
     <a:masterClrMapping/>
   </p:clrMapOvr>
+  <p:timing>
+    <p:tnLst>
+      <p:par>
+        <p:cTn id="1" dur="indefinite" restart="never" nodeType="tmRoot">
+          <p:childTnLst>
+            <p:seq concurrent="1" nextAc="seek">
+              <p:cTn id="2" dur="indefinite" nodeType="mainSeq">
+                <p:childTnLst>
+                  <p:par>
+                    <p:cTn id="3" fill="hold">
+                      <p:stCondLst>
+                        <p:cond delay="indefinite"/>
+                      </p:stCondLst>
+                      <p:childTnLst>
+                        <p:par>
+                          <p:cTn id="4" fill="hold">
+                            <p:stCondLst>
+                              <p:cond delay="0"/>
+                            </p:stCondLst>
+                            <p:childTnLst>
+                              <p:par>
+                                <p:cTn id="5" presetID="10" presetClass="entr" presetSubtype="0" fill="hold" grpId="0" nodeType="clickEffect">
+                                  <p:stCondLst>
+                                    <p:cond delay="0"/>
+                                  </p:stCondLst>
+                                  <p:childTnLst>
+                                    <p:set>
+                                      <p:cBhvr>
+                                        <p:cTn id="6" dur="1" fill="hold">
+                                          <p:stCondLst>
+                                            <p:cond delay="0"/>
+                                          </p:stCondLst>
+                                        </p:cTn>
+                                        <p:tgtEl>
+                                          <p:spTgt spid="2">
+                                            <p:txEl>
+                                              <p:pRg st="0" end="0"/>
+                                            </p:txEl>
+                                          </p:spTgt>
+                                        </p:tgtEl>
+                                        <p:attrNameLst>
+                                          <p:attrName>style.visibility</p:attrName>
+                                        </p:attrNameLst>
+                                      </p:cBhvr>
+                                      <p:to>
+                                        <p:strVal val="visible"/>
+                                      </p:to>
+                                    </p:set>
+                                    <p:animEffect transition="in" filter="fade">
+                                      <p:cBhvr>
+                                        <p:cTn id="7" dur="500"/>
+                                        <p:tgtEl>
+                                          <p:spTgt spid="2">
+                                            <p:txEl>
+                                              <p:pRg st="0" end="0"/>
+                                            </p:txEl>
+                                          </p:spTgt>
+                                        </p:tgtEl>
+                                      </p:cBhvr>
+                                    </p:animEffect>
+                                  </p:childTnLst>
+                                </p:cTn>
+                              </p:par>
+                            </p:childTnLst>
+                          </p:cTn>
+                        </p:par>
+                      </p:childTnLst>
+                    </p:cTn>
+                  </p:par>
+                  <p:par>
+                    <p:cTn id="8" fill="hold">
+                      <p:stCondLst>
+                        <p:cond delay="indefinite"/>
+                      </p:stCondLst>
+                      <p:childTnLst>
+                        <p:par>
+                          <p:cTn id="9" fill="hold">
+                            <p:stCondLst>
+                              <p:cond delay="0"/>
+                            </p:stCondLst>
+                            <p:childTnLst>
+                              <p:par>
+                                <p:cTn id="10" presetID="10" presetClass="entr" presetSubtype="0" fill="hold" grpId="0" nodeType="clickEffect">
+                                  <p:stCondLst>
+                                    <p:cond delay="0"/>
+                                  </p:stCondLst>
+                                  <p:childTnLst>
+                                    <p:set>
+                                      <p:cBhvr>
+                                        <p:cTn id="11" dur="1" fill="hold">
+                                          <p:stCondLst>
+                                            <p:cond delay="0"/>
+                                          </p:stCondLst>
+                                        </p:cTn>
+                                        <p:tgtEl>
+                                          <p:spTgt spid="9">
+                                            <p:txEl>
+                                              <p:pRg st="0" end="0"/>
+                                            </p:txEl>
+                                          </p:spTgt>
+                                        </p:tgtEl>
+                                        <p:attrNameLst>
+                                          <p:attrName>style.visibility</p:attrName>
+                                        </p:attrNameLst>
+                                      </p:cBhvr>
+                                      <p:to>
+                                        <p:strVal val="visible"/>
+                                      </p:to>
+                                    </p:set>
+                                    <p:animEffect transition="in" filter="fade">
+                                      <p:cBhvr>
+                                        <p:cTn id="12" dur="500"/>
+                                        <p:tgtEl>
+                                          <p:spTgt spid="9">
+                                            <p:txEl>
+                                              <p:pRg st="0" end="0"/>
+                                            </p:txEl>
+                                          </p:spTgt>
+                                        </p:tgtEl>
+                                      </p:cBhvr>
+                                    </p:animEffect>
+                                  </p:childTnLst>
+                                </p:cTn>
+                              </p:par>
+                            </p:childTnLst>
+                          </p:cTn>
+                        </p:par>
+                      </p:childTnLst>
+                    </p:cTn>
+                  </p:par>
+                  <p:par>
+                    <p:cTn id="13" fill="hold">
+                      <p:stCondLst>
+                        <p:cond delay="indefinite"/>
+                      </p:stCondLst>
+                      <p:childTnLst>
+                        <p:par>
+                          <p:cTn id="14" fill="hold">
+                            <p:stCondLst>
+                              <p:cond delay="0"/>
+                            </p:stCondLst>
+                            <p:childTnLst>
+                              <p:par>
+                                <p:cTn id="15" presetID="2" presetClass="entr" presetSubtype="2" fill="hold" grpId="0" nodeType="clickEffect">
+                                  <p:stCondLst>
+                                    <p:cond delay="0"/>
+                                  </p:stCondLst>
+                                  <p:childTnLst>
+                                    <p:set>
+                                      <p:cBhvr>
+                                        <p:cTn id="16" dur="1" fill="hold">
+                                          <p:stCondLst>
+                                            <p:cond delay="0"/>
+                                          </p:stCondLst>
+                                        </p:cTn>
+                                        <p:tgtEl>
+                                          <p:spTgt spid="8"/>
+                                        </p:tgtEl>
+                                        <p:attrNameLst>
+                                          <p:attrName>style.visibility</p:attrName>
+                                        </p:attrNameLst>
+                                      </p:cBhvr>
+                                      <p:to>
+                                        <p:strVal val="visible"/>
+                                      </p:to>
+                                    </p:set>
+                                    <p:anim calcmode="lin" valueType="num">
+                                      <p:cBhvr additive="base">
+                                        <p:cTn id="17" dur="500" fill="hold"/>
+                                        <p:tgtEl>
+                                          <p:spTgt spid="8"/>
+                                        </p:tgtEl>
+                                        <p:attrNameLst>
+                                          <p:attrName>ppt_x</p:attrName>
+                                        </p:attrNameLst>
+                                      </p:cBhvr>
+                                      <p:tavLst>
+                                        <p:tav tm="0">
+                                          <p:val>
+                                            <p:strVal val="1+#ppt_w/2"/>
+                                          </p:val>
+                                        </p:tav>
+                                        <p:tav tm="100000">
+                                          <p:val>
+                                            <p:strVal val="#ppt_x"/>
+                                          </p:val>
+                                        </p:tav>
+                                      </p:tavLst>
+                                    </p:anim>
+                                    <p:anim calcmode="lin" valueType="num">
+                                      <p:cBhvr additive="base">
+                                        <p:cTn id="18" dur="500" fill="hold"/>
+                                        <p:tgtEl>
+                                          <p:spTgt spid="8"/>
+                                        </p:tgtEl>
+                                        <p:attrNameLst>
+                                          <p:attrName>ppt_y</p:attrName>
+                                        </p:attrNameLst>
+                                      </p:cBhvr>
+                                      <p:tavLst>
+                                        <p:tav tm="0">
+                                          <p:val>
+                                            <p:strVal val="#ppt_y"/>
+                                          </p:val>
+                                        </p:tav>
+                                        <p:tav tm="100000">
+                                          <p:val>
+                                            <p:strVal val="#ppt_y"/>
+                                          </p:val>
+                                        </p:tav>
+                                      </p:tavLst>
+                                    </p:anim>
+                                  </p:childTnLst>
+                                </p:cTn>
+                              </p:par>
+                            </p:childTnLst>
+                          </p:cTn>
+                        </p:par>
+                      </p:childTnLst>
+                    </p:cTn>
+                  </p:par>
+                </p:childTnLst>
+              </p:cTn>
+              <p:prevCondLst>
+                <p:cond evt="onPrev" delay="0">
+                  <p:tgtEl>
+                    <p:sldTgt/>
+                  </p:tgtEl>
+                </p:cond>
+              </p:prevCondLst>
+              <p:nextCondLst>
+                <p:cond evt="onNext" delay="0">
+                  <p:tgtEl>
+                    <p:sldTgt/>
+                  </p:tgtEl>
+                </p:cond>
+              </p:nextCondLst>
+            </p:seq>
+          </p:childTnLst>
+        </p:cTn>
+      </p:par>
+    </p:tnLst>
+    <p:bldLst>
+      <p:bldP spid="8" grpId="0" animBg="1"/>
+      <p:bldP spid="2" grpId="0" build="p"/>
+      <p:bldP spid="9" grpId="0" build="p"/>
+    </p:bldLst>
+  </p:timing>
 </p:sld>
 </file>
 
